--- a/前野七楓/3Dチーム制作/3Dチーム制作ワンシート(1).pptx
+++ b/前野七楓/3Dチーム制作/3Dチーム制作ワンシート(1).pptx
@@ -243,7 +243,7 @@
           <a:p>
             <a:fld id="{A2BE6C28-2C5B-4C5A-A6F9-9CC985FD3C53}" type="datetimeFigureOut">
               <a:rPr kumimoji="1" lang="ja-JP" altLang="en-US" smtClean="0"/>
-              <a:t>2020/12/14</a:t>
+              <a:t>2020/12/15</a:t>
             </a:fld>
             <a:endParaRPr kumimoji="1" lang="ja-JP" altLang="en-US"/>
           </a:p>
@@ -445,7 +445,7 @@
           <a:p>
             <a:fld id="{A2BE6C28-2C5B-4C5A-A6F9-9CC985FD3C53}" type="datetimeFigureOut">
               <a:rPr kumimoji="1" lang="ja-JP" altLang="en-US" smtClean="0"/>
-              <a:t>2020/12/14</a:t>
+              <a:t>2020/12/15</a:t>
             </a:fld>
             <a:endParaRPr kumimoji="1" lang="ja-JP" altLang="en-US"/>
           </a:p>
@@ -657,7 +657,7 @@
           <a:p>
             <a:fld id="{A2BE6C28-2C5B-4C5A-A6F9-9CC985FD3C53}" type="datetimeFigureOut">
               <a:rPr kumimoji="1" lang="ja-JP" altLang="en-US" smtClean="0"/>
-              <a:t>2020/12/14</a:t>
+              <a:t>2020/12/15</a:t>
             </a:fld>
             <a:endParaRPr kumimoji="1" lang="ja-JP" altLang="en-US"/>
           </a:p>
@@ -859,7 +859,7 @@
           <a:p>
             <a:fld id="{A2BE6C28-2C5B-4C5A-A6F9-9CC985FD3C53}" type="datetimeFigureOut">
               <a:rPr kumimoji="1" lang="ja-JP" altLang="en-US" smtClean="0"/>
-              <a:t>2020/12/14</a:t>
+              <a:t>2020/12/15</a:t>
             </a:fld>
             <a:endParaRPr kumimoji="1" lang="ja-JP" altLang="en-US"/>
           </a:p>
@@ -1103,7 +1103,7 @@
           <a:p>
             <a:fld id="{A2BE6C28-2C5B-4C5A-A6F9-9CC985FD3C53}" type="datetimeFigureOut">
               <a:rPr kumimoji="1" lang="ja-JP" altLang="en-US" smtClean="0"/>
-              <a:t>2020/12/14</a:t>
+              <a:t>2020/12/15</a:t>
             </a:fld>
             <a:endParaRPr kumimoji="1" lang="ja-JP" altLang="en-US"/>
           </a:p>
@@ -1399,7 +1399,7 @@
           <a:p>
             <a:fld id="{A2BE6C28-2C5B-4C5A-A6F9-9CC985FD3C53}" type="datetimeFigureOut">
               <a:rPr kumimoji="1" lang="ja-JP" altLang="en-US" smtClean="0"/>
-              <a:t>2020/12/14</a:t>
+              <a:t>2020/12/15</a:t>
             </a:fld>
             <a:endParaRPr kumimoji="1" lang="ja-JP" altLang="en-US"/>
           </a:p>
@@ -1830,7 +1830,7 @@
           <a:p>
             <a:fld id="{A2BE6C28-2C5B-4C5A-A6F9-9CC985FD3C53}" type="datetimeFigureOut">
               <a:rPr kumimoji="1" lang="ja-JP" altLang="en-US" smtClean="0"/>
-              <a:t>2020/12/14</a:t>
+              <a:t>2020/12/15</a:t>
             </a:fld>
             <a:endParaRPr kumimoji="1" lang="ja-JP" altLang="en-US"/>
           </a:p>
@@ -1948,7 +1948,7 @@
           <a:p>
             <a:fld id="{A2BE6C28-2C5B-4C5A-A6F9-9CC985FD3C53}" type="datetimeFigureOut">
               <a:rPr kumimoji="1" lang="ja-JP" altLang="en-US" smtClean="0"/>
-              <a:t>2020/12/14</a:t>
+              <a:t>2020/12/15</a:t>
             </a:fld>
             <a:endParaRPr kumimoji="1" lang="ja-JP" altLang="en-US"/>
           </a:p>
@@ -2043,7 +2043,7 @@
           <a:p>
             <a:fld id="{A2BE6C28-2C5B-4C5A-A6F9-9CC985FD3C53}" type="datetimeFigureOut">
               <a:rPr kumimoji="1" lang="ja-JP" altLang="en-US" smtClean="0"/>
-              <a:t>2020/12/14</a:t>
+              <a:t>2020/12/15</a:t>
             </a:fld>
             <a:endParaRPr kumimoji="1" lang="ja-JP" altLang="en-US"/>
           </a:p>
@@ -2352,7 +2352,7 @@
           <a:p>
             <a:fld id="{A2BE6C28-2C5B-4C5A-A6F9-9CC985FD3C53}" type="datetimeFigureOut">
               <a:rPr kumimoji="1" lang="ja-JP" altLang="en-US" smtClean="0"/>
-              <a:t>2020/12/14</a:t>
+              <a:t>2020/12/15</a:t>
             </a:fld>
             <a:endParaRPr kumimoji="1" lang="ja-JP" altLang="en-US"/>
           </a:p>
@@ -2609,7 +2609,7 @@
           <a:p>
             <a:fld id="{A2BE6C28-2C5B-4C5A-A6F9-9CC985FD3C53}" type="datetimeFigureOut">
               <a:rPr kumimoji="1" lang="ja-JP" altLang="en-US" smtClean="0"/>
-              <a:t>2020/12/14</a:t>
+              <a:t>2020/12/15</a:t>
             </a:fld>
             <a:endParaRPr kumimoji="1" lang="ja-JP" altLang="en-US"/>
           </a:p>
@@ -2854,7 +2854,7 @@
           <a:p>
             <a:fld id="{A2BE6C28-2C5B-4C5A-A6F9-9CC985FD3C53}" type="datetimeFigureOut">
               <a:rPr kumimoji="1" lang="ja-JP" altLang="en-US" smtClean="0"/>
-              <a:t>2020/12/14</a:t>
+              <a:t>2020/12/15</a:t>
             </a:fld>
             <a:endParaRPr kumimoji="1" lang="ja-JP" altLang="en-US"/>
           </a:p>
@@ -3274,88 +3274,6 @@
           <a:chExt cx="0" cy="0"/>
         </a:xfrm>
       </p:grpSpPr>
-      <p:pic>
-        <p:nvPicPr>
-          <p:cNvPr id="19" name="図 18"/>
-          <p:cNvPicPr>
-            <a:picLocks noChangeAspect="1"/>
-          </p:cNvPicPr>
-          <p:nvPr/>
-        </p:nvPicPr>
-        <p:blipFill>
-          <a:blip r:embed="rId3">
-            <a:extLst>
-              <a:ext uri="{28A0092B-C50C-407E-A947-70E740481C1C}">
-                <a14:useLocalDpi xmlns:a14="http://schemas.microsoft.com/office/drawing/2010/main" val="0"/>
-              </a:ext>
-            </a:extLst>
-          </a:blip>
-          <a:stretch>
-            <a:fillRect/>
-          </a:stretch>
-        </p:blipFill>
-        <p:spPr>
-          <a:xfrm>
-            <a:off x="4612617" y="5349603"/>
-            <a:ext cx="2846567" cy="4808390"/>
-          </a:xfrm>
-          <a:prstGeom prst="rect">
-            <a:avLst/>
-          </a:prstGeom>
-          <a:effectLst>
-            <a:outerShdw blurRad="50800" dist="292100" sx="99000" sy="99000" algn="ctr" rotWithShape="0">
-              <a:srgbClr val="000000">
-                <a:alpha val="43137"/>
-              </a:srgbClr>
-            </a:outerShdw>
-          </a:effectLst>
-        </p:spPr>
-      </p:pic>
-      <p:pic>
-        <p:nvPicPr>
-          <p:cNvPr id="18" name="図 17"/>
-          <p:cNvPicPr>
-            <a:picLocks noChangeAspect="1"/>
-          </p:cNvPicPr>
-          <p:nvPr/>
-        </p:nvPicPr>
-        <p:blipFill rotWithShape="1">
-          <a:blip r:embed="rId4" cstate="print">
-            <a:extLst>
-              <a:ext uri="{BEBA8EAE-BF5A-486C-A8C5-ECC9F3942E4B}">
-                <a14:imgProps xmlns:a14="http://schemas.microsoft.com/office/drawing/2010/main">
-                  <a14:imgLayer r:embed="rId5">
-                    <a14:imgEffect>
-                      <a14:saturation sat="198000"/>
-                    </a14:imgEffect>
-                  </a14:imgLayer>
-                </a14:imgProps>
-              </a:ext>
-              <a:ext uri="{28A0092B-C50C-407E-A947-70E740481C1C}">
-                <a14:useLocalDpi xmlns:a14="http://schemas.microsoft.com/office/drawing/2010/main" val="0"/>
-              </a:ext>
-            </a:extLst>
-          </a:blip>
-          <a:srcRect l="18070" t="16797" r="16543" b="10294"/>
-          <a:stretch/>
-        </p:blipFill>
-        <p:spPr>
-          <a:xfrm>
-            <a:off x="-548640" y="2694432"/>
-            <a:ext cx="2755392" cy="3072384"/>
-          </a:xfrm>
-          <a:prstGeom prst="rect">
-            <a:avLst/>
-          </a:prstGeom>
-          <a:effectLst>
-            <a:outerShdw blurRad="50800" dist="203200" dir="21540000" sx="102000" sy="102000" algn="ctr" rotWithShape="0">
-              <a:srgbClr val="000000">
-                <a:alpha val="59000"/>
-              </a:srgbClr>
-            </a:outerShdw>
-          </a:effectLst>
-        </p:spPr>
-      </p:pic>
       <p:sp>
         <p:nvSpPr>
           <p:cNvPr id="4" name="テキスト ボックス 3"/>
@@ -3438,8 +3356,8 @@
         </p:nvSpPr>
         <p:spPr>
           <a:xfrm>
-            <a:off x="68310" y="3991823"/>
-            <a:ext cx="6857998" cy="2513658"/>
+            <a:off x="71801" y="3194310"/>
+            <a:ext cx="6773483" cy="2668381"/>
           </a:xfrm>
           <a:prstGeom prst="rect">
             <a:avLst/>
@@ -3492,24 +3410,118 @@
           <a:bodyPr rtlCol="0" anchor="ctr"/>
           <a:lstStyle/>
           <a:p>
-            <a:endParaRPr lang="en-US" altLang="ja-JP" sz="2400" b="1" dirty="0" smtClean="0">
+            <a:pPr marL="342900" indent="-342900">
+              <a:buFont typeface="Arial" panose="020B0604020202020204" pitchFamily="34" charset="0"/>
+              <a:buChar char="•"/>
+            </a:pPr>
+            <a:r>
+              <a:rPr lang="ja-JP" altLang="en-US" sz="2200" dirty="0" smtClean="0">
+                <a:ln>
+                  <a:solidFill>
+                    <a:schemeClr val="bg2">
+                      <a:lumMod val="50000"/>
+                    </a:schemeClr>
+                  </a:solidFill>
+                </a:ln>
+                <a:solidFill>
+                  <a:schemeClr val="tx1"/>
+                </a:solidFill>
+                <a:latin typeface="HG明朝B" panose="02020809000000000000" pitchFamily="17" charset="-128"/>
+                <a:ea typeface="HG明朝B" panose="02020809000000000000" pitchFamily="17" charset="-128"/>
+              </a:rPr>
+              <a:t>一定の敵を倒しステージを進め、ボスを攻略する。</a:t>
+            </a:r>
+            <a:endParaRPr lang="en-US" altLang="ja-JP" sz="2200" dirty="0" smtClean="0">
               <a:ln>
                 <a:solidFill>
-                  <a:schemeClr val="bg1">
-                    <a:lumMod val="65000"/>
+                  <a:schemeClr val="bg2">
+                    <a:lumMod val="50000"/>
                   </a:schemeClr>
                 </a:solidFill>
               </a:ln>
               <a:solidFill>
-                <a:schemeClr val="tx1">
-                  <a:lumMod val="95000"/>
-                  <a:lumOff val="5000"/>
-                </a:schemeClr>
+                <a:schemeClr val="tx1"/>
               </a:solidFill>
               <a:latin typeface="HG明朝B" panose="02020809000000000000" pitchFamily="17" charset="-128"/>
               <a:ea typeface="HG明朝B" panose="02020809000000000000" pitchFamily="17" charset="-128"/>
             </a:endParaRPr>
           </a:p>
+          <a:p>
+            <a:endParaRPr lang="en-US" altLang="ja-JP" sz="2200" dirty="0" smtClean="0">
+              <a:ln>
+                <a:solidFill>
+                  <a:schemeClr val="bg2">
+                    <a:lumMod val="50000"/>
+                  </a:schemeClr>
+                </a:solidFill>
+              </a:ln>
+              <a:solidFill>
+                <a:schemeClr val="tx1"/>
+              </a:solidFill>
+              <a:latin typeface="HG明朝B" panose="02020809000000000000" pitchFamily="17" charset="-128"/>
+              <a:ea typeface="HG明朝B" panose="02020809000000000000" pitchFamily="17" charset="-128"/>
+            </a:endParaRPr>
+          </a:p>
+          <a:p>
+            <a:pPr marL="342900" indent="-342900">
+              <a:buFont typeface="Arial" panose="020B0604020202020204" pitchFamily="34" charset="0"/>
+              <a:buChar char="•"/>
+            </a:pPr>
+            <a:endParaRPr lang="en-US" altLang="ja-JP" sz="2200" dirty="0" smtClean="0">
+              <a:ln>
+                <a:solidFill>
+                  <a:schemeClr val="bg2">
+                    <a:lumMod val="50000"/>
+                  </a:schemeClr>
+                </a:solidFill>
+              </a:ln>
+              <a:solidFill>
+                <a:schemeClr val="tx1"/>
+              </a:solidFill>
+              <a:latin typeface="HG明朝B" panose="02020809000000000000" pitchFamily="17" charset="-128"/>
+              <a:ea typeface="HG明朝B" panose="02020809000000000000" pitchFamily="17" charset="-128"/>
+            </a:endParaRPr>
+          </a:p>
+          <a:p>
+            <a:pPr marL="342900" indent="-342900">
+              <a:buFont typeface="Arial" panose="020B0604020202020204" pitchFamily="34" charset="0"/>
+              <a:buChar char="•"/>
+            </a:pPr>
+            <a:endParaRPr lang="en-US" altLang="ja-JP" sz="2200" dirty="0" smtClean="0">
+              <a:ln>
+                <a:solidFill>
+                  <a:schemeClr val="bg2">
+                    <a:lumMod val="50000"/>
+                  </a:schemeClr>
+                </a:solidFill>
+              </a:ln>
+              <a:solidFill>
+                <a:schemeClr val="tx1"/>
+              </a:solidFill>
+              <a:latin typeface="HG明朝B" panose="02020809000000000000" pitchFamily="17" charset="-128"/>
+              <a:ea typeface="HG明朝B" panose="02020809000000000000" pitchFamily="17" charset="-128"/>
+            </a:endParaRPr>
+          </a:p>
+          <a:p>
+            <a:pPr marL="342900" indent="-342900">
+              <a:buFont typeface="Arial" panose="020B0604020202020204" pitchFamily="34" charset="0"/>
+              <a:buChar char="•"/>
+            </a:pPr>
+            <a:endParaRPr lang="en-US" altLang="ja-JP" sz="2200" dirty="0">
+              <a:ln>
+                <a:solidFill>
+                  <a:schemeClr val="bg2">
+                    <a:lumMod val="50000"/>
+                  </a:schemeClr>
+                </a:solidFill>
+              </a:ln>
+              <a:solidFill>
+                <a:schemeClr val="tx1"/>
+              </a:solidFill>
+              <a:latin typeface="HG明朝B" panose="02020809000000000000" pitchFamily="17" charset="-128"/>
+              <a:ea typeface="HG明朝B" panose="02020809000000000000" pitchFamily="17" charset="-128"/>
+            </a:endParaRPr>
+          </a:p>
         </p:txBody>
       </p:sp>
       <p:sp>
@@ -3520,8 +3532,8 @@
         </p:nvSpPr>
         <p:spPr>
           <a:xfrm>
-            <a:off x="68310" y="7549662"/>
-            <a:ext cx="6858000" cy="1723457"/>
+            <a:off x="-58342" y="6662927"/>
+            <a:ext cx="6963508" cy="3088889"/>
           </a:xfrm>
           <a:prstGeom prst="rect">
             <a:avLst/>
@@ -3573,39 +3585,32 @@
           <a:bodyPr rtlCol="0" anchor="ctr"/>
           <a:lstStyle/>
           <a:p>
-            <a:r>
-              <a:rPr lang="ja-JP" altLang="en-US" sz="2800" b="1" dirty="0" smtClean="0">
-                <a:ln>
-                  <a:solidFill>
-                    <a:schemeClr val="bg1">
-                      <a:lumMod val="65000"/>
-                    </a:schemeClr>
-                  </a:solidFill>
-                </a:ln>
-                <a:solidFill>
-                  <a:schemeClr val="tx1">
-                    <a:lumMod val="95000"/>
-                    <a:lumOff val="5000"/>
-                  </a:schemeClr>
-                </a:solidFill>
-                <a:latin typeface="HG明朝B" panose="02020809000000000000" pitchFamily="17" charset="-128"/>
-                <a:ea typeface="HG明朝B" panose="02020809000000000000" pitchFamily="17" charset="-128"/>
-              </a:rPr>
-              <a:t>・戦闘シーンの強調</a:t>
-            </a:r>
-            <a:endParaRPr kumimoji="1" lang="en-US" altLang="ja-JP" sz="2800" b="1" dirty="0" smtClean="0">
+            <a:endParaRPr lang="en-US" altLang="ja-JP" sz="2200" dirty="0" smtClean="0">
               <a:ln>
                 <a:solidFill>
-                  <a:schemeClr val="bg1">
-                    <a:lumMod val="65000"/>
+                  <a:schemeClr val="bg2">
+                    <a:lumMod val="50000"/>
                   </a:schemeClr>
                 </a:solidFill>
               </a:ln>
               <a:solidFill>
-                <a:schemeClr val="tx1">
-                  <a:lumMod val="95000"/>
-                  <a:lumOff val="5000"/>
-                </a:schemeClr>
+                <a:schemeClr val="tx1"/>
+              </a:solidFill>
+              <a:latin typeface="HG明朝B" panose="02020809000000000000" pitchFamily="17" charset="-128"/>
+              <a:ea typeface="HG明朝B" panose="02020809000000000000" pitchFamily="17" charset="-128"/>
+            </a:endParaRPr>
+          </a:p>
+          <a:p>
+            <a:endParaRPr lang="en-US" altLang="ja-JP" sz="2200" dirty="0" smtClean="0">
+              <a:ln>
+                <a:solidFill>
+                  <a:schemeClr val="bg2">
+                    <a:lumMod val="50000"/>
+                  </a:schemeClr>
+                </a:solidFill>
+              </a:ln>
+              <a:solidFill>
+                <a:schemeClr val="tx1"/>
               </a:solidFill>
               <a:latin typeface="HG明朝B" panose="02020809000000000000" pitchFamily="17" charset="-128"/>
               <a:ea typeface="HG明朝B" panose="02020809000000000000" pitchFamily="17" charset="-128"/>
@@ -3679,7 +3684,7 @@
         </p:nvSpPr>
         <p:spPr>
           <a:xfrm>
-            <a:off x="164832" y="1759336"/>
+            <a:off x="-22235" y="1530636"/>
             <a:ext cx="6764968" cy="1072416"/>
           </a:xfrm>
           <a:prstGeom prst="rect">
@@ -3960,7 +3965,7 @@
         </p:nvSpPr>
         <p:spPr>
           <a:xfrm>
-            <a:off x="164832" y="940648"/>
+            <a:off x="71801" y="656388"/>
             <a:ext cx="1742785" cy="1200329"/>
           </a:xfrm>
           <a:prstGeom prst="rect">
@@ -4005,7 +4010,7 @@
         </p:nvSpPr>
         <p:spPr>
           <a:xfrm>
-            <a:off x="4612617" y="3130729"/>
+            <a:off x="4367521" y="2349972"/>
             <a:ext cx="2064989" cy="1477328"/>
           </a:xfrm>
           <a:prstGeom prst="rect">
@@ -4056,7 +4061,7 @@
         </p:nvSpPr>
         <p:spPr>
           <a:xfrm>
-            <a:off x="362000" y="6701396"/>
+            <a:off x="71801" y="5658836"/>
             <a:ext cx="1545616" cy="1200329"/>
           </a:xfrm>
           <a:prstGeom prst="rect">
@@ -4093,48 +4098,412 @@
           </a:p>
         </p:txBody>
       </p:sp>
-      <p:sp>
-        <p:nvSpPr>
-          <p:cNvPr id="8" name="テキスト ボックス 7"/>
-          <p:cNvSpPr txBox="1"/>
+      <p:pic>
+        <p:nvPicPr>
+          <p:cNvPr id="8" name="図 7"/>
+          <p:cNvPicPr>
+            <a:picLocks noChangeAspect="1"/>
+          </p:cNvPicPr>
           <p:nvPr/>
-        </p:nvSpPr>
+        </p:nvPicPr>
+        <p:blipFill>
+          <a:blip r:embed="rId3" cstate="print">
+            <a:extLst>
+              <a:ext uri="{28A0092B-C50C-407E-A947-70E740481C1C}">
+                <a14:useLocalDpi xmlns:a14="http://schemas.microsoft.com/office/drawing/2010/main" val="0"/>
+              </a:ext>
+            </a:extLst>
+          </a:blip>
+          <a:stretch>
+            <a:fillRect/>
+          </a:stretch>
+        </p:blipFill>
         <p:spPr>
-          <a:xfrm>
-            <a:off x="210026" y="4970588"/>
-            <a:ext cx="6647974" cy="646331"/>
+          <a:xfrm rot="765193">
+            <a:off x="8665902" y="6424062"/>
+            <a:ext cx="2670116" cy="1324378"/>
           </a:xfrm>
           <a:prstGeom prst="rect">
             <a:avLst/>
           </a:prstGeom>
-          <a:noFill/>
         </p:spPr>
-        <p:txBody>
-          <a:bodyPr wrap="none" rtlCol="0">
+      </p:pic>
+      <p:sp>
+        <p:nvSpPr>
+          <p:cNvPr id="11" name="正方形/長方形 10"/>
+          <p:cNvSpPr/>
+          <p:nvPr/>
+        </p:nvSpPr>
+        <p:spPr>
+          <a:xfrm>
+            <a:off x="-3413125" y="2251800"/>
+            <a:ext cx="3429000" cy="1754326"/>
+          </a:xfrm>
+          <a:prstGeom prst="rect">
+            <a:avLst/>
+          </a:prstGeom>
+        </p:spPr>
+        <p:txBody>
+          <a:bodyPr>
             <a:spAutoFit/>
           </a:bodyPr>
           <a:lstStyle/>
           <a:p>
             <a:r>
-              <a:rPr lang="ja-JP" altLang="en-US" dirty="0"/>
-              <a:t>コマンド</a:t>
-            </a:r>
-            <a:r>
-              <a:rPr lang="ja-JP" altLang="en-US" dirty="0" smtClean="0"/>
-              <a:t>による特殊攻撃で大勢の敵をまとめてなぎ倒したり、</a:t>
-            </a:r>
-            <a:endParaRPr lang="en-US" altLang="ja-JP" dirty="0" smtClean="0"/>
-          </a:p>
-          <a:p>
-            <a:r>
-              <a:rPr kumimoji="1" lang="ja-JP" altLang="en-US" dirty="0" smtClean="0"/>
-              <a:t>防御や回避で向かってくる敵を</a:t>
-            </a:r>
-            <a:r>
-              <a:rPr lang="ja-JP" altLang="en-US" dirty="0" smtClean="0"/>
-              <a:t>翻弄し打ち勝て。</a:t>
-            </a:r>
-            <a:endParaRPr kumimoji="1" lang="ja-JP" altLang="en-US" dirty="0"/>
+              <a:rPr lang="ja-JP" altLang="en-US" dirty="0">
+                <a:ln>
+                  <a:solidFill>
+                    <a:schemeClr val="bg2">
+                      <a:lumMod val="50000"/>
+                    </a:schemeClr>
+                  </a:solidFill>
+                </a:ln>
+                <a:latin typeface="HG明朝B" panose="02020809000000000000" pitchFamily="17" charset="-128"/>
+                <a:ea typeface="HG明朝B" panose="02020809000000000000" pitchFamily="17" charset="-128"/>
+              </a:rPr>
+              <a:t>コマンドによってエネルギーを消費し使用できる特殊攻撃で大勢の敵をまとめてなぎ倒しエネルギーを吸収しつつ、防御や回避で向かってくる敵を翻弄し打ち勝て。</a:t>
+            </a:r>
+            <a:endParaRPr lang="en-US" altLang="ja-JP" dirty="0">
+              <a:ln>
+                <a:solidFill>
+                  <a:schemeClr val="bg2">
+                    <a:lumMod val="50000"/>
+                  </a:schemeClr>
+                </a:solidFill>
+              </a:ln>
+              <a:latin typeface="HG明朝B" panose="02020809000000000000" pitchFamily="17" charset="-128"/>
+              <a:ea typeface="HG明朝B" panose="02020809000000000000" pitchFamily="17" charset="-128"/>
+            </a:endParaRPr>
+          </a:p>
+        </p:txBody>
+      </p:sp>
+      <p:sp>
+        <p:nvSpPr>
+          <p:cNvPr id="13" name="正方形/長方形 12"/>
+          <p:cNvSpPr/>
+          <p:nvPr/>
+        </p:nvSpPr>
+        <p:spPr>
+          <a:xfrm>
+            <a:off x="-22235" y="6763790"/>
+            <a:ext cx="6829410" cy="2554545"/>
+          </a:xfrm>
+          <a:prstGeom prst="rect">
+            <a:avLst/>
+          </a:prstGeom>
+        </p:spPr>
+        <p:txBody>
+          <a:bodyPr wrap="square">
+            <a:spAutoFit/>
+          </a:bodyPr>
+          <a:lstStyle/>
+          <a:p>
+            <a:r>
+              <a:rPr lang="en-US" altLang="ja-JP" sz="2000" dirty="0">
+                <a:ln>
+                  <a:solidFill>
+                    <a:schemeClr val="bg2">
+                      <a:lumMod val="50000"/>
+                    </a:schemeClr>
+                  </a:solidFill>
+                </a:ln>
+                <a:latin typeface="HG明朝B" panose="02020809000000000000" pitchFamily="17" charset="-128"/>
+                <a:ea typeface="HG明朝B" panose="02020809000000000000" pitchFamily="17" charset="-128"/>
+              </a:rPr>
+              <a:t>-</a:t>
+            </a:r>
+            <a:r>
+              <a:rPr lang="ja-JP" altLang="en-US" sz="2000" dirty="0">
+                <a:ln>
+                  <a:solidFill>
+                    <a:schemeClr val="bg2">
+                      <a:lumMod val="50000"/>
+                    </a:schemeClr>
+                  </a:solidFill>
+                </a:ln>
+                <a:latin typeface="HG明朝B" panose="02020809000000000000" pitchFamily="17" charset="-128"/>
+                <a:ea typeface="HG明朝B" panose="02020809000000000000" pitchFamily="17" charset="-128"/>
+              </a:rPr>
+              <a:t>攻撃</a:t>
+            </a:r>
+            <a:r>
+              <a:rPr lang="en-US" altLang="ja-JP" sz="2000" dirty="0">
+                <a:ln>
+                  <a:solidFill>
+                    <a:schemeClr val="bg2">
+                      <a:lumMod val="50000"/>
+                    </a:schemeClr>
+                  </a:solidFill>
+                </a:ln>
+                <a:latin typeface="HG明朝B" panose="02020809000000000000" pitchFamily="17" charset="-128"/>
+                <a:ea typeface="HG明朝B" panose="02020809000000000000" pitchFamily="17" charset="-128"/>
+              </a:rPr>
+              <a:t>-</a:t>
+            </a:r>
+          </a:p>
+          <a:p>
+            <a:r>
+              <a:rPr lang="ja-JP" altLang="en-US" sz="2000" dirty="0">
+                <a:ln>
+                  <a:solidFill>
+                    <a:schemeClr val="bg2">
+                      <a:lumMod val="50000"/>
+                    </a:schemeClr>
+                  </a:solidFill>
+                </a:ln>
+                <a:latin typeface="HG明朝B" panose="02020809000000000000" pitchFamily="17" charset="-128"/>
+                <a:ea typeface="HG明朝B" panose="02020809000000000000" pitchFamily="17" charset="-128"/>
+              </a:rPr>
+              <a:t>スキルは、エネルギーが溜まっている時に</a:t>
+            </a:r>
+            <a:r>
+              <a:rPr lang="ja-JP" altLang="en-US" sz="2000">
+                <a:ln>
+                  <a:solidFill>
+                    <a:schemeClr val="bg2">
+                      <a:lumMod val="50000"/>
+                    </a:schemeClr>
+                  </a:solidFill>
+                </a:ln>
+                <a:latin typeface="HG明朝B" panose="02020809000000000000" pitchFamily="17" charset="-128"/>
+                <a:ea typeface="HG明朝B" panose="02020809000000000000" pitchFamily="17" charset="-128"/>
+              </a:rPr>
+              <a:t>任意</a:t>
+            </a:r>
+            <a:r>
+              <a:rPr lang="ja-JP" altLang="en-US" sz="2000" smtClean="0">
+                <a:ln>
+                  <a:solidFill>
+                    <a:schemeClr val="bg2">
+                      <a:lumMod val="50000"/>
+                    </a:schemeClr>
+                  </a:solidFill>
+                </a:ln>
+                <a:latin typeface="HG明朝B" panose="02020809000000000000" pitchFamily="17" charset="-128"/>
+                <a:ea typeface="HG明朝B" panose="02020809000000000000" pitchFamily="17" charset="-128"/>
+              </a:rPr>
+              <a:t>で指示</a:t>
+            </a:r>
+            <a:r>
+              <a:rPr lang="ja-JP" altLang="en-US" sz="2000" dirty="0">
+                <a:ln>
+                  <a:solidFill>
+                    <a:schemeClr val="bg2">
+                      <a:lumMod val="50000"/>
+                    </a:schemeClr>
+                  </a:solidFill>
+                </a:ln>
+                <a:latin typeface="HG明朝B" panose="02020809000000000000" pitchFamily="17" charset="-128"/>
+                <a:ea typeface="HG明朝B" panose="02020809000000000000" pitchFamily="17" charset="-128"/>
+              </a:rPr>
+              <a:t>されたボタンを時間内に</a:t>
+            </a:r>
+            <a:r>
+              <a:rPr lang="ja-JP" altLang="en-US" sz="2000" dirty="0" smtClean="0">
+                <a:ln>
+                  <a:solidFill>
+                    <a:schemeClr val="bg2">
+                      <a:lumMod val="50000"/>
+                    </a:schemeClr>
+                  </a:solidFill>
+                </a:ln>
+                <a:latin typeface="HG明朝B" panose="02020809000000000000" pitchFamily="17" charset="-128"/>
+                <a:ea typeface="HG明朝B" panose="02020809000000000000" pitchFamily="17" charset="-128"/>
+              </a:rPr>
+              <a:t>入力成功</a:t>
+            </a:r>
+            <a:r>
+              <a:rPr lang="ja-JP" altLang="en-US" sz="2000" smtClean="0">
+                <a:ln>
+                  <a:solidFill>
+                    <a:schemeClr val="bg2">
+                      <a:lumMod val="50000"/>
+                    </a:schemeClr>
+                  </a:solidFill>
+                </a:ln>
+                <a:latin typeface="HG明朝B" panose="02020809000000000000" pitchFamily="17" charset="-128"/>
+                <a:ea typeface="HG明朝B" panose="02020809000000000000" pitchFamily="17" charset="-128"/>
+              </a:rPr>
+              <a:t>するとアクション開始。</a:t>
+            </a:r>
+            <a:endParaRPr lang="en-US" altLang="ja-JP" sz="2000" dirty="0">
+              <a:ln>
+                <a:solidFill>
+                  <a:schemeClr val="bg2">
+                    <a:lumMod val="50000"/>
+                  </a:schemeClr>
+                </a:solidFill>
+              </a:ln>
+              <a:latin typeface="HG明朝B" panose="02020809000000000000" pitchFamily="17" charset="-128"/>
+              <a:ea typeface="HG明朝B" panose="02020809000000000000" pitchFamily="17" charset="-128"/>
+            </a:endParaRPr>
+          </a:p>
+          <a:p>
+            <a:r>
+              <a:rPr lang="ja-JP" altLang="en-US" sz="2000" dirty="0" smtClean="0">
+                <a:ln>
+                  <a:solidFill>
+                    <a:schemeClr val="bg2">
+                      <a:lumMod val="50000"/>
+                    </a:schemeClr>
+                  </a:solidFill>
+                </a:ln>
+                <a:latin typeface="HG明朝B" panose="02020809000000000000" pitchFamily="17" charset="-128"/>
+                <a:ea typeface="HG明朝B" panose="02020809000000000000" pitchFamily="17" charset="-128"/>
+              </a:rPr>
+              <a:t>　刀</a:t>
+            </a:r>
+            <a:r>
+              <a:rPr lang="ja-JP" altLang="en-US" sz="2000" dirty="0">
+                <a:ln>
+                  <a:solidFill>
+                    <a:schemeClr val="bg2">
+                      <a:lumMod val="50000"/>
+                    </a:schemeClr>
+                  </a:solidFill>
+                </a:ln>
+                <a:latin typeface="HG明朝B" panose="02020809000000000000" pitchFamily="17" charset="-128"/>
+                <a:ea typeface="HG明朝B" panose="02020809000000000000" pitchFamily="17" charset="-128"/>
+              </a:rPr>
+              <a:t>の場合、単体対象で威力が高い。</a:t>
+            </a:r>
+            <a:endParaRPr lang="en-US" altLang="ja-JP" sz="2000" dirty="0">
+              <a:ln>
+                <a:solidFill>
+                  <a:schemeClr val="bg2">
+                    <a:lumMod val="50000"/>
+                  </a:schemeClr>
+                </a:solidFill>
+              </a:ln>
+              <a:latin typeface="HG明朝B" panose="02020809000000000000" pitchFamily="17" charset="-128"/>
+              <a:ea typeface="HG明朝B" panose="02020809000000000000" pitchFamily="17" charset="-128"/>
+            </a:endParaRPr>
+          </a:p>
+          <a:p>
+            <a:r>
+              <a:rPr lang="ja-JP" altLang="en-US" sz="2000" dirty="0" smtClean="0">
+                <a:ln>
+                  <a:solidFill>
+                    <a:schemeClr val="bg2">
+                      <a:lumMod val="50000"/>
+                    </a:schemeClr>
+                  </a:solidFill>
+                </a:ln>
+                <a:latin typeface="HG明朝B" panose="02020809000000000000" pitchFamily="17" charset="-128"/>
+                <a:ea typeface="HG明朝B" panose="02020809000000000000" pitchFamily="17" charset="-128"/>
+              </a:rPr>
+              <a:t>　薙刀</a:t>
+            </a:r>
+            <a:r>
+              <a:rPr lang="ja-JP" altLang="en-US" sz="2000" dirty="0">
+                <a:ln>
+                  <a:solidFill>
+                    <a:schemeClr val="bg2">
+                      <a:lumMod val="50000"/>
+                    </a:schemeClr>
+                  </a:solidFill>
+                </a:ln>
+                <a:latin typeface="HG明朝B" panose="02020809000000000000" pitchFamily="17" charset="-128"/>
+                <a:ea typeface="HG明朝B" panose="02020809000000000000" pitchFamily="17" charset="-128"/>
+              </a:rPr>
+              <a:t>の場合、一定範囲内対象で威力が低い。</a:t>
+            </a:r>
+            <a:endParaRPr lang="en-US" altLang="ja-JP" sz="2000" dirty="0">
+              <a:ln>
+                <a:solidFill>
+                  <a:schemeClr val="bg2">
+                    <a:lumMod val="50000"/>
+                  </a:schemeClr>
+                </a:solidFill>
+              </a:ln>
+              <a:latin typeface="HG明朝B" panose="02020809000000000000" pitchFamily="17" charset="-128"/>
+              <a:ea typeface="HG明朝B" panose="02020809000000000000" pitchFamily="17" charset="-128"/>
+            </a:endParaRPr>
+          </a:p>
+          <a:p>
+            <a:r>
+              <a:rPr lang="en-US" altLang="ja-JP" sz="2000" dirty="0">
+                <a:ln>
+                  <a:solidFill>
+                    <a:schemeClr val="bg2">
+                      <a:lumMod val="50000"/>
+                    </a:schemeClr>
+                  </a:solidFill>
+                </a:ln>
+                <a:latin typeface="HG明朝B" panose="02020809000000000000" pitchFamily="17" charset="-128"/>
+                <a:ea typeface="HG明朝B" panose="02020809000000000000" pitchFamily="17" charset="-128"/>
+              </a:rPr>
+              <a:t>-</a:t>
+            </a:r>
+            <a:r>
+              <a:rPr lang="ja-JP" altLang="en-US" sz="2000" dirty="0">
+                <a:ln>
+                  <a:solidFill>
+                    <a:schemeClr val="bg2">
+                      <a:lumMod val="50000"/>
+                    </a:schemeClr>
+                  </a:solidFill>
+                </a:ln>
+                <a:latin typeface="HG明朝B" panose="02020809000000000000" pitchFamily="17" charset="-128"/>
+                <a:ea typeface="HG明朝B" panose="02020809000000000000" pitchFamily="17" charset="-128"/>
+              </a:rPr>
+              <a:t>その他</a:t>
+            </a:r>
+            <a:r>
+              <a:rPr lang="en-US" altLang="ja-JP" sz="2000" dirty="0">
+                <a:ln>
+                  <a:solidFill>
+                    <a:schemeClr val="bg2">
+                      <a:lumMod val="50000"/>
+                    </a:schemeClr>
+                  </a:solidFill>
+                </a:ln>
+                <a:latin typeface="HG明朝B" panose="02020809000000000000" pitchFamily="17" charset="-128"/>
+                <a:ea typeface="HG明朝B" panose="02020809000000000000" pitchFamily="17" charset="-128"/>
+              </a:rPr>
+              <a:t>-</a:t>
+            </a:r>
+          </a:p>
+          <a:p>
+            <a:r>
+              <a:rPr lang="ja-JP" altLang="en-US" sz="2000" dirty="0">
+                <a:ln>
+                  <a:solidFill>
+                    <a:schemeClr val="bg2">
+                      <a:lumMod val="50000"/>
+                    </a:schemeClr>
+                  </a:solidFill>
+                </a:ln>
+                <a:latin typeface="HG明朝B" panose="02020809000000000000" pitchFamily="17" charset="-128"/>
+                <a:ea typeface="HG明朝B" panose="02020809000000000000" pitchFamily="17" charset="-128"/>
+              </a:rPr>
+              <a:t>回避とガードをジャストで決めることでエネルギー</a:t>
+            </a:r>
+            <a:r>
+              <a:rPr lang="ja-JP" altLang="en-US" sz="2000" dirty="0" smtClean="0">
+                <a:ln>
+                  <a:solidFill>
+                    <a:schemeClr val="bg2">
+                      <a:lumMod val="50000"/>
+                    </a:schemeClr>
+                  </a:solidFill>
+                </a:ln>
+                <a:latin typeface="HG明朝B" panose="02020809000000000000" pitchFamily="17" charset="-128"/>
+                <a:ea typeface="HG明朝B" panose="02020809000000000000" pitchFamily="17" charset="-128"/>
+              </a:rPr>
+              <a:t>回収する。</a:t>
+            </a:r>
+            <a:endParaRPr lang="en-US" altLang="ja-JP" sz="2000" dirty="0">
+              <a:ln>
+                <a:solidFill>
+                  <a:schemeClr val="bg2">
+                    <a:lumMod val="50000"/>
+                  </a:schemeClr>
+                </a:solidFill>
+              </a:ln>
+              <a:latin typeface="HG明朝B" panose="02020809000000000000" pitchFamily="17" charset="-128"/>
+              <a:ea typeface="HG明朝B" panose="02020809000000000000" pitchFamily="17" charset="-128"/>
+            </a:endParaRPr>
           </a:p>
         </p:txBody>
       </p:sp>

--- a/前野七楓/3Dチーム制作/3Dチーム制作ワンシート(1).pptx
+++ b/前野七楓/3Dチーム制作/3Dチーム制作ワンシート(1).pptx
@@ -3356,8 +3356,8 @@
         </p:nvSpPr>
         <p:spPr>
           <a:xfrm>
-            <a:off x="71801" y="3194310"/>
-            <a:ext cx="6773483" cy="2668381"/>
+            <a:off x="-49514" y="6822478"/>
+            <a:ext cx="6773483" cy="2801523"/>
           </a:xfrm>
           <a:prstGeom prst="rect">
             <a:avLst/>
@@ -3414,23 +3414,6 @@
               <a:buFont typeface="Arial" panose="020B0604020202020204" pitchFamily="34" charset="0"/>
               <a:buChar char="•"/>
             </a:pPr>
-            <a:r>
-              <a:rPr lang="ja-JP" altLang="en-US" sz="2200" dirty="0" smtClean="0">
-                <a:ln>
-                  <a:solidFill>
-                    <a:schemeClr val="bg2">
-                      <a:lumMod val="50000"/>
-                    </a:schemeClr>
-                  </a:solidFill>
-                </a:ln>
-                <a:solidFill>
-                  <a:schemeClr val="tx1"/>
-                </a:solidFill>
-                <a:latin typeface="HG明朝B" panose="02020809000000000000" pitchFamily="17" charset="-128"/>
-                <a:ea typeface="HG明朝B" panose="02020809000000000000" pitchFamily="17" charset="-128"/>
-              </a:rPr>
-              <a:t>一定の敵を倒しステージを進め、ボスを攻略する。</a:t>
-            </a:r>
             <a:endParaRPr lang="en-US" altLang="ja-JP" sz="2200" dirty="0" smtClean="0">
               <a:ln>
                 <a:solidFill>
@@ -3532,8 +3515,8 @@
         </p:nvSpPr>
         <p:spPr>
           <a:xfrm>
-            <a:off x="-58342" y="6662927"/>
-            <a:ext cx="6963508" cy="3088889"/>
+            <a:off x="103309" y="3022513"/>
+            <a:ext cx="6880235" cy="2907467"/>
           </a:xfrm>
           <a:prstGeom prst="rect">
             <a:avLst/>
@@ -3601,6 +3584,23 @@
             </a:endParaRPr>
           </a:p>
           <a:p>
+            <a:r>
+              <a:rPr lang="en-US" altLang="ja-JP" sz="2200" dirty="0" smtClean="0">
+                <a:ln>
+                  <a:solidFill>
+                    <a:schemeClr val="bg2">
+                      <a:lumMod val="50000"/>
+                    </a:schemeClr>
+                  </a:solidFill>
+                </a:ln>
+                <a:solidFill>
+                  <a:schemeClr val="tx1"/>
+                </a:solidFill>
+                <a:latin typeface="HG明朝B" panose="02020809000000000000" pitchFamily="17" charset="-128"/>
+                <a:ea typeface="HG明朝B" panose="02020809000000000000" pitchFamily="17" charset="-128"/>
+              </a:rPr>
+              <a:t> </a:t>
+            </a:r>
             <a:endParaRPr lang="en-US" altLang="ja-JP" sz="2200" dirty="0" smtClean="0">
               <a:ln>
                 <a:solidFill>
@@ -3684,7 +3684,7 @@
         </p:nvSpPr>
         <p:spPr>
           <a:xfrm>
-            <a:off x="-22235" y="1530636"/>
+            <a:off x="-22235" y="1387255"/>
             <a:ext cx="6764968" cy="1072416"/>
           </a:xfrm>
           <a:prstGeom prst="rect">
@@ -3739,7 +3739,7 @@
           <a:lstStyle/>
           <a:p>
             <a:r>
-              <a:rPr lang="ja-JP" altLang="en-US" sz="2600" b="1" dirty="0">
+              <a:rPr lang="ja-JP" altLang="en-US" sz="2400" b="1" dirty="0">
                 <a:ln>
                   <a:solidFill>
                     <a:schemeClr val="bg1">
@@ -3759,7 +3759,7 @@
               <a:t>　</a:t>
             </a:r>
             <a:r>
-              <a:rPr lang="ja-JP" altLang="en-US" sz="2600" b="1" dirty="0" smtClean="0">
+              <a:rPr lang="ja-JP" altLang="en-US" sz="2400" b="1" dirty="0" smtClean="0">
                 <a:ln>
                   <a:solidFill>
                     <a:schemeClr val="bg1">
@@ -3779,7 +3779,7 @@
               <a:t>コマンドアクション</a:t>
             </a:r>
             <a:r>
-              <a:rPr lang="ja-JP" altLang="en-US" sz="2600" b="1" dirty="0">
+              <a:rPr lang="en-US" altLang="ja-JP" sz="2400" b="1" dirty="0" smtClean="0">
                 <a:ln>
                   <a:solidFill>
                     <a:schemeClr val="bg1">
@@ -3796,10 +3796,10 @@
                 <a:latin typeface="HG明朝B" panose="02020809000000000000" pitchFamily="17" charset="-128"/>
                 <a:ea typeface="HG明朝B" panose="02020809000000000000" pitchFamily="17" charset="-128"/>
               </a:rPr>
-              <a:t>を巧みにこなし</a:t>
-            </a:r>
-            <a:r>
-              <a:rPr lang="ja-JP" altLang="en-US" sz="2600" b="1" dirty="0" smtClean="0">
+              <a:t>(</a:t>
+            </a:r>
+            <a:r>
+              <a:rPr lang="ja-JP" altLang="en-US" sz="2400" b="1" dirty="0" smtClean="0">
                 <a:ln>
                   <a:solidFill>
                     <a:schemeClr val="bg1">
@@ -3816,9 +3816,89 @@
                 <a:latin typeface="HG明朝B" panose="02020809000000000000" pitchFamily="17" charset="-128"/>
                 <a:ea typeface="HG明朝B" panose="02020809000000000000" pitchFamily="17" charset="-128"/>
               </a:rPr>
+              <a:t>スキル</a:t>
+            </a:r>
+            <a:r>
+              <a:rPr lang="en-US" altLang="ja-JP" sz="2400" b="1" dirty="0" smtClean="0">
+                <a:ln>
+                  <a:solidFill>
+                    <a:schemeClr val="bg1">
+                      <a:lumMod val="65000"/>
+                    </a:schemeClr>
+                  </a:solidFill>
+                </a:ln>
+                <a:solidFill>
+                  <a:schemeClr val="tx1">
+                    <a:lumMod val="95000"/>
+                    <a:lumOff val="5000"/>
+                  </a:schemeClr>
+                </a:solidFill>
+                <a:latin typeface="HG明朝B" panose="02020809000000000000" pitchFamily="17" charset="-128"/>
+                <a:ea typeface="HG明朝B" panose="02020809000000000000" pitchFamily="17" charset="-128"/>
+              </a:rPr>
+              <a:t>)</a:t>
+            </a:r>
+            <a:r>
+              <a:rPr lang="ja-JP" altLang="en-US" sz="2400" b="1" dirty="0" smtClean="0">
+                <a:ln>
+                  <a:solidFill>
+                    <a:schemeClr val="bg1">
+                      <a:lumMod val="65000"/>
+                    </a:schemeClr>
+                  </a:solidFill>
+                </a:ln>
+                <a:solidFill>
+                  <a:schemeClr val="tx1">
+                    <a:lumMod val="95000"/>
+                    <a:lumOff val="5000"/>
+                  </a:schemeClr>
+                </a:solidFill>
+                <a:latin typeface="HG明朝B" panose="02020809000000000000" pitchFamily="17" charset="-128"/>
+                <a:ea typeface="HG明朝B" panose="02020809000000000000" pitchFamily="17" charset="-128"/>
+              </a:rPr>
+              <a:t>を</a:t>
+            </a:r>
+            <a:r>
+              <a:rPr lang="ja-JP" altLang="en-US" sz="2400" b="1" dirty="0">
+                <a:ln>
+                  <a:solidFill>
+                    <a:schemeClr val="bg1">
+                      <a:lumMod val="65000"/>
+                    </a:schemeClr>
+                  </a:solidFill>
+                </a:ln>
+                <a:solidFill>
+                  <a:schemeClr val="tx1">
+                    <a:lumMod val="95000"/>
+                    <a:lumOff val="5000"/>
+                  </a:schemeClr>
+                </a:solidFill>
+                <a:latin typeface="HG明朝B" panose="02020809000000000000" pitchFamily="17" charset="-128"/>
+                <a:ea typeface="HG明朝B" panose="02020809000000000000" pitchFamily="17" charset="-128"/>
+              </a:rPr>
+              <a:t>巧みにこなし</a:t>
+            </a:r>
+            <a:r>
+              <a:rPr lang="ja-JP" altLang="en-US" sz="2400" b="1" dirty="0" smtClean="0">
+                <a:ln>
+                  <a:solidFill>
+                    <a:schemeClr val="bg1">
+                      <a:lumMod val="65000"/>
+                    </a:schemeClr>
+                  </a:solidFill>
+                </a:ln>
+                <a:solidFill>
+                  <a:schemeClr val="tx1">
+                    <a:lumMod val="95000"/>
+                    <a:lumOff val="5000"/>
+                  </a:schemeClr>
+                </a:solidFill>
+                <a:latin typeface="HG明朝B" panose="02020809000000000000" pitchFamily="17" charset="-128"/>
+                <a:ea typeface="HG明朝B" panose="02020809000000000000" pitchFamily="17" charset="-128"/>
+              </a:rPr>
               <a:t>、</a:t>
             </a:r>
-            <a:endParaRPr lang="en-US" altLang="ja-JP" sz="2600" b="1" dirty="0" smtClean="0">
+            <a:endParaRPr lang="en-US" altLang="ja-JP" sz="2400" b="1" dirty="0" smtClean="0">
               <a:ln>
                 <a:solidFill>
                   <a:schemeClr val="bg1">
@@ -3838,7 +3918,7 @@
           </a:p>
           <a:p>
             <a:r>
-              <a:rPr lang="ja-JP" altLang="en-US" sz="2600" b="1" dirty="0">
+              <a:rPr lang="ja-JP" altLang="en-US" sz="2400" b="1" dirty="0">
                 <a:ln>
                   <a:solidFill>
                     <a:schemeClr val="bg1">
@@ -3858,7 +3938,7 @@
               <a:t>　</a:t>
             </a:r>
             <a:r>
-              <a:rPr lang="ja-JP" altLang="en-US" sz="2600" b="1" dirty="0" smtClean="0">
+              <a:rPr lang="ja-JP" altLang="en-US" sz="2400" b="1" dirty="0" smtClean="0">
                 <a:ln>
                   <a:solidFill>
                     <a:schemeClr val="bg1">
@@ -3878,7 +3958,7 @@
               <a:t>爽快感</a:t>
             </a:r>
             <a:r>
-              <a:rPr lang="ja-JP" altLang="en-US" sz="2600" b="1" dirty="0">
+              <a:rPr lang="ja-JP" altLang="en-US" sz="2400" b="1" dirty="0">
                 <a:ln>
                   <a:solidFill>
                     <a:schemeClr val="bg1">
@@ -3898,7 +3978,7 @@
               <a:t>や達成感を</a:t>
             </a:r>
             <a:r>
-              <a:rPr lang="ja-JP" altLang="en-US" sz="2600" b="1" dirty="0" smtClean="0">
+              <a:rPr lang="ja-JP" altLang="en-US" sz="2400" b="1" dirty="0" smtClean="0">
                 <a:ln>
                   <a:solidFill>
                     <a:schemeClr val="bg1">
@@ -3918,7 +3998,7 @@
               <a:t>与える</a:t>
             </a:r>
             <a:r>
-              <a:rPr lang="ja-JP" altLang="en-US" sz="2600" b="1" dirty="0">
+              <a:rPr lang="ja-JP" altLang="en-US" sz="2400" b="1" dirty="0">
                 <a:ln>
                   <a:solidFill>
                     <a:schemeClr val="bg1">
@@ -3937,7 +4017,7 @@
               </a:rPr>
               <a:t>。</a:t>
             </a:r>
-            <a:endParaRPr lang="en-US" altLang="ja-JP" sz="2600" b="1" dirty="0" smtClean="0">
+            <a:endParaRPr lang="en-US" altLang="ja-JP" sz="2400" b="1" dirty="0" smtClean="0">
               <a:ln>
                 <a:solidFill>
                   <a:schemeClr val="bg1">
@@ -3965,8 +4045,8 @@
         </p:nvSpPr>
         <p:spPr>
           <a:xfrm>
-            <a:off x="71801" y="656388"/>
-            <a:ext cx="1742785" cy="1200329"/>
+            <a:off x="15875" y="540046"/>
+            <a:ext cx="1768722" cy="1200329"/>
           </a:xfrm>
           <a:prstGeom prst="rect">
             <a:avLst/>
@@ -3974,7 +4054,7 @@
           <a:noFill/>
         </p:spPr>
         <p:txBody>
-          <a:bodyPr wrap="none" rtlCol="0">
+          <a:bodyPr wrap="square" rtlCol="0">
             <a:spAutoFit/>
           </a:bodyPr>
           <a:lstStyle/>
@@ -4010,7 +4090,7 @@
         </p:nvSpPr>
         <p:spPr>
           <a:xfrm>
-            <a:off x="4367521" y="2349972"/>
+            <a:off x="15875" y="5872499"/>
             <a:ext cx="2064989" cy="1477328"/>
           </a:xfrm>
           <a:prstGeom prst="rect">
@@ -4061,7 +4141,7 @@
         </p:nvSpPr>
         <p:spPr>
           <a:xfrm>
-            <a:off x="71801" y="5658836"/>
+            <a:off x="5284551" y="2154034"/>
             <a:ext cx="1545616" cy="1200329"/>
           </a:xfrm>
           <a:prstGeom prst="rect">
@@ -4185,8 +4265,8 @@
         </p:nvSpPr>
         <p:spPr>
           <a:xfrm>
-            <a:off x="-22235" y="6763790"/>
-            <a:ext cx="6829410" cy="2554545"/>
+            <a:off x="171980" y="3077917"/>
+            <a:ext cx="6551989" cy="2852063"/>
           </a:xfrm>
           <a:prstGeom prst="rect">
             <a:avLst/>
@@ -4198,6 +4278,14 @@
           </a:bodyPr>
           <a:lstStyle/>
           <a:p>
+            <a:pPr>
+              <a:spcBef>
+                <a:spcPts val="100"/>
+              </a:spcBef>
+              <a:spcAft>
+                <a:spcPts val="100"/>
+              </a:spcAft>
+            </a:pPr>
             <a:r>
               <a:rPr lang="en-US" altLang="ja-JP" sz="2000" dirty="0">
                 <a:ln>
@@ -4227,6 +4315,387 @@
               <a:t>攻撃</a:t>
             </a:r>
             <a:r>
+              <a:rPr lang="en-US" altLang="ja-JP" sz="2000" dirty="0" smtClean="0">
+                <a:ln>
+                  <a:solidFill>
+                    <a:schemeClr val="bg2">
+                      <a:lumMod val="50000"/>
+                    </a:schemeClr>
+                  </a:solidFill>
+                </a:ln>
+                <a:latin typeface="HG明朝B" panose="02020809000000000000" pitchFamily="17" charset="-128"/>
+                <a:ea typeface="HG明朝B" panose="02020809000000000000" pitchFamily="17" charset="-128"/>
+              </a:rPr>
+              <a:t>-</a:t>
+            </a:r>
+          </a:p>
+          <a:p>
+            <a:pPr>
+              <a:spcBef>
+                <a:spcPts val="100"/>
+              </a:spcBef>
+              <a:spcAft>
+                <a:spcPts val="100"/>
+              </a:spcAft>
+            </a:pPr>
+            <a:r>
+              <a:rPr lang="ja-JP" altLang="en-US" dirty="0" smtClean="0">
+                <a:ln>
+                  <a:solidFill>
+                    <a:schemeClr val="bg2">
+                      <a:lumMod val="50000"/>
+                    </a:schemeClr>
+                  </a:solidFill>
+                </a:ln>
+                <a:latin typeface="HG明朝B" panose="02020809000000000000" pitchFamily="17" charset="-128"/>
+                <a:ea typeface="HG明朝B" panose="02020809000000000000" pitchFamily="17" charset="-128"/>
+              </a:rPr>
+              <a:t> ・武器</a:t>
+            </a:r>
+            <a:r>
+              <a:rPr lang="ja-JP" altLang="en-US" dirty="0">
+                <a:ln>
+                  <a:solidFill>
+                    <a:schemeClr val="bg2">
+                      <a:lumMod val="50000"/>
+                    </a:schemeClr>
+                  </a:solidFill>
+                </a:ln>
+                <a:latin typeface="HG明朝B" panose="02020809000000000000" pitchFamily="17" charset="-128"/>
+                <a:ea typeface="HG明朝B" panose="02020809000000000000" pitchFamily="17" charset="-128"/>
+              </a:rPr>
+              <a:t>は二</a:t>
+            </a:r>
+            <a:r>
+              <a:rPr lang="ja-JP" altLang="en-US" dirty="0" smtClean="0">
+                <a:ln>
+                  <a:solidFill>
+                    <a:schemeClr val="bg2">
+                      <a:lumMod val="50000"/>
+                    </a:schemeClr>
+                  </a:solidFill>
+                </a:ln>
+                <a:latin typeface="HG明朝B" panose="02020809000000000000" pitchFamily="17" charset="-128"/>
+                <a:ea typeface="HG明朝B" panose="02020809000000000000" pitchFamily="17" charset="-128"/>
+              </a:rPr>
+              <a:t>種類</a:t>
+            </a:r>
+            <a:endParaRPr lang="en-US" altLang="ja-JP" dirty="0">
+              <a:ln>
+                <a:solidFill>
+                  <a:schemeClr val="bg2">
+                    <a:lumMod val="50000"/>
+                  </a:schemeClr>
+                </a:solidFill>
+              </a:ln>
+              <a:latin typeface="HG明朝B" panose="02020809000000000000" pitchFamily="17" charset="-128"/>
+              <a:ea typeface="HG明朝B" panose="02020809000000000000" pitchFamily="17" charset="-128"/>
+            </a:endParaRPr>
+          </a:p>
+          <a:p>
+            <a:pPr>
+              <a:spcBef>
+                <a:spcPts val="100"/>
+              </a:spcBef>
+              <a:spcAft>
+                <a:spcPts val="100"/>
+              </a:spcAft>
+            </a:pPr>
+            <a:r>
+              <a:rPr lang="ja-JP" altLang="en-US" dirty="0" smtClean="0">
+                <a:ln>
+                  <a:solidFill>
+                    <a:schemeClr val="bg2">
+                      <a:lumMod val="50000"/>
+                    </a:schemeClr>
+                  </a:solidFill>
+                </a:ln>
+                <a:latin typeface="HG明朝B" panose="02020809000000000000" pitchFamily="17" charset="-128"/>
+                <a:ea typeface="HG明朝B" panose="02020809000000000000" pitchFamily="17" charset="-128"/>
+              </a:rPr>
+              <a:t>  </a:t>
+            </a:r>
+            <a:r>
+              <a:rPr lang="ja-JP" altLang="en-US" dirty="0" smtClean="0">
+                <a:ln>
+                  <a:solidFill>
+                    <a:schemeClr val="bg2">
+                      <a:lumMod val="50000"/>
+                    </a:schemeClr>
+                  </a:solidFill>
+                </a:ln>
+                <a:latin typeface="HG明朝B" panose="02020809000000000000" pitchFamily="17" charset="-128"/>
+                <a:ea typeface="HG明朝B" panose="02020809000000000000" pitchFamily="17" charset="-128"/>
+              </a:rPr>
+              <a:t>　</a:t>
+            </a:r>
+            <a:r>
+              <a:rPr lang="ja-JP" altLang="en-US" dirty="0" smtClean="0">
+                <a:ln>
+                  <a:solidFill>
+                    <a:schemeClr val="bg2">
+                      <a:lumMod val="50000"/>
+                    </a:schemeClr>
+                  </a:solidFill>
+                </a:ln>
+                <a:latin typeface="HG明朝B" panose="02020809000000000000" pitchFamily="17" charset="-128"/>
+                <a:ea typeface="HG明朝B" panose="02020809000000000000" pitchFamily="17" charset="-128"/>
+              </a:rPr>
+              <a:t> 刀  → 単体</a:t>
+            </a:r>
+            <a:r>
+              <a:rPr lang="ja-JP" altLang="en-US" dirty="0">
+                <a:ln>
+                  <a:solidFill>
+                    <a:schemeClr val="bg2">
+                      <a:lumMod val="50000"/>
+                    </a:schemeClr>
+                  </a:solidFill>
+                </a:ln>
+                <a:latin typeface="HG明朝B" panose="02020809000000000000" pitchFamily="17" charset="-128"/>
+                <a:ea typeface="HG明朝B" panose="02020809000000000000" pitchFamily="17" charset="-128"/>
+              </a:rPr>
+              <a:t>対象で威力が高い。</a:t>
+            </a:r>
+            <a:endParaRPr lang="en-US" altLang="ja-JP" dirty="0">
+              <a:ln>
+                <a:solidFill>
+                  <a:schemeClr val="bg2">
+                    <a:lumMod val="50000"/>
+                  </a:schemeClr>
+                </a:solidFill>
+              </a:ln>
+              <a:latin typeface="HG明朝B" panose="02020809000000000000" pitchFamily="17" charset="-128"/>
+              <a:ea typeface="HG明朝B" panose="02020809000000000000" pitchFamily="17" charset="-128"/>
+            </a:endParaRPr>
+          </a:p>
+          <a:p>
+            <a:pPr>
+              <a:spcBef>
+                <a:spcPts val="100"/>
+              </a:spcBef>
+              <a:spcAft>
+                <a:spcPts val="100"/>
+              </a:spcAft>
+            </a:pPr>
+            <a:r>
+              <a:rPr lang="ja-JP" altLang="en-US" dirty="0" smtClean="0">
+                <a:ln>
+                  <a:solidFill>
+                    <a:schemeClr val="bg2">
+                      <a:lumMod val="50000"/>
+                    </a:schemeClr>
+                  </a:solidFill>
+                </a:ln>
+                <a:latin typeface="HG明朝B" panose="02020809000000000000" pitchFamily="17" charset="-128"/>
+                <a:ea typeface="HG明朝B" panose="02020809000000000000" pitchFamily="17" charset="-128"/>
+              </a:rPr>
+              <a:t>  </a:t>
+            </a:r>
+            <a:r>
+              <a:rPr lang="ja-JP" altLang="en-US" dirty="0" smtClean="0">
+                <a:ln>
+                  <a:solidFill>
+                    <a:schemeClr val="bg2">
+                      <a:lumMod val="50000"/>
+                    </a:schemeClr>
+                  </a:solidFill>
+                </a:ln>
+                <a:latin typeface="HG明朝B" panose="02020809000000000000" pitchFamily="17" charset="-128"/>
+                <a:ea typeface="HG明朝B" panose="02020809000000000000" pitchFamily="17" charset="-128"/>
+              </a:rPr>
+              <a:t>　</a:t>
+            </a:r>
+            <a:r>
+              <a:rPr lang="ja-JP" altLang="en-US" dirty="0" smtClean="0">
+                <a:ln>
+                  <a:solidFill>
+                    <a:schemeClr val="bg2">
+                      <a:lumMod val="50000"/>
+                    </a:schemeClr>
+                  </a:solidFill>
+                </a:ln>
+                <a:latin typeface="HG明朝B" panose="02020809000000000000" pitchFamily="17" charset="-128"/>
+                <a:ea typeface="HG明朝B" panose="02020809000000000000" pitchFamily="17" charset="-128"/>
+              </a:rPr>
+              <a:t>薙刀 </a:t>
+            </a:r>
+            <a:r>
+              <a:rPr lang="ja-JP" altLang="en-US" dirty="0" smtClean="0">
+                <a:ln>
+                  <a:solidFill>
+                    <a:schemeClr val="bg2">
+                      <a:lumMod val="50000"/>
+                    </a:schemeClr>
+                  </a:solidFill>
+                </a:ln>
+                <a:latin typeface="HG明朝B" panose="02020809000000000000" pitchFamily="17" charset="-128"/>
+                <a:ea typeface="HG明朝B" panose="02020809000000000000" pitchFamily="17" charset="-128"/>
+              </a:rPr>
+              <a:t>→ </a:t>
+            </a:r>
+            <a:r>
+              <a:rPr lang="ja-JP" altLang="en-US" dirty="0" smtClean="0">
+                <a:ln>
+                  <a:solidFill>
+                    <a:schemeClr val="bg2">
+                      <a:lumMod val="50000"/>
+                    </a:schemeClr>
+                  </a:solidFill>
+                </a:ln>
+                <a:latin typeface="HG明朝B" panose="02020809000000000000" pitchFamily="17" charset="-128"/>
+                <a:ea typeface="HG明朝B" panose="02020809000000000000" pitchFamily="17" charset="-128"/>
+              </a:rPr>
+              <a:t>一定</a:t>
+            </a:r>
+            <a:r>
+              <a:rPr lang="ja-JP" altLang="en-US" dirty="0">
+                <a:ln>
+                  <a:solidFill>
+                    <a:schemeClr val="bg2">
+                      <a:lumMod val="50000"/>
+                    </a:schemeClr>
+                  </a:solidFill>
+                </a:ln>
+                <a:latin typeface="HG明朝B" panose="02020809000000000000" pitchFamily="17" charset="-128"/>
+                <a:ea typeface="HG明朝B" panose="02020809000000000000" pitchFamily="17" charset="-128"/>
+              </a:rPr>
+              <a:t>範囲内対象で威力が低い</a:t>
+            </a:r>
+            <a:r>
+              <a:rPr lang="ja-JP" altLang="en-US" dirty="0" smtClean="0">
+                <a:ln>
+                  <a:solidFill>
+                    <a:schemeClr val="bg2">
+                      <a:lumMod val="50000"/>
+                    </a:schemeClr>
+                  </a:solidFill>
+                </a:ln>
+                <a:latin typeface="HG明朝B" panose="02020809000000000000" pitchFamily="17" charset="-128"/>
+                <a:ea typeface="HG明朝B" panose="02020809000000000000" pitchFamily="17" charset="-128"/>
+              </a:rPr>
+              <a:t>。</a:t>
+            </a:r>
+            <a:endParaRPr lang="en-US" altLang="ja-JP" dirty="0">
+              <a:ln>
+                <a:solidFill>
+                  <a:schemeClr val="bg2">
+                    <a:lumMod val="50000"/>
+                  </a:schemeClr>
+                </a:solidFill>
+              </a:ln>
+              <a:latin typeface="HG明朝B" panose="02020809000000000000" pitchFamily="17" charset="-128"/>
+              <a:ea typeface="HG明朝B" panose="02020809000000000000" pitchFamily="17" charset="-128"/>
+            </a:endParaRPr>
+          </a:p>
+          <a:p>
+            <a:pPr>
+              <a:spcBef>
+                <a:spcPts val="100"/>
+              </a:spcBef>
+              <a:spcAft>
+                <a:spcPts val="100"/>
+              </a:spcAft>
+            </a:pPr>
+            <a:r>
+              <a:rPr lang="ja-JP" altLang="en-US" dirty="0" smtClean="0">
+                <a:ln>
+                  <a:solidFill>
+                    <a:schemeClr val="bg2">
+                      <a:lumMod val="50000"/>
+                    </a:schemeClr>
+                  </a:solidFill>
+                </a:ln>
+                <a:latin typeface="HG明朝B" panose="02020809000000000000" pitchFamily="17" charset="-128"/>
+                <a:ea typeface="HG明朝B" panose="02020809000000000000" pitchFamily="17" charset="-128"/>
+              </a:rPr>
+              <a:t> ・攻撃手段として、通常とスキルがある。</a:t>
+            </a:r>
+            <a:endParaRPr lang="en-US" altLang="ja-JP" dirty="0" smtClean="0">
+              <a:ln>
+                <a:solidFill>
+                  <a:schemeClr val="bg2">
+                    <a:lumMod val="50000"/>
+                  </a:schemeClr>
+                </a:solidFill>
+              </a:ln>
+              <a:latin typeface="HG明朝B" panose="02020809000000000000" pitchFamily="17" charset="-128"/>
+              <a:ea typeface="HG明朝B" panose="02020809000000000000" pitchFamily="17" charset="-128"/>
+            </a:endParaRPr>
+          </a:p>
+          <a:p>
+            <a:pPr>
+              <a:spcBef>
+                <a:spcPts val="100"/>
+              </a:spcBef>
+              <a:spcAft>
+                <a:spcPts val="100"/>
+              </a:spcAft>
+            </a:pPr>
+            <a:r>
+              <a:rPr lang="ja-JP" altLang="en-US" dirty="0" smtClean="0">
+                <a:ln>
+                  <a:solidFill>
+                    <a:schemeClr val="bg2">
+                      <a:lumMod val="50000"/>
+                    </a:schemeClr>
+                  </a:solidFill>
+                </a:ln>
+                <a:latin typeface="HG明朝B" panose="02020809000000000000" pitchFamily="17" charset="-128"/>
+                <a:ea typeface="HG明朝B" panose="02020809000000000000" pitchFamily="17" charset="-128"/>
+              </a:rPr>
+              <a:t> ・通常でスキル可能になるゲージが溜まる。</a:t>
+            </a:r>
+            <a:endParaRPr lang="en-US" altLang="ja-JP" dirty="0" smtClean="0">
+              <a:ln>
+                <a:solidFill>
+                  <a:schemeClr val="bg2">
+                    <a:lumMod val="50000"/>
+                  </a:schemeClr>
+                </a:solidFill>
+              </a:ln>
+              <a:latin typeface="HG明朝B" panose="02020809000000000000" pitchFamily="17" charset="-128"/>
+              <a:ea typeface="HG明朝B" panose="02020809000000000000" pitchFamily="17" charset="-128"/>
+            </a:endParaRPr>
+          </a:p>
+          <a:p>
+            <a:pPr>
+              <a:spcBef>
+                <a:spcPts val="100"/>
+              </a:spcBef>
+              <a:spcAft>
+                <a:spcPts val="100"/>
+              </a:spcAft>
+            </a:pPr>
+            <a:r>
+              <a:rPr lang="en-US" altLang="ja-JP" sz="2000" dirty="0" smtClean="0">
+                <a:ln>
+                  <a:solidFill>
+                    <a:schemeClr val="bg2">
+                      <a:lumMod val="50000"/>
+                    </a:schemeClr>
+                  </a:solidFill>
+                </a:ln>
+                <a:latin typeface="HG明朝B" panose="02020809000000000000" pitchFamily="17" charset="-128"/>
+                <a:ea typeface="HG明朝B" panose="02020809000000000000" pitchFamily="17" charset="-128"/>
+              </a:rPr>
+              <a:t>-</a:t>
+            </a:r>
+            <a:r>
+              <a:rPr lang="ja-JP" altLang="en-US" sz="2000" dirty="0">
+                <a:ln>
+                  <a:solidFill>
+                    <a:schemeClr val="bg2">
+                      <a:lumMod val="50000"/>
+                    </a:schemeClr>
+                  </a:solidFill>
+                </a:ln>
+                <a:latin typeface="HG明朝B" panose="02020809000000000000" pitchFamily="17" charset="-128"/>
+                <a:ea typeface="HG明朝B" panose="02020809000000000000" pitchFamily="17" charset="-128"/>
+              </a:rPr>
+              <a:t>その他</a:t>
+            </a:r>
+            <a:r>
               <a:rPr lang="en-US" altLang="ja-JP" sz="2000" dirty="0">
                 <a:ln>
                   <a:solidFill>
@@ -4242,8 +4711,16 @@
             </a:r>
           </a:p>
           <a:p>
-            <a:r>
-              <a:rPr lang="ja-JP" altLang="en-US" sz="2000" dirty="0">
+            <a:pPr>
+              <a:spcBef>
+                <a:spcPts val="100"/>
+              </a:spcBef>
+              <a:spcAft>
+                <a:spcPts val="100"/>
+              </a:spcAft>
+            </a:pPr>
+            <a:r>
+              <a:rPr lang="ja-JP" altLang="en-US" dirty="0" smtClean="0">
                 <a:ln>
                   <a:solidFill>
                     <a:schemeClr val="bg2">
@@ -4254,10 +4731,10 @@
                 <a:latin typeface="HG明朝B" panose="02020809000000000000" pitchFamily="17" charset="-128"/>
                 <a:ea typeface="HG明朝B" panose="02020809000000000000" pitchFamily="17" charset="-128"/>
               </a:rPr>
-              <a:t>スキルは、エネルギーが溜まっている時に</a:t>
-            </a:r>
-            <a:r>
-              <a:rPr lang="ja-JP" altLang="en-US" sz="2000">
+              <a:t> ・回避</a:t>
+            </a:r>
+            <a:r>
+              <a:rPr lang="ja-JP" altLang="en-US" dirty="0">
                 <a:ln>
                   <a:solidFill>
                     <a:schemeClr val="bg2">
@@ -4268,10 +4745,10 @@
                 <a:latin typeface="HG明朝B" panose="02020809000000000000" pitchFamily="17" charset="-128"/>
                 <a:ea typeface="HG明朝B" panose="02020809000000000000" pitchFamily="17" charset="-128"/>
               </a:rPr>
-              <a:t>任意</a:t>
-            </a:r>
-            <a:r>
-              <a:rPr lang="ja-JP" altLang="en-US" sz="2000" smtClean="0">
+              <a:t>とガードをジャストで決めること</a:t>
+            </a:r>
+            <a:r>
+              <a:rPr lang="ja-JP" altLang="en-US" dirty="0" smtClean="0">
                 <a:ln>
                   <a:solidFill>
                     <a:schemeClr val="bg2">
@@ -4282,10 +4759,10 @@
                 <a:latin typeface="HG明朝B" panose="02020809000000000000" pitchFamily="17" charset="-128"/>
                 <a:ea typeface="HG明朝B" panose="02020809000000000000" pitchFamily="17" charset="-128"/>
               </a:rPr>
-              <a:t>で指示</a:t>
-            </a:r>
-            <a:r>
-              <a:rPr lang="ja-JP" altLang="en-US" sz="2000" dirty="0">
+              <a:t>で</a:t>
+            </a:r>
+            <a:r>
+              <a:rPr lang="ja-JP" altLang="en-US" dirty="0" smtClean="0">
                 <a:ln>
                   <a:solidFill>
                     <a:schemeClr val="bg2">
@@ -4296,10 +4773,10 @@
                 <a:latin typeface="HG明朝B" panose="02020809000000000000" pitchFamily="17" charset="-128"/>
                 <a:ea typeface="HG明朝B" panose="02020809000000000000" pitchFamily="17" charset="-128"/>
               </a:rPr>
-              <a:t>されたボタンを時間内に</a:t>
-            </a:r>
-            <a:r>
-              <a:rPr lang="ja-JP" altLang="en-US" sz="2000" dirty="0" smtClean="0">
+              <a:t>素早く攻撃可能</a:t>
+            </a:r>
+            <a:r>
+              <a:rPr lang="ja-JP" altLang="en-US" dirty="0" smtClean="0">
                 <a:ln>
                   <a:solidFill>
                     <a:schemeClr val="bg2">
@@ -4310,23 +4787,9 @@
                 <a:latin typeface="HG明朝B" panose="02020809000000000000" pitchFamily="17" charset="-128"/>
                 <a:ea typeface="HG明朝B" panose="02020809000000000000" pitchFamily="17" charset="-128"/>
               </a:rPr>
-              <a:t>入力成功</a:t>
-            </a:r>
-            <a:r>
-              <a:rPr lang="ja-JP" altLang="en-US" sz="2000" smtClean="0">
-                <a:ln>
-                  <a:solidFill>
-                    <a:schemeClr val="bg2">
-                      <a:lumMod val="50000"/>
-                    </a:schemeClr>
-                  </a:solidFill>
-                </a:ln>
-                <a:latin typeface="HG明朝B" panose="02020809000000000000" pitchFamily="17" charset="-128"/>
-                <a:ea typeface="HG明朝B" panose="02020809000000000000" pitchFamily="17" charset="-128"/>
-              </a:rPr>
-              <a:t>するとアクション開始。</a:t>
-            </a:r>
-            <a:endParaRPr lang="en-US" altLang="ja-JP" sz="2000" dirty="0">
+              <a:t>。</a:t>
+            </a:r>
+            <a:endParaRPr lang="en-US" altLang="ja-JP" dirty="0" smtClean="0">
               <a:ln>
                 <a:solidFill>
                   <a:schemeClr val="bg2">
@@ -4339,8 +4802,16 @@
             </a:endParaRPr>
           </a:p>
           <a:p>
-            <a:r>
-              <a:rPr lang="ja-JP" altLang="en-US" sz="2000" dirty="0" smtClean="0">
+            <a:pPr>
+              <a:spcBef>
+                <a:spcPts val="100"/>
+              </a:spcBef>
+              <a:spcAft>
+                <a:spcPts val="100"/>
+              </a:spcAft>
+            </a:pPr>
+            <a:r>
+              <a:rPr lang="ja-JP" altLang="en-US" dirty="0" smtClean="0">
                 <a:ln>
                   <a:solidFill>
                     <a:schemeClr val="bg2">
@@ -4351,10 +4822,10 @@
                 <a:latin typeface="HG明朝B" panose="02020809000000000000" pitchFamily="17" charset="-128"/>
                 <a:ea typeface="HG明朝B" panose="02020809000000000000" pitchFamily="17" charset="-128"/>
               </a:rPr>
-              <a:t>　刀</a:t>
-            </a:r>
-            <a:r>
-              <a:rPr lang="ja-JP" altLang="en-US" sz="2000" dirty="0">
+              <a:t> ・失敗</a:t>
+            </a:r>
+            <a:r>
+              <a:rPr lang="ja-JP" altLang="en-US" dirty="0">
                 <a:ln>
                   <a:solidFill>
                     <a:schemeClr val="bg2">
@@ -4365,9 +4836,23 @@
                 <a:latin typeface="HG明朝B" panose="02020809000000000000" pitchFamily="17" charset="-128"/>
                 <a:ea typeface="HG明朝B" panose="02020809000000000000" pitchFamily="17" charset="-128"/>
               </a:rPr>
-              <a:t>の場合、単体対象で威力が高い。</a:t>
-            </a:r>
-            <a:endParaRPr lang="en-US" altLang="ja-JP" sz="2000" dirty="0">
+              <a:t>する</a:t>
+            </a:r>
+            <a:r>
+              <a:rPr lang="ja-JP" altLang="en-US" dirty="0" smtClean="0">
+                <a:ln>
+                  <a:solidFill>
+                    <a:schemeClr val="bg2">
+                      <a:lumMod val="50000"/>
+                    </a:schemeClr>
+                  </a:solidFill>
+                </a:ln>
+                <a:latin typeface="HG明朝B" panose="02020809000000000000" pitchFamily="17" charset="-128"/>
+                <a:ea typeface="HG明朝B" panose="02020809000000000000" pitchFamily="17" charset="-128"/>
+              </a:rPr>
+              <a:t>と、敵に隙を与える。</a:t>
+            </a:r>
+            <a:endParaRPr lang="en-US" altLang="ja-JP" dirty="0">
               <a:ln>
                 <a:solidFill>
                   <a:schemeClr val="bg2">
@@ -4379,9 +4864,65 @@
               <a:ea typeface="HG明朝B" panose="02020809000000000000" pitchFamily="17" charset="-128"/>
             </a:endParaRPr>
           </a:p>
-          <a:p>
-            <a:r>
-              <a:rPr lang="ja-JP" altLang="en-US" sz="2000" dirty="0" smtClean="0">
+        </p:txBody>
+      </p:sp>
+      <p:pic>
+        <p:nvPicPr>
+          <p:cNvPr id="3" name="図 2"/>
+          <p:cNvPicPr>
+            <a:picLocks noChangeAspect="1"/>
+          </p:cNvPicPr>
+          <p:nvPr/>
+        </p:nvPicPr>
+        <p:blipFill>
+          <a:blip r:embed="rId4" cstate="print">
+            <a:extLst>
+              <a:ext uri="{28A0092B-C50C-407E-A947-70E740481C1C}">
+                <a14:useLocalDpi xmlns:a14="http://schemas.microsoft.com/office/drawing/2010/main" val="0"/>
+              </a:ext>
+            </a:extLst>
+          </a:blip>
+          <a:stretch>
+            <a:fillRect/>
+          </a:stretch>
+        </p:blipFill>
+        <p:spPr>
+          <a:xfrm>
+            <a:off x="300648" y="8424613"/>
+            <a:ext cx="3153264" cy="1499405"/>
+          </a:xfrm>
+          <a:prstGeom prst="rect">
+            <a:avLst/>
+          </a:prstGeom>
+        </p:spPr>
+      </p:pic>
+      <p:sp>
+        <p:nvSpPr>
+          <p:cNvPr id="14" name="正方形/長方形 13"/>
+          <p:cNvSpPr/>
+          <p:nvPr/>
+        </p:nvSpPr>
+        <p:spPr>
+          <a:xfrm>
+            <a:off x="377919" y="6909169"/>
+            <a:ext cx="6140109" cy="923330"/>
+          </a:xfrm>
+          <a:prstGeom prst="rect">
+            <a:avLst/>
+          </a:prstGeom>
+        </p:spPr>
+        <p:txBody>
+          <a:bodyPr wrap="square">
+            <a:spAutoFit/>
+          </a:bodyPr>
+          <a:lstStyle/>
+          <a:p>
+            <a:pPr marL="285750" indent="-285750">
+              <a:buFont typeface="Arial" panose="020B0604020202020204" pitchFamily="34" charset="0"/>
+              <a:buChar char="•"/>
+            </a:pPr>
+            <a:r>
+              <a:rPr lang="ja-JP" altLang="en-US" dirty="0">
                 <a:ln>
                   <a:solidFill>
                     <a:schemeClr val="bg2">
@@ -4392,10 +4933,10 @@
                 <a:latin typeface="HG明朝B" panose="02020809000000000000" pitchFamily="17" charset="-128"/>
                 <a:ea typeface="HG明朝B" panose="02020809000000000000" pitchFamily="17" charset="-128"/>
               </a:rPr>
-              <a:t>　薙刀</a:t>
-            </a:r>
-            <a:r>
-              <a:rPr lang="ja-JP" altLang="en-US" sz="2000" dirty="0">
+              <a:t>一定の敵を倒しステージを進め、ボスを</a:t>
+            </a:r>
+            <a:r>
+              <a:rPr lang="ja-JP" altLang="en-US" dirty="0" smtClean="0">
                 <a:ln>
                   <a:solidFill>
                     <a:schemeClr val="bg2">
@@ -4406,9 +4947,9 @@
                 <a:latin typeface="HG明朝B" panose="02020809000000000000" pitchFamily="17" charset="-128"/>
                 <a:ea typeface="HG明朝B" panose="02020809000000000000" pitchFamily="17" charset="-128"/>
               </a:rPr>
-              <a:t>の場合、一定範囲内対象で威力が低い。</a:t>
-            </a:r>
-            <a:endParaRPr lang="en-US" altLang="ja-JP" sz="2000" dirty="0">
+              <a:t>攻略を目指す。</a:t>
+            </a:r>
+            <a:endParaRPr lang="en-US" altLang="ja-JP" dirty="0" smtClean="0">
               <a:ln>
                 <a:solidFill>
                   <a:schemeClr val="bg2">
@@ -4421,8 +4962,12 @@
             </a:endParaRPr>
           </a:p>
           <a:p>
-            <a:r>
-              <a:rPr lang="en-US" altLang="ja-JP" sz="2000" dirty="0">
+            <a:pPr marL="285750" indent="-285750">
+              <a:buFont typeface="Arial" panose="020B0604020202020204" pitchFamily="34" charset="0"/>
+              <a:buChar char="•"/>
+            </a:pPr>
+            <a:r>
+              <a:rPr lang="ja-JP" altLang="en-US" dirty="0" smtClean="0">
                 <a:ln>
                   <a:solidFill>
                     <a:schemeClr val="bg2">
@@ -4433,10 +4978,10 @@
                 <a:latin typeface="HG明朝B" panose="02020809000000000000" pitchFamily="17" charset="-128"/>
                 <a:ea typeface="HG明朝B" panose="02020809000000000000" pitchFamily="17" charset="-128"/>
               </a:rPr>
-              <a:t>-</a:t>
-            </a:r>
-            <a:r>
-              <a:rPr lang="ja-JP" altLang="en-US" sz="2000" dirty="0">
+              <a:t>スキル発動時に開始する</a:t>
+            </a:r>
+            <a:r>
+              <a:rPr lang="ja-JP" altLang="en-US" u="sng" dirty="0" smtClean="0">
                 <a:ln>
                   <a:solidFill>
                     <a:schemeClr val="bg2">
@@ -4447,10 +4992,10 @@
                 <a:latin typeface="HG明朝B" panose="02020809000000000000" pitchFamily="17" charset="-128"/>
                 <a:ea typeface="HG明朝B" panose="02020809000000000000" pitchFamily="17" charset="-128"/>
               </a:rPr>
-              <a:t>その他</a:t>
-            </a:r>
-            <a:r>
-              <a:rPr lang="en-US" altLang="ja-JP" sz="2000" dirty="0">
+              <a:t>ＱＴＥ</a:t>
+            </a:r>
+            <a:r>
+              <a:rPr lang="ja-JP" altLang="en-US" dirty="0" smtClean="0">
                 <a:ln>
                   <a:solidFill>
                     <a:schemeClr val="bg2">
@@ -4461,39 +5006,9 @@
                 <a:latin typeface="HG明朝B" panose="02020809000000000000" pitchFamily="17" charset="-128"/>
                 <a:ea typeface="HG明朝B" panose="02020809000000000000" pitchFamily="17" charset="-128"/>
               </a:rPr>
-              <a:t>-</a:t>
-            </a:r>
-          </a:p>
-          <a:p>
-            <a:r>
-              <a:rPr lang="ja-JP" altLang="en-US" sz="2000" dirty="0">
-                <a:ln>
-                  <a:solidFill>
-                    <a:schemeClr val="bg2">
-                      <a:lumMod val="50000"/>
-                    </a:schemeClr>
-                  </a:solidFill>
-                </a:ln>
-                <a:latin typeface="HG明朝B" panose="02020809000000000000" pitchFamily="17" charset="-128"/>
-                <a:ea typeface="HG明朝B" panose="02020809000000000000" pitchFamily="17" charset="-128"/>
-              </a:rPr>
-              <a:t>回避とガードをジャストで決めることでエネルギー</a:t>
-            </a:r>
-            <a:r>
-              <a:rPr lang="ja-JP" altLang="en-US" sz="2000" dirty="0" smtClean="0">
-                <a:ln>
-                  <a:solidFill>
-                    <a:schemeClr val="bg2">
-                      <a:lumMod val="50000"/>
-                    </a:schemeClr>
-                  </a:solidFill>
-                </a:ln>
-                <a:latin typeface="HG明朝B" panose="02020809000000000000" pitchFamily="17" charset="-128"/>
-                <a:ea typeface="HG明朝B" panose="02020809000000000000" pitchFamily="17" charset="-128"/>
-              </a:rPr>
-              <a:t>回収する。</a:t>
-            </a:r>
-            <a:endParaRPr lang="en-US" altLang="ja-JP" sz="2000" dirty="0">
+              <a:t>を最後まで成功させ、高得点を目指そう。</a:t>
+            </a:r>
+            <a:endParaRPr lang="en-US" altLang="ja-JP" dirty="0" smtClean="0">
               <a:ln>
                 <a:solidFill>
                   <a:schemeClr val="bg2">
@@ -4503,6 +5018,157 @@
               </a:ln>
               <a:latin typeface="HG明朝B" panose="02020809000000000000" pitchFamily="17" charset="-128"/>
               <a:ea typeface="HG明朝B" panose="02020809000000000000" pitchFamily="17" charset="-128"/>
+            </a:endParaRPr>
+          </a:p>
+        </p:txBody>
+      </p:sp>
+      <p:sp>
+        <p:nvSpPr>
+          <p:cNvPr id="16" name="正方形/長方形 15"/>
+          <p:cNvSpPr/>
+          <p:nvPr/>
+        </p:nvSpPr>
+        <p:spPr>
+          <a:xfrm>
+            <a:off x="377922" y="7499639"/>
+            <a:ext cx="5964263" cy="369332"/>
+          </a:xfrm>
+          <a:prstGeom prst="rect">
+            <a:avLst/>
+          </a:prstGeom>
+        </p:spPr>
+        <p:txBody>
+          <a:bodyPr wrap="square">
+            <a:spAutoFit/>
+          </a:bodyPr>
+          <a:lstStyle/>
+          <a:p>
+            <a:endParaRPr lang="en-US" altLang="ja-JP" dirty="0">
+              <a:ln>
+                <a:solidFill>
+                  <a:schemeClr val="bg2">
+                    <a:lumMod val="50000"/>
+                  </a:schemeClr>
+                </a:solidFill>
+              </a:ln>
+              <a:latin typeface="HG明朝B" panose="02020809000000000000" pitchFamily="17" charset="-128"/>
+              <a:ea typeface="HG明朝B" panose="02020809000000000000" pitchFamily="17" charset="-128"/>
+            </a:endParaRPr>
+          </a:p>
+        </p:txBody>
+      </p:sp>
+      <p:sp>
+        <p:nvSpPr>
+          <p:cNvPr id="17" name="テキスト ボックス 16"/>
+          <p:cNvSpPr txBox="1"/>
+          <p:nvPr/>
+        </p:nvSpPr>
+        <p:spPr>
+          <a:xfrm>
+            <a:off x="453659" y="8063049"/>
+            <a:ext cx="2847241" cy="369332"/>
+          </a:xfrm>
+          <a:prstGeom prst="rect">
+            <a:avLst/>
+          </a:prstGeom>
+          <a:noFill/>
+        </p:spPr>
+        <p:txBody>
+          <a:bodyPr wrap="square" rtlCol="0">
+            <a:spAutoFit/>
+          </a:bodyPr>
+          <a:lstStyle/>
+          <a:p>
+            <a:r>
+              <a:rPr kumimoji="1" lang="en-US" altLang="ja-JP" dirty="0" smtClean="0">
+                <a:latin typeface="HGP明朝B" panose="02020800000000000000" pitchFamily="18" charset="-128"/>
+                <a:ea typeface="HGP明朝B" panose="02020800000000000000" pitchFamily="18" charset="-128"/>
+              </a:rPr>
+              <a:t>QTE(</a:t>
+            </a:r>
+            <a:r>
+              <a:rPr kumimoji="1" lang="ja-JP" altLang="en-US" dirty="0" smtClean="0">
+                <a:latin typeface="HGP明朝B" panose="02020800000000000000" pitchFamily="18" charset="-128"/>
+                <a:ea typeface="HGP明朝B" panose="02020800000000000000" pitchFamily="18" charset="-128"/>
+              </a:rPr>
+              <a:t>クイックタイムイベント</a:t>
+            </a:r>
+            <a:r>
+              <a:rPr kumimoji="1" lang="en-US" altLang="ja-JP" dirty="0" smtClean="0">
+                <a:latin typeface="HGP明朝B" panose="02020800000000000000" pitchFamily="18" charset="-128"/>
+                <a:ea typeface="HGP明朝B" panose="02020800000000000000" pitchFamily="18" charset="-128"/>
+              </a:rPr>
+              <a:t>)</a:t>
+            </a:r>
+            <a:endParaRPr kumimoji="1" lang="ja-JP" altLang="en-US" dirty="0">
+              <a:latin typeface="HGP明朝B" panose="02020800000000000000" pitchFamily="18" charset="-128"/>
+              <a:ea typeface="HGP明朝B" panose="02020800000000000000" pitchFamily="18" charset="-128"/>
+            </a:endParaRPr>
+          </a:p>
+        </p:txBody>
+      </p:sp>
+      <p:pic>
+        <p:nvPicPr>
+          <p:cNvPr id="18" name="図 17"/>
+          <p:cNvPicPr>
+            <a:picLocks noChangeAspect="1"/>
+          </p:cNvPicPr>
+          <p:nvPr/>
+        </p:nvPicPr>
+        <p:blipFill>
+          <a:blip r:embed="rId5" cstate="print">
+            <a:extLst>
+              <a:ext uri="{28A0092B-C50C-407E-A947-70E740481C1C}">
+                <a14:useLocalDpi xmlns:a14="http://schemas.microsoft.com/office/drawing/2010/main" val="0"/>
+              </a:ext>
+            </a:extLst>
+          </a:blip>
+          <a:stretch>
+            <a:fillRect/>
+          </a:stretch>
+        </p:blipFill>
+        <p:spPr>
+          <a:xfrm>
+            <a:off x="3603110" y="8407865"/>
+            <a:ext cx="2971660" cy="1516153"/>
+          </a:xfrm>
+          <a:prstGeom prst="rect">
+            <a:avLst/>
+          </a:prstGeom>
+        </p:spPr>
+      </p:pic>
+      <p:sp>
+        <p:nvSpPr>
+          <p:cNvPr id="19" name="テキスト ボックス 18"/>
+          <p:cNvSpPr txBox="1"/>
+          <p:nvPr/>
+        </p:nvSpPr>
+        <p:spPr>
+          <a:xfrm>
+            <a:off x="4187991" y="8018981"/>
+            <a:ext cx="1791389" cy="369332"/>
+          </a:xfrm>
+          <a:prstGeom prst="rect">
+            <a:avLst/>
+          </a:prstGeom>
+          <a:noFill/>
+        </p:spPr>
+        <p:txBody>
+          <a:bodyPr wrap="square" rtlCol="0">
+            <a:spAutoFit/>
+          </a:bodyPr>
+          <a:lstStyle/>
+          <a:p>
+            <a:r>
+              <a:rPr lang="ja-JP" altLang="en-US" dirty="0" smtClean="0">
+                <a:latin typeface="HGP明朝B" panose="02020800000000000000" pitchFamily="18" charset="-128"/>
+                <a:ea typeface="HGP明朝B" panose="02020800000000000000" pitchFamily="18" charset="-128"/>
+              </a:rPr>
+              <a:t>スキル発動合図</a:t>
+            </a:r>
+            <a:endParaRPr kumimoji="1" lang="ja-JP" altLang="en-US" dirty="0">
+              <a:latin typeface="HGP明朝B" panose="02020800000000000000" pitchFamily="18" charset="-128"/>
+              <a:ea typeface="HGP明朝B" panose="02020800000000000000" pitchFamily="18" charset="-128"/>
             </a:endParaRPr>
           </a:p>
         </p:txBody>

--- a/前野七楓/3Dチーム制作/3Dチーム制作ワンシート(1).pptx
+++ b/前野七楓/3Dチーム制作/3Dチーム制作ワンシート(1).pptx
@@ -243,7 +243,7 @@
           <a:p>
             <a:fld id="{A2BE6C28-2C5B-4C5A-A6F9-9CC985FD3C53}" type="datetimeFigureOut">
               <a:rPr kumimoji="1" lang="ja-JP" altLang="en-US" smtClean="0"/>
-              <a:t>2020/12/15</a:t>
+              <a:t>2020/12/16</a:t>
             </a:fld>
             <a:endParaRPr kumimoji="1" lang="ja-JP" altLang="en-US"/>
           </a:p>
@@ -445,7 +445,7 @@
           <a:p>
             <a:fld id="{A2BE6C28-2C5B-4C5A-A6F9-9CC985FD3C53}" type="datetimeFigureOut">
               <a:rPr kumimoji="1" lang="ja-JP" altLang="en-US" smtClean="0"/>
-              <a:t>2020/12/15</a:t>
+              <a:t>2020/12/16</a:t>
             </a:fld>
             <a:endParaRPr kumimoji="1" lang="ja-JP" altLang="en-US"/>
           </a:p>
@@ -657,7 +657,7 @@
           <a:p>
             <a:fld id="{A2BE6C28-2C5B-4C5A-A6F9-9CC985FD3C53}" type="datetimeFigureOut">
               <a:rPr kumimoji="1" lang="ja-JP" altLang="en-US" smtClean="0"/>
-              <a:t>2020/12/15</a:t>
+              <a:t>2020/12/16</a:t>
             </a:fld>
             <a:endParaRPr kumimoji="1" lang="ja-JP" altLang="en-US"/>
           </a:p>
@@ -859,7 +859,7 @@
           <a:p>
             <a:fld id="{A2BE6C28-2C5B-4C5A-A6F9-9CC985FD3C53}" type="datetimeFigureOut">
               <a:rPr kumimoji="1" lang="ja-JP" altLang="en-US" smtClean="0"/>
-              <a:t>2020/12/15</a:t>
+              <a:t>2020/12/16</a:t>
             </a:fld>
             <a:endParaRPr kumimoji="1" lang="ja-JP" altLang="en-US"/>
           </a:p>
@@ -1103,7 +1103,7 @@
           <a:p>
             <a:fld id="{A2BE6C28-2C5B-4C5A-A6F9-9CC985FD3C53}" type="datetimeFigureOut">
               <a:rPr kumimoji="1" lang="ja-JP" altLang="en-US" smtClean="0"/>
-              <a:t>2020/12/15</a:t>
+              <a:t>2020/12/16</a:t>
             </a:fld>
             <a:endParaRPr kumimoji="1" lang="ja-JP" altLang="en-US"/>
           </a:p>
@@ -1399,7 +1399,7 @@
           <a:p>
             <a:fld id="{A2BE6C28-2C5B-4C5A-A6F9-9CC985FD3C53}" type="datetimeFigureOut">
               <a:rPr kumimoji="1" lang="ja-JP" altLang="en-US" smtClean="0"/>
-              <a:t>2020/12/15</a:t>
+              <a:t>2020/12/16</a:t>
             </a:fld>
             <a:endParaRPr kumimoji="1" lang="ja-JP" altLang="en-US"/>
           </a:p>
@@ -1830,7 +1830,7 @@
           <a:p>
             <a:fld id="{A2BE6C28-2C5B-4C5A-A6F9-9CC985FD3C53}" type="datetimeFigureOut">
               <a:rPr kumimoji="1" lang="ja-JP" altLang="en-US" smtClean="0"/>
-              <a:t>2020/12/15</a:t>
+              <a:t>2020/12/16</a:t>
             </a:fld>
             <a:endParaRPr kumimoji="1" lang="ja-JP" altLang="en-US"/>
           </a:p>
@@ -1948,7 +1948,7 @@
           <a:p>
             <a:fld id="{A2BE6C28-2C5B-4C5A-A6F9-9CC985FD3C53}" type="datetimeFigureOut">
               <a:rPr kumimoji="1" lang="ja-JP" altLang="en-US" smtClean="0"/>
-              <a:t>2020/12/15</a:t>
+              <a:t>2020/12/16</a:t>
             </a:fld>
             <a:endParaRPr kumimoji="1" lang="ja-JP" altLang="en-US"/>
           </a:p>
@@ -2043,7 +2043,7 @@
           <a:p>
             <a:fld id="{A2BE6C28-2C5B-4C5A-A6F9-9CC985FD3C53}" type="datetimeFigureOut">
               <a:rPr kumimoji="1" lang="ja-JP" altLang="en-US" smtClean="0"/>
-              <a:t>2020/12/15</a:t>
+              <a:t>2020/12/16</a:t>
             </a:fld>
             <a:endParaRPr kumimoji="1" lang="ja-JP" altLang="en-US"/>
           </a:p>
@@ -2352,7 +2352,7 @@
           <a:p>
             <a:fld id="{A2BE6C28-2C5B-4C5A-A6F9-9CC985FD3C53}" type="datetimeFigureOut">
               <a:rPr kumimoji="1" lang="ja-JP" altLang="en-US" smtClean="0"/>
-              <a:t>2020/12/15</a:t>
+              <a:t>2020/12/16</a:t>
             </a:fld>
             <a:endParaRPr kumimoji="1" lang="ja-JP" altLang="en-US"/>
           </a:p>
@@ -2609,7 +2609,7 @@
           <a:p>
             <a:fld id="{A2BE6C28-2C5B-4C5A-A6F9-9CC985FD3C53}" type="datetimeFigureOut">
               <a:rPr kumimoji="1" lang="ja-JP" altLang="en-US" smtClean="0"/>
-              <a:t>2020/12/15</a:t>
+              <a:t>2020/12/16</a:t>
             </a:fld>
             <a:endParaRPr kumimoji="1" lang="ja-JP" altLang="en-US"/>
           </a:p>
@@ -2854,7 +2854,7 @@
           <a:p>
             <a:fld id="{A2BE6C28-2C5B-4C5A-A6F9-9CC985FD3C53}" type="datetimeFigureOut">
               <a:rPr kumimoji="1" lang="ja-JP" altLang="en-US" smtClean="0"/>
-              <a:t>2020/12/15</a:t>
+              <a:t>2020/12/16</a:t>
             </a:fld>
             <a:endParaRPr kumimoji="1" lang="ja-JP" altLang="en-US"/>
           </a:p>
@@ -3601,20 +3601,6 @@
               </a:rPr>
               <a:t> </a:t>
             </a:r>
-            <a:endParaRPr lang="en-US" altLang="ja-JP" sz="2200" dirty="0" smtClean="0">
-              <a:ln>
-                <a:solidFill>
-                  <a:schemeClr val="bg2">
-                    <a:lumMod val="50000"/>
-                  </a:schemeClr>
-                </a:solidFill>
-              </a:ln>
-              <a:solidFill>
-                <a:schemeClr val="tx1"/>
-              </a:solidFill>
-              <a:latin typeface="HG明朝B" panose="02020809000000000000" pitchFamily="17" charset="-128"/>
-              <a:ea typeface="HG明朝B" panose="02020809000000000000" pitchFamily="17" charset="-128"/>
-            </a:endParaRPr>
           </a:p>
         </p:txBody>
       </p:sp>
@@ -4178,57 +4164,101 @@
           </a:p>
         </p:txBody>
       </p:sp>
-      <p:pic>
-        <p:nvPicPr>
-          <p:cNvPr id="8" name="図 7"/>
-          <p:cNvPicPr>
-            <a:picLocks noChangeAspect="1"/>
-          </p:cNvPicPr>
+      <p:sp>
+        <p:nvSpPr>
+          <p:cNvPr id="13" name="正方形/長方形 12"/>
+          <p:cNvSpPr/>
           <p:nvPr/>
-        </p:nvPicPr>
-        <p:blipFill>
-          <a:blip r:embed="rId3" cstate="print">
-            <a:extLst>
-              <a:ext uri="{28A0092B-C50C-407E-A947-70E740481C1C}">
-                <a14:useLocalDpi xmlns:a14="http://schemas.microsoft.com/office/drawing/2010/main" val="0"/>
-              </a:ext>
-            </a:extLst>
-          </a:blip>
-          <a:stretch>
-            <a:fillRect/>
-          </a:stretch>
-        </p:blipFill>
+        </p:nvSpPr>
         <p:spPr>
-          <a:xfrm rot="765193">
-            <a:off x="8665902" y="6424062"/>
-            <a:ext cx="2670116" cy="1324378"/>
+          <a:xfrm>
+            <a:off x="171980" y="3077917"/>
+            <a:ext cx="6551989" cy="2852063"/>
           </a:xfrm>
           <a:prstGeom prst="rect">
             <a:avLst/>
           </a:prstGeom>
         </p:spPr>
-      </p:pic>
-      <p:sp>
-        <p:nvSpPr>
-          <p:cNvPr id="11" name="正方形/長方形 10"/>
-          <p:cNvSpPr/>
-          <p:nvPr/>
-        </p:nvSpPr>
-        <p:spPr>
-          <a:xfrm>
-            <a:off x="-3413125" y="2251800"/>
-            <a:ext cx="3429000" cy="1754326"/>
-          </a:xfrm>
-          <a:prstGeom prst="rect">
-            <a:avLst/>
-          </a:prstGeom>
-        </p:spPr>
-        <p:txBody>
-          <a:bodyPr>
+        <p:txBody>
+          <a:bodyPr wrap="square">
             <a:spAutoFit/>
           </a:bodyPr>
           <a:lstStyle/>
           <a:p>
+            <a:pPr>
+              <a:spcBef>
+                <a:spcPts val="100"/>
+              </a:spcBef>
+              <a:spcAft>
+                <a:spcPts val="100"/>
+              </a:spcAft>
+            </a:pPr>
+            <a:r>
+              <a:rPr lang="en-US" altLang="ja-JP" sz="2000" dirty="0">
+                <a:ln>
+                  <a:solidFill>
+                    <a:schemeClr val="bg2">
+                      <a:lumMod val="50000"/>
+                    </a:schemeClr>
+                  </a:solidFill>
+                </a:ln>
+                <a:latin typeface="HG明朝B" panose="02020809000000000000" pitchFamily="17" charset="-128"/>
+                <a:ea typeface="HG明朝B" panose="02020809000000000000" pitchFamily="17" charset="-128"/>
+              </a:rPr>
+              <a:t>-</a:t>
+            </a:r>
+            <a:r>
+              <a:rPr lang="ja-JP" altLang="en-US" sz="2000" dirty="0">
+                <a:ln>
+                  <a:solidFill>
+                    <a:schemeClr val="bg2">
+                      <a:lumMod val="50000"/>
+                    </a:schemeClr>
+                  </a:solidFill>
+                </a:ln>
+                <a:latin typeface="HG明朝B" panose="02020809000000000000" pitchFamily="17" charset="-128"/>
+                <a:ea typeface="HG明朝B" panose="02020809000000000000" pitchFamily="17" charset="-128"/>
+              </a:rPr>
+              <a:t>攻撃</a:t>
+            </a:r>
+            <a:r>
+              <a:rPr lang="en-US" altLang="ja-JP" sz="2000" dirty="0" smtClean="0">
+                <a:ln>
+                  <a:solidFill>
+                    <a:schemeClr val="bg2">
+                      <a:lumMod val="50000"/>
+                    </a:schemeClr>
+                  </a:solidFill>
+                </a:ln>
+                <a:latin typeface="HG明朝B" panose="02020809000000000000" pitchFamily="17" charset="-128"/>
+                <a:ea typeface="HG明朝B" panose="02020809000000000000" pitchFamily="17" charset="-128"/>
+              </a:rPr>
+              <a:t>-</a:t>
+            </a:r>
+          </a:p>
+          <a:p>
+            <a:pPr>
+              <a:spcBef>
+                <a:spcPts val="100"/>
+              </a:spcBef>
+              <a:spcAft>
+                <a:spcPts val="100"/>
+              </a:spcAft>
+            </a:pPr>
+            <a:r>
+              <a:rPr lang="ja-JP" altLang="en-US" dirty="0" smtClean="0">
+                <a:ln>
+                  <a:solidFill>
+                    <a:schemeClr val="bg2">
+                      <a:lumMod val="50000"/>
+                    </a:schemeClr>
+                  </a:solidFill>
+                </a:ln>
+                <a:latin typeface="HG明朝B" panose="02020809000000000000" pitchFamily="17" charset="-128"/>
+                <a:ea typeface="HG明朝B" panose="02020809000000000000" pitchFamily="17" charset="-128"/>
+              </a:rPr>
+              <a:t> ・武器</a:t>
+            </a:r>
             <a:r>
               <a:rPr lang="ja-JP" altLang="en-US" dirty="0">
                 <a:ln>
@@ -4241,7 +4271,21 @@
                 <a:latin typeface="HG明朝B" panose="02020809000000000000" pitchFamily="17" charset="-128"/>
                 <a:ea typeface="HG明朝B" panose="02020809000000000000" pitchFamily="17" charset="-128"/>
               </a:rPr>
-              <a:t>コマンドによってエネルギーを消費し使用できる特殊攻撃で大勢の敵をまとめてなぎ倒しエネルギーを吸収しつつ、防御や回避で向かってくる敵を翻弄し打ち勝て。</a:t>
+              <a:t>は二</a:t>
+            </a:r>
+            <a:r>
+              <a:rPr lang="ja-JP" altLang="en-US" dirty="0" smtClean="0">
+                <a:ln>
+                  <a:solidFill>
+                    <a:schemeClr val="bg2">
+                      <a:lumMod val="50000"/>
+                    </a:schemeClr>
+                  </a:solidFill>
+                </a:ln>
+                <a:latin typeface="HG明朝B" panose="02020809000000000000" pitchFamily="17" charset="-128"/>
+                <a:ea typeface="HG明朝B" panose="02020809000000000000" pitchFamily="17" charset="-128"/>
+              </a:rPr>
+              <a:t>種類</a:t>
             </a:r>
             <a:endParaRPr lang="en-US" altLang="ja-JP" dirty="0">
               <a:ln>
@@ -4255,80 +4299,6 @@
               <a:ea typeface="HG明朝B" panose="02020809000000000000" pitchFamily="17" charset="-128"/>
             </a:endParaRPr>
           </a:p>
-        </p:txBody>
-      </p:sp>
-      <p:sp>
-        <p:nvSpPr>
-          <p:cNvPr id="13" name="正方形/長方形 12"/>
-          <p:cNvSpPr/>
-          <p:nvPr/>
-        </p:nvSpPr>
-        <p:spPr>
-          <a:xfrm>
-            <a:off x="171980" y="3077917"/>
-            <a:ext cx="6551989" cy="2852063"/>
-          </a:xfrm>
-          <a:prstGeom prst="rect">
-            <a:avLst/>
-          </a:prstGeom>
-        </p:spPr>
-        <p:txBody>
-          <a:bodyPr wrap="square">
-            <a:spAutoFit/>
-          </a:bodyPr>
-          <a:lstStyle/>
-          <a:p>
-            <a:pPr>
-              <a:spcBef>
-                <a:spcPts val="100"/>
-              </a:spcBef>
-              <a:spcAft>
-                <a:spcPts val="100"/>
-              </a:spcAft>
-            </a:pPr>
-            <a:r>
-              <a:rPr lang="en-US" altLang="ja-JP" sz="2000" dirty="0">
-                <a:ln>
-                  <a:solidFill>
-                    <a:schemeClr val="bg2">
-                      <a:lumMod val="50000"/>
-                    </a:schemeClr>
-                  </a:solidFill>
-                </a:ln>
-                <a:latin typeface="HG明朝B" panose="02020809000000000000" pitchFamily="17" charset="-128"/>
-                <a:ea typeface="HG明朝B" panose="02020809000000000000" pitchFamily="17" charset="-128"/>
-              </a:rPr>
-              <a:t>-</a:t>
-            </a:r>
-            <a:r>
-              <a:rPr lang="ja-JP" altLang="en-US" sz="2000" dirty="0">
-                <a:ln>
-                  <a:solidFill>
-                    <a:schemeClr val="bg2">
-                      <a:lumMod val="50000"/>
-                    </a:schemeClr>
-                  </a:solidFill>
-                </a:ln>
-                <a:latin typeface="HG明朝B" panose="02020809000000000000" pitchFamily="17" charset="-128"/>
-                <a:ea typeface="HG明朝B" panose="02020809000000000000" pitchFamily="17" charset="-128"/>
-              </a:rPr>
-              <a:t>攻撃</a:t>
-            </a:r>
-            <a:r>
-              <a:rPr lang="en-US" altLang="ja-JP" sz="2000" dirty="0" smtClean="0">
-                <a:ln>
-                  <a:solidFill>
-                    <a:schemeClr val="bg2">
-                      <a:lumMod val="50000"/>
-                    </a:schemeClr>
-                  </a:solidFill>
-                </a:ln>
-                <a:latin typeface="HG明朝B" panose="02020809000000000000" pitchFamily="17" charset="-128"/>
-                <a:ea typeface="HG明朝B" panose="02020809000000000000" pitchFamily="17" charset="-128"/>
-              </a:rPr>
-              <a:t>-</a:t>
-            </a:r>
-          </a:p>
           <a:p>
             <a:pPr>
               <a:spcBef>
@@ -4350,7 +4320,7 @@
                 <a:latin typeface="HG明朝B" panose="02020809000000000000" pitchFamily="17" charset="-128"/>
                 <a:ea typeface="HG明朝B" panose="02020809000000000000" pitchFamily="17" charset="-128"/>
               </a:rPr>
-              <a:t> ・武器</a:t>
+              <a:t>  　 刀  → 単体</a:t>
             </a:r>
             <a:r>
               <a:rPr lang="ja-JP" altLang="en-US" dirty="0">
@@ -4364,21 +4334,7 @@
                 <a:latin typeface="HG明朝B" panose="02020809000000000000" pitchFamily="17" charset="-128"/>
                 <a:ea typeface="HG明朝B" panose="02020809000000000000" pitchFamily="17" charset="-128"/>
               </a:rPr>
-              <a:t>は二</a:t>
-            </a:r>
-            <a:r>
-              <a:rPr lang="ja-JP" altLang="en-US" dirty="0" smtClean="0">
-                <a:ln>
-                  <a:solidFill>
-                    <a:schemeClr val="bg2">
-                      <a:lumMod val="50000"/>
-                    </a:schemeClr>
-                  </a:solidFill>
-                </a:ln>
-                <a:latin typeface="HG明朝B" panose="02020809000000000000" pitchFamily="17" charset="-128"/>
-                <a:ea typeface="HG明朝B" panose="02020809000000000000" pitchFamily="17" charset="-128"/>
-              </a:rPr>
-              <a:t>種類</a:t>
+              <a:t>対象で威力が高い。</a:t>
             </a:r>
             <a:endParaRPr lang="en-US" altLang="ja-JP" dirty="0">
               <a:ln>
@@ -4413,7 +4369,21 @@
                 <a:latin typeface="HG明朝B" panose="02020809000000000000" pitchFamily="17" charset="-128"/>
                 <a:ea typeface="HG明朝B" panose="02020809000000000000" pitchFamily="17" charset="-128"/>
               </a:rPr>
-              <a:t>  </a:t>
+              <a:t>  　薙刀 → 一定</a:t>
+            </a:r>
+            <a:r>
+              <a:rPr lang="ja-JP" altLang="en-US" dirty="0">
+                <a:ln>
+                  <a:solidFill>
+                    <a:schemeClr val="bg2">
+                      <a:lumMod val="50000"/>
+                    </a:schemeClr>
+                  </a:solidFill>
+                </a:ln>
+                <a:latin typeface="HG明朝B" panose="02020809000000000000" pitchFamily="17" charset="-128"/>
+                <a:ea typeface="HG明朝B" panose="02020809000000000000" pitchFamily="17" charset="-128"/>
+              </a:rPr>
+              <a:t>範囲内対象で威力が低い</a:t>
             </a:r>
             <a:r>
               <a:rPr lang="ja-JP" altLang="en-US" dirty="0" smtClean="0">
@@ -4427,35 +4397,7 @@
                 <a:latin typeface="HG明朝B" panose="02020809000000000000" pitchFamily="17" charset="-128"/>
                 <a:ea typeface="HG明朝B" panose="02020809000000000000" pitchFamily="17" charset="-128"/>
               </a:rPr>
-              <a:t>　</a:t>
-            </a:r>
-            <a:r>
-              <a:rPr lang="ja-JP" altLang="en-US" dirty="0" smtClean="0">
-                <a:ln>
-                  <a:solidFill>
-                    <a:schemeClr val="bg2">
-                      <a:lumMod val="50000"/>
-                    </a:schemeClr>
-                  </a:solidFill>
-                </a:ln>
-                <a:latin typeface="HG明朝B" panose="02020809000000000000" pitchFamily="17" charset="-128"/>
-                <a:ea typeface="HG明朝B" panose="02020809000000000000" pitchFamily="17" charset="-128"/>
-              </a:rPr>
-              <a:t> 刀  → 単体</a:t>
-            </a:r>
-            <a:r>
-              <a:rPr lang="ja-JP" altLang="en-US" dirty="0">
-                <a:ln>
-                  <a:solidFill>
-                    <a:schemeClr val="bg2">
-                      <a:lumMod val="50000"/>
-                    </a:schemeClr>
-                  </a:solidFill>
-                </a:ln>
-                <a:latin typeface="HG明朝B" panose="02020809000000000000" pitchFamily="17" charset="-128"/>
-                <a:ea typeface="HG明朝B" panose="02020809000000000000" pitchFamily="17" charset="-128"/>
-              </a:rPr>
-              <a:t>対象で威力が高い。</a:t>
+              <a:t>。</a:t>
             </a:r>
             <a:endParaRPr lang="en-US" altLang="ja-JP" dirty="0">
               <a:ln>
@@ -4490,8 +4432,29 @@
                 <a:latin typeface="HG明朝B" panose="02020809000000000000" pitchFamily="17" charset="-128"/>
                 <a:ea typeface="HG明朝B" panose="02020809000000000000" pitchFamily="17" charset="-128"/>
               </a:rPr>
-              <a:t>  </a:t>
-            </a:r>
+              <a:t> ・攻撃手段として、通常とスキルがある。</a:t>
+            </a:r>
+            <a:endParaRPr lang="en-US" altLang="ja-JP" dirty="0" smtClean="0">
+              <a:ln>
+                <a:solidFill>
+                  <a:schemeClr val="bg2">
+                    <a:lumMod val="50000"/>
+                  </a:schemeClr>
+                </a:solidFill>
+              </a:ln>
+              <a:latin typeface="HG明朝B" panose="02020809000000000000" pitchFamily="17" charset="-128"/>
+              <a:ea typeface="HG明朝B" panose="02020809000000000000" pitchFamily="17" charset="-128"/>
+            </a:endParaRPr>
+          </a:p>
+          <a:p>
+            <a:pPr>
+              <a:spcBef>
+                <a:spcPts val="100"/>
+              </a:spcBef>
+              <a:spcAft>
+                <a:spcPts val="100"/>
+              </a:spcAft>
+            </a:pPr>
             <a:r>
               <a:rPr lang="ja-JP" altLang="en-US" dirty="0" smtClean="0">
                 <a:ln>
@@ -4504,8 +4467,81 @@
                 <a:latin typeface="HG明朝B" panose="02020809000000000000" pitchFamily="17" charset="-128"/>
                 <a:ea typeface="HG明朝B" panose="02020809000000000000" pitchFamily="17" charset="-128"/>
               </a:rPr>
-              <a:t>　</a:t>
-            </a:r>
+              <a:t> ・通常でスキル可能になるゲージが溜まる。</a:t>
+            </a:r>
+            <a:endParaRPr lang="en-US" altLang="ja-JP" dirty="0" smtClean="0">
+              <a:ln>
+                <a:solidFill>
+                  <a:schemeClr val="bg2">
+                    <a:lumMod val="50000"/>
+                  </a:schemeClr>
+                </a:solidFill>
+              </a:ln>
+              <a:latin typeface="HG明朝B" panose="02020809000000000000" pitchFamily="17" charset="-128"/>
+              <a:ea typeface="HG明朝B" panose="02020809000000000000" pitchFamily="17" charset="-128"/>
+            </a:endParaRPr>
+          </a:p>
+          <a:p>
+            <a:pPr>
+              <a:spcBef>
+                <a:spcPts val="100"/>
+              </a:spcBef>
+              <a:spcAft>
+                <a:spcPts val="100"/>
+              </a:spcAft>
+            </a:pPr>
+            <a:r>
+              <a:rPr lang="en-US" altLang="ja-JP" sz="2000" dirty="0" smtClean="0">
+                <a:ln>
+                  <a:solidFill>
+                    <a:schemeClr val="bg2">
+                      <a:lumMod val="50000"/>
+                    </a:schemeClr>
+                  </a:solidFill>
+                </a:ln>
+                <a:latin typeface="HG明朝B" panose="02020809000000000000" pitchFamily="17" charset="-128"/>
+                <a:ea typeface="HG明朝B" panose="02020809000000000000" pitchFamily="17" charset="-128"/>
+              </a:rPr>
+              <a:t>-</a:t>
+            </a:r>
+            <a:r>
+              <a:rPr lang="ja-JP" altLang="en-US" sz="2000" dirty="0">
+                <a:ln>
+                  <a:solidFill>
+                    <a:schemeClr val="bg2">
+                      <a:lumMod val="50000"/>
+                    </a:schemeClr>
+                  </a:solidFill>
+                </a:ln>
+                <a:latin typeface="HG明朝B" panose="02020809000000000000" pitchFamily="17" charset="-128"/>
+                <a:ea typeface="HG明朝B" panose="02020809000000000000" pitchFamily="17" charset="-128"/>
+              </a:rPr>
+              <a:t>その他</a:t>
+            </a:r>
+            <a:r>
+              <a:rPr lang="en-US" altLang="ja-JP" sz="2000" dirty="0">
+                <a:ln>
+                  <a:solidFill>
+                    <a:schemeClr val="bg2">
+                      <a:lumMod val="50000"/>
+                    </a:schemeClr>
+                  </a:solidFill>
+                </a:ln>
+                <a:latin typeface="HG明朝B" panose="02020809000000000000" pitchFamily="17" charset="-128"/>
+                <a:ea typeface="HG明朝B" panose="02020809000000000000" pitchFamily="17" charset="-128"/>
+              </a:rPr>
+              <a:t>-</a:t>
+            </a:r>
+          </a:p>
+          <a:p>
+            <a:pPr>
+              <a:spcBef>
+                <a:spcPts val="100"/>
+              </a:spcBef>
+              <a:spcAft>
+                <a:spcPts val="100"/>
+              </a:spcAft>
+            </a:pPr>
             <a:r>
               <a:rPr lang="ja-JP" altLang="en-US" dirty="0" smtClean="0">
                 <a:ln>
@@ -4518,7 +4554,21 @@
                 <a:latin typeface="HG明朝B" panose="02020809000000000000" pitchFamily="17" charset="-128"/>
                 <a:ea typeface="HG明朝B" panose="02020809000000000000" pitchFamily="17" charset="-128"/>
               </a:rPr>
-              <a:t>薙刀 </a:t>
+              <a:t> ・回避</a:t>
+            </a:r>
+            <a:r>
+              <a:rPr lang="ja-JP" altLang="en-US" dirty="0">
+                <a:ln>
+                  <a:solidFill>
+                    <a:schemeClr val="bg2">
+                      <a:lumMod val="50000"/>
+                    </a:schemeClr>
+                  </a:solidFill>
+                </a:ln>
+                <a:latin typeface="HG明朝B" panose="02020809000000000000" pitchFamily="17" charset="-128"/>
+                <a:ea typeface="HG明朝B" panose="02020809000000000000" pitchFamily="17" charset="-128"/>
+              </a:rPr>
+              <a:t>とガードをジャストで決めること</a:t>
             </a:r>
             <a:r>
               <a:rPr lang="ja-JP" altLang="en-US" dirty="0" smtClean="0">
@@ -4532,8 +4582,29 @@
                 <a:latin typeface="HG明朝B" panose="02020809000000000000" pitchFamily="17" charset="-128"/>
                 <a:ea typeface="HG明朝B" panose="02020809000000000000" pitchFamily="17" charset="-128"/>
               </a:rPr>
-              <a:t>→ </a:t>
-            </a:r>
+              <a:t>で素早く攻撃可能。</a:t>
+            </a:r>
+            <a:endParaRPr lang="en-US" altLang="ja-JP" dirty="0" smtClean="0">
+              <a:ln>
+                <a:solidFill>
+                  <a:schemeClr val="bg2">
+                    <a:lumMod val="50000"/>
+                  </a:schemeClr>
+                </a:solidFill>
+              </a:ln>
+              <a:latin typeface="HG明朝B" panose="02020809000000000000" pitchFamily="17" charset="-128"/>
+              <a:ea typeface="HG明朝B" panose="02020809000000000000" pitchFamily="17" charset="-128"/>
+            </a:endParaRPr>
+          </a:p>
+          <a:p>
+            <a:pPr>
+              <a:spcBef>
+                <a:spcPts val="100"/>
+              </a:spcBef>
+              <a:spcAft>
+                <a:spcPts val="100"/>
+              </a:spcAft>
+            </a:pPr>
             <a:r>
               <a:rPr lang="ja-JP" altLang="en-US" dirty="0" smtClean="0">
                 <a:ln>
@@ -4546,7 +4617,7 @@
                 <a:latin typeface="HG明朝B" panose="02020809000000000000" pitchFamily="17" charset="-128"/>
                 <a:ea typeface="HG明朝B" panose="02020809000000000000" pitchFamily="17" charset="-128"/>
               </a:rPr>
-              <a:t>一定</a:t>
+              <a:t> ・失敗</a:t>
             </a:r>
             <a:r>
               <a:rPr lang="ja-JP" altLang="en-US" dirty="0">
@@ -4560,7 +4631,7 @@
                 <a:latin typeface="HG明朝B" panose="02020809000000000000" pitchFamily="17" charset="-128"/>
                 <a:ea typeface="HG明朝B" panose="02020809000000000000" pitchFamily="17" charset="-128"/>
               </a:rPr>
-              <a:t>範囲内対象で威力が低い</a:t>
+              <a:t>する</a:t>
             </a:r>
             <a:r>
               <a:rPr lang="ja-JP" altLang="en-US" dirty="0" smtClean="0">
@@ -4574,7 +4645,7 @@
                 <a:latin typeface="HG明朝B" panose="02020809000000000000" pitchFamily="17" charset="-128"/>
                 <a:ea typeface="HG明朝B" panose="02020809000000000000" pitchFamily="17" charset="-128"/>
               </a:rPr>
-              <a:t>。</a:t>
+              <a:t>と、敵に隙を与える。</a:t>
             </a:r>
             <a:endParaRPr lang="en-US" altLang="ja-JP" dirty="0">
               <a:ln>
@@ -4588,282 +4659,6 @@
               <a:ea typeface="HG明朝B" panose="02020809000000000000" pitchFamily="17" charset="-128"/>
             </a:endParaRPr>
           </a:p>
-          <a:p>
-            <a:pPr>
-              <a:spcBef>
-                <a:spcPts val="100"/>
-              </a:spcBef>
-              <a:spcAft>
-                <a:spcPts val="100"/>
-              </a:spcAft>
-            </a:pPr>
-            <a:r>
-              <a:rPr lang="ja-JP" altLang="en-US" dirty="0" smtClean="0">
-                <a:ln>
-                  <a:solidFill>
-                    <a:schemeClr val="bg2">
-                      <a:lumMod val="50000"/>
-                    </a:schemeClr>
-                  </a:solidFill>
-                </a:ln>
-                <a:latin typeface="HG明朝B" panose="02020809000000000000" pitchFamily="17" charset="-128"/>
-                <a:ea typeface="HG明朝B" panose="02020809000000000000" pitchFamily="17" charset="-128"/>
-              </a:rPr>
-              <a:t> ・攻撃手段として、通常とスキルがある。</a:t>
-            </a:r>
-            <a:endParaRPr lang="en-US" altLang="ja-JP" dirty="0" smtClean="0">
-              <a:ln>
-                <a:solidFill>
-                  <a:schemeClr val="bg2">
-                    <a:lumMod val="50000"/>
-                  </a:schemeClr>
-                </a:solidFill>
-              </a:ln>
-              <a:latin typeface="HG明朝B" panose="02020809000000000000" pitchFamily="17" charset="-128"/>
-              <a:ea typeface="HG明朝B" panose="02020809000000000000" pitchFamily="17" charset="-128"/>
-            </a:endParaRPr>
-          </a:p>
-          <a:p>
-            <a:pPr>
-              <a:spcBef>
-                <a:spcPts val="100"/>
-              </a:spcBef>
-              <a:spcAft>
-                <a:spcPts val="100"/>
-              </a:spcAft>
-            </a:pPr>
-            <a:r>
-              <a:rPr lang="ja-JP" altLang="en-US" dirty="0" smtClean="0">
-                <a:ln>
-                  <a:solidFill>
-                    <a:schemeClr val="bg2">
-                      <a:lumMod val="50000"/>
-                    </a:schemeClr>
-                  </a:solidFill>
-                </a:ln>
-                <a:latin typeface="HG明朝B" panose="02020809000000000000" pitchFamily="17" charset="-128"/>
-                <a:ea typeface="HG明朝B" panose="02020809000000000000" pitchFamily="17" charset="-128"/>
-              </a:rPr>
-              <a:t> ・通常でスキル可能になるゲージが溜まる。</a:t>
-            </a:r>
-            <a:endParaRPr lang="en-US" altLang="ja-JP" dirty="0" smtClean="0">
-              <a:ln>
-                <a:solidFill>
-                  <a:schemeClr val="bg2">
-                    <a:lumMod val="50000"/>
-                  </a:schemeClr>
-                </a:solidFill>
-              </a:ln>
-              <a:latin typeface="HG明朝B" panose="02020809000000000000" pitchFamily="17" charset="-128"/>
-              <a:ea typeface="HG明朝B" panose="02020809000000000000" pitchFamily="17" charset="-128"/>
-            </a:endParaRPr>
-          </a:p>
-          <a:p>
-            <a:pPr>
-              <a:spcBef>
-                <a:spcPts val="100"/>
-              </a:spcBef>
-              <a:spcAft>
-                <a:spcPts val="100"/>
-              </a:spcAft>
-            </a:pPr>
-            <a:r>
-              <a:rPr lang="en-US" altLang="ja-JP" sz="2000" dirty="0" smtClean="0">
-                <a:ln>
-                  <a:solidFill>
-                    <a:schemeClr val="bg2">
-                      <a:lumMod val="50000"/>
-                    </a:schemeClr>
-                  </a:solidFill>
-                </a:ln>
-                <a:latin typeface="HG明朝B" panose="02020809000000000000" pitchFamily="17" charset="-128"/>
-                <a:ea typeface="HG明朝B" panose="02020809000000000000" pitchFamily="17" charset="-128"/>
-              </a:rPr>
-              <a:t>-</a:t>
-            </a:r>
-            <a:r>
-              <a:rPr lang="ja-JP" altLang="en-US" sz="2000" dirty="0">
-                <a:ln>
-                  <a:solidFill>
-                    <a:schemeClr val="bg2">
-                      <a:lumMod val="50000"/>
-                    </a:schemeClr>
-                  </a:solidFill>
-                </a:ln>
-                <a:latin typeface="HG明朝B" panose="02020809000000000000" pitchFamily="17" charset="-128"/>
-                <a:ea typeface="HG明朝B" panose="02020809000000000000" pitchFamily="17" charset="-128"/>
-              </a:rPr>
-              <a:t>その他</a:t>
-            </a:r>
-            <a:r>
-              <a:rPr lang="en-US" altLang="ja-JP" sz="2000" dirty="0">
-                <a:ln>
-                  <a:solidFill>
-                    <a:schemeClr val="bg2">
-                      <a:lumMod val="50000"/>
-                    </a:schemeClr>
-                  </a:solidFill>
-                </a:ln>
-                <a:latin typeface="HG明朝B" panose="02020809000000000000" pitchFamily="17" charset="-128"/>
-                <a:ea typeface="HG明朝B" panose="02020809000000000000" pitchFamily="17" charset="-128"/>
-              </a:rPr>
-              <a:t>-</a:t>
-            </a:r>
-          </a:p>
-          <a:p>
-            <a:pPr>
-              <a:spcBef>
-                <a:spcPts val="100"/>
-              </a:spcBef>
-              <a:spcAft>
-                <a:spcPts val="100"/>
-              </a:spcAft>
-            </a:pPr>
-            <a:r>
-              <a:rPr lang="ja-JP" altLang="en-US" dirty="0" smtClean="0">
-                <a:ln>
-                  <a:solidFill>
-                    <a:schemeClr val="bg2">
-                      <a:lumMod val="50000"/>
-                    </a:schemeClr>
-                  </a:solidFill>
-                </a:ln>
-                <a:latin typeface="HG明朝B" panose="02020809000000000000" pitchFamily="17" charset="-128"/>
-                <a:ea typeface="HG明朝B" panose="02020809000000000000" pitchFamily="17" charset="-128"/>
-              </a:rPr>
-              <a:t> ・回避</a:t>
-            </a:r>
-            <a:r>
-              <a:rPr lang="ja-JP" altLang="en-US" dirty="0">
-                <a:ln>
-                  <a:solidFill>
-                    <a:schemeClr val="bg2">
-                      <a:lumMod val="50000"/>
-                    </a:schemeClr>
-                  </a:solidFill>
-                </a:ln>
-                <a:latin typeface="HG明朝B" panose="02020809000000000000" pitchFamily="17" charset="-128"/>
-                <a:ea typeface="HG明朝B" panose="02020809000000000000" pitchFamily="17" charset="-128"/>
-              </a:rPr>
-              <a:t>とガードをジャストで決めること</a:t>
-            </a:r>
-            <a:r>
-              <a:rPr lang="ja-JP" altLang="en-US" dirty="0" smtClean="0">
-                <a:ln>
-                  <a:solidFill>
-                    <a:schemeClr val="bg2">
-                      <a:lumMod val="50000"/>
-                    </a:schemeClr>
-                  </a:solidFill>
-                </a:ln>
-                <a:latin typeface="HG明朝B" panose="02020809000000000000" pitchFamily="17" charset="-128"/>
-                <a:ea typeface="HG明朝B" panose="02020809000000000000" pitchFamily="17" charset="-128"/>
-              </a:rPr>
-              <a:t>で</a:t>
-            </a:r>
-            <a:r>
-              <a:rPr lang="ja-JP" altLang="en-US" dirty="0" smtClean="0">
-                <a:ln>
-                  <a:solidFill>
-                    <a:schemeClr val="bg2">
-                      <a:lumMod val="50000"/>
-                    </a:schemeClr>
-                  </a:solidFill>
-                </a:ln>
-                <a:latin typeface="HG明朝B" panose="02020809000000000000" pitchFamily="17" charset="-128"/>
-                <a:ea typeface="HG明朝B" panose="02020809000000000000" pitchFamily="17" charset="-128"/>
-              </a:rPr>
-              <a:t>素早く攻撃可能</a:t>
-            </a:r>
-            <a:r>
-              <a:rPr lang="ja-JP" altLang="en-US" dirty="0" smtClean="0">
-                <a:ln>
-                  <a:solidFill>
-                    <a:schemeClr val="bg2">
-                      <a:lumMod val="50000"/>
-                    </a:schemeClr>
-                  </a:solidFill>
-                </a:ln>
-                <a:latin typeface="HG明朝B" panose="02020809000000000000" pitchFamily="17" charset="-128"/>
-                <a:ea typeface="HG明朝B" panose="02020809000000000000" pitchFamily="17" charset="-128"/>
-              </a:rPr>
-              <a:t>。</a:t>
-            </a:r>
-            <a:endParaRPr lang="en-US" altLang="ja-JP" dirty="0" smtClean="0">
-              <a:ln>
-                <a:solidFill>
-                  <a:schemeClr val="bg2">
-                    <a:lumMod val="50000"/>
-                  </a:schemeClr>
-                </a:solidFill>
-              </a:ln>
-              <a:latin typeface="HG明朝B" panose="02020809000000000000" pitchFamily="17" charset="-128"/>
-              <a:ea typeface="HG明朝B" panose="02020809000000000000" pitchFamily="17" charset="-128"/>
-            </a:endParaRPr>
-          </a:p>
-          <a:p>
-            <a:pPr>
-              <a:spcBef>
-                <a:spcPts val="100"/>
-              </a:spcBef>
-              <a:spcAft>
-                <a:spcPts val="100"/>
-              </a:spcAft>
-            </a:pPr>
-            <a:r>
-              <a:rPr lang="ja-JP" altLang="en-US" dirty="0" smtClean="0">
-                <a:ln>
-                  <a:solidFill>
-                    <a:schemeClr val="bg2">
-                      <a:lumMod val="50000"/>
-                    </a:schemeClr>
-                  </a:solidFill>
-                </a:ln>
-                <a:latin typeface="HG明朝B" panose="02020809000000000000" pitchFamily="17" charset="-128"/>
-                <a:ea typeface="HG明朝B" panose="02020809000000000000" pitchFamily="17" charset="-128"/>
-              </a:rPr>
-              <a:t> ・失敗</a:t>
-            </a:r>
-            <a:r>
-              <a:rPr lang="ja-JP" altLang="en-US" dirty="0">
-                <a:ln>
-                  <a:solidFill>
-                    <a:schemeClr val="bg2">
-                      <a:lumMod val="50000"/>
-                    </a:schemeClr>
-                  </a:solidFill>
-                </a:ln>
-                <a:latin typeface="HG明朝B" panose="02020809000000000000" pitchFamily="17" charset="-128"/>
-                <a:ea typeface="HG明朝B" panose="02020809000000000000" pitchFamily="17" charset="-128"/>
-              </a:rPr>
-              <a:t>する</a:t>
-            </a:r>
-            <a:r>
-              <a:rPr lang="ja-JP" altLang="en-US" dirty="0" smtClean="0">
-                <a:ln>
-                  <a:solidFill>
-                    <a:schemeClr val="bg2">
-                      <a:lumMod val="50000"/>
-                    </a:schemeClr>
-                  </a:solidFill>
-                </a:ln>
-                <a:latin typeface="HG明朝B" panose="02020809000000000000" pitchFamily="17" charset="-128"/>
-                <a:ea typeface="HG明朝B" panose="02020809000000000000" pitchFamily="17" charset="-128"/>
-              </a:rPr>
-              <a:t>と、敵に隙を与える。</a:t>
-            </a:r>
-            <a:endParaRPr lang="en-US" altLang="ja-JP" dirty="0">
-              <a:ln>
-                <a:solidFill>
-                  <a:schemeClr val="bg2">
-                    <a:lumMod val="50000"/>
-                  </a:schemeClr>
-                </a:solidFill>
-              </a:ln>
-              <a:latin typeface="HG明朝B" panose="02020809000000000000" pitchFamily="17" charset="-128"/>
-              <a:ea typeface="HG明朝B" panose="02020809000000000000" pitchFamily="17" charset="-128"/>
-            </a:endParaRPr>
-          </a:p>
         </p:txBody>
       </p:sp>
       <p:pic>
@@ -4875,7 +4670,7 @@
           <p:nvPr/>
         </p:nvPicPr>
         <p:blipFill>
-          <a:blip r:embed="rId4" cstate="print">
+          <a:blip r:embed="rId3" cstate="print">
             <a:extLst>
               <a:ext uri="{28A0092B-C50C-407E-A947-70E740481C1C}">
                 <a14:useLocalDpi xmlns:a14="http://schemas.microsoft.com/office/drawing/2010/main" val="0"/>
@@ -5116,7 +4911,7 @@
           <p:nvPr/>
         </p:nvPicPr>
         <p:blipFill>
-          <a:blip r:embed="rId5" cstate="print">
+          <a:blip r:embed="rId4" cstate="print">
             <a:extLst>
               <a:ext uri="{28A0092B-C50C-407E-A947-70E740481C1C}">
                 <a14:useLocalDpi xmlns:a14="http://schemas.microsoft.com/office/drawing/2010/main" val="0"/>

--- a/前野七楓/3Dチーム制作/3Dチーム制作ワンシート(1).pptx
+++ b/前野七楓/3Dチーム制作/3Dチーム制作ワンシート(1).pptx
@@ -3282,8 +3282,8 @@
         </p:nvSpPr>
         <p:spPr>
           <a:xfrm>
-            <a:off x="71801" y="53572"/>
-            <a:ext cx="2951815" cy="646331"/>
+            <a:off x="0" y="-55868"/>
+            <a:ext cx="2951815" cy="584775"/>
           </a:xfrm>
           <a:prstGeom prst="rect">
             <a:avLst/>
@@ -3297,7 +3297,7 @@
           <a:lstStyle/>
           <a:p>
             <a:r>
-              <a:rPr kumimoji="1" lang="en-US" altLang="ja-JP" sz="3600" dirty="0" smtClean="0">
+              <a:rPr kumimoji="1" lang="en-US" altLang="ja-JP" sz="3200" dirty="0" smtClean="0">
                 <a:ln>
                   <a:solidFill>
                     <a:schemeClr val="accent4">
@@ -3311,7 +3311,7 @@
               <a:t>3D</a:t>
             </a:r>
             <a:r>
-              <a:rPr kumimoji="1" lang="ja-JP" altLang="en-US" sz="3600" dirty="0" smtClean="0">
+              <a:rPr kumimoji="1" lang="ja-JP" altLang="en-US" sz="3200" dirty="0" smtClean="0">
                 <a:ln>
                   <a:solidFill>
                     <a:schemeClr val="accent4">
@@ -3356,8 +3356,8 @@
         </p:nvSpPr>
         <p:spPr>
           <a:xfrm>
-            <a:off x="-49514" y="6822478"/>
-            <a:ext cx="6773483" cy="2801523"/>
+            <a:off x="31503" y="7868970"/>
+            <a:ext cx="6880234" cy="1996187"/>
           </a:xfrm>
           <a:prstGeom prst="rect">
             <a:avLst/>
@@ -3515,8 +3515,8 @@
         </p:nvSpPr>
         <p:spPr>
           <a:xfrm>
-            <a:off x="103309" y="3022513"/>
-            <a:ext cx="6880235" cy="2907467"/>
+            <a:off x="-22235" y="2352075"/>
+            <a:ext cx="6880235" cy="4494731"/>
           </a:xfrm>
           <a:prstGeom prst="rect">
             <a:avLst/>
@@ -3612,8 +3612,8 @@
         </p:nvSpPr>
         <p:spPr>
           <a:xfrm>
-            <a:off x="3942032" y="116527"/>
-            <a:ext cx="2915968" cy="707886"/>
+            <a:off x="4457847" y="-3119"/>
+            <a:ext cx="2400153" cy="646331"/>
           </a:xfrm>
           <a:prstGeom prst="rect">
             <a:avLst/>
@@ -3627,15 +3627,15 @@
           <a:lstStyle/>
           <a:p>
             <a:r>
-              <a:rPr kumimoji="1" lang="en-US" altLang="ja-JP" sz="4000" b="1" dirty="0" smtClean="0"/>
+              <a:rPr kumimoji="1" lang="en-US" altLang="ja-JP" sz="3600" b="1" dirty="0" smtClean="0"/>
               <a:t>B</a:t>
             </a:r>
             <a:r>
-              <a:rPr kumimoji="1" lang="ja-JP" altLang="en-US" sz="2400" b="1" dirty="0" smtClean="0"/>
+              <a:rPr kumimoji="1" lang="ja-JP" altLang="en-US" sz="2000" b="1" dirty="0" smtClean="0"/>
               <a:t>班　</a:t>
             </a:r>
             <a:r>
-              <a:rPr kumimoji="1" lang="ja-JP" altLang="en-US" sz="3600" b="1" dirty="0" smtClean="0">
+              <a:rPr kumimoji="1" lang="ja-JP" altLang="en-US" sz="3200" b="1" dirty="0" smtClean="0">
                 <a:ln>
                   <a:solidFill>
                     <a:schemeClr val="accent4">
@@ -3647,18 +3647,18 @@
               <a:t>鈴</a:t>
             </a:r>
             <a:r>
-              <a:rPr kumimoji="1" lang="ja-JP" altLang="en-US" sz="2400" b="1" dirty="0" smtClean="0"/>
+              <a:rPr kumimoji="1" lang="ja-JP" altLang="en-US" sz="2000" b="1" dirty="0" smtClean="0"/>
               <a:t>木</a:t>
             </a:r>
             <a:r>
-              <a:rPr kumimoji="1" lang="ja-JP" altLang="en-US" sz="3200" b="1" dirty="0" smtClean="0"/>
+              <a:rPr kumimoji="1" lang="ja-JP" altLang="en-US" sz="2800" b="1" dirty="0" smtClean="0"/>
               <a:t>楓</a:t>
             </a:r>
             <a:r>
-              <a:rPr kumimoji="1" lang="ja-JP" altLang="en-US" sz="2400" b="1" dirty="0" smtClean="0"/>
+              <a:rPr kumimoji="1" lang="ja-JP" altLang="en-US" sz="2000" b="1" dirty="0" smtClean="0"/>
               <a:t>汰</a:t>
             </a:r>
-            <a:endParaRPr kumimoji="1" lang="en-US" altLang="ja-JP" sz="2400" b="1" dirty="0" smtClean="0"/>
+            <a:endParaRPr kumimoji="1" lang="en-US" altLang="ja-JP" sz="2000" b="1" dirty="0" smtClean="0"/>
           </a:p>
         </p:txBody>
       </p:sp>
@@ -3670,8 +3670,8 @@
         </p:nvSpPr>
         <p:spPr>
           <a:xfrm>
-            <a:off x="-22235" y="1387255"/>
-            <a:ext cx="6764968" cy="1072416"/>
+            <a:off x="31503" y="1051682"/>
+            <a:ext cx="6880234" cy="909554"/>
           </a:xfrm>
           <a:prstGeom prst="rect">
             <a:avLst/>
@@ -3725,7 +3725,7 @@
           <a:lstStyle/>
           <a:p>
             <a:r>
-              <a:rPr lang="ja-JP" altLang="en-US" sz="2400" b="1" dirty="0">
+              <a:rPr lang="en-US" altLang="ja-JP" sz="2000" b="1" dirty="0" smtClean="0">
                 <a:ln>
                   <a:solidFill>
                     <a:schemeClr val="bg1">
@@ -3742,10 +3742,10 @@
                 <a:latin typeface="HG明朝B" panose="02020809000000000000" pitchFamily="17" charset="-128"/>
                 <a:ea typeface="HG明朝B" panose="02020809000000000000" pitchFamily="17" charset="-128"/>
               </a:rPr>
-              <a:t>　</a:t>
-            </a:r>
-            <a:r>
-              <a:rPr lang="ja-JP" altLang="en-US" sz="2400" b="1" dirty="0" smtClean="0">
+              <a:t>AI</a:t>
+            </a:r>
+            <a:r>
+              <a:rPr lang="ja-JP" altLang="en-US" sz="2000" b="1" dirty="0" smtClean="0">
                 <a:ln>
                   <a:solidFill>
                     <a:schemeClr val="bg1">
@@ -3762,10 +3762,10 @@
                 <a:latin typeface="HG明朝B" panose="02020809000000000000" pitchFamily="17" charset="-128"/>
                 <a:ea typeface="HG明朝B" panose="02020809000000000000" pitchFamily="17" charset="-128"/>
               </a:rPr>
-              <a:t>コマンドアクション</a:t>
-            </a:r>
-            <a:r>
-              <a:rPr lang="en-US" altLang="ja-JP" sz="2400" b="1" dirty="0" smtClean="0">
+              <a:t>ナビと共にコマンドアクションを</a:t>
+            </a:r>
+            <a:r>
+              <a:rPr lang="ja-JP" altLang="en-US" sz="2000" b="1" dirty="0">
                 <a:ln>
                   <a:solidFill>
                     <a:schemeClr val="bg1">
@@ -3782,10 +3782,10 @@
                 <a:latin typeface="HG明朝B" panose="02020809000000000000" pitchFamily="17" charset="-128"/>
                 <a:ea typeface="HG明朝B" panose="02020809000000000000" pitchFamily="17" charset="-128"/>
               </a:rPr>
-              <a:t>(</a:t>
-            </a:r>
-            <a:r>
-              <a:rPr lang="ja-JP" altLang="en-US" sz="2400" b="1" dirty="0" smtClean="0">
+              <a:t>巧みにこなし</a:t>
+            </a:r>
+            <a:r>
+              <a:rPr lang="ja-JP" altLang="en-US" sz="2000" b="1" dirty="0" smtClean="0">
                 <a:ln>
                   <a:solidFill>
                     <a:schemeClr val="bg1">
@@ -3802,10 +3802,10 @@
                 <a:latin typeface="HG明朝B" panose="02020809000000000000" pitchFamily="17" charset="-128"/>
                 <a:ea typeface="HG明朝B" panose="02020809000000000000" pitchFamily="17" charset="-128"/>
               </a:rPr>
-              <a:t>スキル</a:t>
-            </a:r>
-            <a:r>
-              <a:rPr lang="en-US" altLang="ja-JP" sz="2400" b="1" dirty="0" smtClean="0">
+              <a:t>、爽快感</a:t>
+            </a:r>
+            <a:r>
+              <a:rPr lang="ja-JP" altLang="en-US" sz="2000" b="1" dirty="0">
                 <a:ln>
                   <a:solidFill>
                     <a:schemeClr val="bg1">
@@ -3822,10 +3822,10 @@
                 <a:latin typeface="HG明朝B" panose="02020809000000000000" pitchFamily="17" charset="-128"/>
                 <a:ea typeface="HG明朝B" panose="02020809000000000000" pitchFamily="17" charset="-128"/>
               </a:rPr>
-              <a:t>)</a:t>
-            </a:r>
-            <a:r>
-              <a:rPr lang="ja-JP" altLang="en-US" sz="2400" b="1" dirty="0" smtClean="0">
+              <a:t>や達成感を</a:t>
+            </a:r>
+            <a:r>
+              <a:rPr lang="ja-JP" altLang="en-US" sz="2000" b="1" dirty="0" smtClean="0">
                 <a:ln>
                   <a:solidFill>
                     <a:schemeClr val="bg1">
@@ -3842,10 +3842,10 @@
                 <a:latin typeface="HG明朝B" panose="02020809000000000000" pitchFamily="17" charset="-128"/>
                 <a:ea typeface="HG明朝B" panose="02020809000000000000" pitchFamily="17" charset="-128"/>
               </a:rPr>
-              <a:t>を</a:t>
-            </a:r>
-            <a:r>
-              <a:rPr lang="ja-JP" altLang="en-US" sz="2400" b="1" dirty="0">
+              <a:t>与える</a:t>
+            </a:r>
+            <a:r>
+              <a:rPr lang="ja-JP" altLang="en-US" sz="2000" b="1" dirty="0">
                 <a:ln>
                   <a:solidFill>
                     <a:schemeClr val="bg1">
@@ -3862,29 +3862,9 @@
                 <a:latin typeface="HG明朝B" panose="02020809000000000000" pitchFamily="17" charset="-128"/>
                 <a:ea typeface="HG明朝B" panose="02020809000000000000" pitchFamily="17" charset="-128"/>
               </a:rPr>
-              <a:t>巧みにこなし</a:t>
-            </a:r>
-            <a:r>
-              <a:rPr lang="ja-JP" altLang="en-US" sz="2400" b="1" dirty="0" smtClean="0">
-                <a:ln>
-                  <a:solidFill>
-                    <a:schemeClr val="bg1">
-                      <a:lumMod val="65000"/>
-                    </a:schemeClr>
-                  </a:solidFill>
-                </a:ln>
-                <a:solidFill>
-                  <a:schemeClr val="tx1">
-                    <a:lumMod val="95000"/>
-                    <a:lumOff val="5000"/>
-                  </a:schemeClr>
-                </a:solidFill>
-                <a:latin typeface="HG明朝B" panose="02020809000000000000" pitchFamily="17" charset="-128"/>
-                <a:ea typeface="HG明朝B" panose="02020809000000000000" pitchFamily="17" charset="-128"/>
-              </a:rPr>
-              <a:t>、</a:t>
-            </a:r>
-            <a:endParaRPr lang="en-US" altLang="ja-JP" sz="2400" b="1" dirty="0" smtClean="0">
+              <a:t>。</a:t>
+            </a:r>
+            <a:endParaRPr lang="en-US" altLang="ja-JP" sz="2000" b="1" dirty="0" smtClean="0">
               <a:ln>
                 <a:solidFill>
                   <a:schemeClr val="bg1">
@@ -3902,125 +3882,6 @@
               <a:ea typeface="HG明朝B" panose="02020809000000000000" pitchFamily="17" charset="-128"/>
             </a:endParaRPr>
           </a:p>
-          <a:p>
-            <a:r>
-              <a:rPr lang="ja-JP" altLang="en-US" sz="2400" b="1" dirty="0">
-                <a:ln>
-                  <a:solidFill>
-                    <a:schemeClr val="bg1">
-                      <a:lumMod val="65000"/>
-                    </a:schemeClr>
-                  </a:solidFill>
-                </a:ln>
-                <a:solidFill>
-                  <a:schemeClr val="tx1">
-                    <a:lumMod val="95000"/>
-                    <a:lumOff val="5000"/>
-                  </a:schemeClr>
-                </a:solidFill>
-                <a:latin typeface="HG明朝B" panose="02020809000000000000" pitchFamily="17" charset="-128"/>
-                <a:ea typeface="HG明朝B" panose="02020809000000000000" pitchFamily="17" charset="-128"/>
-              </a:rPr>
-              <a:t>　</a:t>
-            </a:r>
-            <a:r>
-              <a:rPr lang="ja-JP" altLang="en-US" sz="2400" b="1" dirty="0" smtClean="0">
-                <a:ln>
-                  <a:solidFill>
-                    <a:schemeClr val="bg1">
-                      <a:lumMod val="65000"/>
-                    </a:schemeClr>
-                  </a:solidFill>
-                </a:ln>
-                <a:solidFill>
-                  <a:schemeClr val="tx1">
-                    <a:lumMod val="95000"/>
-                    <a:lumOff val="5000"/>
-                  </a:schemeClr>
-                </a:solidFill>
-                <a:latin typeface="HG明朝B" panose="02020809000000000000" pitchFamily="17" charset="-128"/>
-                <a:ea typeface="HG明朝B" panose="02020809000000000000" pitchFamily="17" charset="-128"/>
-              </a:rPr>
-              <a:t>爽快感</a:t>
-            </a:r>
-            <a:r>
-              <a:rPr lang="ja-JP" altLang="en-US" sz="2400" b="1" dirty="0">
-                <a:ln>
-                  <a:solidFill>
-                    <a:schemeClr val="bg1">
-                      <a:lumMod val="65000"/>
-                    </a:schemeClr>
-                  </a:solidFill>
-                </a:ln>
-                <a:solidFill>
-                  <a:schemeClr val="tx1">
-                    <a:lumMod val="95000"/>
-                    <a:lumOff val="5000"/>
-                  </a:schemeClr>
-                </a:solidFill>
-                <a:latin typeface="HG明朝B" panose="02020809000000000000" pitchFamily="17" charset="-128"/>
-                <a:ea typeface="HG明朝B" panose="02020809000000000000" pitchFamily="17" charset="-128"/>
-              </a:rPr>
-              <a:t>や達成感を</a:t>
-            </a:r>
-            <a:r>
-              <a:rPr lang="ja-JP" altLang="en-US" sz="2400" b="1" dirty="0" smtClean="0">
-                <a:ln>
-                  <a:solidFill>
-                    <a:schemeClr val="bg1">
-                      <a:lumMod val="65000"/>
-                    </a:schemeClr>
-                  </a:solidFill>
-                </a:ln>
-                <a:solidFill>
-                  <a:schemeClr val="tx1">
-                    <a:lumMod val="95000"/>
-                    <a:lumOff val="5000"/>
-                  </a:schemeClr>
-                </a:solidFill>
-                <a:latin typeface="HG明朝B" panose="02020809000000000000" pitchFamily="17" charset="-128"/>
-                <a:ea typeface="HG明朝B" panose="02020809000000000000" pitchFamily="17" charset="-128"/>
-              </a:rPr>
-              <a:t>与える</a:t>
-            </a:r>
-            <a:r>
-              <a:rPr lang="ja-JP" altLang="en-US" sz="2400" b="1" dirty="0">
-                <a:ln>
-                  <a:solidFill>
-                    <a:schemeClr val="bg1">
-                      <a:lumMod val="65000"/>
-                    </a:schemeClr>
-                  </a:solidFill>
-                </a:ln>
-                <a:solidFill>
-                  <a:schemeClr val="tx1">
-                    <a:lumMod val="95000"/>
-                    <a:lumOff val="5000"/>
-                  </a:schemeClr>
-                </a:solidFill>
-                <a:latin typeface="HG明朝B" panose="02020809000000000000" pitchFamily="17" charset="-128"/>
-                <a:ea typeface="HG明朝B" panose="02020809000000000000" pitchFamily="17" charset="-128"/>
-              </a:rPr>
-              <a:t>。</a:t>
-            </a:r>
-            <a:endParaRPr lang="en-US" altLang="ja-JP" sz="2400" b="1" dirty="0" smtClean="0">
-              <a:ln>
-                <a:solidFill>
-                  <a:schemeClr val="bg1">
-                    <a:lumMod val="65000"/>
-                  </a:schemeClr>
-                </a:solidFill>
-              </a:ln>
-              <a:solidFill>
-                <a:schemeClr val="tx1">
-                  <a:lumMod val="95000"/>
-                  <a:lumOff val="5000"/>
-                </a:schemeClr>
-              </a:solidFill>
-              <a:latin typeface="HG明朝B" panose="02020809000000000000" pitchFamily="17" charset="-128"/>
-              <a:ea typeface="HG明朝B" panose="02020809000000000000" pitchFamily="17" charset="-128"/>
-            </a:endParaRPr>
-          </a:p>
         </p:txBody>
       </p:sp>
       <p:sp>
@@ -4031,8 +3892,8 @@
         </p:nvSpPr>
         <p:spPr>
           <a:xfrm>
-            <a:off x="15875" y="540046"/>
-            <a:ext cx="1768722" cy="1200329"/>
+            <a:off x="31503" y="322253"/>
+            <a:ext cx="1768722" cy="1015663"/>
           </a:xfrm>
           <a:prstGeom prst="rect">
             <a:avLst/>
@@ -4046,7 +3907,7 @@
           <a:lstStyle/>
           <a:p>
             <a:r>
-              <a:rPr lang="en-US" altLang="ja-JP" sz="7200" dirty="0">
+              <a:rPr lang="en-US" altLang="ja-JP" sz="6000" dirty="0">
                 <a:solidFill>
                   <a:schemeClr val="bg1">
                     <a:lumMod val="50000"/>
@@ -4057,12 +3918,12 @@
               <a:t>C</a:t>
             </a:r>
             <a:r>
-              <a:rPr kumimoji="1" lang="en-US" altLang="ja-JP" sz="3600" dirty="0" smtClean="0">
+              <a:rPr kumimoji="1" lang="en-US" altLang="ja-JP" sz="2800" dirty="0" smtClean="0">
                 <a:latin typeface="Bernard MT Condensed" panose="02050806060905020404" pitchFamily="18" charset="0"/>
               </a:rPr>
               <a:t>oncept</a:t>
             </a:r>
-            <a:endParaRPr kumimoji="1" lang="ja-JP" altLang="en-US" sz="3600" dirty="0">
+            <a:endParaRPr kumimoji="1" lang="ja-JP" altLang="en-US" sz="2800" dirty="0">
               <a:latin typeface="Bernard MT Condensed" panose="02050806060905020404" pitchFamily="18" charset="0"/>
             </a:endParaRPr>
           </a:p>
@@ -4076,8 +3937,8 @@
         </p:nvSpPr>
         <p:spPr>
           <a:xfrm>
-            <a:off x="15875" y="5872499"/>
-            <a:ext cx="2064989" cy="1477328"/>
+            <a:off x="-72404" y="6743418"/>
+            <a:ext cx="1872629" cy="1107996"/>
           </a:xfrm>
           <a:prstGeom prst="rect">
             <a:avLst/>
@@ -4091,7 +3952,7 @@
           <a:lstStyle/>
           <a:p>
             <a:r>
-              <a:rPr lang="en-US" altLang="ja-JP" sz="7200" dirty="0">
+              <a:rPr lang="en-US" altLang="ja-JP" sz="6600" dirty="0" smtClean="0">
                 <a:solidFill>
                   <a:schemeClr val="bg2">
                     <a:lumMod val="50000"/>
@@ -4103,19 +3964,12 @@
               <a:t>O</a:t>
             </a:r>
             <a:r>
-              <a:rPr lang="en-US" altLang="ja-JP" sz="3600" dirty="0" smtClean="0">
+              <a:rPr lang="en-US" altLang="ja-JP" sz="3200" dirty="0" smtClean="0">
                 <a:latin typeface="Bernard MT Condensed" panose="02050806060905020404" pitchFamily="18" charset="0"/>
                 <a:ea typeface="HGP行書体" panose="03000600000000000000" pitchFamily="66" charset="-128"/>
               </a:rPr>
               <a:t>verview</a:t>
             </a:r>
-            <a:endParaRPr lang="ja-JP" altLang="en-US" sz="3600" dirty="0">
-              <a:latin typeface="Bernard MT Condensed" panose="02050806060905020404" pitchFamily="18" charset="0"/>
-              <a:ea typeface="HGP行書体" panose="03000600000000000000" pitchFamily="66" charset="-128"/>
-            </a:endParaRPr>
-          </a:p>
-          <a:p>
-            <a:endParaRPr kumimoji="1" lang="ja-JP" altLang="en-US" dirty="0"/>
           </a:p>
         </p:txBody>
       </p:sp>
@@ -4127,8 +3981,8 @@
         </p:nvSpPr>
         <p:spPr>
           <a:xfrm>
-            <a:off x="5284551" y="2154034"/>
-            <a:ext cx="1545616" cy="1200329"/>
+            <a:off x="5408063" y="1639571"/>
+            <a:ext cx="1404552" cy="1107996"/>
           </a:xfrm>
           <a:prstGeom prst="rect">
             <a:avLst/>
@@ -4142,7 +3996,7 @@
           <a:lstStyle/>
           <a:p>
             <a:r>
-              <a:rPr lang="en-US" altLang="ja-JP" sz="7200" dirty="0" smtClean="0">
+              <a:rPr lang="en-US" altLang="ja-JP" sz="6600" dirty="0" smtClean="0">
                 <a:solidFill>
                   <a:schemeClr val="bg2">
                     <a:lumMod val="50000"/>
@@ -4153,12 +4007,12 @@
               <a:t>S</a:t>
             </a:r>
             <a:r>
-              <a:rPr lang="en-US" altLang="ja-JP" sz="3600" dirty="0" smtClean="0">
+              <a:rPr lang="en-US" altLang="ja-JP" sz="3200" dirty="0" smtClean="0">
                 <a:latin typeface="Bernard MT Condensed" panose="02050806060905020404" pitchFamily="18" charset="0"/>
               </a:rPr>
               <a:t>ystem</a:t>
             </a:r>
-            <a:endParaRPr kumimoji="1" lang="ja-JP" altLang="en-US" sz="3600" dirty="0">
+            <a:endParaRPr kumimoji="1" lang="ja-JP" altLang="en-US" sz="3200" dirty="0">
               <a:latin typeface="Bernard MT Condensed" panose="02050806060905020404" pitchFamily="18" charset="0"/>
             </a:endParaRPr>
           </a:p>
@@ -4172,8 +4026,8 @@
         </p:nvSpPr>
         <p:spPr>
           <a:xfrm>
-            <a:off x="171980" y="3077917"/>
-            <a:ext cx="6551989" cy="2852063"/>
+            <a:off x="31503" y="2352076"/>
+            <a:ext cx="6597374" cy="3426579"/>
           </a:xfrm>
           <a:prstGeom prst="rect">
             <a:avLst/>
@@ -4194,7 +4048,7 @@
               </a:spcAft>
             </a:pPr>
             <a:r>
-              <a:rPr lang="en-US" altLang="ja-JP" sz="2000" dirty="0">
+              <a:rPr lang="en-US" altLang="ja-JP" sz="2000" dirty="0" smtClean="0">
                 <a:ln>
                   <a:solidFill>
                     <a:schemeClr val="bg2">
@@ -4219,7 +4073,7 @@
                 <a:latin typeface="HG明朝B" panose="02020809000000000000" pitchFamily="17" charset="-128"/>
                 <a:ea typeface="HG明朝B" panose="02020809000000000000" pitchFamily="17" charset="-128"/>
               </a:rPr>
-              <a:t>攻撃</a:t>
+              <a:t>武器</a:t>
             </a:r>
             <a:r>
               <a:rPr lang="en-US" altLang="ja-JP" sz="2000" dirty="0" smtClean="0">
@@ -4287,6 +4141,733 @@
               </a:rPr>
               <a:t>種類</a:t>
             </a:r>
+            <a:endParaRPr lang="en-US" altLang="ja-JP" dirty="0" smtClean="0">
+              <a:ln>
+                <a:solidFill>
+                  <a:schemeClr val="bg2">
+                    <a:lumMod val="50000"/>
+                  </a:schemeClr>
+                </a:solidFill>
+              </a:ln>
+              <a:latin typeface="HG明朝B" panose="02020809000000000000" pitchFamily="17" charset="-128"/>
+              <a:ea typeface="HG明朝B" panose="02020809000000000000" pitchFamily="17" charset="-128"/>
+            </a:endParaRPr>
+          </a:p>
+          <a:p>
+            <a:pPr>
+              <a:spcBef>
+                <a:spcPts val="100"/>
+              </a:spcBef>
+              <a:spcAft>
+                <a:spcPts val="100"/>
+              </a:spcAft>
+            </a:pPr>
+            <a:r>
+              <a:rPr lang="ja-JP" altLang="en-US" dirty="0" smtClean="0">
+                <a:ln>
+                  <a:solidFill>
+                    <a:schemeClr val="bg2">
+                      <a:lumMod val="50000"/>
+                    </a:schemeClr>
+                  </a:solidFill>
+                </a:ln>
+                <a:latin typeface="HG明朝B" panose="02020809000000000000" pitchFamily="17" charset="-128"/>
+                <a:ea typeface="HG明朝B" panose="02020809000000000000" pitchFamily="17" charset="-128"/>
+              </a:rPr>
+              <a:t>  　 刀  → 単体対象で隙がない。</a:t>
+            </a:r>
+            <a:endParaRPr lang="en-US" altLang="ja-JP" dirty="0" smtClean="0">
+              <a:ln>
+                <a:solidFill>
+                  <a:schemeClr val="bg2">
+                    <a:lumMod val="50000"/>
+                  </a:schemeClr>
+                </a:solidFill>
+              </a:ln>
+              <a:latin typeface="HG明朝B" panose="02020809000000000000" pitchFamily="17" charset="-128"/>
+              <a:ea typeface="HG明朝B" panose="02020809000000000000" pitchFamily="17" charset="-128"/>
+            </a:endParaRPr>
+          </a:p>
+          <a:p>
+            <a:pPr>
+              <a:spcBef>
+                <a:spcPts val="100"/>
+              </a:spcBef>
+              <a:spcAft>
+                <a:spcPts val="100"/>
+              </a:spcAft>
+            </a:pPr>
+            <a:r>
+              <a:rPr lang="ja-JP" altLang="en-US" dirty="0" smtClean="0">
+                <a:ln>
+                  <a:solidFill>
+                    <a:schemeClr val="bg2">
+                      <a:lumMod val="50000"/>
+                    </a:schemeClr>
+                  </a:solidFill>
+                </a:ln>
+                <a:latin typeface="HG明朝B" panose="02020809000000000000" pitchFamily="17" charset="-128"/>
+                <a:ea typeface="HG明朝B" panose="02020809000000000000" pitchFamily="17" charset="-128"/>
+              </a:rPr>
+              <a:t>  　薙刀 → 一定範囲内対象で隙が大きい。</a:t>
+            </a:r>
+            <a:endParaRPr lang="en-US" altLang="ja-JP" dirty="0" smtClean="0">
+              <a:ln>
+                <a:solidFill>
+                  <a:schemeClr val="bg2">
+                    <a:lumMod val="50000"/>
+                  </a:schemeClr>
+                </a:solidFill>
+              </a:ln>
+              <a:latin typeface="HG明朝B" panose="02020809000000000000" pitchFamily="17" charset="-128"/>
+              <a:ea typeface="HG明朝B" panose="02020809000000000000" pitchFamily="17" charset="-128"/>
+            </a:endParaRPr>
+          </a:p>
+          <a:p>
+            <a:pPr>
+              <a:spcBef>
+                <a:spcPts val="100"/>
+              </a:spcBef>
+              <a:spcAft>
+                <a:spcPts val="100"/>
+              </a:spcAft>
+            </a:pPr>
+            <a:r>
+              <a:rPr lang="en-US" altLang="ja-JP" sz="2000" dirty="0" smtClean="0">
+                <a:ln>
+                  <a:solidFill>
+                    <a:schemeClr val="bg2">
+                      <a:lumMod val="50000"/>
+                    </a:schemeClr>
+                  </a:solidFill>
+                </a:ln>
+                <a:latin typeface="HG明朝B" panose="02020809000000000000" pitchFamily="17" charset="-128"/>
+                <a:ea typeface="HG明朝B" panose="02020809000000000000" pitchFamily="17" charset="-128"/>
+              </a:rPr>
+              <a:t>-</a:t>
+            </a:r>
+            <a:r>
+              <a:rPr lang="ja-JP" altLang="en-US" sz="2000" dirty="0" smtClean="0">
+                <a:ln>
+                  <a:solidFill>
+                    <a:schemeClr val="bg2">
+                      <a:lumMod val="50000"/>
+                    </a:schemeClr>
+                  </a:solidFill>
+                </a:ln>
+                <a:latin typeface="HG明朝B" panose="02020809000000000000" pitchFamily="17" charset="-128"/>
+                <a:ea typeface="HG明朝B" panose="02020809000000000000" pitchFamily="17" charset="-128"/>
+              </a:rPr>
+              <a:t>攻撃</a:t>
+            </a:r>
+            <a:r>
+              <a:rPr lang="en-US" altLang="ja-JP" sz="2000" dirty="0" smtClean="0">
+                <a:ln>
+                  <a:solidFill>
+                    <a:schemeClr val="bg2">
+                      <a:lumMod val="50000"/>
+                    </a:schemeClr>
+                  </a:solidFill>
+                </a:ln>
+                <a:latin typeface="HG明朝B" panose="02020809000000000000" pitchFamily="17" charset="-128"/>
+                <a:ea typeface="HG明朝B" panose="02020809000000000000" pitchFamily="17" charset="-128"/>
+              </a:rPr>
+              <a:t>-</a:t>
+            </a:r>
+          </a:p>
+          <a:p>
+            <a:pPr>
+              <a:spcBef>
+                <a:spcPts val="100"/>
+              </a:spcBef>
+              <a:spcAft>
+                <a:spcPts val="100"/>
+              </a:spcAft>
+            </a:pPr>
+            <a:r>
+              <a:rPr lang="en-US" altLang="ja-JP" dirty="0" smtClean="0">
+                <a:ln>
+                  <a:solidFill>
+                    <a:schemeClr val="bg2">
+                      <a:lumMod val="50000"/>
+                    </a:schemeClr>
+                  </a:solidFill>
+                </a:ln>
+                <a:latin typeface="HG明朝B" panose="02020809000000000000" pitchFamily="17" charset="-128"/>
+                <a:ea typeface="HG明朝B" panose="02020809000000000000" pitchFamily="17" charset="-128"/>
+              </a:rPr>
+              <a:t> </a:t>
+            </a:r>
+            <a:r>
+              <a:rPr lang="ja-JP" altLang="en-US" dirty="0" smtClean="0">
+                <a:ln>
+                  <a:solidFill>
+                    <a:schemeClr val="bg2">
+                      <a:lumMod val="50000"/>
+                    </a:schemeClr>
+                  </a:solidFill>
+                </a:ln>
+                <a:latin typeface="HG明朝B" panose="02020809000000000000" pitchFamily="17" charset="-128"/>
+                <a:ea typeface="HG明朝B" panose="02020809000000000000" pitchFamily="17" charset="-128"/>
+              </a:rPr>
+              <a:t>・</a:t>
+            </a:r>
+            <a:r>
+              <a:rPr lang="en-US" altLang="ja-JP" dirty="0" smtClean="0">
+                <a:ln>
+                  <a:solidFill>
+                    <a:schemeClr val="bg2">
+                      <a:lumMod val="50000"/>
+                    </a:schemeClr>
+                  </a:solidFill>
+                </a:ln>
+                <a:latin typeface="HG明朝B" panose="02020809000000000000" pitchFamily="17" charset="-128"/>
+                <a:ea typeface="HG明朝B" panose="02020809000000000000" pitchFamily="17" charset="-128"/>
+              </a:rPr>
+              <a:t>AI</a:t>
+            </a:r>
+            <a:r>
+              <a:rPr lang="ja-JP" altLang="en-US" dirty="0" smtClean="0">
+                <a:ln>
+                  <a:solidFill>
+                    <a:schemeClr val="bg2">
+                      <a:lumMod val="50000"/>
+                    </a:schemeClr>
+                  </a:solidFill>
+                </a:ln>
+                <a:latin typeface="HG明朝B" panose="02020809000000000000" pitchFamily="17" charset="-128"/>
+                <a:ea typeface="HG明朝B" panose="02020809000000000000" pitchFamily="17" charset="-128"/>
+              </a:rPr>
+              <a:t>ナビがその場に応じて</a:t>
+            </a:r>
+            <a:r>
+              <a:rPr lang="ja-JP" altLang="en-US" dirty="0">
+                <a:ln>
+                  <a:solidFill>
+                    <a:schemeClr val="bg2">
+                      <a:lumMod val="50000"/>
+                    </a:schemeClr>
+                  </a:solidFill>
+                </a:ln>
+                <a:latin typeface="HG明朝B" panose="02020809000000000000" pitchFamily="17" charset="-128"/>
+                <a:ea typeface="HG明朝B" panose="02020809000000000000" pitchFamily="17" charset="-128"/>
+              </a:rPr>
+              <a:t>可能な</a:t>
+            </a:r>
+            <a:r>
+              <a:rPr lang="ja-JP" altLang="en-US" dirty="0" smtClean="0">
+                <a:ln>
+                  <a:solidFill>
+                    <a:schemeClr val="bg2">
+                      <a:lumMod val="50000"/>
+                    </a:schemeClr>
+                  </a:solidFill>
+                </a:ln>
+                <a:latin typeface="HG明朝B" panose="02020809000000000000" pitchFamily="17" charset="-128"/>
+                <a:ea typeface="HG明朝B" panose="02020809000000000000" pitchFamily="17" charset="-128"/>
+              </a:rPr>
+              <a:t>コマンドを表示する。</a:t>
+            </a:r>
+            <a:endParaRPr lang="en-US" altLang="ja-JP" dirty="0" smtClean="0">
+              <a:ln>
+                <a:solidFill>
+                  <a:schemeClr val="bg2">
+                    <a:lumMod val="50000"/>
+                  </a:schemeClr>
+                </a:solidFill>
+              </a:ln>
+              <a:latin typeface="HG明朝B" panose="02020809000000000000" pitchFamily="17" charset="-128"/>
+              <a:ea typeface="HG明朝B" panose="02020809000000000000" pitchFamily="17" charset="-128"/>
+            </a:endParaRPr>
+          </a:p>
+          <a:p>
+            <a:pPr>
+              <a:spcBef>
+                <a:spcPts val="100"/>
+              </a:spcBef>
+              <a:spcAft>
+                <a:spcPts val="100"/>
+              </a:spcAft>
+            </a:pPr>
+            <a:r>
+              <a:rPr lang="ja-JP" altLang="en-US" dirty="0">
+                <a:ln>
+                  <a:solidFill>
+                    <a:schemeClr val="bg2">
+                      <a:lumMod val="50000"/>
+                    </a:schemeClr>
+                  </a:solidFill>
+                </a:ln>
+                <a:latin typeface="HG明朝B" panose="02020809000000000000" pitchFamily="17" charset="-128"/>
+                <a:ea typeface="HG明朝B" panose="02020809000000000000" pitchFamily="17" charset="-128"/>
+              </a:rPr>
+              <a:t>　</a:t>
+            </a:r>
+            <a:r>
+              <a:rPr lang="ja-JP" altLang="en-US" dirty="0" smtClean="0">
+                <a:ln>
+                  <a:solidFill>
+                    <a:schemeClr val="bg2">
+                      <a:lumMod val="50000"/>
+                    </a:schemeClr>
+                  </a:solidFill>
+                </a:ln>
+                <a:latin typeface="HG明朝B" panose="02020809000000000000" pitchFamily="17" charset="-128"/>
+                <a:ea typeface="HG明朝B" panose="02020809000000000000" pitchFamily="17" charset="-128"/>
+              </a:rPr>
+              <a:t> コマンドをノーミスでこなすと</a:t>
+            </a:r>
+            <a:r>
+              <a:rPr lang="en-US" altLang="ja-JP" dirty="0" smtClean="0">
+                <a:ln>
+                  <a:solidFill>
+                    <a:schemeClr val="bg2">
+                      <a:lumMod val="50000"/>
+                    </a:schemeClr>
+                  </a:solidFill>
+                </a:ln>
+                <a:latin typeface="HG明朝B" panose="02020809000000000000" pitchFamily="17" charset="-128"/>
+                <a:ea typeface="HG明朝B" panose="02020809000000000000" pitchFamily="17" charset="-128"/>
+              </a:rPr>
+              <a:t>AI</a:t>
+            </a:r>
+            <a:r>
+              <a:rPr lang="ja-JP" altLang="en-US" dirty="0" smtClean="0">
+                <a:ln>
+                  <a:solidFill>
+                    <a:schemeClr val="bg2">
+                      <a:lumMod val="50000"/>
+                    </a:schemeClr>
+                  </a:solidFill>
+                </a:ln>
+                <a:latin typeface="HG明朝B" panose="02020809000000000000" pitchFamily="17" charset="-128"/>
+                <a:ea typeface="HG明朝B" panose="02020809000000000000" pitchFamily="17" charset="-128"/>
+              </a:rPr>
+              <a:t>がパワーアップ</a:t>
+            </a:r>
+            <a:r>
+              <a:rPr lang="ja-JP" altLang="en-US" dirty="0">
+                <a:ln>
+                  <a:solidFill>
+                    <a:schemeClr val="bg2">
+                      <a:lumMod val="50000"/>
+                    </a:schemeClr>
+                  </a:solidFill>
+                </a:ln>
+                <a:latin typeface="HG明朝B" panose="02020809000000000000" pitchFamily="17" charset="-128"/>
+                <a:ea typeface="HG明朝B" panose="02020809000000000000" pitchFamily="17" charset="-128"/>
+              </a:rPr>
+              <a:t>し、</a:t>
+            </a:r>
+            <a:endParaRPr lang="en-US" altLang="ja-JP" dirty="0" smtClean="0">
+              <a:ln>
+                <a:solidFill>
+                  <a:schemeClr val="bg2">
+                    <a:lumMod val="50000"/>
+                  </a:schemeClr>
+                </a:solidFill>
+              </a:ln>
+              <a:latin typeface="HG明朝B" panose="02020809000000000000" pitchFamily="17" charset="-128"/>
+              <a:ea typeface="HG明朝B" panose="02020809000000000000" pitchFamily="17" charset="-128"/>
+            </a:endParaRPr>
+          </a:p>
+          <a:p>
+            <a:pPr>
+              <a:spcBef>
+                <a:spcPts val="100"/>
+              </a:spcBef>
+              <a:spcAft>
+                <a:spcPts val="100"/>
+              </a:spcAft>
+            </a:pPr>
+            <a:r>
+              <a:rPr lang="ja-JP" altLang="en-US" dirty="0" smtClean="0">
+                <a:ln>
+                  <a:solidFill>
+                    <a:schemeClr val="bg2">
+                      <a:lumMod val="50000"/>
+                    </a:schemeClr>
+                  </a:solidFill>
+                </a:ln>
+                <a:latin typeface="HG明朝B" panose="02020809000000000000" pitchFamily="17" charset="-128"/>
+                <a:ea typeface="HG明朝B" panose="02020809000000000000" pitchFamily="17" charset="-128"/>
+              </a:rPr>
+              <a:t>　</a:t>
+            </a:r>
+            <a:r>
+              <a:rPr lang="ja-JP" altLang="en-US" dirty="0">
+                <a:ln>
+                  <a:solidFill>
+                    <a:schemeClr val="bg2">
+                      <a:lumMod val="50000"/>
+                    </a:schemeClr>
+                  </a:solidFill>
+                </a:ln>
+                <a:latin typeface="HG明朝B" panose="02020809000000000000" pitchFamily="17" charset="-128"/>
+                <a:ea typeface="HG明朝B" panose="02020809000000000000" pitchFamily="17" charset="-128"/>
+              </a:rPr>
+              <a:t> </a:t>
+            </a:r>
+            <a:r>
+              <a:rPr lang="ja-JP" altLang="en-US" dirty="0" smtClean="0">
+                <a:ln>
+                  <a:solidFill>
+                    <a:schemeClr val="bg2">
+                      <a:lumMod val="50000"/>
+                    </a:schemeClr>
+                  </a:solidFill>
+                </a:ln>
+                <a:latin typeface="HG明朝B" panose="02020809000000000000" pitchFamily="17" charset="-128"/>
+                <a:ea typeface="HG明朝B" panose="02020809000000000000" pitchFamily="17" charset="-128"/>
+              </a:rPr>
+              <a:t>コマンドの難易度が</a:t>
+            </a:r>
+            <a:r>
+              <a:rPr lang="en-US" altLang="ja-JP" dirty="0" smtClean="0">
+                <a:ln>
+                  <a:solidFill>
+                    <a:schemeClr val="bg2">
+                      <a:lumMod val="50000"/>
+                    </a:schemeClr>
+                  </a:solidFill>
+                </a:ln>
+                <a:latin typeface="HG明朝B" panose="02020809000000000000" pitchFamily="17" charset="-128"/>
+                <a:ea typeface="HG明朝B" panose="02020809000000000000" pitchFamily="17" charset="-128"/>
+              </a:rPr>
+              <a:t>UP</a:t>
+            </a:r>
+            <a:r>
+              <a:rPr lang="ja-JP" altLang="en-US" dirty="0" smtClean="0">
+                <a:ln>
+                  <a:solidFill>
+                    <a:schemeClr val="bg2">
+                      <a:lumMod val="50000"/>
+                    </a:schemeClr>
+                  </a:solidFill>
+                </a:ln>
+                <a:latin typeface="HG明朝B" panose="02020809000000000000" pitchFamily="17" charset="-128"/>
+                <a:ea typeface="HG明朝B" panose="02020809000000000000" pitchFamily="17" charset="-128"/>
+              </a:rPr>
+              <a:t>・攻撃の威力が</a:t>
+            </a:r>
+            <a:r>
+              <a:rPr lang="en-US" altLang="ja-JP" dirty="0" smtClean="0">
+                <a:ln>
+                  <a:solidFill>
+                    <a:schemeClr val="bg2">
+                      <a:lumMod val="50000"/>
+                    </a:schemeClr>
+                  </a:solidFill>
+                </a:ln>
+                <a:latin typeface="HG明朝B" panose="02020809000000000000" pitchFamily="17" charset="-128"/>
+                <a:ea typeface="HG明朝B" panose="02020809000000000000" pitchFamily="17" charset="-128"/>
+              </a:rPr>
+              <a:t>UP</a:t>
+            </a:r>
+          </a:p>
+          <a:p>
+            <a:pPr>
+              <a:spcBef>
+                <a:spcPts val="100"/>
+              </a:spcBef>
+              <a:spcAft>
+                <a:spcPts val="100"/>
+              </a:spcAft>
+            </a:pPr>
+            <a:r>
+              <a:rPr lang="ja-JP" altLang="en-US" dirty="0">
+                <a:ln>
+                  <a:solidFill>
+                    <a:schemeClr val="bg2">
+                      <a:lumMod val="50000"/>
+                    </a:schemeClr>
+                  </a:solidFill>
+                </a:ln>
+                <a:latin typeface="HG明朝B" panose="02020809000000000000" pitchFamily="17" charset="-128"/>
+                <a:ea typeface="HG明朝B" panose="02020809000000000000" pitchFamily="17" charset="-128"/>
+              </a:rPr>
+              <a:t> </a:t>
+            </a:r>
+            <a:r>
+              <a:rPr lang="en-US" altLang="ja-JP" dirty="0" smtClean="0">
+                <a:ln>
+                  <a:solidFill>
+                    <a:schemeClr val="bg2">
+                      <a:lumMod val="50000"/>
+                    </a:schemeClr>
+                  </a:solidFill>
+                </a:ln>
+                <a:latin typeface="HG明朝B" panose="02020809000000000000" pitchFamily="17" charset="-128"/>
+                <a:ea typeface="HG明朝B" panose="02020809000000000000" pitchFamily="17" charset="-128"/>
+              </a:rPr>
+              <a:t>※</a:t>
+            </a:r>
+            <a:r>
+              <a:rPr lang="ja-JP" altLang="en-US" dirty="0" smtClean="0">
+                <a:ln>
+                  <a:solidFill>
+                    <a:schemeClr val="bg2">
+                      <a:lumMod val="50000"/>
+                    </a:schemeClr>
+                  </a:solidFill>
+                </a:ln>
+                <a:latin typeface="HG明朝B" panose="02020809000000000000" pitchFamily="17" charset="-128"/>
+                <a:ea typeface="HG明朝B" panose="02020809000000000000" pitchFamily="17" charset="-128"/>
+              </a:rPr>
+              <a:t>ガード</a:t>
+            </a:r>
+            <a:r>
+              <a:rPr lang="ja-JP" altLang="en-US" dirty="0">
+                <a:ln>
+                  <a:solidFill>
+                    <a:schemeClr val="bg2">
+                      <a:lumMod val="50000"/>
+                    </a:schemeClr>
+                  </a:solidFill>
+                </a:ln>
+                <a:latin typeface="HG明朝B" panose="02020809000000000000" pitchFamily="17" charset="-128"/>
+                <a:ea typeface="HG明朝B" panose="02020809000000000000" pitchFamily="17" charset="-128"/>
+              </a:rPr>
+              <a:t>や回避も</a:t>
+            </a:r>
+            <a:r>
+              <a:rPr lang="ja-JP" altLang="en-US" dirty="0" smtClean="0">
+                <a:ln>
+                  <a:solidFill>
+                    <a:schemeClr val="bg2">
+                      <a:lumMod val="50000"/>
+                    </a:schemeClr>
+                  </a:solidFill>
+                </a:ln>
+                <a:latin typeface="HG明朝B" panose="02020809000000000000" pitchFamily="17" charset="-128"/>
+                <a:ea typeface="HG明朝B" panose="02020809000000000000" pitchFamily="17" charset="-128"/>
+              </a:rPr>
+              <a:t>コマンド</a:t>
+            </a:r>
+            <a:r>
+              <a:rPr lang="ja-JP" altLang="en-US" dirty="0">
+                <a:ln>
+                  <a:solidFill>
+                    <a:schemeClr val="bg2">
+                      <a:lumMod val="50000"/>
+                    </a:schemeClr>
+                  </a:solidFill>
+                </a:ln>
+                <a:latin typeface="HG明朝B" panose="02020809000000000000" pitchFamily="17" charset="-128"/>
+                <a:ea typeface="HG明朝B" panose="02020809000000000000" pitchFamily="17" charset="-128"/>
+              </a:rPr>
+              <a:t>で</a:t>
+            </a:r>
+            <a:r>
+              <a:rPr lang="ja-JP" altLang="en-US" dirty="0" smtClean="0">
+                <a:ln>
+                  <a:solidFill>
+                    <a:schemeClr val="bg2">
+                      <a:lumMod val="50000"/>
+                    </a:schemeClr>
+                  </a:solidFill>
+                </a:ln>
+                <a:latin typeface="HG明朝B" panose="02020809000000000000" pitchFamily="17" charset="-128"/>
+                <a:ea typeface="HG明朝B" panose="02020809000000000000" pitchFamily="17" charset="-128"/>
+              </a:rPr>
+              <a:t>表示。</a:t>
+            </a:r>
+            <a:endParaRPr lang="en-US" altLang="ja-JP" dirty="0" smtClean="0">
+              <a:ln>
+                <a:solidFill>
+                  <a:schemeClr val="bg2">
+                    <a:lumMod val="50000"/>
+                  </a:schemeClr>
+                </a:solidFill>
+              </a:ln>
+              <a:latin typeface="HG明朝B" panose="02020809000000000000" pitchFamily="17" charset="-128"/>
+              <a:ea typeface="HG明朝B" panose="02020809000000000000" pitchFamily="17" charset="-128"/>
+            </a:endParaRPr>
+          </a:p>
+          <a:p>
+            <a:pPr>
+              <a:spcBef>
+                <a:spcPts val="100"/>
+              </a:spcBef>
+              <a:spcAft>
+                <a:spcPts val="100"/>
+              </a:spcAft>
+            </a:pPr>
+            <a:r>
+              <a:rPr lang="ja-JP" altLang="en-US" dirty="0" smtClean="0">
+                <a:ln>
+                  <a:solidFill>
+                    <a:schemeClr val="bg2">
+                      <a:lumMod val="50000"/>
+                    </a:schemeClr>
+                  </a:solidFill>
+                </a:ln>
+                <a:latin typeface="HG明朝B" panose="02020809000000000000" pitchFamily="17" charset="-128"/>
+                <a:ea typeface="HG明朝B" panose="02020809000000000000" pitchFamily="17" charset="-128"/>
+              </a:rPr>
+              <a:t>例：「○</a:t>
+            </a:r>
+            <a:r>
+              <a:rPr lang="en-US" altLang="ja-JP" dirty="0" smtClean="0">
+                <a:ln>
+                  <a:solidFill>
+                    <a:schemeClr val="bg2">
+                      <a:lumMod val="50000"/>
+                    </a:schemeClr>
+                  </a:solidFill>
+                </a:ln>
+                <a:latin typeface="HG明朝B" panose="02020809000000000000" pitchFamily="17" charset="-128"/>
+                <a:ea typeface="HG明朝B" panose="02020809000000000000" pitchFamily="17" charset="-128"/>
+              </a:rPr>
+              <a:t>‣</a:t>
+            </a:r>
+            <a:r>
+              <a:rPr lang="ja-JP" altLang="en-US" dirty="0" smtClean="0">
+                <a:ln>
+                  <a:solidFill>
+                    <a:schemeClr val="bg2">
+                      <a:lumMod val="50000"/>
+                    </a:schemeClr>
+                  </a:solidFill>
+                </a:ln>
+                <a:latin typeface="HG明朝B" panose="02020809000000000000" pitchFamily="17" charset="-128"/>
+                <a:ea typeface="HG明朝B" panose="02020809000000000000" pitchFamily="17" charset="-128"/>
+              </a:rPr>
+              <a:t>○</a:t>
+            </a:r>
+            <a:r>
+              <a:rPr lang="en-US" altLang="ja-JP" dirty="0" smtClean="0">
+                <a:ln>
+                  <a:solidFill>
+                    <a:schemeClr val="bg2">
+                      <a:lumMod val="50000"/>
+                    </a:schemeClr>
+                  </a:solidFill>
+                </a:ln>
+                <a:latin typeface="HG明朝B" panose="02020809000000000000" pitchFamily="17" charset="-128"/>
+                <a:ea typeface="HG明朝B" panose="02020809000000000000" pitchFamily="17" charset="-128"/>
+              </a:rPr>
+              <a:t>‣</a:t>
+            </a:r>
+            <a:r>
+              <a:rPr lang="ja-JP" altLang="en-US" dirty="0" smtClean="0">
+                <a:ln>
+                  <a:solidFill>
+                    <a:schemeClr val="bg2">
+                      <a:lumMod val="50000"/>
+                    </a:schemeClr>
+                  </a:solidFill>
+                </a:ln>
+                <a:latin typeface="HG明朝B" panose="02020809000000000000" pitchFamily="17" charset="-128"/>
+                <a:ea typeface="HG明朝B" panose="02020809000000000000" pitchFamily="17" charset="-128"/>
+              </a:rPr>
+              <a:t>△」「□</a:t>
+            </a:r>
+            <a:r>
+              <a:rPr lang="en-US" altLang="ja-JP" dirty="0" smtClean="0">
+                <a:ln>
+                  <a:solidFill>
+                    <a:schemeClr val="bg2">
+                      <a:lumMod val="50000"/>
+                    </a:schemeClr>
+                  </a:solidFill>
+                </a:ln>
+                <a:latin typeface="HG明朝B" panose="02020809000000000000" pitchFamily="17" charset="-128"/>
+                <a:ea typeface="HG明朝B" panose="02020809000000000000" pitchFamily="17" charset="-128"/>
+              </a:rPr>
+              <a:t>‣×‣</a:t>
+            </a:r>
+            <a:r>
+              <a:rPr lang="ja-JP" altLang="en-US" dirty="0" smtClean="0">
+                <a:ln>
+                  <a:solidFill>
+                    <a:schemeClr val="bg2">
+                      <a:lumMod val="50000"/>
+                    </a:schemeClr>
+                  </a:solidFill>
+                </a:ln>
+                <a:latin typeface="HG明朝B" panose="02020809000000000000" pitchFamily="17" charset="-128"/>
+                <a:ea typeface="HG明朝B" panose="02020809000000000000" pitchFamily="17" charset="-128"/>
+              </a:rPr>
+              <a:t>○</a:t>
+            </a:r>
+            <a:r>
+              <a:rPr lang="en-US" altLang="ja-JP" dirty="0" smtClean="0">
+                <a:ln>
+                  <a:solidFill>
+                    <a:schemeClr val="bg2">
+                      <a:lumMod val="50000"/>
+                    </a:schemeClr>
+                  </a:solidFill>
+                </a:ln>
+                <a:latin typeface="HG明朝B" panose="02020809000000000000" pitchFamily="17" charset="-128"/>
+                <a:ea typeface="HG明朝B" panose="02020809000000000000" pitchFamily="17" charset="-128"/>
+              </a:rPr>
+              <a:t>‣</a:t>
+            </a:r>
+            <a:r>
+              <a:rPr lang="ja-JP" altLang="en-US" dirty="0" smtClean="0">
+                <a:ln>
+                  <a:solidFill>
+                    <a:schemeClr val="bg2">
+                      <a:lumMod val="50000"/>
+                    </a:schemeClr>
+                  </a:solidFill>
+                </a:ln>
+                <a:latin typeface="HG明朝B" panose="02020809000000000000" pitchFamily="17" charset="-128"/>
+                <a:ea typeface="HG明朝B" panose="02020809000000000000" pitchFamily="17" charset="-128"/>
+              </a:rPr>
+              <a:t>○</a:t>
+            </a:r>
+            <a:r>
+              <a:rPr lang="en-US" altLang="ja-JP" dirty="0" smtClean="0">
+                <a:ln>
+                  <a:solidFill>
+                    <a:schemeClr val="bg2">
+                      <a:lumMod val="50000"/>
+                    </a:schemeClr>
+                  </a:solidFill>
+                </a:ln>
+                <a:latin typeface="HG明朝B" panose="02020809000000000000" pitchFamily="17" charset="-128"/>
+                <a:ea typeface="HG明朝B" panose="02020809000000000000" pitchFamily="17" charset="-128"/>
+              </a:rPr>
+              <a:t>‣</a:t>
+            </a:r>
+            <a:r>
+              <a:rPr lang="ja-JP" altLang="en-US" dirty="0" smtClean="0">
+                <a:ln>
+                  <a:solidFill>
+                    <a:schemeClr val="bg2">
+                      <a:lumMod val="50000"/>
+                    </a:schemeClr>
+                  </a:solidFill>
+                </a:ln>
+                <a:latin typeface="HG明朝B" panose="02020809000000000000" pitchFamily="17" charset="-128"/>
+                <a:ea typeface="HG明朝B" panose="02020809000000000000" pitchFamily="17" charset="-128"/>
+              </a:rPr>
+              <a:t>△」</a:t>
+            </a:r>
+            <a:endParaRPr lang="en-US" altLang="ja-JP" dirty="0" smtClean="0">
+              <a:ln>
+                <a:solidFill>
+                  <a:schemeClr val="bg2">
+                    <a:lumMod val="50000"/>
+                  </a:schemeClr>
+                </a:solidFill>
+              </a:ln>
+              <a:latin typeface="HG明朝B" panose="02020809000000000000" pitchFamily="17" charset="-128"/>
+              <a:ea typeface="HG明朝B" panose="02020809000000000000" pitchFamily="17" charset="-128"/>
+            </a:endParaRPr>
+          </a:p>
+          <a:p>
+            <a:pPr>
+              <a:spcBef>
+                <a:spcPts val="100"/>
+              </a:spcBef>
+              <a:spcAft>
+                <a:spcPts val="100"/>
+              </a:spcAft>
+            </a:pPr>
             <a:endParaRPr lang="en-US" altLang="ja-JP" dirty="0">
               <a:ln>
                 <a:solidFill>
@@ -4299,6 +4880,28 @@
               <a:ea typeface="HG明朝B" panose="02020809000000000000" pitchFamily="17" charset="-128"/>
             </a:endParaRPr>
           </a:p>
+        </p:txBody>
+      </p:sp>
+      <p:sp>
+        <p:nvSpPr>
+          <p:cNvPr id="14" name="正方形/長方形 13"/>
+          <p:cNvSpPr/>
+          <p:nvPr/>
+        </p:nvSpPr>
+        <p:spPr>
+          <a:xfrm>
+            <a:off x="31503" y="8714587"/>
+            <a:ext cx="6140109" cy="369332"/>
+          </a:xfrm>
+          <a:prstGeom prst="rect">
+            <a:avLst/>
+          </a:prstGeom>
+        </p:spPr>
+        <p:txBody>
+          <a:bodyPr wrap="square">
+            <a:spAutoFit/>
+          </a:bodyPr>
+          <a:lstStyle/>
           <a:p>
             <a:pPr>
               <a:spcBef>
@@ -4320,7 +4923,7 @@
                 <a:latin typeface="HG明朝B" panose="02020809000000000000" pitchFamily="17" charset="-128"/>
                 <a:ea typeface="HG明朝B" panose="02020809000000000000" pitchFamily="17" charset="-128"/>
               </a:rPr>
-              <a:t>  　 刀  → 単体</a:t>
+              <a:t>・一定</a:t>
             </a:r>
             <a:r>
               <a:rPr lang="ja-JP" altLang="en-US" dirty="0">
@@ -4334,29 +4937,8 @@
                 <a:latin typeface="HG明朝B" panose="02020809000000000000" pitchFamily="17" charset="-128"/>
                 <a:ea typeface="HG明朝B" panose="02020809000000000000" pitchFamily="17" charset="-128"/>
               </a:rPr>
-              <a:t>対象で威力が高い。</a:t>
-            </a:r>
-            <a:endParaRPr lang="en-US" altLang="ja-JP" dirty="0">
-              <a:ln>
-                <a:solidFill>
-                  <a:schemeClr val="bg2">
-                    <a:lumMod val="50000"/>
-                  </a:schemeClr>
-                </a:solidFill>
-              </a:ln>
-              <a:latin typeface="HG明朝B" panose="02020809000000000000" pitchFamily="17" charset="-128"/>
-              <a:ea typeface="HG明朝B" panose="02020809000000000000" pitchFamily="17" charset="-128"/>
-            </a:endParaRPr>
-          </a:p>
-          <a:p>
-            <a:pPr>
-              <a:spcBef>
-                <a:spcPts val="100"/>
-              </a:spcBef>
-              <a:spcAft>
-                <a:spcPts val="100"/>
-              </a:spcAft>
-            </a:pPr>
+              <a:t>の敵を倒しステージを進め、ボスを</a:t>
+            </a:r>
             <a:r>
               <a:rPr lang="ja-JP" altLang="en-US" dirty="0" smtClean="0">
                 <a:ln>
@@ -4369,70 +4951,7 @@
                 <a:latin typeface="HG明朝B" panose="02020809000000000000" pitchFamily="17" charset="-128"/>
                 <a:ea typeface="HG明朝B" panose="02020809000000000000" pitchFamily="17" charset="-128"/>
               </a:rPr>
-              <a:t>  　薙刀 → 一定</a:t>
-            </a:r>
-            <a:r>
-              <a:rPr lang="ja-JP" altLang="en-US" dirty="0">
-                <a:ln>
-                  <a:solidFill>
-                    <a:schemeClr val="bg2">
-                      <a:lumMod val="50000"/>
-                    </a:schemeClr>
-                  </a:solidFill>
-                </a:ln>
-                <a:latin typeface="HG明朝B" panose="02020809000000000000" pitchFamily="17" charset="-128"/>
-                <a:ea typeface="HG明朝B" panose="02020809000000000000" pitchFamily="17" charset="-128"/>
-              </a:rPr>
-              <a:t>範囲内対象で威力が低い</a:t>
-            </a:r>
-            <a:r>
-              <a:rPr lang="ja-JP" altLang="en-US" dirty="0" smtClean="0">
-                <a:ln>
-                  <a:solidFill>
-                    <a:schemeClr val="bg2">
-                      <a:lumMod val="50000"/>
-                    </a:schemeClr>
-                  </a:solidFill>
-                </a:ln>
-                <a:latin typeface="HG明朝B" panose="02020809000000000000" pitchFamily="17" charset="-128"/>
-                <a:ea typeface="HG明朝B" panose="02020809000000000000" pitchFamily="17" charset="-128"/>
-              </a:rPr>
-              <a:t>。</a:t>
-            </a:r>
-            <a:endParaRPr lang="en-US" altLang="ja-JP" dirty="0">
-              <a:ln>
-                <a:solidFill>
-                  <a:schemeClr val="bg2">
-                    <a:lumMod val="50000"/>
-                  </a:schemeClr>
-                </a:solidFill>
-              </a:ln>
-              <a:latin typeface="HG明朝B" panose="02020809000000000000" pitchFamily="17" charset="-128"/>
-              <a:ea typeface="HG明朝B" panose="02020809000000000000" pitchFamily="17" charset="-128"/>
-            </a:endParaRPr>
-          </a:p>
-          <a:p>
-            <a:pPr>
-              <a:spcBef>
-                <a:spcPts val="100"/>
-              </a:spcBef>
-              <a:spcAft>
-                <a:spcPts val="100"/>
-              </a:spcAft>
-            </a:pPr>
-            <a:r>
-              <a:rPr lang="ja-JP" altLang="en-US" dirty="0" smtClean="0">
-                <a:ln>
-                  <a:solidFill>
-                    <a:schemeClr val="bg2">
-                      <a:lumMod val="50000"/>
-                    </a:schemeClr>
-                  </a:solidFill>
-                </a:ln>
-                <a:latin typeface="HG明朝B" panose="02020809000000000000" pitchFamily="17" charset="-128"/>
-                <a:ea typeface="HG明朝B" panose="02020809000000000000" pitchFamily="17" charset="-128"/>
-              </a:rPr>
-              <a:t> ・攻撃手段として、通常とスキルがある。</a:t>
+              <a:t>攻略を目指す。</a:t>
             </a:r>
             <a:endParaRPr lang="en-US" altLang="ja-JP" dirty="0" smtClean="0">
               <a:ln>
@@ -4446,207 +4965,29 @@
               <a:ea typeface="HG明朝B" panose="02020809000000000000" pitchFamily="17" charset="-128"/>
             </a:endParaRPr>
           </a:p>
-          <a:p>
-            <a:pPr>
-              <a:spcBef>
-                <a:spcPts val="100"/>
-              </a:spcBef>
-              <a:spcAft>
-                <a:spcPts val="100"/>
-              </a:spcAft>
-            </a:pPr>
-            <a:r>
-              <a:rPr lang="ja-JP" altLang="en-US" dirty="0" smtClean="0">
-                <a:ln>
-                  <a:solidFill>
-                    <a:schemeClr val="bg2">
-                      <a:lumMod val="50000"/>
-                    </a:schemeClr>
-                  </a:solidFill>
-                </a:ln>
-                <a:latin typeface="HG明朝B" panose="02020809000000000000" pitchFamily="17" charset="-128"/>
-                <a:ea typeface="HG明朝B" panose="02020809000000000000" pitchFamily="17" charset="-128"/>
-              </a:rPr>
-              <a:t> ・通常でスキル可能になるゲージが溜まる。</a:t>
-            </a:r>
-            <a:endParaRPr lang="en-US" altLang="ja-JP" dirty="0" smtClean="0">
-              <a:ln>
-                <a:solidFill>
-                  <a:schemeClr val="bg2">
-                    <a:lumMod val="50000"/>
-                  </a:schemeClr>
-                </a:solidFill>
-              </a:ln>
-              <a:latin typeface="HG明朝B" panose="02020809000000000000" pitchFamily="17" charset="-128"/>
-              <a:ea typeface="HG明朝B" panose="02020809000000000000" pitchFamily="17" charset="-128"/>
-            </a:endParaRPr>
-          </a:p>
-          <a:p>
-            <a:pPr>
-              <a:spcBef>
-                <a:spcPts val="100"/>
-              </a:spcBef>
-              <a:spcAft>
-                <a:spcPts val="100"/>
-              </a:spcAft>
-            </a:pPr>
-            <a:r>
-              <a:rPr lang="en-US" altLang="ja-JP" sz="2000" dirty="0" smtClean="0">
-                <a:ln>
-                  <a:solidFill>
-                    <a:schemeClr val="bg2">
-                      <a:lumMod val="50000"/>
-                    </a:schemeClr>
-                  </a:solidFill>
-                </a:ln>
-                <a:latin typeface="HG明朝B" panose="02020809000000000000" pitchFamily="17" charset="-128"/>
-                <a:ea typeface="HG明朝B" panose="02020809000000000000" pitchFamily="17" charset="-128"/>
-              </a:rPr>
-              <a:t>-</a:t>
-            </a:r>
-            <a:r>
-              <a:rPr lang="ja-JP" altLang="en-US" sz="2000" dirty="0">
-                <a:ln>
-                  <a:solidFill>
-                    <a:schemeClr val="bg2">
-                      <a:lumMod val="50000"/>
-                    </a:schemeClr>
-                  </a:solidFill>
-                </a:ln>
-                <a:latin typeface="HG明朝B" panose="02020809000000000000" pitchFamily="17" charset="-128"/>
-                <a:ea typeface="HG明朝B" panose="02020809000000000000" pitchFamily="17" charset="-128"/>
-              </a:rPr>
-              <a:t>その他</a:t>
-            </a:r>
-            <a:r>
-              <a:rPr lang="en-US" altLang="ja-JP" sz="2000" dirty="0">
-                <a:ln>
-                  <a:solidFill>
-                    <a:schemeClr val="bg2">
-                      <a:lumMod val="50000"/>
-                    </a:schemeClr>
-                  </a:solidFill>
-                </a:ln>
-                <a:latin typeface="HG明朝B" panose="02020809000000000000" pitchFamily="17" charset="-128"/>
-                <a:ea typeface="HG明朝B" panose="02020809000000000000" pitchFamily="17" charset="-128"/>
-              </a:rPr>
-              <a:t>-</a:t>
-            </a:r>
-          </a:p>
-          <a:p>
-            <a:pPr>
-              <a:spcBef>
-                <a:spcPts val="100"/>
-              </a:spcBef>
-              <a:spcAft>
-                <a:spcPts val="100"/>
-              </a:spcAft>
-            </a:pPr>
-            <a:r>
-              <a:rPr lang="ja-JP" altLang="en-US" dirty="0" smtClean="0">
-                <a:ln>
-                  <a:solidFill>
-                    <a:schemeClr val="bg2">
-                      <a:lumMod val="50000"/>
-                    </a:schemeClr>
-                  </a:solidFill>
-                </a:ln>
-                <a:latin typeface="HG明朝B" panose="02020809000000000000" pitchFamily="17" charset="-128"/>
-                <a:ea typeface="HG明朝B" panose="02020809000000000000" pitchFamily="17" charset="-128"/>
-              </a:rPr>
-              <a:t> ・回避</a:t>
-            </a:r>
-            <a:r>
-              <a:rPr lang="ja-JP" altLang="en-US" dirty="0">
-                <a:ln>
-                  <a:solidFill>
-                    <a:schemeClr val="bg2">
-                      <a:lumMod val="50000"/>
-                    </a:schemeClr>
-                  </a:solidFill>
-                </a:ln>
-                <a:latin typeface="HG明朝B" panose="02020809000000000000" pitchFamily="17" charset="-128"/>
-                <a:ea typeface="HG明朝B" panose="02020809000000000000" pitchFamily="17" charset="-128"/>
-              </a:rPr>
-              <a:t>とガードをジャストで決めること</a:t>
-            </a:r>
-            <a:r>
-              <a:rPr lang="ja-JP" altLang="en-US" dirty="0" smtClean="0">
-                <a:ln>
-                  <a:solidFill>
-                    <a:schemeClr val="bg2">
-                      <a:lumMod val="50000"/>
-                    </a:schemeClr>
-                  </a:solidFill>
-                </a:ln>
-                <a:latin typeface="HG明朝B" panose="02020809000000000000" pitchFamily="17" charset="-128"/>
-                <a:ea typeface="HG明朝B" panose="02020809000000000000" pitchFamily="17" charset="-128"/>
-              </a:rPr>
-              <a:t>で素早く攻撃可能。</a:t>
-            </a:r>
-            <a:endParaRPr lang="en-US" altLang="ja-JP" dirty="0" smtClean="0">
-              <a:ln>
-                <a:solidFill>
-                  <a:schemeClr val="bg2">
-                    <a:lumMod val="50000"/>
-                  </a:schemeClr>
-                </a:solidFill>
-              </a:ln>
-              <a:latin typeface="HG明朝B" panose="02020809000000000000" pitchFamily="17" charset="-128"/>
-              <a:ea typeface="HG明朝B" panose="02020809000000000000" pitchFamily="17" charset="-128"/>
-            </a:endParaRPr>
-          </a:p>
-          <a:p>
-            <a:pPr>
-              <a:spcBef>
-                <a:spcPts val="100"/>
-              </a:spcBef>
-              <a:spcAft>
-                <a:spcPts val="100"/>
-              </a:spcAft>
-            </a:pPr>
-            <a:r>
-              <a:rPr lang="ja-JP" altLang="en-US" dirty="0" smtClean="0">
-                <a:ln>
-                  <a:solidFill>
-                    <a:schemeClr val="bg2">
-                      <a:lumMod val="50000"/>
-                    </a:schemeClr>
-                  </a:solidFill>
-                </a:ln>
-                <a:latin typeface="HG明朝B" panose="02020809000000000000" pitchFamily="17" charset="-128"/>
-                <a:ea typeface="HG明朝B" panose="02020809000000000000" pitchFamily="17" charset="-128"/>
-              </a:rPr>
-              <a:t> ・失敗</a:t>
-            </a:r>
-            <a:r>
-              <a:rPr lang="ja-JP" altLang="en-US" dirty="0">
-                <a:ln>
-                  <a:solidFill>
-                    <a:schemeClr val="bg2">
-                      <a:lumMod val="50000"/>
-                    </a:schemeClr>
-                  </a:solidFill>
-                </a:ln>
-                <a:latin typeface="HG明朝B" panose="02020809000000000000" pitchFamily="17" charset="-128"/>
-                <a:ea typeface="HG明朝B" panose="02020809000000000000" pitchFamily="17" charset="-128"/>
-              </a:rPr>
-              <a:t>する</a:t>
-            </a:r>
-            <a:r>
-              <a:rPr lang="ja-JP" altLang="en-US" dirty="0" smtClean="0">
-                <a:ln>
-                  <a:solidFill>
-                    <a:schemeClr val="bg2">
-                      <a:lumMod val="50000"/>
-                    </a:schemeClr>
-                  </a:solidFill>
-                </a:ln>
-                <a:latin typeface="HG明朝B" panose="02020809000000000000" pitchFamily="17" charset="-128"/>
-                <a:ea typeface="HG明朝B" panose="02020809000000000000" pitchFamily="17" charset="-128"/>
-              </a:rPr>
-              <a:t>と、敵に隙を与える。</a:t>
-            </a:r>
+        </p:txBody>
+      </p:sp>
+      <p:sp>
+        <p:nvSpPr>
+          <p:cNvPr id="16" name="正方形/長方形 15"/>
+          <p:cNvSpPr/>
+          <p:nvPr/>
+        </p:nvSpPr>
+        <p:spPr>
+          <a:xfrm>
+            <a:off x="377922" y="7499639"/>
+            <a:ext cx="5964263" cy="369332"/>
+          </a:xfrm>
+          <a:prstGeom prst="rect">
+            <a:avLst/>
+          </a:prstGeom>
+        </p:spPr>
+        <p:txBody>
+          <a:bodyPr wrap="square">
+            <a:spAutoFit/>
+          </a:bodyPr>
+          <a:lstStyle/>
+          <a:p>
             <a:endParaRPr lang="en-US" altLang="ja-JP" dirty="0">
               <a:ln>
                 <a:solidFill>
@@ -4657,313 +4998,6 @@
               </a:ln>
               <a:latin typeface="HG明朝B" panose="02020809000000000000" pitchFamily="17" charset="-128"/>
               <a:ea typeface="HG明朝B" panose="02020809000000000000" pitchFamily="17" charset="-128"/>
-            </a:endParaRPr>
-          </a:p>
-        </p:txBody>
-      </p:sp>
-      <p:pic>
-        <p:nvPicPr>
-          <p:cNvPr id="3" name="図 2"/>
-          <p:cNvPicPr>
-            <a:picLocks noChangeAspect="1"/>
-          </p:cNvPicPr>
-          <p:nvPr/>
-        </p:nvPicPr>
-        <p:blipFill>
-          <a:blip r:embed="rId3" cstate="print">
-            <a:extLst>
-              <a:ext uri="{28A0092B-C50C-407E-A947-70E740481C1C}">
-                <a14:useLocalDpi xmlns:a14="http://schemas.microsoft.com/office/drawing/2010/main" val="0"/>
-              </a:ext>
-            </a:extLst>
-          </a:blip>
-          <a:stretch>
-            <a:fillRect/>
-          </a:stretch>
-        </p:blipFill>
-        <p:spPr>
-          <a:xfrm>
-            <a:off x="300648" y="8424613"/>
-            <a:ext cx="3153264" cy="1499405"/>
-          </a:xfrm>
-          <a:prstGeom prst="rect">
-            <a:avLst/>
-          </a:prstGeom>
-        </p:spPr>
-      </p:pic>
-      <p:sp>
-        <p:nvSpPr>
-          <p:cNvPr id="14" name="正方形/長方形 13"/>
-          <p:cNvSpPr/>
-          <p:nvPr/>
-        </p:nvSpPr>
-        <p:spPr>
-          <a:xfrm>
-            <a:off x="377919" y="6909169"/>
-            <a:ext cx="6140109" cy="923330"/>
-          </a:xfrm>
-          <a:prstGeom prst="rect">
-            <a:avLst/>
-          </a:prstGeom>
-        </p:spPr>
-        <p:txBody>
-          <a:bodyPr wrap="square">
-            <a:spAutoFit/>
-          </a:bodyPr>
-          <a:lstStyle/>
-          <a:p>
-            <a:pPr marL="285750" indent="-285750">
-              <a:buFont typeface="Arial" panose="020B0604020202020204" pitchFamily="34" charset="0"/>
-              <a:buChar char="•"/>
-            </a:pPr>
-            <a:r>
-              <a:rPr lang="ja-JP" altLang="en-US" dirty="0">
-                <a:ln>
-                  <a:solidFill>
-                    <a:schemeClr val="bg2">
-                      <a:lumMod val="50000"/>
-                    </a:schemeClr>
-                  </a:solidFill>
-                </a:ln>
-                <a:latin typeface="HG明朝B" panose="02020809000000000000" pitchFamily="17" charset="-128"/>
-                <a:ea typeface="HG明朝B" panose="02020809000000000000" pitchFamily="17" charset="-128"/>
-              </a:rPr>
-              <a:t>一定の敵を倒しステージを進め、ボスを</a:t>
-            </a:r>
-            <a:r>
-              <a:rPr lang="ja-JP" altLang="en-US" dirty="0" smtClean="0">
-                <a:ln>
-                  <a:solidFill>
-                    <a:schemeClr val="bg2">
-                      <a:lumMod val="50000"/>
-                    </a:schemeClr>
-                  </a:solidFill>
-                </a:ln>
-                <a:latin typeface="HG明朝B" panose="02020809000000000000" pitchFamily="17" charset="-128"/>
-                <a:ea typeface="HG明朝B" panose="02020809000000000000" pitchFamily="17" charset="-128"/>
-              </a:rPr>
-              <a:t>攻略を目指す。</a:t>
-            </a:r>
-            <a:endParaRPr lang="en-US" altLang="ja-JP" dirty="0" smtClean="0">
-              <a:ln>
-                <a:solidFill>
-                  <a:schemeClr val="bg2">
-                    <a:lumMod val="50000"/>
-                  </a:schemeClr>
-                </a:solidFill>
-              </a:ln>
-              <a:latin typeface="HG明朝B" panose="02020809000000000000" pitchFamily="17" charset="-128"/>
-              <a:ea typeface="HG明朝B" panose="02020809000000000000" pitchFamily="17" charset="-128"/>
-            </a:endParaRPr>
-          </a:p>
-          <a:p>
-            <a:pPr marL="285750" indent="-285750">
-              <a:buFont typeface="Arial" panose="020B0604020202020204" pitchFamily="34" charset="0"/>
-              <a:buChar char="•"/>
-            </a:pPr>
-            <a:r>
-              <a:rPr lang="ja-JP" altLang="en-US" dirty="0" smtClean="0">
-                <a:ln>
-                  <a:solidFill>
-                    <a:schemeClr val="bg2">
-                      <a:lumMod val="50000"/>
-                    </a:schemeClr>
-                  </a:solidFill>
-                </a:ln>
-                <a:latin typeface="HG明朝B" panose="02020809000000000000" pitchFamily="17" charset="-128"/>
-                <a:ea typeface="HG明朝B" panose="02020809000000000000" pitchFamily="17" charset="-128"/>
-              </a:rPr>
-              <a:t>スキル発動時に開始する</a:t>
-            </a:r>
-            <a:r>
-              <a:rPr lang="ja-JP" altLang="en-US" u="sng" dirty="0" smtClean="0">
-                <a:ln>
-                  <a:solidFill>
-                    <a:schemeClr val="bg2">
-                      <a:lumMod val="50000"/>
-                    </a:schemeClr>
-                  </a:solidFill>
-                </a:ln>
-                <a:latin typeface="HG明朝B" panose="02020809000000000000" pitchFamily="17" charset="-128"/>
-                <a:ea typeface="HG明朝B" panose="02020809000000000000" pitchFamily="17" charset="-128"/>
-              </a:rPr>
-              <a:t>ＱＴＥ</a:t>
-            </a:r>
-            <a:r>
-              <a:rPr lang="ja-JP" altLang="en-US" dirty="0" smtClean="0">
-                <a:ln>
-                  <a:solidFill>
-                    <a:schemeClr val="bg2">
-                      <a:lumMod val="50000"/>
-                    </a:schemeClr>
-                  </a:solidFill>
-                </a:ln>
-                <a:latin typeface="HG明朝B" panose="02020809000000000000" pitchFamily="17" charset="-128"/>
-                <a:ea typeface="HG明朝B" panose="02020809000000000000" pitchFamily="17" charset="-128"/>
-              </a:rPr>
-              <a:t>を最後まで成功させ、高得点を目指そう。</a:t>
-            </a:r>
-            <a:endParaRPr lang="en-US" altLang="ja-JP" dirty="0" smtClean="0">
-              <a:ln>
-                <a:solidFill>
-                  <a:schemeClr val="bg2">
-                    <a:lumMod val="50000"/>
-                  </a:schemeClr>
-                </a:solidFill>
-              </a:ln>
-              <a:latin typeface="HG明朝B" panose="02020809000000000000" pitchFamily="17" charset="-128"/>
-              <a:ea typeface="HG明朝B" panose="02020809000000000000" pitchFamily="17" charset="-128"/>
-            </a:endParaRPr>
-          </a:p>
-        </p:txBody>
-      </p:sp>
-      <p:sp>
-        <p:nvSpPr>
-          <p:cNvPr id="16" name="正方形/長方形 15"/>
-          <p:cNvSpPr/>
-          <p:nvPr/>
-        </p:nvSpPr>
-        <p:spPr>
-          <a:xfrm>
-            <a:off x="377922" y="7499639"/>
-            <a:ext cx="5964263" cy="369332"/>
-          </a:xfrm>
-          <a:prstGeom prst="rect">
-            <a:avLst/>
-          </a:prstGeom>
-        </p:spPr>
-        <p:txBody>
-          <a:bodyPr wrap="square">
-            <a:spAutoFit/>
-          </a:bodyPr>
-          <a:lstStyle/>
-          <a:p>
-            <a:endParaRPr lang="en-US" altLang="ja-JP" dirty="0">
-              <a:ln>
-                <a:solidFill>
-                  <a:schemeClr val="bg2">
-                    <a:lumMod val="50000"/>
-                  </a:schemeClr>
-                </a:solidFill>
-              </a:ln>
-              <a:latin typeface="HG明朝B" panose="02020809000000000000" pitchFamily="17" charset="-128"/>
-              <a:ea typeface="HG明朝B" panose="02020809000000000000" pitchFamily="17" charset="-128"/>
-            </a:endParaRPr>
-          </a:p>
-        </p:txBody>
-      </p:sp>
-      <p:sp>
-        <p:nvSpPr>
-          <p:cNvPr id="17" name="テキスト ボックス 16"/>
-          <p:cNvSpPr txBox="1"/>
-          <p:nvPr/>
-        </p:nvSpPr>
-        <p:spPr>
-          <a:xfrm>
-            <a:off x="453659" y="8063049"/>
-            <a:ext cx="2847241" cy="369332"/>
-          </a:xfrm>
-          <a:prstGeom prst="rect">
-            <a:avLst/>
-          </a:prstGeom>
-          <a:noFill/>
-        </p:spPr>
-        <p:txBody>
-          <a:bodyPr wrap="square" rtlCol="0">
-            <a:spAutoFit/>
-          </a:bodyPr>
-          <a:lstStyle/>
-          <a:p>
-            <a:r>
-              <a:rPr kumimoji="1" lang="en-US" altLang="ja-JP" dirty="0" smtClean="0">
-                <a:latin typeface="HGP明朝B" panose="02020800000000000000" pitchFamily="18" charset="-128"/>
-                <a:ea typeface="HGP明朝B" panose="02020800000000000000" pitchFamily="18" charset="-128"/>
-              </a:rPr>
-              <a:t>QTE(</a:t>
-            </a:r>
-            <a:r>
-              <a:rPr kumimoji="1" lang="ja-JP" altLang="en-US" dirty="0" smtClean="0">
-                <a:latin typeface="HGP明朝B" panose="02020800000000000000" pitchFamily="18" charset="-128"/>
-                <a:ea typeface="HGP明朝B" panose="02020800000000000000" pitchFamily="18" charset="-128"/>
-              </a:rPr>
-              <a:t>クイックタイムイベント</a:t>
-            </a:r>
-            <a:r>
-              <a:rPr kumimoji="1" lang="en-US" altLang="ja-JP" dirty="0" smtClean="0">
-                <a:latin typeface="HGP明朝B" panose="02020800000000000000" pitchFamily="18" charset="-128"/>
-                <a:ea typeface="HGP明朝B" panose="02020800000000000000" pitchFamily="18" charset="-128"/>
-              </a:rPr>
-              <a:t>)</a:t>
-            </a:r>
-            <a:endParaRPr kumimoji="1" lang="ja-JP" altLang="en-US" dirty="0">
-              <a:latin typeface="HGP明朝B" panose="02020800000000000000" pitchFamily="18" charset="-128"/>
-              <a:ea typeface="HGP明朝B" panose="02020800000000000000" pitchFamily="18" charset="-128"/>
-            </a:endParaRPr>
-          </a:p>
-        </p:txBody>
-      </p:sp>
-      <p:pic>
-        <p:nvPicPr>
-          <p:cNvPr id="18" name="図 17"/>
-          <p:cNvPicPr>
-            <a:picLocks noChangeAspect="1"/>
-          </p:cNvPicPr>
-          <p:nvPr/>
-        </p:nvPicPr>
-        <p:blipFill>
-          <a:blip r:embed="rId4" cstate="print">
-            <a:extLst>
-              <a:ext uri="{28A0092B-C50C-407E-A947-70E740481C1C}">
-                <a14:useLocalDpi xmlns:a14="http://schemas.microsoft.com/office/drawing/2010/main" val="0"/>
-              </a:ext>
-            </a:extLst>
-          </a:blip>
-          <a:stretch>
-            <a:fillRect/>
-          </a:stretch>
-        </p:blipFill>
-        <p:spPr>
-          <a:xfrm>
-            <a:off x="3603110" y="8407865"/>
-            <a:ext cx="2971660" cy="1516153"/>
-          </a:xfrm>
-          <a:prstGeom prst="rect">
-            <a:avLst/>
-          </a:prstGeom>
-        </p:spPr>
-      </p:pic>
-      <p:sp>
-        <p:nvSpPr>
-          <p:cNvPr id="19" name="テキスト ボックス 18"/>
-          <p:cNvSpPr txBox="1"/>
-          <p:nvPr/>
-        </p:nvSpPr>
-        <p:spPr>
-          <a:xfrm>
-            <a:off x="4187991" y="8018981"/>
-            <a:ext cx="1791389" cy="369332"/>
-          </a:xfrm>
-          <a:prstGeom prst="rect">
-            <a:avLst/>
-          </a:prstGeom>
-          <a:noFill/>
-        </p:spPr>
-        <p:txBody>
-          <a:bodyPr wrap="square" rtlCol="0">
-            <a:spAutoFit/>
-          </a:bodyPr>
-          <a:lstStyle/>
-          <a:p>
-            <a:r>
-              <a:rPr lang="ja-JP" altLang="en-US" dirty="0" smtClean="0">
-                <a:latin typeface="HGP明朝B" panose="02020800000000000000" pitchFamily="18" charset="-128"/>
-                <a:ea typeface="HGP明朝B" panose="02020800000000000000" pitchFamily="18" charset="-128"/>
-              </a:rPr>
-              <a:t>スキル発動合図</a:t>
-            </a:r>
-            <a:endParaRPr kumimoji="1" lang="ja-JP" altLang="en-US" dirty="0">
-              <a:latin typeface="HGP明朝B" panose="02020800000000000000" pitchFamily="18" charset="-128"/>
-              <a:ea typeface="HGP明朝B" panose="02020800000000000000" pitchFamily="18" charset="-128"/>
             </a:endParaRPr>
           </a:p>
         </p:txBody>

--- a/前野七楓/3Dチーム制作/3Dチーム制作ワンシート(1).pptx
+++ b/前野七楓/3Dチーム制作/3Dチーム制作ワンシート(1).pptx
@@ -243,7 +243,7 @@
           <a:p>
             <a:fld id="{A2BE6C28-2C5B-4C5A-A6F9-9CC985FD3C53}" type="datetimeFigureOut">
               <a:rPr kumimoji="1" lang="ja-JP" altLang="en-US" smtClean="0"/>
-              <a:t>2020/12/16</a:t>
+              <a:t>2020/12/18</a:t>
             </a:fld>
             <a:endParaRPr kumimoji="1" lang="ja-JP" altLang="en-US"/>
           </a:p>
@@ -445,7 +445,7 @@
           <a:p>
             <a:fld id="{A2BE6C28-2C5B-4C5A-A6F9-9CC985FD3C53}" type="datetimeFigureOut">
               <a:rPr kumimoji="1" lang="ja-JP" altLang="en-US" smtClean="0"/>
-              <a:t>2020/12/16</a:t>
+              <a:t>2020/12/18</a:t>
             </a:fld>
             <a:endParaRPr kumimoji="1" lang="ja-JP" altLang="en-US"/>
           </a:p>
@@ -657,7 +657,7 @@
           <a:p>
             <a:fld id="{A2BE6C28-2C5B-4C5A-A6F9-9CC985FD3C53}" type="datetimeFigureOut">
               <a:rPr kumimoji="1" lang="ja-JP" altLang="en-US" smtClean="0"/>
-              <a:t>2020/12/16</a:t>
+              <a:t>2020/12/18</a:t>
             </a:fld>
             <a:endParaRPr kumimoji="1" lang="ja-JP" altLang="en-US"/>
           </a:p>
@@ -859,7 +859,7 @@
           <a:p>
             <a:fld id="{A2BE6C28-2C5B-4C5A-A6F9-9CC985FD3C53}" type="datetimeFigureOut">
               <a:rPr kumimoji="1" lang="ja-JP" altLang="en-US" smtClean="0"/>
-              <a:t>2020/12/16</a:t>
+              <a:t>2020/12/18</a:t>
             </a:fld>
             <a:endParaRPr kumimoji="1" lang="ja-JP" altLang="en-US"/>
           </a:p>
@@ -1103,7 +1103,7 @@
           <a:p>
             <a:fld id="{A2BE6C28-2C5B-4C5A-A6F9-9CC985FD3C53}" type="datetimeFigureOut">
               <a:rPr kumimoji="1" lang="ja-JP" altLang="en-US" smtClean="0"/>
-              <a:t>2020/12/16</a:t>
+              <a:t>2020/12/18</a:t>
             </a:fld>
             <a:endParaRPr kumimoji="1" lang="ja-JP" altLang="en-US"/>
           </a:p>
@@ -1399,7 +1399,7 @@
           <a:p>
             <a:fld id="{A2BE6C28-2C5B-4C5A-A6F9-9CC985FD3C53}" type="datetimeFigureOut">
               <a:rPr kumimoji="1" lang="ja-JP" altLang="en-US" smtClean="0"/>
-              <a:t>2020/12/16</a:t>
+              <a:t>2020/12/18</a:t>
             </a:fld>
             <a:endParaRPr kumimoji="1" lang="ja-JP" altLang="en-US"/>
           </a:p>
@@ -1830,7 +1830,7 @@
           <a:p>
             <a:fld id="{A2BE6C28-2C5B-4C5A-A6F9-9CC985FD3C53}" type="datetimeFigureOut">
               <a:rPr kumimoji="1" lang="ja-JP" altLang="en-US" smtClean="0"/>
-              <a:t>2020/12/16</a:t>
+              <a:t>2020/12/18</a:t>
             </a:fld>
             <a:endParaRPr kumimoji="1" lang="ja-JP" altLang="en-US"/>
           </a:p>
@@ -1948,7 +1948,7 @@
           <a:p>
             <a:fld id="{A2BE6C28-2C5B-4C5A-A6F9-9CC985FD3C53}" type="datetimeFigureOut">
               <a:rPr kumimoji="1" lang="ja-JP" altLang="en-US" smtClean="0"/>
-              <a:t>2020/12/16</a:t>
+              <a:t>2020/12/18</a:t>
             </a:fld>
             <a:endParaRPr kumimoji="1" lang="ja-JP" altLang="en-US"/>
           </a:p>
@@ -2043,7 +2043,7 @@
           <a:p>
             <a:fld id="{A2BE6C28-2C5B-4C5A-A6F9-9CC985FD3C53}" type="datetimeFigureOut">
               <a:rPr kumimoji="1" lang="ja-JP" altLang="en-US" smtClean="0"/>
-              <a:t>2020/12/16</a:t>
+              <a:t>2020/12/18</a:t>
             </a:fld>
             <a:endParaRPr kumimoji="1" lang="ja-JP" altLang="en-US"/>
           </a:p>
@@ -2352,7 +2352,7 @@
           <a:p>
             <a:fld id="{A2BE6C28-2C5B-4C5A-A6F9-9CC985FD3C53}" type="datetimeFigureOut">
               <a:rPr kumimoji="1" lang="ja-JP" altLang="en-US" smtClean="0"/>
-              <a:t>2020/12/16</a:t>
+              <a:t>2020/12/18</a:t>
             </a:fld>
             <a:endParaRPr kumimoji="1" lang="ja-JP" altLang="en-US"/>
           </a:p>
@@ -2609,7 +2609,7 @@
           <a:p>
             <a:fld id="{A2BE6C28-2C5B-4C5A-A6F9-9CC985FD3C53}" type="datetimeFigureOut">
               <a:rPr kumimoji="1" lang="ja-JP" altLang="en-US" smtClean="0"/>
-              <a:t>2020/12/16</a:t>
+              <a:t>2020/12/18</a:t>
             </a:fld>
             <a:endParaRPr kumimoji="1" lang="ja-JP" altLang="en-US"/>
           </a:p>
@@ -2854,7 +2854,7 @@
           <a:p>
             <a:fld id="{A2BE6C28-2C5B-4C5A-A6F9-9CC985FD3C53}" type="datetimeFigureOut">
               <a:rPr kumimoji="1" lang="ja-JP" altLang="en-US" smtClean="0"/>
-              <a:t>2020/12/16</a:t>
+              <a:t>2020/12/18</a:t>
             </a:fld>
             <a:endParaRPr kumimoji="1" lang="ja-JP" altLang="en-US"/>
           </a:p>
@@ -3276,247 +3276,14 @@
       </p:grpSpPr>
       <p:sp>
         <p:nvSpPr>
-          <p:cNvPr id="4" name="テキスト ボックス 3"/>
-          <p:cNvSpPr txBox="1"/>
+          <p:cNvPr id="55" name="正方形/長方形 54"/>
+          <p:cNvSpPr/>
           <p:nvPr/>
         </p:nvSpPr>
         <p:spPr>
           <a:xfrm>
-            <a:off x="0" y="-55868"/>
-            <a:ext cx="2951815" cy="584775"/>
-          </a:xfrm>
-          <a:prstGeom prst="rect">
-            <a:avLst/>
-          </a:prstGeom>
-          <a:noFill/>
-        </p:spPr>
-        <p:txBody>
-          <a:bodyPr wrap="square" rtlCol="0">
-            <a:spAutoFit/>
-          </a:bodyPr>
-          <a:lstStyle/>
-          <a:p>
-            <a:r>
-              <a:rPr kumimoji="1" lang="en-US" altLang="ja-JP" sz="3200" dirty="0" smtClean="0">
-                <a:ln>
-                  <a:solidFill>
-                    <a:schemeClr val="accent4">
-                      <a:lumMod val="75000"/>
-                    </a:schemeClr>
-                  </a:solidFill>
-                </a:ln>
-                <a:latin typeface="HG明朝B" panose="02020809000000000000" pitchFamily="17" charset="-128"/>
-                <a:ea typeface="HG明朝B" panose="02020809000000000000" pitchFamily="17" charset="-128"/>
-              </a:rPr>
-              <a:t>3D</a:t>
-            </a:r>
-            <a:r>
-              <a:rPr kumimoji="1" lang="ja-JP" altLang="en-US" sz="3200" dirty="0" smtClean="0">
-                <a:ln>
-                  <a:solidFill>
-                    <a:schemeClr val="accent4">
-                      <a:lumMod val="75000"/>
-                    </a:schemeClr>
-                  </a:solidFill>
-                </a:ln>
-                <a:latin typeface="HG明朝B" panose="02020809000000000000" pitchFamily="17" charset="-128"/>
-                <a:ea typeface="HG明朝B" panose="02020809000000000000" pitchFamily="17" charset="-128"/>
-              </a:rPr>
-              <a:t>チーム制作</a:t>
-            </a:r>
-            <a:r>
-              <a:rPr kumimoji="1" lang="ja-JP" altLang="en-US" sz="2400" dirty="0" smtClean="0">
-                <a:ln>
-                  <a:solidFill>
-                    <a:schemeClr val="accent1">
-                      <a:lumMod val="75000"/>
-                    </a:schemeClr>
-                  </a:solidFill>
-                </a:ln>
-              </a:rPr>
-              <a:t>　</a:t>
-            </a:r>
-            <a:endParaRPr kumimoji="1" lang="ja-JP" altLang="en-US" sz="2400" dirty="0">
-              <a:ln>
-                <a:solidFill>
-                  <a:schemeClr val="accent1">
-                    <a:lumMod val="75000"/>
-                  </a:schemeClr>
-                </a:solidFill>
-              </a:ln>
-            </a:endParaRPr>
-          </a:p>
-        </p:txBody>
-      </p:sp>
-      <p:sp>
-        <p:nvSpPr>
-          <p:cNvPr id="6" name="正方形/長方形 5"/>
-          <p:cNvSpPr/>
-          <p:nvPr/>
-        </p:nvSpPr>
-        <p:spPr>
-          <a:xfrm>
-            <a:off x="31503" y="7868970"/>
-            <a:ext cx="6880234" cy="1996187"/>
-          </a:xfrm>
-          <a:prstGeom prst="rect">
-            <a:avLst/>
-          </a:prstGeom>
-          <a:gradFill flip="none" rotWithShape="1">
-            <a:gsLst>
-              <a:gs pos="0">
-                <a:schemeClr val="bg1">
-                  <a:alpha val="0"/>
-                </a:schemeClr>
-              </a:gs>
-              <a:gs pos="16000">
-                <a:schemeClr val="bg1"/>
-              </a:gs>
-              <a:gs pos="83000">
-                <a:schemeClr val="bg1">
-                  <a:alpha val="88000"/>
-                </a:schemeClr>
-              </a:gs>
-              <a:gs pos="100000">
-                <a:schemeClr val="bg1">
-                  <a:alpha val="0"/>
-                </a:schemeClr>
-              </a:gs>
-            </a:gsLst>
-            <a:lin ang="0" scaled="1"/>
-            <a:tileRect/>
-          </a:gradFill>
-          <a:ln>
-            <a:noFill/>
-          </a:ln>
-        </p:spPr>
-        <p:style>
-          <a:lnRef idx="2">
-            <a:schemeClr val="accent1">
-              <a:shade val="50000"/>
-            </a:schemeClr>
-          </a:lnRef>
-          <a:fillRef idx="1">
-            <a:schemeClr val="accent1"/>
-          </a:fillRef>
-          <a:effectRef idx="0">
-            <a:schemeClr val="accent1"/>
-          </a:effectRef>
-          <a:fontRef idx="minor">
-            <a:schemeClr val="lt1"/>
-          </a:fontRef>
-        </p:style>
-        <p:txBody>
-          <a:bodyPr rtlCol="0" anchor="ctr"/>
-          <a:lstStyle/>
-          <a:p>
-            <a:pPr marL="342900" indent="-342900">
-              <a:buFont typeface="Arial" panose="020B0604020202020204" pitchFamily="34" charset="0"/>
-              <a:buChar char="•"/>
-            </a:pPr>
-            <a:endParaRPr lang="en-US" altLang="ja-JP" sz="2200" dirty="0" smtClean="0">
-              <a:ln>
-                <a:solidFill>
-                  <a:schemeClr val="bg2">
-                    <a:lumMod val="50000"/>
-                  </a:schemeClr>
-                </a:solidFill>
-              </a:ln>
-              <a:solidFill>
-                <a:schemeClr val="tx1"/>
-              </a:solidFill>
-              <a:latin typeface="HG明朝B" panose="02020809000000000000" pitchFamily="17" charset="-128"/>
-              <a:ea typeface="HG明朝B" panose="02020809000000000000" pitchFamily="17" charset="-128"/>
-            </a:endParaRPr>
-          </a:p>
-          <a:p>
-            <a:endParaRPr lang="en-US" altLang="ja-JP" sz="2200" dirty="0" smtClean="0">
-              <a:ln>
-                <a:solidFill>
-                  <a:schemeClr val="bg2">
-                    <a:lumMod val="50000"/>
-                  </a:schemeClr>
-                </a:solidFill>
-              </a:ln>
-              <a:solidFill>
-                <a:schemeClr val="tx1"/>
-              </a:solidFill>
-              <a:latin typeface="HG明朝B" panose="02020809000000000000" pitchFamily="17" charset="-128"/>
-              <a:ea typeface="HG明朝B" panose="02020809000000000000" pitchFamily="17" charset="-128"/>
-            </a:endParaRPr>
-          </a:p>
-          <a:p>
-            <a:pPr marL="342900" indent="-342900">
-              <a:buFont typeface="Arial" panose="020B0604020202020204" pitchFamily="34" charset="0"/>
-              <a:buChar char="•"/>
-            </a:pPr>
-            <a:endParaRPr lang="en-US" altLang="ja-JP" sz="2200" dirty="0" smtClean="0">
-              <a:ln>
-                <a:solidFill>
-                  <a:schemeClr val="bg2">
-                    <a:lumMod val="50000"/>
-                  </a:schemeClr>
-                </a:solidFill>
-              </a:ln>
-              <a:solidFill>
-                <a:schemeClr val="tx1"/>
-              </a:solidFill>
-              <a:latin typeface="HG明朝B" panose="02020809000000000000" pitchFamily="17" charset="-128"/>
-              <a:ea typeface="HG明朝B" panose="02020809000000000000" pitchFamily="17" charset="-128"/>
-            </a:endParaRPr>
-          </a:p>
-          <a:p>
-            <a:pPr marL="342900" indent="-342900">
-              <a:buFont typeface="Arial" panose="020B0604020202020204" pitchFamily="34" charset="0"/>
-              <a:buChar char="•"/>
-            </a:pPr>
-            <a:endParaRPr lang="en-US" altLang="ja-JP" sz="2200" dirty="0" smtClean="0">
-              <a:ln>
-                <a:solidFill>
-                  <a:schemeClr val="bg2">
-                    <a:lumMod val="50000"/>
-                  </a:schemeClr>
-                </a:solidFill>
-              </a:ln>
-              <a:solidFill>
-                <a:schemeClr val="tx1"/>
-              </a:solidFill>
-              <a:latin typeface="HG明朝B" panose="02020809000000000000" pitchFamily="17" charset="-128"/>
-              <a:ea typeface="HG明朝B" panose="02020809000000000000" pitchFamily="17" charset="-128"/>
-            </a:endParaRPr>
-          </a:p>
-          <a:p>
-            <a:pPr marL="342900" indent="-342900">
-              <a:buFont typeface="Arial" panose="020B0604020202020204" pitchFamily="34" charset="0"/>
-              <a:buChar char="•"/>
-            </a:pPr>
-            <a:endParaRPr lang="en-US" altLang="ja-JP" sz="2200" dirty="0">
-              <a:ln>
-                <a:solidFill>
-                  <a:schemeClr val="bg2">
-                    <a:lumMod val="50000"/>
-                  </a:schemeClr>
-                </a:solidFill>
-              </a:ln>
-              <a:solidFill>
-                <a:schemeClr val="tx1"/>
-              </a:solidFill>
-              <a:latin typeface="HG明朝B" panose="02020809000000000000" pitchFamily="17" charset="-128"/>
-              <a:ea typeface="HG明朝B" panose="02020809000000000000" pitchFamily="17" charset="-128"/>
-            </a:endParaRPr>
-          </a:p>
-        </p:txBody>
-      </p:sp>
-      <p:sp>
-        <p:nvSpPr>
-          <p:cNvPr id="7" name="正方形/長方形 6"/>
-          <p:cNvSpPr/>
-          <p:nvPr/>
-        </p:nvSpPr>
-        <p:spPr>
-          <a:xfrm>
-            <a:off x="-22235" y="2352075"/>
-            <a:ext cx="6880235" cy="4494731"/>
+            <a:off x="243365" y="5886389"/>
+            <a:ext cx="6880235" cy="1708871"/>
           </a:xfrm>
           <a:prstGeom prst="rect">
             <a:avLst/>
@@ -3606,13 +3373,818 @@
       </p:sp>
       <p:sp>
         <p:nvSpPr>
+          <p:cNvPr id="54" name="正方形/長方形 53"/>
+          <p:cNvSpPr/>
+          <p:nvPr/>
+        </p:nvSpPr>
+        <p:spPr>
+          <a:xfrm>
+            <a:off x="153651" y="4003592"/>
+            <a:ext cx="6880235" cy="1882797"/>
+          </a:xfrm>
+          <a:prstGeom prst="rect">
+            <a:avLst/>
+          </a:prstGeom>
+          <a:gradFill>
+            <a:gsLst>
+              <a:gs pos="0">
+                <a:schemeClr val="bg1">
+                  <a:alpha val="0"/>
+                </a:schemeClr>
+              </a:gs>
+              <a:gs pos="16000">
+                <a:schemeClr val="bg1"/>
+              </a:gs>
+              <a:gs pos="83000">
+                <a:schemeClr val="bg1">
+                  <a:alpha val="88000"/>
+                </a:schemeClr>
+              </a:gs>
+              <a:gs pos="100000">
+                <a:schemeClr val="bg1">
+                  <a:alpha val="0"/>
+                </a:schemeClr>
+              </a:gs>
+            </a:gsLst>
+            <a:lin ang="0" scaled="1"/>
+          </a:gradFill>
+          <a:ln>
+            <a:noFill/>
+          </a:ln>
+        </p:spPr>
+        <p:style>
+          <a:lnRef idx="2">
+            <a:schemeClr val="accent1">
+              <a:shade val="50000"/>
+            </a:schemeClr>
+          </a:lnRef>
+          <a:fillRef idx="1">
+            <a:schemeClr val="accent1"/>
+          </a:fillRef>
+          <a:effectRef idx="0">
+            <a:schemeClr val="accent1"/>
+          </a:effectRef>
+          <a:fontRef idx="minor">
+            <a:schemeClr val="lt1"/>
+          </a:fontRef>
+        </p:style>
+        <p:txBody>
+          <a:bodyPr rtlCol="0" anchor="ctr"/>
+          <a:lstStyle/>
+          <a:p>
+            <a:endParaRPr lang="en-US" altLang="ja-JP" sz="2200" dirty="0" smtClean="0">
+              <a:ln>
+                <a:solidFill>
+                  <a:schemeClr val="bg2">
+                    <a:lumMod val="50000"/>
+                  </a:schemeClr>
+                </a:solidFill>
+              </a:ln>
+              <a:solidFill>
+                <a:schemeClr val="tx1"/>
+              </a:solidFill>
+              <a:latin typeface="HG明朝B" panose="02020809000000000000" pitchFamily="17" charset="-128"/>
+              <a:ea typeface="HG明朝B" panose="02020809000000000000" pitchFamily="17" charset="-128"/>
+            </a:endParaRPr>
+          </a:p>
+          <a:p>
+            <a:r>
+              <a:rPr lang="en-US" altLang="ja-JP" sz="2200" dirty="0" smtClean="0">
+                <a:ln>
+                  <a:solidFill>
+                    <a:schemeClr val="bg2">
+                      <a:lumMod val="50000"/>
+                    </a:schemeClr>
+                  </a:solidFill>
+                </a:ln>
+                <a:solidFill>
+                  <a:schemeClr val="tx1"/>
+                </a:solidFill>
+                <a:latin typeface="HG明朝B" panose="02020809000000000000" pitchFamily="17" charset="-128"/>
+                <a:ea typeface="HG明朝B" panose="02020809000000000000" pitchFamily="17" charset="-128"/>
+              </a:rPr>
+              <a:t> </a:t>
+            </a:r>
+          </a:p>
+        </p:txBody>
+      </p:sp>
+      <p:pic>
+        <p:nvPicPr>
+          <p:cNvPr id="61" name="図 60"/>
+          <p:cNvPicPr>
+            <a:picLocks noChangeAspect="1"/>
+          </p:cNvPicPr>
+          <p:nvPr/>
+        </p:nvPicPr>
+        <p:blipFill rotWithShape="1">
+          <a:blip r:embed="rId3">
+            <a:extLst>
+              <a:ext uri="{28A0092B-C50C-407E-A947-70E740481C1C}">
+                <a14:useLocalDpi xmlns:a14="http://schemas.microsoft.com/office/drawing/2010/main" val="0"/>
+              </a:ext>
+            </a:extLst>
+          </a:blip>
+          <a:srcRect t="13280" b="17159"/>
+          <a:stretch/>
+        </p:blipFill>
+        <p:spPr>
+          <a:xfrm>
+            <a:off x="-79257" y="7771950"/>
+            <a:ext cx="7054742" cy="2337346"/>
+          </a:xfrm>
+          <a:prstGeom prst="rect">
+            <a:avLst/>
+          </a:prstGeom>
+          <a:ln>
+            <a:noFill/>
+          </a:ln>
+          <a:effectLst>
+            <a:softEdge rad="112500"/>
+          </a:effectLst>
+        </p:spPr>
+      </p:pic>
+      <p:sp>
+        <p:nvSpPr>
+          <p:cNvPr id="4" name="テキスト ボックス 3"/>
+          <p:cNvSpPr txBox="1"/>
+          <p:nvPr/>
+        </p:nvSpPr>
+        <p:spPr>
+          <a:xfrm>
+            <a:off x="1165894" y="-28962"/>
+            <a:ext cx="2665592" cy="584775"/>
+          </a:xfrm>
+          <a:prstGeom prst="rect">
+            <a:avLst/>
+          </a:prstGeom>
+          <a:noFill/>
+        </p:spPr>
+        <p:txBody>
+          <a:bodyPr wrap="square" rtlCol="0">
+            <a:spAutoFit/>
+          </a:bodyPr>
+          <a:lstStyle/>
+          <a:p>
+            <a:pPr algn="ctr"/>
+            <a:r>
+              <a:rPr kumimoji="1" lang="en-US" altLang="ja-JP" sz="3200" dirty="0" smtClean="0">
+                <a:ln>
+                  <a:solidFill>
+                    <a:schemeClr val="accent4">
+                      <a:lumMod val="75000"/>
+                    </a:schemeClr>
+                  </a:solidFill>
+                </a:ln>
+                <a:effectLst>
+                  <a:reflection blurRad="6350" stA="60000" endA="900" endPos="58000" dir="5400000" sy="-100000" algn="bl" rotWithShape="0"/>
+                </a:effectLst>
+                <a:latin typeface="HG明朝B" panose="02020809000000000000" pitchFamily="17" charset="-128"/>
+                <a:ea typeface="HG明朝B" panose="02020809000000000000" pitchFamily="17" charset="-128"/>
+              </a:rPr>
+              <a:t>3D</a:t>
+            </a:r>
+            <a:r>
+              <a:rPr kumimoji="1" lang="ja-JP" altLang="en-US" sz="3200" dirty="0" smtClean="0">
+                <a:ln>
+                  <a:solidFill>
+                    <a:schemeClr val="accent4">
+                      <a:lumMod val="75000"/>
+                    </a:schemeClr>
+                  </a:solidFill>
+                </a:ln>
+                <a:effectLst>
+                  <a:reflection blurRad="6350" stA="60000" endA="900" endPos="58000" dir="5400000" sy="-100000" algn="bl" rotWithShape="0"/>
+                </a:effectLst>
+                <a:latin typeface="HG明朝B" panose="02020809000000000000" pitchFamily="17" charset="-128"/>
+                <a:ea typeface="HG明朝B" panose="02020809000000000000" pitchFamily="17" charset="-128"/>
+              </a:rPr>
+              <a:t>チーム制作</a:t>
+            </a:r>
+            <a:r>
+              <a:rPr kumimoji="1" lang="ja-JP" altLang="en-US" sz="2400" dirty="0" smtClean="0">
+                <a:ln>
+                  <a:solidFill>
+                    <a:schemeClr val="accent1">
+                      <a:lumMod val="75000"/>
+                    </a:schemeClr>
+                  </a:solidFill>
+                </a:ln>
+                <a:effectLst>
+                  <a:reflection blurRad="6350" stA="60000" endA="900" endPos="58000" dir="5400000" sy="-100000" algn="bl" rotWithShape="0"/>
+                </a:effectLst>
+              </a:rPr>
+              <a:t>　</a:t>
+            </a:r>
+            <a:endParaRPr kumimoji="1" lang="ja-JP" altLang="en-US" sz="2400" dirty="0">
+              <a:ln>
+                <a:solidFill>
+                  <a:schemeClr val="accent1">
+                    <a:lumMod val="75000"/>
+                  </a:schemeClr>
+                </a:solidFill>
+              </a:ln>
+              <a:effectLst>
+                <a:reflection blurRad="6350" stA="60000" endA="900" endPos="58000" dir="5400000" sy="-100000" algn="bl" rotWithShape="0"/>
+              </a:effectLst>
+            </a:endParaRPr>
+          </a:p>
+        </p:txBody>
+      </p:sp>
+      <p:grpSp>
+        <p:nvGrpSpPr>
+          <p:cNvPr id="50" name="グループ化 49"/>
+          <p:cNvGrpSpPr/>
+          <p:nvPr/>
+        </p:nvGrpSpPr>
+        <p:grpSpPr>
+          <a:xfrm>
+            <a:off x="673796" y="4077861"/>
+            <a:ext cx="3071327" cy="1821918"/>
+            <a:chOff x="41672" y="4758559"/>
+            <a:chExt cx="1589856" cy="993273"/>
+          </a:xfrm>
+          <a:effectLst>
+            <a:outerShdw blurRad="63500" sx="102000" sy="102000" algn="ctr" rotWithShape="0">
+              <a:prstClr val="black">
+                <a:alpha val="40000"/>
+              </a:prstClr>
+            </a:outerShdw>
+          </a:effectLst>
+        </p:grpSpPr>
+        <p:pic>
+          <p:nvPicPr>
+            <p:cNvPr id="19" name="図 18"/>
+            <p:cNvPicPr>
+              <a:picLocks noChangeAspect="1"/>
+            </p:cNvPicPr>
+            <p:nvPr/>
+          </p:nvPicPr>
+          <p:blipFill rotWithShape="1">
+            <a:blip r:embed="rId4" cstate="print">
+              <a:extLst>
+                <a:ext uri="{28A0092B-C50C-407E-A947-70E740481C1C}">
+                  <a14:useLocalDpi xmlns:a14="http://schemas.microsoft.com/office/drawing/2010/main" val="0"/>
+                </a:ext>
+              </a:extLst>
+            </a:blip>
+            <a:srcRect l="19487" t="15195" r="27522" b="13706"/>
+            <a:stretch/>
+          </p:blipFill>
+          <p:spPr>
+            <a:xfrm>
+              <a:off x="41672" y="4772276"/>
+              <a:ext cx="1589856" cy="979556"/>
+            </a:xfrm>
+            <a:prstGeom prst="rect">
+              <a:avLst/>
+            </a:prstGeom>
+            <a:ln>
+              <a:noFill/>
+            </a:ln>
+            <a:effectLst>
+              <a:softEdge rad="112500"/>
+            </a:effectLst>
+          </p:spPr>
+        </p:pic>
+        <p:pic>
+          <p:nvPicPr>
+            <p:cNvPr id="24" name="図 23"/>
+            <p:cNvPicPr>
+              <a:picLocks noChangeAspect="1"/>
+            </p:cNvPicPr>
+            <p:nvPr/>
+          </p:nvPicPr>
+          <p:blipFill rotWithShape="1">
+            <a:blip r:embed="rId5">
+              <a:extLst>
+                <a:ext uri="{28A0092B-C50C-407E-A947-70E740481C1C}">
+                  <a14:useLocalDpi xmlns:a14="http://schemas.microsoft.com/office/drawing/2010/main" val="0"/>
+                </a:ext>
+              </a:extLst>
+            </a:blip>
+            <a:srcRect l="41114" t="54731" r="46423" b="35345"/>
+            <a:stretch/>
+          </p:blipFill>
+          <p:spPr>
+            <a:xfrm>
+              <a:off x="94659" y="4804915"/>
+              <a:ext cx="188510" cy="150109"/>
+            </a:xfrm>
+            <a:prstGeom prst="rect">
+              <a:avLst/>
+            </a:prstGeom>
+          </p:spPr>
+        </p:pic>
+        <p:pic>
+          <p:nvPicPr>
+            <p:cNvPr id="27" name="図 26"/>
+            <p:cNvPicPr>
+              <a:picLocks noChangeAspect="1"/>
+            </p:cNvPicPr>
+            <p:nvPr/>
+          </p:nvPicPr>
+          <p:blipFill rotWithShape="1">
+            <a:blip r:embed="rId5">
+              <a:extLst>
+                <a:ext uri="{28A0092B-C50C-407E-A947-70E740481C1C}">
+                  <a14:useLocalDpi xmlns:a14="http://schemas.microsoft.com/office/drawing/2010/main" val="0"/>
+                </a:ext>
+              </a:extLst>
+            </a:blip>
+            <a:srcRect l="3263" t="52885" r="87275" b="33729"/>
+            <a:stretch/>
+          </p:blipFill>
+          <p:spPr>
+            <a:xfrm>
+              <a:off x="335042" y="4767609"/>
+              <a:ext cx="141940" cy="216141"/>
+            </a:xfrm>
+            <a:prstGeom prst="rect">
+              <a:avLst/>
+            </a:prstGeom>
+          </p:spPr>
+        </p:pic>
+        <p:pic>
+          <p:nvPicPr>
+            <p:cNvPr id="28" name="図 27"/>
+            <p:cNvPicPr>
+              <a:picLocks noChangeAspect="1"/>
+            </p:cNvPicPr>
+            <p:nvPr/>
+          </p:nvPicPr>
+          <p:blipFill rotWithShape="1">
+            <a:blip r:embed="rId5">
+              <a:extLst>
+                <a:ext uri="{28A0092B-C50C-407E-A947-70E740481C1C}">
+                  <a14:useLocalDpi xmlns:a14="http://schemas.microsoft.com/office/drawing/2010/main" val="0"/>
+                </a:ext>
+              </a:extLst>
+            </a:blip>
+            <a:srcRect l="3263" t="52885" r="87275" b="33729"/>
+            <a:stretch/>
+          </p:blipFill>
+          <p:spPr>
+            <a:xfrm>
+              <a:off x="533160" y="4758559"/>
+              <a:ext cx="147884" cy="225191"/>
+            </a:xfrm>
+            <a:prstGeom prst="rect">
+              <a:avLst/>
+            </a:prstGeom>
+          </p:spPr>
+        </p:pic>
+      </p:grpSp>
+      <p:sp>
+        <p:nvSpPr>
+          <p:cNvPr id="22" name="正方形/長方形 21"/>
+          <p:cNvSpPr/>
+          <p:nvPr/>
+        </p:nvSpPr>
+        <p:spPr>
+          <a:xfrm>
+            <a:off x="754109" y="3719104"/>
+            <a:ext cx="6083075" cy="383504"/>
+          </a:xfrm>
+          <a:prstGeom prst="rect">
+            <a:avLst/>
+          </a:prstGeom>
+          <a:gradFill flip="none" rotWithShape="1">
+            <a:gsLst>
+              <a:gs pos="100000">
+                <a:schemeClr val="tx1">
+                  <a:lumMod val="50000"/>
+                  <a:lumOff val="50000"/>
+                  <a:alpha val="20000"/>
+                </a:schemeClr>
+              </a:gs>
+              <a:gs pos="16000">
+                <a:srgbClr val="F8F8F8">
+                  <a:alpha val="60000"/>
+                </a:srgbClr>
+              </a:gs>
+            </a:gsLst>
+            <a:lin ang="16200000" scaled="1"/>
+            <a:tileRect/>
+          </a:gradFill>
+        </p:spPr>
+        <p:txBody>
+          <a:bodyPr wrap="square">
+            <a:spAutoFit/>
+          </a:bodyPr>
+          <a:lstStyle/>
+          <a:p>
+            <a:pPr>
+              <a:spcBef>
+                <a:spcPts val="100"/>
+              </a:spcBef>
+              <a:spcAft>
+                <a:spcPts val="100"/>
+              </a:spcAft>
+            </a:pPr>
+            <a:r>
+              <a:rPr lang="ja-JP" altLang="en-US" dirty="0" smtClean="0">
+                <a:ln>
+                  <a:solidFill>
+                    <a:schemeClr val="bg2">
+                      <a:lumMod val="50000"/>
+                    </a:schemeClr>
+                  </a:solidFill>
+                </a:ln>
+                <a:effectLst>
+                  <a:reflection blurRad="6350" stA="27000" endPos="45500" dir="5400000" sy="-100000" algn="bl" rotWithShape="0"/>
+                </a:effectLst>
+                <a:latin typeface="HG明朝B" panose="02020809000000000000" pitchFamily="17" charset="-128"/>
+                <a:ea typeface="HG明朝B" panose="02020809000000000000" pitchFamily="17" charset="-128"/>
+              </a:rPr>
+              <a:t>・</a:t>
+            </a:r>
+            <a:r>
+              <a:rPr lang="en-US" altLang="ja-JP" b="1" dirty="0">
+                <a:ln>
+                  <a:solidFill>
+                    <a:schemeClr val="bg2">
+                      <a:lumMod val="50000"/>
+                    </a:schemeClr>
+                  </a:solidFill>
+                </a:ln>
+                <a:solidFill>
+                  <a:srgbClr val="FF0000"/>
+                </a:solidFill>
+                <a:effectLst>
+                  <a:reflection blurRad="6350" stA="27000" endPos="45500" dir="5400000" sy="-100000" algn="bl" rotWithShape="0"/>
+                </a:effectLst>
+                <a:latin typeface="HG明朝B" panose="02020809000000000000" pitchFamily="17" charset="-128"/>
+                <a:ea typeface="HG明朝B" panose="02020809000000000000" pitchFamily="17" charset="-128"/>
+              </a:rPr>
+              <a:t>AI</a:t>
+            </a:r>
+            <a:r>
+              <a:rPr lang="ja-JP" altLang="en-US" b="1" dirty="0">
+                <a:ln>
+                  <a:solidFill>
+                    <a:schemeClr val="bg2">
+                      <a:lumMod val="50000"/>
+                    </a:schemeClr>
+                  </a:solidFill>
+                </a:ln>
+                <a:solidFill>
+                  <a:srgbClr val="FF0000"/>
+                </a:solidFill>
+                <a:effectLst>
+                  <a:reflection blurRad="6350" stA="27000" endPos="45500" dir="5400000" sy="-100000" algn="bl" rotWithShape="0"/>
+                </a:effectLst>
+                <a:latin typeface="HG明朝B" panose="02020809000000000000" pitchFamily="17" charset="-128"/>
+                <a:ea typeface="HG明朝B" panose="02020809000000000000" pitchFamily="17" charset="-128"/>
+              </a:rPr>
+              <a:t>ナビ</a:t>
+            </a:r>
+            <a:r>
+              <a:rPr lang="ja-JP" altLang="en-US" dirty="0">
+                <a:ln>
+                  <a:solidFill>
+                    <a:schemeClr val="bg2">
+                      <a:lumMod val="50000"/>
+                    </a:schemeClr>
+                  </a:solidFill>
+                </a:ln>
+                <a:effectLst>
+                  <a:reflection blurRad="6350" stA="27000" endPos="45500" dir="5400000" sy="-100000" algn="bl" rotWithShape="0"/>
+                </a:effectLst>
+                <a:latin typeface="HG明朝B" panose="02020809000000000000" pitchFamily="17" charset="-128"/>
+                <a:ea typeface="HG明朝B" panose="02020809000000000000" pitchFamily="17" charset="-128"/>
+              </a:rPr>
+              <a:t>がその場の状況に</a:t>
+            </a:r>
+            <a:r>
+              <a:rPr lang="ja-JP" altLang="en-US" dirty="0" smtClean="0">
+                <a:ln>
+                  <a:solidFill>
+                    <a:schemeClr val="bg2">
+                      <a:lumMod val="50000"/>
+                    </a:schemeClr>
+                  </a:solidFill>
+                </a:ln>
+                <a:effectLst>
+                  <a:reflection blurRad="6350" stA="27000" endPos="45500" dir="5400000" sy="-100000" algn="bl" rotWithShape="0"/>
+                </a:effectLst>
+                <a:latin typeface="HG明朝B" panose="02020809000000000000" pitchFamily="17" charset="-128"/>
+                <a:ea typeface="HG明朝B" panose="02020809000000000000" pitchFamily="17" charset="-128"/>
+              </a:rPr>
+              <a:t>応じて</a:t>
+            </a:r>
+            <a:r>
+              <a:rPr lang="ja-JP" altLang="en-US" b="1" u="sng" dirty="0" smtClean="0">
+                <a:ln>
+                  <a:solidFill>
+                    <a:schemeClr val="bg2">
+                      <a:lumMod val="50000"/>
+                    </a:schemeClr>
+                  </a:solidFill>
+                </a:ln>
+                <a:solidFill>
+                  <a:srgbClr val="FF0000"/>
+                </a:solidFill>
+                <a:effectLst>
+                  <a:reflection blurRad="6350" stA="27000" endPos="45500" dir="5400000" sy="-100000" algn="bl" rotWithShape="0"/>
+                </a:effectLst>
+                <a:latin typeface="HG明朝B" panose="02020809000000000000" pitchFamily="17" charset="-128"/>
+                <a:ea typeface="HG明朝B" panose="02020809000000000000" pitchFamily="17" charset="-128"/>
+              </a:rPr>
+              <a:t>コマンド</a:t>
+            </a:r>
+            <a:r>
+              <a:rPr lang="ja-JP" altLang="en-US" u="sng" dirty="0">
+                <a:ln>
+                  <a:solidFill>
+                    <a:schemeClr val="bg2">
+                      <a:lumMod val="50000"/>
+                    </a:schemeClr>
+                  </a:solidFill>
+                </a:ln>
+                <a:effectLst>
+                  <a:reflection blurRad="6350" stA="27000" endPos="45500" dir="5400000" sy="-100000" algn="bl" rotWithShape="0"/>
+                </a:effectLst>
+                <a:latin typeface="HG明朝B" panose="02020809000000000000" pitchFamily="17" charset="-128"/>
+                <a:ea typeface="HG明朝B" panose="02020809000000000000" pitchFamily="17" charset="-128"/>
+              </a:rPr>
+              <a:t>を表示</a:t>
+            </a:r>
+            <a:r>
+              <a:rPr lang="ja-JP" altLang="en-US" dirty="0">
+                <a:ln>
+                  <a:solidFill>
+                    <a:schemeClr val="bg2">
+                      <a:lumMod val="50000"/>
+                    </a:schemeClr>
+                  </a:solidFill>
+                </a:ln>
+                <a:effectLst>
+                  <a:reflection blurRad="6350" stA="27000" endPos="45500" dir="5400000" sy="-100000" algn="bl" rotWithShape="0"/>
+                </a:effectLst>
+                <a:latin typeface="HG明朝B" panose="02020809000000000000" pitchFamily="17" charset="-128"/>
+                <a:ea typeface="HG明朝B" panose="02020809000000000000" pitchFamily="17" charset="-128"/>
+              </a:rPr>
+              <a:t>する。</a:t>
+            </a:r>
+            <a:endParaRPr lang="en-US" altLang="ja-JP" dirty="0">
+              <a:ln>
+                <a:solidFill>
+                  <a:schemeClr val="bg2">
+                    <a:lumMod val="50000"/>
+                  </a:schemeClr>
+                </a:solidFill>
+              </a:ln>
+              <a:effectLst>
+                <a:reflection blurRad="6350" stA="27000" endPos="45500" dir="5400000" sy="-100000" algn="bl" rotWithShape="0"/>
+              </a:effectLst>
+              <a:latin typeface="HG明朝B" panose="02020809000000000000" pitchFamily="17" charset="-128"/>
+              <a:ea typeface="HG明朝B" panose="02020809000000000000" pitchFamily="17" charset="-128"/>
+            </a:endParaRPr>
+          </a:p>
+        </p:txBody>
+      </p:sp>
+      <p:sp>
+        <p:nvSpPr>
+          <p:cNvPr id="57" name="正方形/長方形 56"/>
+          <p:cNvSpPr/>
+          <p:nvPr/>
+        </p:nvSpPr>
+        <p:spPr>
+          <a:xfrm>
+            <a:off x="82449" y="5895744"/>
+            <a:ext cx="796997" cy="1656000"/>
+          </a:xfrm>
+          <a:prstGeom prst="rect">
+            <a:avLst/>
+          </a:prstGeom>
+          <a:gradFill flip="none" rotWithShape="1">
+            <a:gsLst>
+              <a:gs pos="7000">
+                <a:schemeClr val="tx1">
+                  <a:lumMod val="50000"/>
+                  <a:lumOff val="50000"/>
+                </a:schemeClr>
+              </a:gs>
+              <a:gs pos="95000">
+                <a:srgbClr val="F8F8F8">
+                  <a:alpha val="60000"/>
+                </a:srgbClr>
+              </a:gs>
+            </a:gsLst>
+            <a:lin ang="0" scaled="1"/>
+            <a:tileRect/>
+          </a:gradFill>
+          <a:ln>
+            <a:noFill/>
+          </a:ln>
+          <a:effectLst>
+            <a:outerShdw blurRad="50800" dist="38100" dir="5400000" algn="t" rotWithShape="0">
+              <a:prstClr val="black">
+                <a:alpha val="40000"/>
+              </a:prstClr>
+            </a:outerShdw>
+          </a:effectLst>
+        </p:spPr>
+        <p:txBody>
+          <a:bodyPr wrap="square">
+            <a:spAutoFit/>
+          </a:bodyPr>
+          <a:lstStyle/>
+          <a:p>
+            <a:pPr>
+              <a:spcBef>
+                <a:spcPts val="100"/>
+              </a:spcBef>
+              <a:spcAft>
+                <a:spcPts val="100"/>
+              </a:spcAft>
+            </a:pPr>
+            <a:endParaRPr lang="en-US" altLang="ja-JP" sz="2400" b="1" dirty="0">
+              <a:ln>
+                <a:solidFill>
+                  <a:srgbClr val="8D8D8D"/>
+                </a:solidFill>
+              </a:ln>
+              <a:latin typeface="HG明朝B" panose="02020809000000000000" pitchFamily="17" charset="-128"/>
+              <a:ea typeface="HG明朝B" panose="02020809000000000000" pitchFamily="17" charset="-128"/>
+            </a:endParaRPr>
+          </a:p>
+        </p:txBody>
+      </p:sp>
+      <p:sp>
+        <p:nvSpPr>
+          <p:cNvPr id="7" name="正方形/長方形 6"/>
+          <p:cNvSpPr/>
+          <p:nvPr/>
+        </p:nvSpPr>
+        <p:spPr>
+          <a:xfrm>
+            <a:off x="66379" y="1965838"/>
+            <a:ext cx="6880235" cy="1696898"/>
+          </a:xfrm>
+          <a:prstGeom prst="rect">
+            <a:avLst/>
+          </a:prstGeom>
+          <a:gradFill>
+            <a:gsLst>
+              <a:gs pos="0">
+                <a:schemeClr val="bg1">
+                  <a:alpha val="0"/>
+                </a:schemeClr>
+              </a:gs>
+              <a:gs pos="16000">
+                <a:schemeClr val="bg1"/>
+              </a:gs>
+              <a:gs pos="83000">
+                <a:schemeClr val="bg1">
+                  <a:alpha val="88000"/>
+                </a:schemeClr>
+              </a:gs>
+              <a:gs pos="100000">
+                <a:schemeClr val="bg1">
+                  <a:alpha val="0"/>
+                </a:schemeClr>
+              </a:gs>
+            </a:gsLst>
+            <a:lin ang="0" scaled="1"/>
+          </a:gradFill>
+          <a:ln>
+            <a:noFill/>
+          </a:ln>
+        </p:spPr>
+        <p:style>
+          <a:lnRef idx="2">
+            <a:schemeClr val="accent1">
+              <a:shade val="50000"/>
+            </a:schemeClr>
+          </a:lnRef>
+          <a:fillRef idx="1">
+            <a:schemeClr val="accent1"/>
+          </a:fillRef>
+          <a:effectRef idx="0">
+            <a:schemeClr val="accent1"/>
+          </a:effectRef>
+          <a:fontRef idx="minor">
+            <a:schemeClr val="lt1"/>
+          </a:fontRef>
+        </p:style>
+        <p:txBody>
+          <a:bodyPr rtlCol="0" anchor="ctr"/>
+          <a:lstStyle/>
+          <a:p>
+            <a:endParaRPr lang="en-US" altLang="ja-JP" sz="2200" dirty="0" smtClean="0">
+              <a:ln>
+                <a:solidFill>
+                  <a:schemeClr val="bg2">
+                    <a:lumMod val="50000"/>
+                  </a:schemeClr>
+                </a:solidFill>
+              </a:ln>
+              <a:solidFill>
+                <a:schemeClr val="tx1"/>
+              </a:solidFill>
+              <a:latin typeface="HG明朝B" panose="02020809000000000000" pitchFamily="17" charset="-128"/>
+              <a:ea typeface="HG明朝B" panose="02020809000000000000" pitchFamily="17" charset="-128"/>
+            </a:endParaRPr>
+          </a:p>
+          <a:p>
+            <a:r>
+              <a:rPr lang="en-US" altLang="ja-JP" sz="2200" dirty="0" smtClean="0">
+                <a:ln>
+                  <a:solidFill>
+                    <a:schemeClr val="bg2">
+                      <a:lumMod val="50000"/>
+                    </a:schemeClr>
+                  </a:solidFill>
+                </a:ln>
+                <a:solidFill>
+                  <a:schemeClr val="tx1"/>
+                </a:solidFill>
+                <a:latin typeface="HG明朝B" panose="02020809000000000000" pitchFamily="17" charset="-128"/>
+                <a:ea typeface="HG明朝B" panose="02020809000000000000" pitchFamily="17" charset="-128"/>
+              </a:rPr>
+              <a:t> </a:t>
+            </a:r>
+          </a:p>
+        </p:txBody>
+      </p:sp>
+      <p:sp>
+        <p:nvSpPr>
+          <p:cNvPr id="48" name="正方形/長方形 47"/>
+          <p:cNvSpPr/>
+          <p:nvPr/>
+        </p:nvSpPr>
+        <p:spPr>
+          <a:xfrm>
+            <a:off x="82449" y="3806537"/>
+            <a:ext cx="792359" cy="2016000"/>
+          </a:xfrm>
+          <a:prstGeom prst="rect">
+            <a:avLst/>
+          </a:prstGeom>
+          <a:gradFill flip="none" rotWithShape="1">
+            <a:gsLst>
+              <a:gs pos="7000">
+                <a:schemeClr val="tx1">
+                  <a:lumMod val="50000"/>
+                  <a:lumOff val="50000"/>
+                </a:schemeClr>
+              </a:gs>
+              <a:gs pos="95000">
+                <a:srgbClr val="F8F8F8">
+                  <a:alpha val="60000"/>
+                </a:srgbClr>
+              </a:gs>
+            </a:gsLst>
+            <a:lin ang="0" scaled="1"/>
+            <a:tileRect/>
+          </a:gradFill>
+          <a:ln>
+            <a:noFill/>
+          </a:ln>
+          <a:effectLst>
+            <a:outerShdw blurRad="50800" dist="38100" dir="5400000" algn="t" rotWithShape="0">
+              <a:prstClr val="black">
+                <a:alpha val="40000"/>
+              </a:prstClr>
+            </a:outerShdw>
+          </a:effectLst>
+        </p:spPr>
+        <p:txBody>
+          <a:bodyPr wrap="square">
+            <a:spAutoFit/>
+          </a:bodyPr>
+          <a:lstStyle/>
+          <a:p>
+            <a:pPr>
+              <a:spcBef>
+                <a:spcPts val="100"/>
+              </a:spcBef>
+              <a:spcAft>
+                <a:spcPts val="100"/>
+              </a:spcAft>
+            </a:pPr>
+            <a:endParaRPr lang="en-US" altLang="ja-JP" sz="2800" b="1" dirty="0">
+              <a:ln>
+                <a:solidFill>
+                  <a:srgbClr val="8D8D8D"/>
+                </a:solidFill>
+              </a:ln>
+              <a:latin typeface="HG明朝B" panose="02020809000000000000" pitchFamily="17" charset="-128"/>
+              <a:ea typeface="HG明朝B" panose="02020809000000000000" pitchFamily="17" charset="-128"/>
+            </a:endParaRPr>
+          </a:p>
+        </p:txBody>
+      </p:sp>
+      <p:sp>
+        <p:nvSpPr>
           <p:cNvPr id="10" name="テキスト ボックス 9"/>
           <p:cNvSpPr txBox="1"/>
           <p:nvPr/>
         </p:nvSpPr>
         <p:spPr>
           <a:xfrm>
-            <a:off x="4457847" y="-3119"/>
+            <a:off x="4423725" y="0"/>
             <a:ext cx="2400153" cy="646331"/>
           </a:xfrm>
           <a:prstGeom prst="rect">
@@ -3627,11 +4199,19 @@
           <a:lstStyle/>
           <a:p>
             <a:r>
-              <a:rPr kumimoji="1" lang="en-US" altLang="ja-JP" sz="3600" b="1" dirty="0" smtClean="0"/>
+              <a:rPr kumimoji="1" lang="en-US" altLang="ja-JP" sz="3600" b="1" dirty="0" smtClean="0">
+                <a:effectLst>
+                  <a:reflection blurRad="6350" stA="60000" endA="900" endPos="58000" dir="5400000" sy="-100000" algn="bl" rotWithShape="0"/>
+                </a:effectLst>
+              </a:rPr>
               <a:t>B</a:t>
             </a:r>
             <a:r>
-              <a:rPr kumimoji="1" lang="ja-JP" altLang="en-US" sz="2000" b="1" dirty="0" smtClean="0"/>
+              <a:rPr kumimoji="1" lang="ja-JP" altLang="en-US" sz="2000" b="1" dirty="0" smtClean="0">
+                <a:effectLst>
+                  <a:reflection blurRad="6350" stA="60000" endA="900" endPos="58000" dir="5400000" sy="-100000" algn="bl" rotWithShape="0"/>
+                </a:effectLst>
+              </a:rPr>
               <a:t>班　</a:t>
             </a:r>
             <a:r>
@@ -3643,22 +4223,41 @@
                     </a:schemeClr>
                   </a:solidFill>
                 </a:ln>
+                <a:effectLst>
+                  <a:reflection blurRad="6350" stA="60000" endA="900" endPos="58000" dir="5400000" sy="-100000" algn="bl" rotWithShape="0"/>
+                </a:effectLst>
               </a:rPr>
               <a:t>鈴</a:t>
             </a:r>
             <a:r>
-              <a:rPr kumimoji="1" lang="ja-JP" altLang="en-US" sz="2000" b="1" dirty="0" smtClean="0"/>
+              <a:rPr kumimoji="1" lang="ja-JP" altLang="en-US" sz="2000" b="1" dirty="0" smtClean="0">
+                <a:effectLst>
+                  <a:reflection blurRad="6350" stA="60000" endA="900" endPos="58000" dir="5400000" sy="-100000" algn="bl" rotWithShape="0"/>
+                </a:effectLst>
+              </a:rPr>
               <a:t>木</a:t>
             </a:r>
             <a:r>
-              <a:rPr kumimoji="1" lang="ja-JP" altLang="en-US" sz="2800" b="1" dirty="0" smtClean="0"/>
+              <a:rPr kumimoji="1" lang="ja-JP" altLang="en-US" sz="2800" b="1" dirty="0" smtClean="0">
+                <a:effectLst>
+                  <a:reflection blurRad="6350" stA="60000" endA="900" endPos="58000" dir="5400000" sy="-100000" algn="bl" rotWithShape="0"/>
+                </a:effectLst>
+              </a:rPr>
               <a:t>楓</a:t>
             </a:r>
             <a:r>
-              <a:rPr kumimoji="1" lang="ja-JP" altLang="en-US" sz="2000" b="1" dirty="0" smtClean="0"/>
+              <a:rPr kumimoji="1" lang="ja-JP" altLang="en-US" sz="2000" b="1" dirty="0" smtClean="0">
+                <a:effectLst>
+                  <a:reflection blurRad="6350" stA="60000" endA="900" endPos="58000" dir="5400000" sy="-100000" algn="bl" rotWithShape="0"/>
+                </a:effectLst>
+              </a:rPr>
               <a:t>汰</a:t>
             </a:r>
-            <a:endParaRPr kumimoji="1" lang="en-US" altLang="ja-JP" sz="2000" b="1" dirty="0" smtClean="0"/>
+            <a:endParaRPr kumimoji="1" lang="en-US" altLang="ja-JP" sz="2000" b="1" dirty="0" smtClean="0">
+              <a:effectLst>
+                <a:reflection blurRad="6350" stA="60000" endA="900" endPos="58000" dir="5400000" sy="-100000" algn="bl" rotWithShape="0"/>
+              </a:effectLst>
+            </a:endParaRPr>
           </a:p>
         </p:txBody>
       </p:sp>
@@ -3670,8 +4269,8 @@
         </p:nvSpPr>
         <p:spPr>
           <a:xfrm>
-            <a:off x="31503" y="1051682"/>
-            <a:ext cx="6880234" cy="909554"/>
+            <a:off x="36148" y="854110"/>
+            <a:ext cx="6880234" cy="868314"/>
           </a:xfrm>
           <a:prstGeom prst="rect">
             <a:avLst/>
@@ -3724,146 +4323,6 @@
           <a:bodyPr rtlCol="0" anchor="ctr"/>
           <a:lstStyle/>
           <a:p>
-            <a:r>
-              <a:rPr lang="en-US" altLang="ja-JP" sz="2000" b="1" dirty="0" smtClean="0">
-                <a:ln>
-                  <a:solidFill>
-                    <a:schemeClr val="bg1">
-                      <a:lumMod val="65000"/>
-                    </a:schemeClr>
-                  </a:solidFill>
-                </a:ln>
-                <a:solidFill>
-                  <a:schemeClr val="tx1">
-                    <a:lumMod val="95000"/>
-                    <a:lumOff val="5000"/>
-                  </a:schemeClr>
-                </a:solidFill>
-                <a:latin typeface="HG明朝B" panose="02020809000000000000" pitchFamily="17" charset="-128"/>
-                <a:ea typeface="HG明朝B" panose="02020809000000000000" pitchFamily="17" charset="-128"/>
-              </a:rPr>
-              <a:t>AI</a:t>
-            </a:r>
-            <a:r>
-              <a:rPr lang="ja-JP" altLang="en-US" sz="2000" b="1" dirty="0" smtClean="0">
-                <a:ln>
-                  <a:solidFill>
-                    <a:schemeClr val="bg1">
-                      <a:lumMod val="65000"/>
-                    </a:schemeClr>
-                  </a:solidFill>
-                </a:ln>
-                <a:solidFill>
-                  <a:schemeClr val="tx1">
-                    <a:lumMod val="95000"/>
-                    <a:lumOff val="5000"/>
-                  </a:schemeClr>
-                </a:solidFill>
-                <a:latin typeface="HG明朝B" panose="02020809000000000000" pitchFamily="17" charset="-128"/>
-                <a:ea typeface="HG明朝B" panose="02020809000000000000" pitchFamily="17" charset="-128"/>
-              </a:rPr>
-              <a:t>ナビと共にコマンドアクションを</a:t>
-            </a:r>
-            <a:r>
-              <a:rPr lang="ja-JP" altLang="en-US" sz="2000" b="1" dirty="0">
-                <a:ln>
-                  <a:solidFill>
-                    <a:schemeClr val="bg1">
-                      <a:lumMod val="65000"/>
-                    </a:schemeClr>
-                  </a:solidFill>
-                </a:ln>
-                <a:solidFill>
-                  <a:schemeClr val="tx1">
-                    <a:lumMod val="95000"/>
-                    <a:lumOff val="5000"/>
-                  </a:schemeClr>
-                </a:solidFill>
-                <a:latin typeface="HG明朝B" panose="02020809000000000000" pitchFamily="17" charset="-128"/>
-                <a:ea typeface="HG明朝B" panose="02020809000000000000" pitchFamily="17" charset="-128"/>
-              </a:rPr>
-              <a:t>巧みにこなし</a:t>
-            </a:r>
-            <a:r>
-              <a:rPr lang="ja-JP" altLang="en-US" sz="2000" b="1" dirty="0" smtClean="0">
-                <a:ln>
-                  <a:solidFill>
-                    <a:schemeClr val="bg1">
-                      <a:lumMod val="65000"/>
-                    </a:schemeClr>
-                  </a:solidFill>
-                </a:ln>
-                <a:solidFill>
-                  <a:schemeClr val="tx1">
-                    <a:lumMod val="95000"/>
-                    <a:lumOff val="5000"/>
-                  </a:schemeClr>
-                </a:solidFill>
-                <a:latin typeface="HG明朝B" panose="02020809000000000000" pitchFamily="17" charset="-128"/>
-                <a:ea typeface="HG明朝B" panose="02020809000000000000" pitchFamily="17" charset="-128"/>
-              </a:rPr>
-              <a:t>、爽快感</a:t>
-            </a:r>
-            <a:r>
-              <a:rPr lang="ja-JP" altLang="en-US" sz="2000" b="1" dirty="0">
-                <a:ln>
-                  <a:solidFill>
-                    <a:schemeClr val="bg1">
-                      <a:lumMod val="65000"/>
-                    </a:schemeClr>
-                  </a:solidFill>
-                </a:ln>
-                <a:solidFill>
-                  <a:schemeClr val="tx1">
-                    <a:lumMod val="95000"/>
-                    <a:lumOff val="5000"/>
-                  </a:schemeClr>
-                </a:solidFill>
-                <a:latin typeface="HG明朝B" panose="02020809000000000000" pitchFamily="17" charset="-128"/>
-                <a:ea typeface="HG明朝B" panose="02020809000000000000" pitchFamily="17" charset="-128"/>
-              </a:rPr>
-              <a:t>や達成感を</a:t>
-            </a:r>
-            <a:r>
-              <a:rPr lang="ja-JP" altLang="en-US" sz="2000" b="1" dirty="0" smtClean="0">
-                <a:ln>
-                  <a:solidFill>
-                    <a:schemeClr val="bg1">
-                      <a:lumMod val="65000"/>
-                    </a:schemeClr>
-                  </a:solidFill>
-                </a:ln>
-                <a:solidFill>
-                  <a:schemeClr val="tx1">
-                    <a:lumMod val="95000"/>
-                    <a:lumOff val="5000"/>
-                  </a:schemeClr>
-                </a:solidFill>
-                <a:latin typeface="HG明朝B" panose="02020809000000000000" pitchFamily="17" charset="-128"/>
-                <a:ea typeface="HG明朝B" panose="02020809000000000000" pitchFamily="17" charset="-128"/>
-              </a:rPr>
-              <a:t>与える</a:t>
-            </a:r>
-            <a:r>
-              <a:rPr lang="ja-JP" altLang="en-US" sz="2000" b="1" dirty="0">
-                <a:ln>
-                  <a:solidFill>
-                    <a:schemeClr val="bg1">
-                      <a:lumMod val="65000"/>
-                    </a:schemeClr>
-                  </a:solidFill>
-                </a:ln>
-                <a:solidFill>
-                  <a:schemeClr val="tx1">
-                    <a:lumMod val="95000"/>
-                    <a:lumOff val="5000"/>
-                  </a:schemeClr>
-                </a:solidFill>
-                <a:latin typeface="HG明朝B" panose="02020809000000000000" pitchFamily="17" charset="-128"/>
-                <a:ea typeface="HG明朝B" panose="02020809000000000000" pitchFamily="17" charset="-128"/>
-              </a:rPr>
-              <a:t>。</a:t>
-            </a:r>
             <a:endParaRPr lang="en-US" altLang="ja-JP" sz="2000" b="1" dirty="0" smtClean="0">
               <a:ln>
                 <a:solidFill>
@@ -3892,7 +4351,7 @@
         </p:nvSpPr>
         <p:spPr>
           <a:xfrm>
-            <a:off x="31503" y="322253"/>
+            <a:off x="208419" y="194285"/>
             <a:ext cx="1768722" cy="1015663"/>
           </a:xfrm>
           <a:prstGeom prst="rect">
@@ -3913,106 +4372,38 @@
                     <a:lumMod val="50000"/>
                   </a:schemeClr>
                 </a:solidFill>
+                <a:effectLst>
+                  <a:outerShdw dist="50800" algn="l" rotWithShape="0">
+                    <a:prstClr val="black">
+                      <a:alpha val="20000"/>
+                    </a:prstClr>
+                  </a:outerShdw>
+                </a:effectLst>
                 <a:latin typeface="Bernard MT Condensed" panose="02050806060905020404" pitchFamily="18" charset="0"/>
               </a:rPr>
               <a:t>C</a:t>
             </a:r>
             <a:r>
               <a:rPr kumimoji="1" lang="en-US" altLang="ja-JP" sz="2800" dirty="0" smtClean="0">
+                <a:effectLst>
+                  <a:outerShdw dist="50800" algn="l" rotWithShape="0">
+                    <a:prstClr val="black">
+                      <a:alpha val="20000"/>
+                    </a:prstClr>
+                  </a:outerShdw>
+                </a:effectLst>
                 <a:latin typeface="Bernard MT Condensed" panose="02050806060905020404" pitchFamily="18" charset="0"/>
               </a:rPr>
               <a:t>oncept</a:t>
             </a:r>
             <a:endParaRPr kumimoji="1" lang="ja-JP" altLang="en-US" sz="2800" dirty="0">
-              <a:latin typeface="Bernard MT Condensed" panose="02050806060905020404" pitchFamily="18" charset="0"/>
-            </a:endParaRPr>
-          </a:p>
-        </p:txBody>
-      </p:sp>
-      <p:sp>
-        <p:nvSpPr>
-          <p:cNvPr id="5" name="テキスト ボックス 4"/>
-          <p:cNvSpPr txBox="1"/>
-          <p:nvPr/>
-        </p:nvSpPr>
-        <p:spPr>
-          <a:xfrm>
-            <a:off x="-72404" y="6743418"/>
-            <a:ext cx="1872629" cy="1107996"/>
-          </a:xfrm>
-          <a:prstGeom prst="rect">
-            <a:avLst/>
-          </a:prstGeom>
-          <a:noFill/>
-        </p:spPr>
-        <p:txBody>
-          <a:bodyPr wrap="none" rtlCol="0">
-            <a:spAutoFit/>
-          </a:bodyPr>
-          <a:lstStyle/>
-          <a:p>
-            <a:r>
-              <a:rPr lang="en-US" altLang="ja-JP" sz="6600" dirty="0" smtClean="0">
-                <a:solidFill>
-                  <a:schemeClr val="bg2">
-                    <a:lumMod val="50000"/>
-                  </a:schemeClr>
-                </a:solidFill>
-                <a:latin typeface="Bernard MT Condensed" panose="02050806060905020404" pitchFamily="18" charset="0"/>
-                <a:ea typeface="HGP行書体" panose="03000600000000000000" pitchFamily="66" charset="-128"/>
-              </a:rPr>
-              <a:t>O</a:t>
-            </a:r>
-            <a:r>
-              <a:rPr lang="en-US" altLang="ja-JP" sz="3200" dirty="0" smtClean="0">
-                <a:latin typeface="Bernard MT Condensed" panose="02050806060905020404" pitchFamily="18" charset="0"/>
-                <a:ea typeface="HGP行書体" panose="03000600000000000000" pitchFamily="66" charset="-128"/>
-              </a:rPr>
-              <a:t>verview</a:t>
-            </a:r>
-          </a:p>
-        </p:txBody>
-      </p:sp>
-      <p:sp>
-        <p:nvSpPr>
-          <p:cNvPr id="9" name="テキスト ボックス 8"/>
-          <p:cNvSpPr txBox="1"/>
-          <p:nvPr/>
-        </p:nvSpPr>
-        <p:spPr>
-          <a:xfrm>
-            <a:off x="5408063" y="1639571"/>
-            <a:ext cx="1404552" cy="1107996"/>
-          </a:xfrm>
-          <a:prstGeom prst="rect">
-            <a:avLst/>
-          </a:prstGeom>
-          <a:noFill/>
-        </p:spPr>
-        <p:txBody>
-          <a:bodyPr wrap="none" rtlCol="0">
-            <a:spAutoFit/>
-          </a:bodyPr>
-          <a:lstStyle/>
-          <a:p>
-            <a:r>
-              <a:rPr lang="en-US" altLang="ja-JP" sz="6600" dirty="0" smtClean="0">
-                <a:solidFill>
-                  <a:schemeClr val="bg2">
-                    <a:lumMod val="50000"/>
-                  </a:schemeClr>
-                </a:solidFill>
-                <a:latin typeface="Bernard MT Condensed" panose="02050806060905020404" pitchFamily="18" charset="0"/>
-              </a:rPr>
-              <a:t>S</a:t>
-            </a:r>
-            <a:r>
-              <a:rPr lang="en-US" altLang="ja-JP" sz="3200" dirty="0" smtClean="0">
-                <a:latin typeface="Bernard MT Condensed" panose="02050806060905020404" pitchFamily="18" charset="0"/>
-              </a:rPr>
-              <a:t>ystem</a:t>
-            </a:r>
-            <a:endParaRPr kumimoji="1" lang="ja-JP" altLang="en-US" sz="3200" dirty="0">
+              <a:effectLst>
+                <a:outerShdw dist="50800" algn="l" rotWithShape="0">
+                  <a:prstClr val="black">
+                    <a:alpha val="20000"/>
+                  </a:prstClr>
+                </a:outerShdw>
+              </a:effectLst>
               <a:latin typeface="Bernard MT Condensed" panose="02050806060905020404" pitchFamily="18" charset="0"/>
             </a:endParaRPr>
           </a:p>
@@ -4026,8 +4417,8 @@
         </p:nvSpPr>
         <p:spPr>
           <a:xfrm>
-            <a:off x="31503" y="2352076"/>
-            <a:ext cx="6597374" cy="3426579"/>
+            <a:off x="-22235" y="2352076"/>
+            <a:ext cx="6880235" cy="3216265"/>
           </a:xfrm>
           <a:prstGeom prst="rect">
             <a:avLst/>
@@ -4048,47 +4439,16 @@
               </a:spcAft>
             </a:pPr>
             <a:r>
-              <a:rPr lang="en-US" altLang="ja-JP" sz="2000" dirty="0" smtClean="0">
-                <a:ln>
-                  <a:solidFill>
-                    <a:schemeClr val="bg2">
-                      <a:lumMod val="50000"/>
-                    </a:schemeClr>
-                  </a:solidFill>
-                </a:ln>
+              <a:rPr lang="ja-JP" altLang="en-US" dirty="0" smtClean="0">
                 <a:latin typeface="HG明朝B" panose="02020809000000000000" pitchFamily="17" charset="-128"/>
                 <a:ea typeface="HG明朝B" panose="02020809000000000000" pitchFamily="17" charset="-128"/>
               </a:rPr>
-              <a:t>-</a:t>
-            </a:r>
-            <a:r>
-              <a:rPr lang="ja-JP" altLang="en-US" sz="2000" dirty="0">
-                <a:ln>
-                  <a:solidFill>
-                    <a:schemeClr val="bg2">
-                      <a:lumMod val="50000"/>
-                    </a:schemeClr>
-                  </a:solidFill>
-                </a:ln>
-                <a:latin typeface="HG明朝B" panose="02020809000000000000" pitchFamily="17" charset="-128"/>
-                <a:ea typeface="HG明朝B" panose="02020809000000000000" pitchFamily="17" charset="-128"/>
-              </a:rPr>
-              <a:t>武器</a:t>
-            </a:r>
-            <a:r>
-              <a:rPr lang="en-US" altLang="ja-JP" sz="2000" dirty="0" smtClean="0">
-                <a:ln>
-                  <a:solidFill>
-                    <a:schemeClr val="bg2">
-                      <a:lumMod val="50000"/>
-                    </a:schemeClr>
-                  </a:solidFill>
-                </a:ln>
-                <a:latin typeface="HG明朝B" panose="02020809000000000000" pitchFamily="17" charset="-128"/>
-                <a:ea typeface="HG明朝B" panose="02020809000000000000" pitchFamily="17" charset="-128"/>
-              </a:rPr>
-              <a:t>-</a:t>
-            </a:r>
+              <a:t>  </a:t>
+            </a:r>
+            <a:endParaRPr lang="en-US" altLang="ja-JP" dirty="0">
+              <a:latin typeface="HG明朝B" panose="02020809000000000000" pitchFamily="17" charset="-128"/>
+              <a:ea typeface="HG明朝B" panose="02020809000000000000" pitchFamily="17" charset="-128"/>
+            </a:endParaRPr>
           </a:p>
           <a:p>
             <a:pPr>
@@ -4099,6 +4459,306 @@
                 <a:spcPts val="100"/>
               </a:spcAft>
             </a:pPr>
+            <a:endParaRPr lang="en-US" altLang="ja-JP" dirty="0" smtClean="0">
+              <a:latin typeface="HG明朝B" panose="02020809000000000000" pitchFamily="17" charset="-128"/>
+              <a:ea typeface="HG明朝B" panose="02020809000000000000" pitchFamily="17" charset="-128"/>
+            </a:endParaRPr>
+          </a:p>
+          <a:p>
+            <a:pPr>
+              <a:spcBef>
+                <a:spcPts val="100"/>
+              </a:spcBef>
+              <a:spcAft>
+                <a:spcPts val="100"/>
+              </a:spcAft>
+            </a:pPr>
+            <a:endParaRPr lang="en-US" altLang="ja-JP" dirty="0" smtClean="0">
+              <a:latin typeface="HG明朝B" panose="02020809000000000000" pitchFamily="17" charset="-128"/>
+              <a:ea typeface="HG明朝B" panose="02020809000000000000" pitchFamily="17" charset="-128"/>
+            </a:endParaRPr>
+          </a:p>
+          <a:p>
+            <a:pPr>
+              <a:spcBef>
+                <a:spcPts val="100"/>
+              </a:spcBef>
+              <a:spcAft>
+                <a:spcPts val="100"/>
+              </a:spcAft>
+            </a:pPr>
+            <a:endParaRPr lang="en-US" altLang="ja-JP" dirty="0" smtClean="0">
+              <a:latin typeface="HG明朝B" panose="02020809000000000000" pitchFamily="17" charset="-128"/>
+              <a:ea typeface="HG明朝B" panose="02020809000000000000" pitchFamily="17" charset="-128"/>
+            </a:endParaRPr>
+          </a:p>
+          <a:p>
+            <a:pPr>
+              <a:spcBef>
+                <a:spcPts val="100"/>
+              </a:spcBef>
+              <a:spcAft>
+                <a:spcPts val="100"/>
+              </a:spcAft>
+            </a:pPr>
+            <a:endParaRPr lang="en-US" altLang="ja-JP" sz="2000" dirty="0" smtClean="0">
+              <a:latin typeface="HG明朝B" panose="02020809000000000000" pitchFamily="17" charset="-128"/>
+              <a:ea typeface="HG明朝B" panose="02020809000000000000" pitchFamily="17" charset="-128"/>
+            </a:endParaRPr>
+          </a:p>
+          <a:p>
+            <a:pPr>
+              <a:spcBef>
+                <a:spcPts val="100"/>
+              </a:spcBef>
+              <a:spcAft>
+                <a:spcPts val="100"/>
+              </a:spcAft>
+            </a:pPr>
+            <a:endParaRPr lang="en-US" altLang="ja-JP" sz="2000" dirty="0">
+              <a:latin typeface="HG明朝B" panose="02020809000000000000" pitchFamily="17" charset="-128"/>
+              <a:ea typeface="HG明朝B" panose="02020809000000000000" pitchFamily="17" charset="-128"/>
+            </a:endParaRPr>
+          </a:p>
+          <a:p>
+            <a:pPr>
+              <a:spcBef>
+                <a:spcPts val="100"/>
+              </a:spcBef>
+              <a:spcAft>
+                <a:spcPts val="100"/>
+              </a:spcAft>
+            </a:pPr>
+            <a:endParaRPr lang="en-US" altLang="ja-JP" sz="2000" dirty="0" smtClean="0">
+              <a:latin typeface="HG明朝B" panose="02020809000000000000" pitchFamily="17" charset="-128"/>
+              <a:ea typeface="HG明朝B" panose="02020809000000000000" pitchFamily="17" charset="-128"/>
+            </a:endParaRPr>
+          </a:p>
+          <a:p>
+            <a:pPr>
+              <a:spcBef>
+                <a:spcPts val="100"/>
+              </a:spcBef>
+              <a:spcAft>
+                <a:spcPts val="100"/>
+              </a:spcAft>
+            </a:pPr>
+            <a:endParaRPr lang="en-US" altLang="ja-JP" sz="2000" dirty="0">
+              <a:latin typeface="HG明朝B" panose="02020809000000000000" pitchFamily="17" charset="-128"/>
+              <a:ea typeface="HG明朝B" panose="02020809000000000000" pitchFamily="17" charset="-128"/>
+            </a:endParaRPr>
+          </a:p>
+          <a:p>
+            <a:pPr>
+              <a:spcBef>
+                <a:spcPts val="100"/>
+              </a:spcBef>
+              <a:spcAft>
+                <a:spcPts val="100"/>
+              </a:spcAft>
+            </a:pPr>
+            <a:endParaRPr lang="en-US" altLang="ja-JP" dirty="0" smtClean="0">
+              <a:latin typeface="HG明朝B" panose="02020809000000000000" pitchFamily="17" charset="-128"/>
+              <a:ea typeface="HG明朝B" panose="02020809000000000000" pitchFamily="17" charset="-128"/>
+            </a:endParaRPr>
+          </a:p>
+          <a:p>
+            <a:pPr>
+              <a:spcBef>
+                <a:spcPts val="100"/>
+              </a:spcBef>
+              <a:spcAft>
+                <a:spcPts val="100"/>
+              </a:spcAft>
+            </a:pPr>
+            <a:endParaRPr lang="en-US" altLang="ja-JP" dirty="0">
+              <a:latin typeface="HG明朝B" panose="02020809000000000000" pitchFamily="17" charset="-128"/>
+              <a:ea typeface="HG明朝B" panose="02020809000000000000" pitchFamily="17" charset="-128"/>
+            </a:endParaRPr>
+          </a:p>
+        </p:txBody>
+      </p:sp>
+      <p:sp>
+        <p:nvSpPr>
+          <p:cNvPr id="59" name="正方形/長方形 58"/>
+          <p:cNvSpPr>
+            <a:spLocks/>
+          </p:cNvSpPr>
+          <p:nvPr/>
+        </p:nvSpPr>
+        <p:spPr>
+          <a:xfrm>
+            <a:off x="108174" y="1990280"/>
+            <a:ext cx="756165" cy="1656000"/>
+          </a:xfrm>
+          <a:prstGeom prst="rect">
+            <a:avLst/>
+          </a:prstGeom>
+          <a:gradFill flip="none" rotWithShape="1">
+            <a:gsLst>
+              <a:gs pos="7000">
+                <a:schemeClr val="tx1">
+                  <a:lumMod val="50000"/>
+                  <a:lumOff val="50000"/>
+                </a:schemeClr>
+              </a:gs>
+              <a:gs pos="95000">
+                <a:srgbClr val="F8F8F8">
+                  <a:alpha val="60000"/>
+                </a:srgbClr>
+              </a:gs>
+            </a:gsLst>
+            <a:lin ang="0" scaled="1"/>
+            <a:tileRect/>
+          </a:gradFill>
+          <a:ln>
+            <a:noFill/>
+          </a:ln>
+          <a:effectLst>
+            <a:outerShdw blurRad="50800" dist="38100" dir="5400000" algn="t" rotWithShape="0">
+              <a:prstClr val="black">
+                <a:alpha val="40000"/>
+              </a:prstClr>
+            </a:outerShdw>
+          </a:effectLst>
+        </p:spPr>
+        <p:txBody>
+          <a:bodyPr wrap="square">
+            <a:spAutoFit/>
+          </a:bodyPr>
+          <a:lstStyle/>
+          <a:p>
+            <a:pPr>
+              <a:spcBef>
+                <a:spcPts val="100"/>
+              </a:spcBef>
+              <a:spcAft>
+                <a:spcPts val="100"/>
+              </a:spcAft>
+            </a:pPr>
+            <a:endParaRPr lang="en-US" altLang="ja-JP" sz="2400" b="1" dirty="0">
+              <a:ln>
+                <a:solidFill>
+                  <a:srgbClr val="8D8D8D"/>
+                </a:solidFill>
+              </a:ln>
+              <a:latin typeface="HG明朝B" panose="02020809000000000000" pitchFamily="17" charset="-128"/>
+              <a:ea typeface="HG明朝B" panose="02020809000000000000" pitchFamily="17" charset="-128"/>
+            </a:endParaRPr>
+          </a:p>
+        </p:txBody>
+      </p:sp>
+      <p:sp>
+        <p:nvSpPr>
+          <p:cNvPr id="16" name="正方形/長方形 15"/>
+          <p:cNvSpPr/>
+          <p:nvPr/>
+        </p:nvSpPr>
+        <p:spPr>
+          <a:xfrm>
+            <a:off x="377922" y="7499639"/>
+            <a:ext cx="5964263" cy="369332"/>
+          </a:xfrm>
+          <a:prstGeom prst="rect">
+            <a:avLst/>
+          </a:prstGeom>
+        </p:spPr>
+        <p:txBody>
+          <a:bodyPr wrap="square">
+            <a:spAutoFit/>
+          </a:bodyPr>
+          <a:lstStyle/>
+          <a:p>
+            <a:endParaRPr lang="en-US" altLang="ja-JP" dirty="0">
+              <a:ln>
+                <a:solidFill>
+                  <a:schemeClr val="bg2">
+                    <a:lumMod val="50000"/>
+                  </a:schemeClr>
+                </a:solidFill>
+              </a:ln>
+              <a:latin typeface="HG明朝B" panose="02020809000000000000" pitchFamily="17" charset="-128"/>
+              <a:ea typeface="HG明朝B" panose="02020809000000000000" pitchFamily="17" charset="-128"/>
+            </a:endParaRPr>
+          </a:p>
+        </p:txBody>
+      </p:sp>
+      <p:pic>
+        <p:nvPicPr>
+          <p:cNvPr id="15" name="図 14"/>
+          <p:cNvPicPr>
+            <a:picLocks noChangeAspect="1"/>
+          </p:cNvPicPr>
+          <p:nvPr/>
+        </p:nvPicPr>
+        <p:blipFill rotWithShape="1">
+          <a:blip r:embed="rId6" cstate="print">
+            <a:extLst>
+              <a:ext uri="{28A0092B-C50C-407E-A947-70E740481C1C}">
+                <a14:useLocalDpi xmlns:a14="http://schemas.microsoft.com/office/drawing/2010/main" val="0"/>
+              </a:ext>
+            </a:extLst>
+          </a:blip>
+          <a:srcRect l="21091" r="258"/>
+          <a:stretch/>
+        </p:blipFill>
+        <p:spPr>
+          <a:xfrm>
+            <a:off x="950934" y="1942442"/>
+            <a:ext cx="2748498" cy="1736970"/>
+          </a:xfrm>
+          <a:prstGeom prst="rect">
+            <a:avLst/>
+          </a:prstGeom>
+          <a:ln>
+            <a:noFill/>
+          </a:ln>
+          <a:effectLst>
+            <a:outerShdw blurRad="63500" sx="102000" sy="102000" algn="ctr" rotWithShape="0">
+              <a:prstClr val="black">
+                <a:alpha val="40000"/>
+              </a:prstClr>
+            </a:outerShdw>
+            <a:softEdge rad="112500"/>
+          </a:effectLst>
+        </p:spPr>
+      </p:pic>
+      <p:sp>
+        <p:nvSpPr>
+          <p:cNvPr id="11" name="正方形/長方形 10"/>
+          <p:cNvSpPr/>
+          <p:nvPr/>
+        </p:nvSpPr>
+        <p:spPr>
+          <a:xfrm>
+            <a:off x="2255718" y="2997707"/>
+            <a:ext cx="1338050" cy="646331"/>
+          </a:xfrm>
+          <a:prstGeom prst="rect">
+            <a:avLst/>
+          </a:prstGeom>
+          <a:solidFill>
+            <a:schemeClr val="bg1"/>
+          </a:solidFill>
+          <a:ln>
+            <a:solidFill>
+              <a:schemeClr val="tx1"/>
+            </a:solidFill>
+          </a:ln>
+          <a:effectLst>
+            <a:outerShdw blurRad="50800" dist="38100" dir="2700000" algn="tl" rotWithShape="0">
+              <a:prstClr val="black">
+                <a:alpha val="40000"/>
+              </a:prstClr>
+            </a:outerShdw>
+          </a:effectLst>
+        </p:spPr>
+        <p:txBody>
+          <a:bodyPr wrap="square">
+            <a:spAutoFit/>
+          </a:bodyPr>
+          <a:lstStyle/>
+          <a:p>
             <a:r>
               <a:rPr lang="ja-JP" altLang="en-US" dirty="0" smtClean="0">
                 <a:ln>
@@ -4111,8 +4771,21 @@
                 <a:latin typeface="HG明朝B" panose="02020809000000000000" pitchFamily="17" charset="-128"/>
                 <a:ea typeface="HG明朝B" panose="02020809000000000000" pitchFamily="17" charset="-128"/>
               </a:rPr>
-              <a:t> ・武器</a:t>
-            </a:r>
+              <a:t>単体対象</a:t>
+            </a:r>
+            <a:endParaRPr lang="en-US" altLang="ja-JP" dirty="0" smtClean="0">
+              <a:ln>
+                <a:solidFill>
+                  <a:schemeClr val="bg2">
+                    <a:lumMod val="50000"/>
+                  </a:schemeClr>
+                </a:solidFill>
+              </a:ln>
+              <a:latin typeface="HG明朝B" panose="02020809000000000000" pitchFamily="17" charset="-128"/>
+              <a:ea typeface="HG明朝B" panose="02020809000000000000" pitchFamily="17" charset="-128"/>
+            </a:endParaRPr>
+          </a:p>
+          <a:p>
             <a:r>
               <a:rPr lang="ja-JP" altLang="en-US" dirty="0">
                 <a:ln>
@@ -4125,7 +4798,7 @@
                 <a:latin typeface="HG明朝B" panose="02020809000000000000" pitchFamily="17" charset="-128"/>
                 <a:ea typeface="HG明朝B" panose="02020809000000000000" pitchFamily="17" charset="-128"/>
               </a:rPr>
-              <a:t>は二</a:t>
+              <a:t>隙が無い　</a:t>
             </a:r>
             <a:r>
               <a:rPr lang="ja-JP" altLang="en-US" dirty="0" smtClean="0">
@@ -4139,9 +4812,9 @@
                 <a:latin typeface="HG明朝B" panose="02020809000000000000" pitchFamily="17" charset="-128"/>
                 <a:ea typeface="HG明朝B" panose="02020809000000000000" pitchFamily="17" charset="-128"/>
               </a:rPr>
-              <a:t>種類</a:t>
-            </a:r>
-            <a:endParaRPr lang="en-US" altLang="ja-JP" dirty="0" smtClean="0">
+              <a:t>　　　 </a:t>
+            </a:r>
+            <a:endParaRPr lang="en-US" altLang="ja-JP" dirty="0">
               <a:ln>
                 <a:solidFill>
                   <a:schemeClr val="bg2">
@@ -4153,6 +4826,83 @@
               <a:ea typeface="HG明朝B" panose="02020809000000000000" pitchFamily="17" charset="-128"/>
             </a:endParaRPr>
           </a:p>
+        </p:txBody>
+      </p:sp>
+      <p:pic>
+        <p:nvPicPr>
+          <p:cNvPr id="18" name="図 17"/>
+          <p:cNvPicPr>
+            <a:picLocks noChangeAspect="1"/>
+          </p:cNvPicPr>
+          <p:nvPr/>
+        </p:nvPicPr>
+        <p:blipFill rotWithShape="1">
+          <a:blip r:embed="rId7" cstate="print">
+            <a:extLst>
+              <a:ext uri="{28A0092B-C50C-407E-A947-70E740481C1C}">
+                <a14:useLocalDpi xmlns:a14="http://schemas.microsoft.com/office/drawing/2010/main" val="0"/>
+              </a:ext>
+            </a:extLst>
+          </a:blip>
+          <a:srcRect l="8547"/>
+          <a:stretch/>
+        </p:blipFill>
+        <p:spPr>
+          <a:xfrm>
+            <a:off x="3684479" y="1948766"/>
+            <a:ext cx="3231903" cy="1766975"/>
+          </a:xfrm>
+          <a:prstGeom prst="rect">
+            <a:avLst/>
+          </a:prstGeom>
+          <a:ln>
+            <a:noFill/>
+          </a:ln>
+          <a:effectLst>
+            <a:outerShdw blurRad="63500" sx="102000" sy="102000" algn="ctr" rotWithShape="0">
+              <a:prstClr val="black">
+                <a:alpha val="40000"/>
+              </a:prstClr>
+            </a:outerShdw>
+            <a:softEdge rad="112500"/>
+          </a:effectLst>
+        </p:spPr>
+      </p:pic>
+      <p:sp>
+        <p:nvSpPr>
+          <p:cNvPr id="17" name="正方形/長方形 16"/>
+          <p:cNvSpPr/>
+          <p:nvPr/>
+        </p:nvSpPr>
+        <p:spPr>
+          <a:xfrm>
+            <a:off x="5166365" y="2969418"/>
+            <a:ext cx="1609338" cy="671979"/>
+          </a:xfrm>
+          <a:prstGeom prst="rect">
+            <a:avLst/>
+          </a:prstGeom>
+          <a:solidFill>
+            <a:schemeClr val="bg1"/>
+          </a:solidFill>
+          <a:ln>
+            <a:solidFill>
+              <a:schemeClr val="tx1"/>
+            </a:solidFill>
+          </a:ln>
+          <a:effectLst>
+            <a:outerShdw blurRad="50800" dist="38100" dir="2700000" algn="tl" rotWithShape="0">
+              <a:prstClr val="black">
+                <a:alpha val="40000"/>
+              </a:prstClr>
+            </a:outerShdw>
+          </a:effectLst>
+        </p:spPr>
+        <p:txBody>
+          <a:bodyPr wrap="square">
+            <a:spAutoFit/>
+          </a:bodyPr>
+          <a:lstStyle/>
           <a:p>
             <a:pPr>
               <a:spcBef>
@@ -4174,29 +4924,22 @@
                 <a:latin typeface="HG明朝B" panose="02020809000000000000" pitchFamily="17" charset="-128"/>
                 <a:ea typeface="HG明朝B" panose="02020809000000000000" pitchFamily="17" charset="-128"/>
               </a:rPr>
-              <a:t>  　 刀  → 単体対象で隙がない。</a:t>
-            </a:r>
-            <a:endParaRPr lang="en-US" altLang="ja-JP" dirty="0" smtClean="0">
-              <a:ln>
-                <a:solidFill>
-                  <a:schemeClr val="bg2">
-                    <a:lumMod val="50000"/>
-                  </a:schemeClr>
-                </a:solidFill>
-              </a:ln>
-              <a:latin typeface="HG明朝B" panose="02020809000000000000" pitchFamily="17" charset="-128"/>
-              <a:ea typeface="HG明朝B" panose="02020809000000000000" pitchFamily="17" charset="-128"/>
-            </a:endParaRPr>
-          </a:p>
-          <a:p>
-            <a:pPr>
-              <a:spcBef>
-                <a:spcPts val="100"/>
-              </a:spcBef>
-              <a:spcAft>
-                <a:spcPts val="100"/>
-              </a:spcAft>
-            </a:pPr>
+              <a:t>一定</a:t>
+            </a:r>
+            <a:r>
+              <a:rPr lang="ja-JP" altLang="en-US" dirty="0">
+                <a:ln>
+                  <a:solidFill>
+                    <a:schemeClr val="bg2">
+                      <a:lumMod val="50000"/>
+                    </a:schemeClr>
+                  </a:solidFill>
+                </a:ln>
+                <a:latin typeface="HG明朝B" panose="02020809000000000000" pitchFamily="17" charset="-128"/>
+                <a:ea typeface="HG明朝B" panose="02020809000000000000" pitchFamily="17" charset="-128"/>
+              </a:rPr>
+              <a:t>範囲</a:t>
+            </a:r>
             <a:r>
               <a:rPr lang="ja-JP" altLang="en-US" dirty="0" smtClean="0">
                 <a:ln>
@@ -4209,7 +4952,7 @@
                 <a:latin typeface="HG明朝B" panose="02020809000000000000" pitchFamily="17" charset="-128"/>
                 <a:ea typeface="HG明朝B" panose="02020809000000000000" pitchFamily="17" charset="-128"/>
               </a:rPr>
-              <a:t>  　薙刀 → 一定範囲内対象で隙が大きい。</a:t>
+              <a:t>対象</a:t>
             </a:r>
             <a:endParaRPr lang="en-US" altLang="ja-JP" dirty="0" smtClean="0">
               <a:ln>
@@ -4233,7 +4976,7 @@
               </a:spcAft>
             </a:pPr>
             <a:r>
-              <a:rPr lang="en-US" altLang="ja-JP" sz="2000" dirty="0" smtClean="0">
+              <a:rPr lang="ja-JP" altLang="en-US" dirty="0">
                 <a:ln>
                   <a:solidFill>
                     <a:schemeClr val="bg2">
@@ -4244,59 +4987,7 @@
                 <a:latin typeface="HG明朝B" panose="02020809000000000000" pitchFamily="17" charset="-128"/>
                 <a:ea typeface="HG明朝B" panose="02020809000000000000" pitchFamily="17" charset="-128"/>
               </a:rPr>
-              <a:t>-</a:t>
-            </a:r>
-            <a:r>
-              <a:rPr lang="ja-JP" altLang="en-US" sz="2000" dirty="0" smtClean="0">
-                <a:ln>
-                  <a:solidFill>
-                    <a:schemeClr val="bg2">
-                      <a:lumMod val="50000"/>
-                    </a:schemeClr>
-                  </a:solidFill>
-                </a:ln>
-                <a:latin typeface="HG明朝B" panose="02020809000000000000" pitchFamily="17" charset="-128"/>
-                <a:ea typeface="HG明朝B" panose="02020809000000000000" pitchFamily="17" charset="-128"/>
-              </a:rPr>
-              <a:t>攻撃</a:t>
-            </a:r>
-            <a:r>
-              <a:rPr lang="en-US" altLang="ja-JP" sz="2000" dirty="0" smtClean="0">
-                <a:ln>
-                  <a:solidFill>
-                    <a:schemeClr val="bg2">
-                      <a:lumMod val="50000"/>
-                    </a:schemeClr>
-                  </a:solidFill>
-                </a:ln>
-                <a:latin typeface="HG明朝B" panose="02020809000000000000" pitchFamily="17" charset="-128"/>
-                <a:ea typeface="HG明朝B" panose="02020809000000000000" pitchFamily="17" charset="-128"/>
-              </a:rPr>
-              <a:t>-</a:t>
-            </a:r>
-          </a:p>
-          <a:p>
-            <a:pPr>
-              <a:spcBef>
-                <a:spcPts val="100"/>
-              </a:spcBef>
-              <a:spcAft>
-                <a:spcPts val="100"/>
-              </a:spcAft>
-            </a:pPr>
-            <a:r>
-              <a:rPr lang="en-US" altLang="ja-JP" dirty="0" smtClean="0">
-                <a:ln>
-                  <a:solidFill>
-                    <a:schemeClr val="bg2">
-                      <a:lumMod val="50000"/>
-                    </a:schemeClr>
-                  </a:solidFill>
-                </a:ln>
-                <a:latin typeface="HG明朝B" panose="02020809000000000000" pitchFamily="17" charset="-128"/>
-                <a:ea typeface="HG明朝B" panose="02020809000000000000" pitchFamily="17" charset="-128"/>
-              </a:rPr>
-              <a:t> </a:t>
+              <a:t>隙</a:t>
             </a:r>
             <a:r>
               <a:rPr lang="ja-JP" altLang="en-US" dirty="0" smtClean="0">
@@ -4310,21 +5001,7 @@
                 <a:latin typeface="HG明朝B" panose="02020809000000000000" pitchFamily="17" charset="-128"/>
                 <a:ea typeface="HG明朝B" panose="02020809000000000000" pitchFamily="17" charset="-128"/>
               </a:rPr>
-              <a:t>・</a:t>
-            </a:r>
-            <a:r>
-              <a:rPr lang="en-US" altLang="ja-JP" dirty="0" smtClean="0">
-                <a:ln>
-                  <a:solidFill>
-                    <a:schemeClr val="bg2">
-                      <a:lumMod val="50000"/>
-                    </a:schemeClr>
-                  </a:solidFill>
-                </a:ln>
-                <a:latin typeface="HG明朝B" panose="02020809000000000000" pitchFamily="17" charset="-128"/>
-                <a:ea typeface="HG明朝B" panose="02020809000000000000" pitchFamily="17" charset="-128"/>
-              </a:rPr>
-              <a:t>AI</a:t>
+              <a:t>が</a:t>
             </a:r>
             <a:r>
               <a:rPr lang="ja-JP" altLang="en-US" dirty="0" smtClean="0">
@@ -4338,21 +5015,7 @@
                 <a:latin typeface="HG明朝B" panose="02020809000000000000" pitchFamily="17" charset="-128"/>
                 <a:ea typeface="HG明朝B" panose="02020809000000000000" pitchFamily="17" charset="-128"/>
               </a:rPr>
-              <a:t>ナビがその場に応じて</a:t>
-            </a:r>
-            <a:r>
-              <a:rPr lang="ja-JP" altLang="en-US" dirty="0">
-                <a:ln>
-                  <a:solidFill>
-                    <a:schemeClr val="bg2">
-                      <a:lumMod val="50000"/>
-                    </a:schemeClr>
-                  </a:solidFill>
-                </a:ln>
-                <a:latin typeface="HG明朝B" panose="02020809000000000000" pitchFamily="17" charset="-128"/>
-                <a:ea typeface="HG明朝B" panose="02020809000000000000" pitchFamily="17" charset="-128"/>
-              </a:rPr>
-              <a:t>可能な</a:t>
+              <a:t>でかい</a:t>
             </a:r>
             <a:r>
               <a:rPr lang="ja-JP" altLang="en-US" dirty="0" smtClean="0">
@@ -4366,9 +5029,9 @@
                 <a:latin typeface="HG明朝B" panose="02020809000000000000" pitchFamily="17" charset="-128"/>
                 <a:ea typeface="HG明朝B" panose="02020809000000000000" pitchFamily="17" charset="-128"/>
               </a:rPr>
-              <a:t>コマンドを表示する。</a:t>
-            </a:r>
-            <a:endParaRPr lang="en-US" altLang="ja-JP" dirty="0" smtClean="0">
+              <a:t>　　　 </a:t>
+            </a:r>
+            <a:endParaRPr lang="en-US" altLang="ja-JP" dirty="0">
               <a:ln>
                 <a:solidFill>
                   <a:schemeClr val="bg2">
@@ -4380,6 +5043,316 @@
               <a:ea typeface="HG明朝B" panose="02020809000000000000" pitchFamily="17" charset="-128"/>
             </a:endParaRPr>
           </a:p>
+        </p:txBody>
+      </p:sp>
+      <p:sp>
+        <p:nvSpPr>
+          <p:cNvPr id="9" name="テキスト ボックス 8"/>
+          <p:cNvSpPr txBox="1"/>
+          <p:nvPr/>
+        </p:nvSpPr>
+        <p:spPr>
+          <a:xfrm>
+            <a:off x="5407317" y="1275983"/>
+            <a:ext cx="1404552" cy="1107996"/>
+          </a:xfrm>
+          <a:prstGeom prst="rect">
+            <a:avLst/>
+          </a:prstGeom>
+          <a:noFill/>
+          <a:effectLst>
+            <a:glow rad="101600">
+              <a:schemeClr val="bg1">
+                <a:lumMod val="75000"/>
+              </a:schemeClr>
+            </a:glow>
+          </a:effectLst>
+        </p:spPr>
+        <p:txBody>
+          <a:bodyPr wrap="none" rtlCol="0">
+            <a:spAutoFit/>
+          </a:bodyPr>
+          <a:lstStyle/>
+          <a:p>
+            <a:r>
+              <a:rPr lang="en-US" altLang="ja-JP" sz="6600" dirty="0" smtClean="0">
+                <a:solidFill>
+                  <a:schemeClr val="bg2">
+                    <a:lumMod val="50000"/>
+                  </a:schemeClr>
+                </a:solidFill>
+                <a:effectLst>
+                  <a:outerShdw dist="50800" algn="l" rotWithShape="0">
+                    <a:prstClr val="black">
+                      <a:alpha val="20000"/>
+                    </a:prstClr>
+                  </a:outerShdw>
+                </a:effectLst>
+                <a:latin typeface="Bernard MT Condensed" panose="02050806060905020404" pitchFamily="18" charset="0"/>
+              </a:rPr>
+              <a:t>S</a:t>
+            </a:r>
+            <a:r>
+              <a:rPr lang="en-US" altLang="ja-JP" sz="3200" dirty="0" smtClean="0">
+                <a:effectLst>
+                  <a:outerShdw dist="50800" algn="l" rotWithShape="0">
+                    <a:prstClr val="black">
+                      <a:alpha val="20000"/>
+                    </a:prstClr>
+                  </a:outerShdw>
+                </a:effectLst>
+                <a:latin typeface="Bernard MT Condensed" panose="02050806060905020404" pitchFamily="18" charset="0"/>
+              </a:rPr>
+              <a:t>ystem</a:t>
+            </a:r>
+            <a:endParaRPr kumimoji="1" lang="ja-JP" altLang="en-US" sz="3200" dirty="0">
+              <a:effectLst>
+                <a:outerShdw dist="50800" algn="l" rotWithShape="0">
+                  <a:prstClr val="black">
+                    <a:alpha val="20000"/>
+                  </a:prstClr>
+                </a:outerShdw>
+              </a:effectLst>
+              <a:latin typeface="Bernard MT Condensed" panose="02050806060905020404" pitchFamily="18" charset="0"/>
+            </a:endParaRPr>
+          </a:p>
+        </p:txBody>
+      </p:sp>
+      <p:grpSp>
+        <p:nvGrpSpPr>
+          <p:cNvPr id="52" name="グループ化 51"/>
+          <p:cNvGrpSpPr/>
+          <p:nvPr/>
+        </p:nvGrpSpPr>
+        <p:grpSpPr>
+          <a:xfrm>
+            <a:off x="3801854" y="4077537"/>
+            <a:ext cx="3097226" cy="1861039"/>
+            <a:chOff x="3163044" y="4808675"/>
+            <a:chExt cx="1970319" cy="930275"/>
+          </a:xfrm>
+          <a:effectLst>
+            <a:outerShdw blurRad="63500" sx="102000" sy="102000" algn="ctr" rotWithShape="0">
+              <a:prstClr val="black">
+                <a:alpha val="40000"/>
+              </a:prstClr>
+            </a:outerShdw>
+          </a:effectLst>
+        </p:grpSpPr>
+        <p:pic>
+          <p:nvPicPr>
+            <p:cNvPr id="20" name="図 19"/>
+            <p:cNvPicPr>
+              <a:picLocks noChangeAspect="1"/>
+            </p:cNvPicPr>
+            <p:nvPr/>
+          </p:nvPicPr>
+          <p:blipFill rotWithShape="1">
+            <a:blip r:embed="rId8" cstate="print">
+              <a:extLst>
+                <a:ext uri="{28A0092B-C50C-407E-A947-70E740481C1C}">
+                  <a14:useLocalDpi xmlns:a14="http://schemas.microsoft.com/office/drawing/2010/main" val="0"/>
+                </a:ext>
+              </a:extLst>
+            </a:blip>
+            <a:srcRect l="13675" r="17095" b="32056"/>
+            <a:stretch/>
+          </p:blipFill>
+          <p:spPr>
+            <a:xfrm>
+              <a:off x="3163044" y="4808675"/>
+              <a:ext cx="1970319" cy="930275"/>
+            </a:xfrm>
+            <a:prstGeom prst="rect">
+              <a:avLst/>
+            </a:prstGeom>
+            <a:ln>
+              <a:noFill/>
+            </a:ln>
+            <a:effectLst>
+              <a:softEdge rad="112500"/>
+            </a:effectLst>
+          </p:spPr>
+        </p:pic>
+        <p:pic>
+          <p:nvPicPr>
+            <p:cNvPr id="25" name="図 24"/>
+            <p:cNvPicPr>
+              <a:picLocks noChangeAspect="1"/>
+            </p:cNvPicPr>
+            <p:nvPr/>
+          </p:nvPicPr>
+          <p:blipFill rotWithShape="1">
+            <a:blip r:embed="rId5">
+              <a:extLst>
+                <a:ext uri="{28A0092B-C50C-407E-A947-70E740481C1C}">
+                  <a14:useLocalDpi xmlns:a14="http://schemas.microsoft.com/office/drawing/2010/main" val="0"/>
+                </a:ext>
+              </a:extLst>
+            </a:blip>
+            <a:srcRect l="29113" t="52193" r="60039" b="35113"/>
+            <a:stretch/>
+          </p:blipFill>
+          <p:spPr>
+            <a:xfrm>
+              <a:off x="3260412" y="4818473"/>
+              <a:ext cx="172633" cy="202017"/>
+            </a:xfrm>
+            <a:prstGeom prst="rect">
+              <a:avLst/>
+            </a:prstGeom>
+          </p:spPr>
+        </p:pic>
+        <p:pic>
+          <p:nvPicPr>
+            <p:cNvPr id="26" name="図 25"/>
+            <p:cNvPicPr>
+              <a:picLocks noChangeAspect="1"/>
+            </p:cNvPicPr>
+            <p:nvPr/>
+          </p:nvPicPr>
+          <p:blipFill rotWithShape="1">
+            <a:blip r:embed="rId5">
+              <a:extLst>
+                <a:ext uri="{28A0092B-C50C-407E-A947-70E740481C1C}">
+                  <a14:useLocalDpi xmlns:a14="http://schemas.microsoft.com/office/drawing/2010/main" val="0"/>
+                </a:ext>
+              </a:extLst>
+            </a:blip>
+            <a:srcRect l="15738" t="53137" r="73645" b="35092"/>
+            <a:stretch/>
+          </p:blipFill>
+          <p:spPr>
+            <a:xfrm>
+              <a:off x="3889394" y="4827514"/>
+              <a:ext cx="175307" cy="194362"/>
+            </a:xfrm>
+            <a:prstGeom prst="rect">
+              <a:avLst/>
+            </a:prstGeom>
+          </p:spPr>
+        </p:pic>
+        <p:pic>
+          <p:nvPicPr>
+            <p:cNvPr id="31" name="図 30"/>
+            <p:cNvPicPr>
+              <a:picLocks noChangeAspect="1"/>
+            </p:cNvPicPr>
+            <p:nvPr/>
+          </p:nvPicPr>
+          <p:blipFill rotWithShape="1">
+            <a:blip r:embed="rId5">
+              <a:extLst>
+                <a:ext uri="{28A0092B-C50C-407E-A947-70E740481C1C}">
+                  <a14:useLocalDpi xmlns:a14="http://schemas.microsoft.com/office/drawing/2010/main" val="0"/>
+                </a:ext>
+              </a:extLst>
+            </a:blip>
+            <a:srcRect l="3263" t="52885" r="87275" b="33729"/>
+            <a:stretch/>
+          </p:blipFill>
+          <p:spPr>
+            <a:xfrm>
+              <a:off x="3484838" y="4820303"/>
+              <a:ext cx="147164" cy="224095"/>
+            </a:xfrm>
+            <a:prstGeom prst="rect">
+              <a:avLst/>
+            </a:prstGeom>
+          </p:spPr>
+        </p:pic>
+        <p:pic>
+          <p:nvPicPr>
+            <p:cNvPr id="32" name="図 31"/>
+            <p:cNvPicPr>
+              <a:picLocks noChangeAspect="1"/>
+            </p:cNvPicPr>
+            <p:nvPr/>
+          </p:nvPicPr>
+          <p:blipFill rotWithShape="1">
+            <a:blip r:embed="rId5">
+              <a:extLst>
+                <a:ext uri="{28A0092B-C50C-407E-A947-70E740481C1C}">
+                  <a14:useLocalDpi xmlns:a14="http://schemas.microsoft.com/office/drawing/2010/main" val="0"/>
+                </a:ext>
+              </a:extLst>
+            </a:blip>
+            <a:srcRect l="15738" t="53137" r="73645" b="35092"/>
+            <a:stretch/>
+          </p:blipFill>
+          <p:spPr>
+            <a:xfrm>
+              <a:off x="3681429" y="4818739"/>
+              <a:ext cx="178326" cy="197710"/>
+            </a:xfrm>
+            <a:prstGeom prst="rect">
+              <a:avLst/>
+            </a:prstGeom>
+          </p:spPr>
+        </p:pic>
+        <p:pic>
+          <p:nvPicPr>
+            <p:cNvPr id="33" name="図 32"/>
+            <p:cNvPicPr>
+              <a:picLocks noChangeAspect="1"/>
+            </p:cNvPicPr>
+            <p:nvPr/>
+          </p:nvPicPr>
+          <p:blipFill rotWithShape="1">
+            <a:blip r:embed="rId5">
+              <a:extLst>
+                <a:ext uri="{28A0092B-C50C-407E-A947-70E740481C1C}">
+                  <a14:useLocalDpi xmlns:a14="http://schemas.microsoft.com/office/drawing/2010/main" val="0"/>
+                </a:ext>
+              </a:extLst>
+            </a:blip>
+            <a:srcRect l="3263" t="52885" r="87275" b="33729"/>
+            <a:stretch/>
+          </p:blipFill>
+          <p:spPr>
+            <a:xfrm>
+              <a:off x="4108138" y="4825480"/>
+              <a:ext cx="143763" cy="218918"/>
+            </a:xfrm>
+            <a:prstGeom prst="rect">
+              <a:avLst/>
+            </a:prstGeom>
+          </p:spPr>
+        </p:pic>
+      </p:grpSp>
+      <p:sp>
+        <p:nvSpPr>
+          <p:cNvPr id="35" name="正方形/長方形 34"/>
+          <p:cNvSpPr/>
+          <p:nvPr/>
+        </p:nvSpPr>
+        <p:spPr>
+          <a:xfrm>
+            <a:off x="5140885" y="5384042"/>
+            <a:ext cx="1569660" cy="369332"/>
+          </a:xfrm>
+          <a:prstGeom prst="rect">
+            <a:avLst/>
+          </a:prstGeom>
+          <a:solidFill>
+            <a:schemeClr val="bg1">
+              <a:lumMod val="95000"/>
+              <a:alpha val="75000"/>
+            </a:schemeClr>
+          </a:solidFill>
+          <a:effectLst>
+            <a:outerShdw blurRad="50800" dist="38100" dir="2700000" algn="tl" rotWithShape="0">
+              <a:prstClr val="black">
+                <a:alpha val="40000"/>
+              </a:prstClr>
+            </a:outerShdw>
+          </a:effectLst>
+        </p:spPr>
+        <p:txBody>
+          <a:bodyPr wrap="none">
+            <a:spAutoFit/>
+          </a:bodyPr>
+          <a:lstStyle/>
           <a:p>
             <a:pPr>
               <a:spcBef>
@@ -4390,7 +5363,7 @@
               </a:spcAft>
             </a:pPr>
             <a:r>
-              <a:rPr lang="ja-JP" altLang="en-US" dirty="0">
+              <a:rPr lang="ja-JP" altLang="en-US" b="1" dirty="0">
                 <a:ln>
                   <a:solidFill>
                     <a:schemeClr val="bg2">
@@ -4398,11 +5371,111 @@
                     </a:schemeClr>
                   </a:solidFill>
                 </a:ln>
-                <a:latin typeface="HG明朝B" panose="02020809000000000000" pitchFamily="17" charset="-128"/>
-                <a:ea typeface="HG明朝B" panose="02020809000000000000" pitchFamily="17" charset="-128"/>
-              </a:rPr>
-              <a:t>　</a:t>
-            </a:r>
+                <a:solidFill>
+                  <a:srgbClr val="FFC000"/>
+                </a:solidFill>
+                <a:latin typeface="HG明朝E" panose="02020909000000000000" pitchFamily="17" charset="-128"/>
+                <a:ea typeface="HG明朝E" panose="02020909000000000000" pitchFamily="17" charset="-128"/>
+              </a:rPr>
+              <a:t>攻撃の</a:t>
+            </a:r>
+            <a:r>
+              <a:rPr lang="ja-JP" altLang="en-US" b="1" dirty="0" smtClean="0">
+                <a:ln>
+                  <a:solidFill>
+                    <a:schemeClr val="bg2">
+                      <a:lumMod val="50000"/>
+                    </a:schemeClr>
+                  </a:solidFill>
+                </a:ln>
+                <a:solidFill>
+                  <a:srgbClr val="FFC000"/>
+                </a:solidFill>
+                <a:latin typeface="HG明朝E" panose="02020909000000000000" pitchFamily="17" charset="-128"/>
+                <a:ea typeface="HG明朝E" panose="02020909000000000000" pitchFamily="17" charset="-128"/>
+              </a:rPr>
+              <a:t>威力</a:t>
+            </a:r>
+            <a:r>
+              <a:rPr lang="en-US" altLang="ja-JP" b="1" dirty="0" smtClean="0">
+                <a:ln>
+                  <a:solidFill>
+                    <a:schemeClr val="bg2">
+                      <a:lumMod val="50000"/>
+                    </a:schemeClr>
+                  </a:solidFill>
+                </a:ln>
+                <a:solidFill>
+                  <a:srgbClr val="FFC000"/>
+                </a:solidFill>
+                <a:latin typeface="HG明朝E" panose="02020909000000000000" pitchFamily="17" charset="-128"/>
+                <a:ea typeface="HG明朝E" panose="02020909000000000000" pitchFamily="17" charset="-128"/>
+              </a:rPr>
+              <a:t>UP</a:t>
+            </a:r>
+            <a:endParaRPr lang="en-US" altLang="ja-JP" b="1" dirty="0">
+              <a:ln>
+                <a:solidFill>
+                  <a:schemeClr val="bg2">
+                    <a:lumMod val="50000"/>
+                  </a:schemeClr>
+                </a:solidFill>
+              </a:ln>
+              <a:solidFill>
+                <a:srgbClr val="FFC000"/>
+              </a:solidFill>
+              <a:latin typeface="HG明朝E" panose="02020909000000000000" pitchFamily="17" charset="-128"/>
+              <a:ea typeface="HG明朝E" panose="02020909000000000000" pitchFamily="17" charset="-128"/>
+            </a:endParaRPr>
+          </a:p>
+        </p:txBody>
+      </p:sp>
+      <p:sp>
+        <p:nvSpPr>
+          <p:cNvPr id="37" name="正方形/長方形 36"/>
+          <p:cNvSpPr/>
+          <p:nvPr/>
+        </p:nvSpPr>
+        <p:spPr>
+          <a:xfrm>
+            <a:off x="776158" y="5825456"/>
+            <a:ext cx="5559614" cy="371484"/>
+          </a:xfrm>
+          <a:prstGeom prst="rect">
+            <a:avLst/>
+          </a:prstGeom>
+          <a:gradFill>
+            <a:gsLst>
+              <a:gs pos="10000">
+                <a:schemeClr val="bg1">
+                  <a:alpha val="0"/>
+                </a:schemeClr>
+              </a:gs>
+              <a:gs pos="100000">
+                <a:schemeClr val="tx1">
+                  <a:lumMod val="50000"/>
+                  <a:lumOff val="50000"/>
+                  <a:alpha val="24000"/>
+                </a:schemeClr>
+              </a:gs>
+            </a:gsLst>
+            <a:lin ang="16200000" scaled="0"/>
+          </a:gradFill>
+        </p:spPr>
+        <p:txBody>
+          <a:bodyPr wrap="square">
+            <a:spAutoFit/>
+          </a:bodyPr>
+          <a:lstStyle/>
+          <a:p>
+            <a:pPr>
+              <a:spcBef>
+                <a:spcPts val="100"/>
+              </a:spcBef>
+              <a:spcAft>
+                <a:spcPts val="100"/>
+              </a:spcAft>
+            </a:pPr>
             <a:r>
               <a:rPr lang="ja-JP" altLang="en-US" dirty="0" smtClean="0">
                 <a:ln>
@@ -4412,13 +5485,16 @@
                     </a:schemeClr>
                   </a:solidFill>
                 </a:ln>
+                <a:effectLst>
+                  <a:reflection stA="60000" endPos="45500" dir="5400000" sy="-100000" algn="bl" rotWithShape="0"/>
+                </a:effectLst>
                 <a:latin typeface="HG明朝B" panose="02020809000000000000" pitchFamily="17" charset="-128"/>
                 <a:ea typeface="HG明朝B" panose="02020809000000000000" pitchFamily="17" charset="-128"/>
               </a:rPr>
-              <a:t> コマンドをノーミスでこなすと</a:t>
-            </a:r>
-            <a:r>
-              <a:rPr lang="en-US" altLang="ja-JP" dirty="0" smtClean="0">
+              <a:t>・状況に応じて</a:t>
+            </a:r>
+            <a:r>
+              <a:rPr lang="ja-JP" altLang="en-US" b="1" dirty="0" smtClean="0">
                 <a:ln>
                   <a:solidFill>
                     <a:schemeClr val="bg2">
@@ -4426,10 +5502,16 @@
                     </a:schemeClr>
                   </a:solidFill>
                 </a:ln>
+                <a:solidFill>
+                  <a:srgbClr val="FF0000"/>
+                </a:solidFill>
+                <a:effectLst>
+                  <a:reflection stA="60000" endPos="45500" dir="5400000" sy="-100000" algn="bl" rotWithShape="0"/>
+                </a:effectLst>
                 <a:latin typeface="HG明朝B" panose="02020809000000000000" pitchFamily="17" charset="-128"/>
                 <a:ea typeface="HG明朝B" panose="02020809000000000000" pitchFamily="17" charset="-128"/>
               </a:rPr>
-              <a:t>AI</a:t>
+              <a:t>ガード</a:t>
             </a:r>
             <a:r>
               <a:rPr lang="ja-JP" altLang="en-US" dirty="0" smtClean="0">
@@ -4440,13 +5522,16 @@
                     </a:schemeClr>
                   </a:solidFill>
                 </a:ln>
+                <a:effectLst>
+                  <a:reflection stA="60000" endPos="45500" dir="5400000" sy="-100000" algn="bl" rotWithShape="0"/>
+                </a:effectLst>
                 <a:latin typeface="HG明朝B" panose="02020809000000000000" pitchFamily="17" charset="-128"/>
                 <a:ea typeface="HG明朝B" panose="02020809000000000000" pitchFamily="17" charset="-128"/>
               </a:rPr>
-              <a:t>がパワーアップ</a:t>
-            </a:r>
-            <a:r>
-              <a:rPr lang="ja-JP" altLang="en-US" dirty="0">
+              <a:t>や</a:t>
+            </a:r>
+            <a:r>
+              <a:rPr lang="ja-JP" altLang="en-US" b="1" dirty="0" smtClean="0">
                 <a:ln>
                   <a:solidFill>
                     <a:schemeClr val="bg2">
@@ -4454,10 +5539,87 @@
                     </a:schemeClr>
                   </a:solidFill>
                 </a:ln>
+                <a:solidFill>
+                  <a:srgbClr val="FF0000"/>
+                </a:solidFill>
+                <a:effectLst>
+                  <a:reflection stA="60000" endPos="45500" dir="5400000" sy="-100000" algn="bl" rotWithShape="0"/>
+                </a:effectLst>
                 <a:latin typeface="HG明朝B" panose="02020809000000000000" pitchFamily="17" charset="-128"/>
                 <a:ea typeface="HG明朝B" panose="02020809000000000000" pitchFamily="17" charset="-128"/>
               </a:rPr>
-              <a:t>し、</a:t>
+              <a:t>回避</a:t>
+            </a:r>
+            <a:r>
+              <a:rPr lang="ja-JP" altLang="en-US" dirty="0" smtClean="0">
+                <a:ln>
+                  <a:solidFill>
+                    <a:schemeClr val="bg2">
+                      <a:lumMod val="50000"/>
+                    </a:schemeClr>
+                  </a:solidFill>
+                </a:ln>
+                <a:effectLst>
+                  <a:reflection stA="60000" endPos="45500" dir="5400000" sy="-100000" algn="bl" rotWithShape="0"/>
+                </a:effectLst>
+                <a:latin typeface="HG明朝B" panose="02020809000000000000" pitchFamily="17" charset="-128"/>
+                <a:ea typeface="HG明朝B" panose="02020809000000000000" pitchFamily="17" charset="-128"/>
+              </a:rPr>
+              <a:t>の</a:t>
+            </a:r>
+            <a:r>
+              <a:rPr lang="ja-JP" altLang="en-US" b="1" u="sng" dirty="0" smtClean="0">
+                <a:ln>
+                  <a:solidFill>
+                    <a:schemeClr val="bg2">
+                      <a:lumMod val="50000"/>
+                    </a:schemeClr>
+                  </a:solidFill>
+                </a:ln>
+                <a:solidFill>
+                  <a:srgbClr val="FF0000"/>
+                </a:solidFill>
+                <a:effectLst>
+                  <a:reflection stA="60000" endPos="45500" dir="5400000" sy="-100000" algn="bl" rotWithShape="0"/>
+                </a:effectLst>
+                <a:latin typeface="HG明朝B" panose="02020809000000000000" pitchFamily="17" charset="-128"/>
+                <a:ea typeface="HG明朝B" panose="02020809000000000000" pitchFamily="17" charset="-128"/>
+              </a:rPr>
+              <a:t>コマンド</a:t>
+            </a:r>
+            <a:r>
+              <a:rPr lang="ja-JP" altLang="en-US" u="sng" dirty="0" smtClean="0">
+                <a:ln>
+                  <a:solidFill>
+                    <a:schemeClr val="bg2">
+                      <a:lumMod val="50000"/>
+                    </a:schemeClr>
+                  </a:solidFill>
+                </a:ln>
+                <a:effectLst>
+                  <a:reflection stA="60000" endPos="45500" dir="5400000" sy="-100000" algn="bl" rotWithShape="0"/>
+                </a:effectLst>
+                <a:latin typeface="HG明朝B" panose="02020809000000000000" pitchFamily="17" charset="-128"/>
+                <a:ea typeface="HG明朝B" panose="02020809000000000000" pitchFamily="17" charset="-128"/>
+              </a:rPr>
+              <a:t>を表示</a:t>
+            </a:r>
+            <a:r>
+              <a:rPr lang="ja-JP" altLang="en-US" dirty="0" smtClean="0">
+                <a:ln>
+                  <a:solidFill>
+                    <a:schemeClr val="bg2">
+                      <a:lumMod val="50000"/>
+                    </a:schemeClr>
+                  </a:solidFill>
+                </a:ln>
+                <a:effectLst>
+                  <a:reflection stA="60000" endPos="45500" dir="5400000" sy="-100000" algn="bl" rotWithShape="0"/>
+                </a:effectLst>
+                <a:latin typeface="HG明朝B" panose="02020809000000000000" pitchFamily="17" charset="-128"/>
+                <a:ea typeface="HG明朝B" panose="02020809000000000000" pitchFamily="17" charset="-128"/>
+              </a:rPr>
+              <a:t>する。</a:t>
             </a:r>
             <a:endParaRPr lang="en-US" altLang="ja-JP" dirty="0" smtClean="0">
               <a:ln>
@@ -4467,10 +5629,158 @@
                   </a:schemeClr>
                 </a:solidFill>
               </a:ln>
+              <a:effectLst>
+                <a:reflection stA="60000" endPos="45500" dir="5400000" sy="-100000" algn="bl" rotWithShape="0"/>
+              </a:effectLst>
               <a:latin typeface="HG明朝B" panose="02020809000000000000" pitchFamily="17" charset="-128"/>
               <a:ea typeface="HG明朝B" panose="02020809000000000000" pitchFamily="17" charset="-128"/>
             </a:endParaRPr>
           </a:p>
+        </p:txBody>
+      </p:sp>
+      <p:grpSp>
+        <p:nvGrpSpPr>
+          <p:cNvPr id="56" name="グループ化 55"/>
+          <p:cNvGrpSpPr/>
+          <p:nvPr/>
+        </p:nvGrpSpPr>
+        <p:grpSpPr>
+          <a:xfrm>
+            <a:off x="810748" y="6151271"/>
+            <a:ext cx="2581630" cy="1480118"/>
+            <a:chOff x="452547" y="6051419"/>
+            <a:chExt cx="1547248" cy="1055859"/>
+          </a:xfrm>
+          <a:effectLst>
+            <a:outerShdw blurRad="76200" dir="2700000" sy="-23000" kx="-800400" algn="bl" rotWithShape="0">
+              <a:prstClr val="black">
+                <a:alpha val="20000"/>
+              </a:prstClr>
+            </a:outerShdw>
+          </a:effectLst>
+        </p:grpSpPr>
+        <p:pic>
+          <p:nvPicPr>
+            <p:cNvPr id="39" name="図 38"/>
+            <p:cNvPicPr>
+              <a:picLocks noChangeAspect="1"/>
+            </p:cNvPicPr>
+            <p:nvPr/>
+          </p:nvPicPr>
+          <p:blipFill rotWithShape="1">
+            <a:blip r:embed="rId9" cstate="print">
+              <a:extLst>
+                <a:ext uri="{28A0092B-C50C-407E-A947-70E740481C1C}">
+                  <a14:useLocalDpi xmlns:a14="http://schemas.microsoft.com/office/drawing/2010/main" val="0"/>
+                </a:ext>
+              </a:extLst>
+            </a:blip>
+            <a:srcRect t="6429" r="12861" b="13810"/>
+            <a:stretch/>
+          </p:blipFill>
+          <p:spPr>
+            <a:xfrm>
+              <a:off x="452547" y="6051419"/>
+              <a:ext cx="1547248" cy="1055859"/>
+            </a:xfrm>
+            <a:prstGeom prst="rect">
+              <a:avLst/>
+            </a:prstGeom>
+            <a:ln>
+              <a:noFill/>
+            </a:ln>
+            <a:effectLst>
+              <a:softEdge rad="112500"/>
+            </a:effectLst>
+          </p:spPr>
+        </p:pic>
+        <p:pic>
+          <p:nvPicPr>
+            <p:cNvPr id="40" name="図 39"/>
+            <p:cNvPicPr>
+              <a:picLocks noChangeAspect="1"/>
+            </p:cNvPicPr>
+            <p:nvPr/>
+          </p:nvPicPr>
+          <p:blipFill rotWithShape="1">
+            <a:blip r:embed="rId5">
+              <a:extLst>
+                <a:ext uri="{28A0092B-C50C-407E-A947-70E740481C1C}">
+                  <a14:useLocalDpi xmlns:a14="http://schemas.microsoft.com/office/drawing/2010/main" val="0"/>
+                </a:ext>
+              </a:extLst>
+            </a:blip>
+            <a:srcRect l="15738" t="53137" r="73645" b="35092"/>
+            <a:stretch/>
+          </p:blipFill>
+          <p:spPr>
+            <a:xfrm>
+              <a:off x="530040" y="6100770"/>
+              <a:ext cx="226533" cy="251156"/>
+            </a:xfrm>
+            <a:prstGeom prst="rect">
+              <a:avLst/>
+            </a:prstGeom>
+          </p:spPr>
+        </p:pic>
+        <p:pic>
+          <p:nvPicPr>
+            <p:cNvPr id="41" name="図 40"/>
+            <p:cNvPicPr>
+              <a:picLocks noChangeAspect="1"/>
+            </p:cNvPicPr>
+            <p:nvPr/>
+          </p:nvPicPr>
+          <p:blipFill rotWithShape="1">
+            <a:blip r:embed="rId5">
+              <a:extLst>
+                <a:ext uri="{28A0092B-C50C-407E-A947-70E740481C1C}">
+                  <a14:useLocalDpi xmlns:a14="http://schemas.microsoft.com/office/drawing/2010/main" val="0"/>
+                </a:ext>
+              </a:extLst>
+            </a:blip>
+            <a:srcRect l="15738" t="53137" r="73645" b="35092"/>
+            <a:stretch/>
+          </p:blipFill>
+          <p:spPr>
+            <a:xfrm>
+              <a:off x="766655" y="6090026"/>
+              <a:ext cx="241641" cy="267906"/>
+            </a:xfrm>
+            <a:prstGeom prst="rect">
+              <a:avLst/>
+            </a:prstGeom>
+          </p:spPr>
+        </p:pic>
+      </p:grpSp>
+      <p:sp>
+        <p:nvSpPr>
+          <p:cNvPr id="30" name="正方形/長方形 29"/>
+          <p:cNvSpPr/>
+          <p:nvPr/>
+        </p:nvSpPr>
+        <p:spPr>
+          <a:xfrm>
+            <a:off x="3304567" y="4328062"/>
+            <a:ext cx="896041" cy="1107996"/>
+          </a:xfrm>
+          <a:prstGeom prst="rect">
+            <a:avLst/>
+          </a:prstGeom>
+          <a:noFill/>
+          <a:effectLst>
+            <a:outerShdw blurRad="50800" dist="38100" dir="5400000" algn="t" rotWithShape="0">
+              <a:prstClr val="black">
+                <a:alpha val="39000"/>
+              </a:prstClr>
+            </a:outerShdw>
+          </a:effectLst>
+        </p:spPr>
+        <p:txBody>
+          <a:bodyPr wrap="square">
+            <a:spAutoFit/>
+          </a:bodyPr>
+          <a:lstStyle/>
           <a:p>
             <a:pPr>
               <a:spcBef>
@@ -4481,7 +5791,7 @@
               </a:spcAft>
             </a:pPr>
             <a:r>
-              <a:rPr lang="ja-JP" altLang="en-US" dirty="0" smtClean="0">
+              <a:rPr lang="ja-JP" altLang="en-US" sz="6600" b="1" dirty="0" smtClean="0">
                 <a:ln>
                   <a:solidFill>
                     <a:schemeClr val="bg2">
@@ -4489,13 +5799,466 @@
                     </a:schemeClr>
                   </a:solidFill>
                 </a:ln>
+                <a:solidFill>
+                  <a:schemeClr val="bg1"/>
+                </a:solidFill>
                 <a:latin typeface="HG明朝B" panose="02020809000000000000" pitchFamily="17" charset="-128"/>
                 <a:ea typeface="HG明朝B" panose="02020809000000000000" pitchFamily="17" charset="-128"/>
               </a:rPr>
-              <a:t>　</a:t>
-            </a:r>
-            <a:r>
-              <a:rPr lang="ja-JP" altLang="en-US" dirty="0">
+              <a:t>→</a:t>
+            </a:r>
+            <a:endParaRPr lang="en-US" altLang="ja-JP" sz="6600" b="1" dirty="0">
+              <a:ln>
+                <a:solidFill>
+                  <a:schemeClr val="bg2">
+                    <a:lumMod val="50000"/>
+                  </a:schemeClr>
+                </a:solidFill>
+              </a:ln>
+              <a:solidFill>
+                <a:schemeClr val="bg1"/>
+              </a:solidFill>
+              <a:latin typeface="HG明朝B" panose="02020809000000000000" pitchFamily="17" charset="-128"/>
+              <a:ea typeface="HG明朝B" panose="02020809000000000000" pitchFamily="17" charset="-128"/>
+            </a:endParaRPr>
+          </a:p>
+        </p:txBody>
+      </p:sp>
+      <p:pic>
+        <p:nvPicPr>
+          <p:cNvPr id="43" name="図 42"/>
+          <p:cNvPicPr>
+            <a:picLocks noChangeAspect="1"/>
+          </p:cNvPicPr>
+          <p:nvPr/>
+        </p:nvPicPr>
+        <p:blipFill rotWithShape="1">
+          <a:blip r:embed="rId10" cstate="print">
+            <a:extLst>
+              <a:ext uri="{28A0092B-C50C-407E-A947-70E740481C1C}">
+                <a14:useLocalDpi xmlns:a14="http://schemas.microsoft.com/office/drawing/2010/main" val="0"/>
+              </a:ext>
+            </a:extLst>
+          </a:blip>
+          <a:srcRect l="9542" t="9407" r="6264"/>
+          <a:stretch/>
+        </p:blipFill>
+        <p:spPr>
+          <a:xfrm>
+            <a:off x="4065370" y="6120219"/>
+            <a:ext cx="2623594" cy="1564086"/>
+          </a:xfrm>
+          <a:prstGeom prst="rect">
+            <a:avLst/>
+          </a:prstGeom>
+          <a:ln>
+            <a:noFill/>
+          </a:ln>
+          <a:effectLst>
+            <a:outerShdw blurRad="76200" dir="2700000" sy="-23000" kx="-800400" algn="bl" rotWithShape="0">
+              <a:prstClr val="black">
+                <a:alpha val="20000"/>
+              </a:prstClr>
+            </a:outerShdw>
+            <a:softEdge rad="112500"/>
+          </a:effectLst>
+        </p:spPr>
+      </p:pic>
+      <p:sp>
+        <p:nvSpPr>
+          <p:cNvPr id="63" name="雲形吹き出し 62"/>
+          <p:cNvSpPr/>
+          <p:nvPr/>
+        </p:nvSpPr>
+        <p:spPr>
+          <a:xfrm>
+            <a:off x="2573337" y="6195691"/>
+            <a:ext cx="1472138" cy="740647"/>
+          </a:xfrm>
+          <a:prstGeom prst="cloudCallout">
+            <a:avLst/>
+          </a:prstGeom>
+          <a:solidFill>
+            <a:schemeClr val="bg1"/>
+          </a:solidFill>
+          <a:effectLst>
+            <a:outerShdw blurRad="50800" dist="38100" dir="2700000" algn="tl" rotWithShape="0">
+              <a:prstClr val="black">
+                <a:alpha val="40000"/>
+              </a:prstClr>
+            </a:outerShdw>
+          </a:effectLst>
+        </p:spPr>
+        <p:style>
+          <a:lnRef idx="2">
+            <a:schemeClr val="accent1">
+              <a:shade val="50000"/>
+            </a:schemeClr>
+          </a:lnRef>
+          <a:fillRef idx="1">
+            <a:schemeClr val="accent1"/>
+          </a:fillRef>
+          <a:effectRef idx="0">
+            <a:schemeClr val="accent1"/>
+          </a:effectRef>
+          <a:fontRef idx="minor">
+            <a:schemeClr val="lt1"/>
+          </a:fontRef>
+        </p:style>
+        <p:txBody>
+          <a:bodyPr rtlCol="0" anchor="ctr"/>
+          <a:lstStyle/>
+          <a:p>
+            <a:pPr algn="ctr"/>
+            <a:endParaRPr kumimoji="1" lang="ja-JP" altLang="en-US"/>
+          </a:p>
+        </p:txBody>
+      </p:sp>
+      <p:sp>
+        <p:nvSpPr>
+          <p:cNvPr id="44" name="正方形/長方形 43"/>
+          <p:cNvSpPr/>
+          <p:nvPr/>
+        </p:nvSpPr>
+        <p:spPr>
+          <a:xfrm>
+            <a:off x="254271" y="940775"/>
+            <a:ext cx="6434693" cy="769441"/>
+          </a:xfrm>
+          <a:prstGeom prst="rect">
+            <a:avLst/>
+          </a:prstGeom>
+        </p:spPr>
+        <p:txBody>
+          <a:bodyPr wrap="square">
+            <a:spAutoFit/>
+          </a:bodyPr>
+          <a:lstStyle/>
+          <a:p>
+            <a:r>
+              <a:rPr lang="en-US" altLang="ja-JP" sz="2400" b="1" dirty="0">
+                <a:ln w="0">
+                  <a:solidFill>
+                    <a:schemeClr val="tx1">
+                      <a:lumMod val="50000"/>
+                      <a:lumOff val="50000"/>
+                    </a:schemeClr>
+                  </a:solidFill>
+                </a:ln>
+                <a:solidFill>
+                  <a:srgbClr val="FF0000"/>
+                </a:solidFill>
+                <a:effectLst>
+                  <a:outerShdw blurRad="50800" dist="38100" dir="2700000" algn="tl" rotWithShape="0">
+                    <a:prstClr val="black">
+                      <a:alpha val="40000"/>
+                    </a:prstClr>
+                  </a:outerShdw>
+                </a:effectLst>
+                <a:latin typeface="HG明朝E" panose="02020909000000000000" pitchFamily="17" charset="-128"/>
+                <a:ea typeface="HG明朝E" panose="02020909000000000000" pitchFamily="17" charset="-128"/>
+              </a:rPr>
+              <a:t>AI</a:t>
+            </a:r>
+            <a:r>
+              <a:rPr lang="ja-JP" altLang="en-US" sz="2400" b="1" dirty="0">
+                <a:ln w="0">
+                  <a:solidFill>
+                    <a:schemeClr val="tx1">
+                      <a:lumMod val="50000"/>
+                      <a:lumOff val="50000"/>
+                    </a:schemeClr>
+                  </a:solidFill>
+                </a:ln>
+                <a:solidFill>
+                  <a:srgbClr val="FF0000"/>
+                </a:solidFill>
+                <a:effectLst>
+                  <a:outerShdw blurRad="50800" dist="38100" dir="2700000" algn="tl" rotWithShape="0">
+                    <a:prstClr val="black">
+                      <a:alpha val="40000"/>
+                    </a:prstClr>
+                  </a:outerShdw>
+                </a:effectLst>
+                <a:latin typeface="HG明朝E" panose="02020909000000000000" pitchFamily="17" charset="-128"/>
+                <a:ea typeface="HG明朝E" panose="02020909000000000000" pitchFamily="17" charset="-128"/>
+              </a:rPr>
+              <a:t>ナビ</a:t>
+            </a:r>
+            <a:r>
+              <a:rPr lang="ja-JP" altLang="en-US" sz="2000" b="1" dirty="0">
+                <a:ln w="0">
+                  <a:solidFill>
+                    <a:schemeClr val="tx1">
+                      <a:lumMod val="50000"/>
+                      <a:lumOff val="50000"/>
+                    </a:schemeClr>
+                  </a:solidFill>
+                </a:ln>
+                <a:solidFill>
+                  <a:schemeClr val="tx1">
+                    <a:lumMod val="95000"/>
+                    <a:lumOff val="5000"/>
+                  </a:schemeClr>
+                </a:solidFill>
+                <a:effectLst>
+                  <a:outerShdw blurRad="50800" dist="38100" dir="2700000" algn="tl" rotWithShape="0">
+                    <a:prstClr val="black">
+                      <a:alpha val="40000"/>
+                    </a:prstClr>
+                  </a:outerShdw>
+                </a:effectLst>
+                <a:latin typeface="HG明朝E" panose="02020909000000000000" pitchFamily="17" charset="-128"/>
+                <a:ea typeface="HG明朝E" panose="02020909000000000000" pitchFamily="17" charset="-128"/>
+              </a:rPr>
+              <a:t>と共に</a:t>
+            </a:r>
+            <a:r>
+              <a:rPr lang="ja-JP" altLang="en-US" sz="2400" b="1" dirty="0">
+                <a:ln w="0">
+                  <a:solidFill>
+                    <a:schemeClr val="tx1">
+                      <a:lumMod val="50000"/>
+                      <a:lumOff val="50000"/>
+                    </a:schemeClr>
+                  </a:solidFill>
+                </a:ln>
+                <a:solidFill>
+                  <a:srgbClr val="FF0000"/>
+                </a:solidFill>
+                <a:effectLst>
+                  <a:outerShdw blurRad="50800" dist="38100" dir="2700000" algn="tl" rotWithShape="0">
+                    <a:prstClr val="black">
+                      <a:alpha val="40000"/>
+                    </a:prstClr>
+                  </a:outerShdw>
+                </a:effectLst>
+                <a:latin typeface="HG明朝E" panose="02020909000000000000" pitchFamily="17" charset="-128"/>
+                <a:ea typeface="HG明朝E" panose="02020909000000000000" pitchFamily="17" charset="-128"/>
+              </a:rPr>
+              <a:t>コマンドアクション</a:t>
+            </a:r>
+            <a:r>
+              <a:rPr lang="ja-JP" altLang="en-US" sz="2000" b="1" dirty="0">
+                <a:ln w="0">
+                  <a:solidFill>
+                    <a:schemeClr val="tx1">
+                      <a:lumMod val="50000"/>
+                      <a:lumOff val="50000"/>
+                    </a:schemeClr>
+                  </a:solidFill>
+                </a:ln>
+                <a:solidFill>
+                  <a:schemeClr val="tx1">
+                    <a:lumMod val="95000"/>
+                    <a:lumOff val="5000"/>
+                  </a:schemeClr>
+                </a:solidFill>
+                <a:effectLst>
+                  <a:outerShdw blurRad="50800" dist="38100" dir="2700000" algn="tl" rotWithShape="0">
+                    <a:prstClr val="black">
+                      <a:alpha val="40000"/>
+                    </a:prstClr>
+                  </a:outerShdw>
+                </a:effectLst>
+                <a:latin typeface="HG明朝E" panose="02020909000000000000" pitchFamily="17" charset="-128"/>
+                <a:ea typeface="HG明朝E" panose="02020909000000000000" pitchFamily="17" charset="-128"/>
+              </a:rPr>
+              <a:t>を巧みにこなし、</a:t>
+            </a:r>
+            <a:endParaRPr lang="en-US" altLang="ja-JP" sz="2000" b="1" dirty="0">
+              <a:ln w="0">
+                <a:solidFill>
+                  <a:schemeClr val="tx1">
+                    <a:lumMod val="50000"/>
+                    <a:lumOff val="50000"/>
+                  </a:schemeClr>
+                </a:solidFill>
+              </a:ln>
+              <a:solidFill>
+                <a:schemeClr val="tx1">
+                  <a:lumMod val="95000"/>
+                  <a:lumOff val="5000"/>
+                </a:schemeClr>
+              </a:solidFill>
+              <a:effectLst>
+                <a:outerShdw blurRad="50800" dist="38100" dir="2700000" algn="tl" rotWithShape="0">
+                  <a:prstClr val="black">
+                    <a:alpha val="40000"/>
+                  </a:prstClr>
+                </a:outerShdw>
+              </a:effectLst>
+              <a:latin typeface="HG明朝E" panose="02020909000000000000" pitchFamily="17" charset="-128"/>
+              <a:ea typeface="HG明朝E" panose="02020909000000000000" pitchFamily="17" charset="-128"/>
+            </a:endParaRPr>
+          </a:p>
+          <a:p>
+            <a:r>
+              <a:rPr lang="ja-JP" altLang="en-US" sz="2000" b="1" dirty="0">
+                <a:ln w="0">
+                  <a:solidFill>
+                    <a:schemeClr val="tx1">
+                      <a:lumMod val="50000"/>
+                      <a:lumOff val="50000"/>
+                    </a:schemeClr>
+                  </a:solidFill>
+                </a:ln>
+                <a:solidFill>
+                  <a:schemeClr val="tx1">
+                    <a:lumMod val="95000"/>
+                    <a:lumOff val="5000"/>
+                  </a:schemeClr>
+                </a:solidFill>
+                <a:effectLst>
+                  <a:outerShdw blurRad="50800" dist="38100" dir="2700000" algn="tl" rotWithShape="0">
+                    <a:prstClr val="black">
+                      <a:alpha val="40000"/>
+                    </a:prstClr>
+                  </a:outerShdw>
+                </a:effectLst>
+                <a:latin typeface="HG明朝E" panose="02020909000000000000" pitchFamily="17" charset="-128"/>
+                <a:ea typeface="HG明朝E" panose="02020909000000000000" pitchFamily="17" charset="-128"/>
+              </a:rPr>
+              <a:t>爽快感や達成感を与える。</a:t>
+            </a:r>
+            <a:endParaRPr lang="en-US" altLang="ja-JP" sz="2000" b="1" dirty="0">
+              <a:ln w="0">
+                <a:solidFill>
+                  <a:schemeClr val="tx1">
+                    <a:lumMod val="50000"/>
+                    <a:lumOff val="50000"/>
+                  </a:schemeClr>
+                </a:solidFill>
+              </a:ln>
+              <a:solidFill>
+                <a:schemeClr val="tx1">
+                  <a:lumMod val="95000"/>
+                  <a:lumOff val="5000"/>
+                </a:schemeClr>
+              </a:solidFill>
+              <a:effectLst>
+                <a:outerShdw blurRad="50800" dist="38100" dir="2700000" algn="tl" rotWithShape="0">
+                  <a:prstClr val="black">
+                    <a:alpha val="40000"/>
+                  </a:prstClr>
+                </a:outerShdw>
+              </a:effectLst>
+              <a:latin typeface="HG明朝E" panose="02020909000000000000" pitchFamily="17" charset="-128"/>
+              <a:ea typeface="HG明朝E" panose="02020909000000000000" pitchFamily="17" charset="-128"/>
+            </a:endParaRPr>
+          </a:p>
+        </p:txBody>
+      </p:sp>
+      <p:grpSp>
+        <p:nvGrpSpPr>
+          <p:cNvPr id="46" name="グループ化 45"/>
+          <p:cNvGrpSpPr/>
+          <p:nvPr/>
+        </p:nvGrpSpPr>
+        <p:grpSpPr>
+          <a:xfrm>
+            <a:off x="963478" y="1964767"/>
+            <a:ext cx="738257" cy="630359"/>
+            <a:chOff x="533733" y="2458496"/>
+            <a:chExt cx="738257" cy="630359"/>
+          </a:xfrm>
+          <a:effectLst>
+            <a:outerShdw blurRad="50800" dist="38100" dir="5400000" algn="t" rotWithShape="0">
+              <a:prstClr val="black">
+                <a:alpha val="40000"/>
+              </a:prstClr>
+            </a:outerShdw>
+          </a:effectLst>
+        </p:grpSpPr>
+        <p:sp>
+          <p:nvSpPr>
+            <p:cNvPr id="34" name="フローチャート: 他ページ結合子 33"/>
+            <p:cNvSpPr/>
+            <p:nvPr/>
+          </p:nvSpPr>
+          <p:spPr>
+            <a:xfrm>
+              <a:off x="533733" y="2458496"/>
+              <a:ext cx="738257" cy="630359"/>
+            </a:xfrm>
+            <a:prstGeom prst="flowChartOffpageConnector">
+              <a:avLst/>
+            </a:prstGeom>
+          </p:spPr>
+          <p:style>
+            <a:lnRef idx="2">
+              <a:schemeClr val="dk1"/>
+            </a:lnRef>
+            <a:fillRef idx="1">
+              <a:schemeClr val="lt1"/>
+            </a:fillRef>
+            <a:effectRef idx="0">
+              <a:schemeClr val="dk1"/>
+            </a:effectRef>
+            <a:fontRef idx="minor">
+              <a:schemeClr val="dk1"/>
+            </a:fontRef>
+          </p:style>
+          <p:txBody>
+            <a:bodyPr rtlCol="0" anchor="ctr"/>
+            <a:lstStyle/>
+            <a:p>
+              <a:pPr algn="ctr"/>
+              <a:endParaRPr kumimoji="1" lang="ja-JP" altLang="en-US"/>
+            </a:p>
+          </p:txBody>
+        </p:sp>
+        <p:sp>
+          <p:nvSpPr>
+            <p:cNvPr id="3" name="正方形/長方形 2"/>
+            <p:cNvSpPr/>
+            <p:nvPr/>
+          </p:nvSpPr>
+          <p:spPr>
+            <a:xfrm>
+              <a:off x="656639" y="2480085"/>
+              <a:ext cx="492443" cy="461665"/>
+            </a:xfrm>
+            <a:prstGeom prst="rect">
+              <a:avLst/>
+            </a:prstGeom>
+            <a:noFill/>
+            <a:ln>
+              <a:noFill/>
+            </a:ln>
+          </p:spPr>
+          <p:txBody>
+            <a:bodyPr wrap="none">
+              <a:spAutoFit/>
+            </a:bodyPr>
+            <a:lstStyle/>
+            <a:p>
+              <a:pPr>
+                <a:spcBef>
+                  <a:spcPts val="100"/>
+                </a:spcBef>
+                <a:spcAft>
+                  <a:spcPts val="100"/>
+                </a:spcAft>
+              </a:pPr>
+              <a:r>
+                <a:rPr lang="ja-JP" altLang="en-US" sz="2400" dirty="0" smtClean="0">
+                  <a:ln>
+                    <a:solidFill>
+                      <a:schemeClr val="bg2">
+                        <a:lumMod val="50000"/>
+                      </a:schemeClr>
+                    </a:solidFill>
+                  </a:ln>
+                  <a:effectLst>
+                    <a:reflection blurRad="6350" stA="60000" endA="900" endPos="58000" dir="5400000" sy="-100000" algn="bl" rotWithShape="0"/>
+                  </a:effectLst>
+                  <a:latin typeface="HG明朝B" panose="02020809000000000000" pitchFamily="17" charset="-128"/>
+                  <a:ea typeface="HG明朝B" panose="02020809000000000000" pitchFamily="17" charset="-128"/>
+                </a:rPr>
+                <a:t>刀</a:t>
+              </a:r>
+              <a:endParaRPr lang="en-US" altLang="ja-JP" sz="2400" dirty="0">
                 <a:ln>
                   <a:solidFill>
                     <a:schemeClr val="bg2">
@@ -4503,13 +6266,127 @@
                     </a:schemeClr>
                   </a:solidFill>
                 </a:ln>
+                <a:effectLst>
+                  <a:reflection blurRad="6350" stA="60000" endA="900" endPos="58000" dir="5400000" sy="-100000" algn="bl" rotWithShape="0"/>
+                </a:effectLst>
                 <a:latin typeface="HG明朝B" panose="02020809000000000000" pitchFamily="17" charset="-128"/>
                 <a:ea typeface="HG明朝B" panose="02020809000000000000" pitchFamily="17" charset="-128"/>
-              </a:rPr>
-              <a:t> </a:t>
-            </a:r>
-            <a:r>
-              <a:rPr lang="ja-JP" altLang="en-US" dirty="0" smtClean="0">
+              </a:endParaRPr>
+            </a:p>
+          </p:txBody>
+        </p:sp>
+      </p:grpSp>
+      <p:grpSp>
+        <p:nvGrpSpPr>
+          <p:cNvPr id="47" name="グループ化 46"/>
+          <p:cNvGrpSpPr/>
+          <p:nvPr/>
+        </p:nvGrpSpPr>
+        <p:grpSpPr>
+          <a:xfrm>
+            <a:off x="3731148" y="1976081"/>
+            <a:ext cx="973204" cy="630359"/>
+            <a:chOff x="5096079" y="2557050"/>
+            <a:chExt cx="973204" cy="630359"/>
+          </a:xfrm>
+          <a:effectLst>
+            <a:outerShdw blurRad="50800" dist="38100" dir="5400000" algn="t" rotWithShape="0">
+              <a:prstClr val="black">
+                <a:alpha val="40000"/>
+              </a:prstClr>
+            </a:outerShdw>
+          </a:effectLst>
+        </p:grpSpPr>
+        <p:sp>
+          <p:nvSpPr>
+            <p:cNvPr id="45" name="フローチャート: 他ページ結合子 44"/>
+            <p:cNvSpPr/>
+            <p:nvPr/>
+          </p:nvSpPr>
+          <p:spPr>
+            <a:xfrm>
+              <a:off x="5096079" y="2557050"/>
+              <a:ext cx="973204" cy="630359"/>
+            </a:xfrm>
+            <a:prstGeom prst="flowChartOffpageConnector">
+              <a:avLst/>
+            </a:prstGeom>
+          </p:spPr>
+          <p:style>
+            <a:lnRef idx="2">
+              <a:schemeClr val="dk1"/>
+            </a:lnRef>
+            <a:fillRef idx="1">
+              <a:schemeClr val="lt1"/>
+            </a:fillRef>
+            <a:effectRef idx="0">
+              <a:schemeClr val="dk1"/>
+            </a:effectRef>
+            <a:fontRef idx="minor">
+              <a:schemeClr val="dk1"/>
+            </a:fontRef>
+          </p:style>
+          <p:txBody>
+            <a:bodyPr rtlCol="0" anchor="ctr"/>
+            <a:lstStyle/>
+            <a:p>
+              <a:pPr algn="ctr"/>
+              <a:endParaRPr kumimoji="1" lang="ja-JP" altLang="en-US"/>
+            </a:p>
+          </p:txBody>
+        </p:sp>
+        <p:sp>
+          <p:nvSpPr>
+            <p:cNvPr id="8" name="正方形/長方形 7"/>
+            <p:cNvSpPr/>
+            <p:nvPr/>
+          </p:nvSpPr>
+          <p:spPr>
+            <a:xfrm>
+              <a:off x="5196145" y="2590825"/>
+              <a:ext cx="800219" cy="461665"/>
+            </a:xfrm>
+            <a:prstGeom prst="rect">
+              <a:avLst/>
+            </a:prstGeom>
+            <a:noFill/>
+            <a:ln>
+              <a:noFill/>
+            </a:ln>
+            <a:effectLst/>
+          </p:spPr>
+          <p:txBody>
+            <a:bodyPr wrap="none">
+              <a:spAutoFit/>
+            </a:bodyPr>
+            <a:lstStyle/>
+            <a:p>
+              <a:pPr>
+                <a:spcBef>
+                  <a:spcPts val="100"/>
+                </a:spcBef>
+                <a:spcAft>
+                  <a:spcPts val="100"/>
+                </a:spcAft>
+              </a:pPr>
+              <a:r>
+                <a:rPr lang="ja-JP" altLang="en-US" sz="2400" dirty="0" smtClean="0">
+                  <a:ln>
+                    <a:solidFill>
+                      <a:schemeClr val="bg2">
+                        <a:lumMod val="50000"/>
+                      </a:schemeClr>
+                    </a:solidFill>
+                  </a:ln>
+                  <a:effectLst>
+                    <a:reflection stA="60000" endPos="50000" dir="5400000" sy="-100000" algn="bl" rotWithShape="0"/>
+                  </a:effectLst>
+                  <a:latin typeface="HG明朝B" panose="02020809000000000000" pitchFamily="17" charset="-128"/>
+                  <a:ea typeface="HG明朝B" panose="02020809000000000000" pitchFamily="17" charset="-128"/>
+                </a:rPr>
+                <a:t>薙刀</a:t>
+              </a:r>
+              <a:endParaRPr lang="en-US" altLang="ja-JP" sz="2400" dirty="0">
                 <a:ln>
                   <a:solidFill>
                     <a:schemeClr val="bg2">
@@ -4517,13 +6394,40 @@
                     </a:schemeClr>
                   </a:solidFill>
                 </a:ln>
+                <a:effectLst>
+                  <a:reflection stA="60000" endPos="50000" dir="5400000" sy="-100000" algn="bl" rotWithShape="0"/>
+                </a:effectLst>
                 <a:latin typeface="HG明朝B" panose="02020809000000000000" pitchFamily="17" charset="-128"/>
                 <a:ea typeface="HG明朝B" panose="02020809000000000000" pitchFamily="17" charset="-128"/>
-              </a:rPr>
-              <a:t>コマンドの難易度が</a:t>
-            </a:r>
-            <a:r>
-              <a:rPr lang="en-US" altLang="ja-JP" dirty="0" smtClean="0">
+              </a:endParaRPr>
+            </a:p>
+          </p:txBody>
+        </p:sp>
+      </p:grpSp>
+      <p:sp>
+        <p:nvSpPr>
+          <p:cNvPr id="42" name="正方形/長方形 41"/>
+          <p:cNvSpPr/>
+          <p:nvPr/>
+        </p:nvSpPr>
+        <p:spPr>
+          <a:xfrm>
+            <a:off x="2718987" y="6272955"/>
+            <a:ext cx="1171930" cy="584775"/>
+          </a:xfrm>
+          <a:prstGeom prst="rect">
+            <a:avLst/>
+          </a:prstGeom>
+        </p:spPr>
+        <p:txBody>
+          <a:bodyPr wrap="square">
+            <a:spAutoFit/>
+          </a:bodyPr>
+          <a:lstStyle/>
+          <a:p>
+            <a:pPr algn="ctr"/>
+            <a:r>
+              <a:rPr lang="ja-JP" altLang="en-US" sz="1600" b="1" dirty="0" smtClean="0">
                 <a:ln>
                   <a:solidFill>
                     <a:schemeClr val="bg2">
@@ -4531,13 +6435,37 @@
                     </a:schemeClr>
                   </a:solidFill>
                 </a:ln>
-                <a:latin typeface="HG明朝B" panose="02020809000000000000" pitchFamily="17" charset="-128"/>
-                <a:ea typeface="HG明朝B" panose="02020809000000000000" pitchFamily="17" charset="-128"/>
-              </a:rPr>
-              <a:t>UP</a:t>
-            </a:r>
-            <a:r>
-              <a:rPr lang="ja-JP" altLang="en-US" dirty="0" smtClean="0">
+                <a:solidFill>
+                  <a:schemeClr val="bg2">
+                    <a:lumMod val="50000"/>
+                  </a:schemeClr>
+                </a:solidFill>
+                <a:latin typeface="HG明朝E" panose="02020909000000000000" pitchFamily="17" charset="-128"/>
+                <a:ea typeface="HG明朝E" panose="02020909000000000000" pitchFamily="17" charset="-128"/>
+              </a:rPr>
+              <a:t>ジャスト</a:t>
+            </a:r>
+            <a:endParaRPr lang="en-US" altLang="ja-JP" sz="1600" b="1" dirty="0" smtClean="0">
+              <a:ln>
+                <a:solidFill>
+                  <a:schemeClr val="bg2">
+                    <a:lumMod val="50000"/>
+                  </a:schemeClr>
+                </a:solidFill>
+              </a:ln>
+              <a:solidFill>
+                <a:schemeClr val="bg2">
+                  <a:lumMod val="50000"/>
+                </a:schemeClr>
+              </a:solidFill>
+              <a:latin typeface="HG明朝E" panose="02020909000000000000" pitchFamily="17" charset="-128"/>
+              <a:ea typeface="HG明朝E" panose="02020909000000000000" pitchFamily="17" charset="-128"/>
+            </a:endParaRPr>
+          </a:p>
+          <a:p>
+            <a:pPr algn="ctr"/>
+            <a:r>
+              <a:rPr lang="ja-JP" altLang="en-US" sz="1600" b="1" dirty="0" smtClean="0">
                 <a:ln>
                   <a:solidFill>
                     <a:schemeClr val="bg2">
@@ -4545,26 +6473,105 @@
                     </a:schemeClr>
                   </a:solidFill>
                 </a:ln>
-                <a:latin typeface="HG明朝B" panose="02020809000000000000" pitchFamily="17" charset="-128"/>
-                <a:ea typeface="HG明朝B" panose="02020809000000000000" pitchFamily="17" charset="-128"/>
-              </a:rPr>
-              <a:t>・攻撃の威力が</a:t>
-            </a:r>
-            <a:r>
-              <a:rPr lang="en-US" altLang="ja-JP" dirty="0" smtClean="0">
-                <a:ln>
-                  <a:solidFill>
-                    <a:schemeClr val="bg2">
-                      <a:lumMod val="50000"/>
-                    </a:schemeClr>
-                  </a:solidFill>
-                </a:ln>
-                <a:latin typeface="HG明朝B" panose="02020809000000000000" pitchFamily="17" charset="-128"/>
-                <a:ea typeface="HG明朝B" panose="02020809000000000000" pitchFamily="17" charset="-128"/>
-              </a:rPr>
-              <a:t>UP</a:t>
-            </a:r>
-          </a:p>
+                <a:solidFill>
+                  <a:schemeClr val="bg2">
+                    <a:lumMod val="50000"/>
+                  </a:schemeClr>
+                </a:solidFill>
+                <a:latin typeface="HG明朝E" panose="02020909000000000000" pitchFamily="17" charset="-128"/>
+                <a:ea typeface="HG明朝E" panose="02020909000000000000" pitchFamily="17" charset="-128"/>
+              </a:rPr>
+              <a:t>入力！</a:t>
+            </a:r>
+            <a:endParaRPr lang="en-US" altLang="ja-JP" sz="1600" b="1" dirty="0" smtClean="0">
+              <a:ln>
+                <a:solidFill>
+                  <a:schemeClr val="bg2">
+                    <a:lumMod val="50000"/>
+                  </a:schemeClr>
+                </a:solidFill>
+              </a:ln>
+              <a:solidFill>
+                <a:schemeClr val="bg2">
+                  <a:lumMod val="50000"/>
+                </a:schemeClr>
+              </a:solidFill>
+              <a:latin typeface="HG明朝E" panose="02020909000000000000" pitchFamily="17" charset="-128"/>
+              <a:ea typeface="HG明朝E" panose="02020909000000000000" pitchFamily="17" charset="-128"/>
+            </a:endParaRPr>
+          </a:p>
+        </p:txBody>
+      </p:sp>
+      <p:sp>
+        <p:nvSpPr>
+          <p:cNvPr id="64" name="雲形吹き出し 63"/>
+          <p:cNvSpPr/>
+          <p:nvPr/>
+        </p:nvSpPr>
+        <p:spPr>
+          <a:xfrm>
+            <a:off x="5384793" y="6586597"/>
+            <a:ext cx="1308510" cy="630231"/>
+          </a:xfrm>
+          <a:prstGeom prst="cloudCallout">
+            <a:avLst/>
+          </a:prstGeom>
+          <a:solidFill>
+            <a:schemeClr val="bg1"/>
+          </a:solidFill>
+          <a:effectLst>
+            <a:outerShdw blurRad="50800" dist="38100" dir="2700000" algn="tl" rotWithShape="0">
+              <a:prstClr val="black">
+                <a:alpha val="40000"/>
+              </a:prstClr>
+            </a:outerShdw>
+          </a:effectLst>
+        </p:spPr>
+        <p:style>
+          <a:lnRef idx="2">
+            <a:schemeClr val="accent1">
+              <a:shade val="50000"/>
+            </a:schemeClr>
+          </a:lnRef>
+          <a:fillRef idx="1">
+            <a:schemeClr val="accent1"/>
+          </a:fillRef>
+          <a:effectRef idx="0">
+            <a:schemeClr val="accent1"/>
+          </a:effectRef>
+          <a:fontRef idx="minor">
+            <a:schemeClr val="lt1"/>
+          </a:fontRef>
+        </p:style>
+        <p:txBody>
+          <a:bodyPr rtlCol="0" anchor="ctr"/>
+          <a:lstStyle/>
+          <a:p>
+            <a:pPr algn="ctr"/>
+            <a:endParaRPr kumimoji="1" lang="ja-JP" altLang="en-US"/>
+          </a:p>
+        </p:txBody>
+      </p:sp>
+      <p:sp>
+        <p:nvSpPr>
+          <p:cNvPr id="38" name="正方形/長方形 37"/>
+          <p:cNvSpPr/>
+          <p:nvPr/>
+        </p:nvSpPr>
+        <p:spPr>
+          <a:xfrm>
+            <a:off x="5419348" y="6729625"/>
+            <a:ext cx="1887007" cy="307777"/>
+          </a:xfrm>
+          <a:prstGeom prst="rect">
+            <a:avLst/>
+          </a:prstGeom>
+        </p:spPr>
+        <p:txBody>
+          <a:bodyPr wrap="square">
+            <a:spAutoFit/>
+          </a:bodyPr>
+          <a:lstStyle/>
           <a:p>
             <a:pPr>
               <a:spcBef>
@@ -4575,7 +6582,7 @@
               </a:spcAft>
             </a:pPr>
             <a:r>
-              <a:rPr lang="ja-JP" altLang="en-US" dirty="0">
+              <a:rPr lang="ja-JP" altLang="en-US" sz="1400" dirty="0" smtClean="0">
                 <a:ln>
                   <a:solidFill>
                     <a:schemeClr val="bg2">
@@ -4583,107 +6590,281 @@
                     </a:schemeClr>
                   </a:solidFill>
                 </a:ln>
-                <a:latin typeface="HG明朝B" panose="02020809000000000000" pitchFamily="17" charset="-128"/>
-                <a:ea typeface="HG明朝B" panose="02020809000000000000" pitchFamily="17" charset="-128"/>
-              </a:rPr>
-              <a:t> </a:t>
-            </a:r>
-            <a:r>
-              <a:rPr lang="en-US" altLang="ja-JP" dirty="0" smtClean="0">
-                <a:ln>
+                <a:solidFill>
+                  <a:schemeClr val="bg2">
+                    <a:lumMod val="50000"/>
+                  </a:schemeClr>
+                </a:solidFill>
+                <a:latin typeface="HG明朝E" panose="02020909000000000000" pitchFamily="17" charset="-128"/>
+                <a:ea typeface="HG明朝E" panose="02020909000000000000" pitchFamily="17" charset="-128"/>
+              </a:rPr>
+              <a:t>カウンター！</a:t>
+            </a:r>
+            <a:endParaRPr lang="en-US" altLang="ja-JP" sz="1400" dirty="0">
+              <a:ln>
+                <a:solidFill>
+                  <a:schemeClr val="bg2">
+                    <a:lumMod val="50000"/>
+                  </a:schemeClr>
+                </a:solidFill>
+              </a:ln>
+              <a:solidFill>
+                <a:schemeClr val="bg2">
+                  <a:lumMod val="50000"/>
+                </a:schemeClr>
+              </a:solidFill>
+              <a:latin typeface="HG明朝E" panose="02020909000000000000" pitchFamily="17" charset="-128"/>
+              <a:ea typeface="HG明朝E" panose="02020909000000000000" pitchFamily="17" charset="-128"/>
+            </a:endParaRPr>
+          </a:p>
+        </p:txBody>
+      </p:sp>
+      <p:sp>
+        <p:nvSpPr>
+          <p:cNvPr id="21" name="星 7 20"/>
+          <p:cNvSpPr/>
+          <p:nvPr/>
+        </p:nvSpPr>
+        <p:spPr>
+          <a:xfrm>
+            <a:off x="-552581" y="7742285"/>
+            <a:ext cx="8141578" cy="2436153"/>
+          </a:xfrm>
+          <a:prstGeom prst="star7">
+            <a:avLst/>
+          </a:prstGeom>
+          <a:solidFill>
+            <a:srgbClr val="FF0000">
+              <a:alpha val="40000"/>
+            </a:srgbClr>
+          </a:solidFill>
+          <a:ln>
+            <a:noFill/>
+          </a:ln>
+          <a:effectLst>
+            <a:glow rad="279400">
+              <a:schemeClr val="accent4">
+                <a:lumMod val="20000"/>
+                <a:lumOff val="80000"/>
+                <a:alpha val="44000"/>
+              </a:schemeClr>
+            </a:glow>
+          </a:effectLst>
+        </p:spPr>
+        <p:style>
+          <a:lnRef idx="2">
+            <a:schemeClr val="accent1">
+              <a:shade val="50000"/>
+            </a:schemeClr>
+          </a:lnRef>
+          <a:fillRef idx="1">
+            <a:schemeClr val="accent1"/>
+          </a:fillRef>
+          <a:effectRef idx="0">
+            <a:schemeClr val="accent1"/>
+          </a:effectRef>
+          <a:fontRef idx="minor">
+            <a:schemeClr val="lt1"/>
+          </a:fontRef>
+        </p:style>
+        <p:txBody>
+          <a:bodyPr rtlCol="0" anchor="ctr"/>
+          <a:lstStyle/>
+          <a:p>
+            <a:pPr algn="ctr"/>
+            <a:endParaRPr kumimoji="1" lang="ja-JP" altLang="en-US"/>
+          </a:p>
+        </p:txBody>
+      </p:sp>
+      <p:sp>
+        <p:nvSpPr>
+          <p:cNvPr id="14" name="正方形/長方形 13"/>
+          <p:cNvSpPr/>
+          <p:nvPr/>
+        </p:nvSpPr>
+        <p:spPr>
+          <a:xfrm>
+            <a:off x="-1324" y="8348985"/>
+            <a:ext cx="7039065" cy="1318310"/>
+          </a:xfrm>
+          <a:prstGeom prst="rect">
+            <a:avLst/>
+          </a:prstGeom>
+          <a:noFill/>
+        </p:spPr>
+        <p:txBody>
+          <a:bodyPr wrap="square">
+            <a:spAutoFit/>
+          </a:bodyPr>
+          <a:lstStyle/>
+          <a:p>
+            <a:pPr algn="ctr">
+              <a:lnSpc>
+                <a:spcPct val="150000"/>
+              </a:lnSpc>
+              <a:spcBef>
+                <a:spcPts val="100"/>
+              </a:spcBef>
+              <a:spcAft>
+                <a:spcPts val="100"/>
+              </a:spcAft>
+            </a:pPr>
+            <a:r>
+              <a:rPr lang="en-US" altLang="ja-JP" sz="2800" b="1" dirty="0" smtClean="0">
+                <a:ln w="0" cap="rnd">
                   <a:solidFill>
-                    <a:schemeClr val="bg2">
+                    <a:schemeClr val="accent5">
                       <a:lumMod val="50000"/>
                     </a:schemeClr>
                   </a:solidFill>
+                  <a:bevel/>
                 </a:ln>
-                <a:latin typeface="HG明朝B" panose="02020809000000000000" pitchFamily="17" charset="-128"/>
-                <a:ea typeface="HG明朝B" panose="02020809000000000000" pitchFamily="17" charset="-128"/>
-              </a:rPr>
-              <a:t>※</a:t>
-            </a:r>
-            <a:r>
-              <a:rPr lang="ja-JP" altLang="en-US" dirty="0" smtClean="0">
-                <a:ln>
+                <a:solidFill>
+                  <a:srgbClr val="FFFF00"/>
+                </a:solidFill>
+                <a:latin typeface="HG明朝E" panose="02020909000000000000" pitchFamily="17" charset="-128"/>
+                <a:ea typeface="HG明朝E" panose="02020909000000000000" pitchFamily="17" charset="-128"/>
+              </a:rPr>
+              <a:t>AI</a:t>
+            </a:r>
+            <a:r>
+              <a:rPr lang="ja-JP" altLang="en-US" sz="2800" b="1" dirty="0" smtClean="0">
+                <a:ln w="0" cap="rnd">
                   <a:solidFill>
-                    <a:schemeClr val="bg2">
+                    <a:schemeClr val="accent5">
                       <a:lumMod val="50000"/>
                     </a:schemeClr>
                   </a:solidFill>
+                  <a:bevel/>
                 </a:ln>
-                <a:latin typeface="HG明朝B" panose="02020809000000000000" pitchFamily="17" charset="-128"/>
-                <a:ea typeface="HG明朝B" panose="02020809000000000000" pitchFamily="17" charset="-128"/>
-              </a:rPr>
-              <a:t>ガード</a:t>
-            </a:r>
-            <a:r>
-              <a:rPr lang="ja-JP" altLang="en-US" dirty="0">
-                <a:ln>
+                <a:solidFill>
+                  <a:srgbClr val="FFFF00"/>
+                </a:solidFill>
+                <a:latin typeface="HG明朝E" panose="02020909000000000000" pitchFamily="17" charset="-128"/>
+                <a:ea typeface="HG明朝E" panose="02020909000000000000" pitchFamily="17" charset="-128"/>
+              </a:rPr>
+              <a:t>ナビと協力してボスの攻略を目指そう！</a:t>
+            </a:r>
+            <a:endParaRPr lang="en-US" altLang="ja-JP" sz="2800" b="1" dirty="0" smtClean="0">
+              <a:ln w="0" cap="rnd">
+                <a:solidFill>
+                  <a:schemeClr val="accent5">
+                    <a:lumMod val="50000"/>
+                  </a:schemeClr>
+                </a:solidFill>
+                <a:bevel/>
+              </a:ln>
+              <a:solidFill>
+                <a:srgbClr val="FFFF00"/>
+              </a:solidFill>
+              <a:latin typeface="HG明朝E" panose="02020909000000000000" pitchFamily="17" charset="-128"/>
+              <a:ea typeface="HG明朝E" panose="02020909000000000000" pitchFamily="17" charset="-128"/>
+            </a:endParaRPr>
+          </a:p>
+          <a:p>
+            <a:pPr algn="ctr">
+              <a:lnSpc>
+                <a:spcPct val="150000"/>
+              </a:lnSpc>
+              <a:spcBef>
+                <a:spcPts val="100"/>
+              </a:spcBef>
+              <a:spcAft>
+                <a:spcPts val="100"/>
+              </a:spcAft>
+            </a:pPr>
+            <a:r>
+              <a:rPr lang="ja-JP" altLang="en-US" sz="2400" b="1" dirty="0" smtClean="0">
+                <a:ln w="0" cap="rnd">
                   <a:solidFill>
-                    <a:schemeClr val="bg2">
+                    <a:schemeClr val="accent5">
                       <a:lumMod val="50000"/>
                     </a:schemeClr>
                   </a:solidFill>
+                  <a:bevel/>
                 </a:ln>
-                <a:latin typeface="HG明朝B" panose="02020809000000000000" pitchFamily="17" charset="-128"/>
-                <a:ea typeface="HG明朝B" panose="02020809000000000000" pitchFamily="17" charset="-128"/>
-              </a:rPr>
-              <a:t>や回避も</a:t>
-            </a:r>
-            <a:r>
-              <a:rPr lang="ja-JP" altLang="en-US" dirty="0" smtClean="0">
-                <a:ln>
+                <a:solidFill>
+                  <a:srgbClr val="FFFF00"/>
+                </a:solidFill>
+                <a:latin typeface="HG明朝E" panose="02020909000000000000" pitchFamily="17" charset="-128"/>
+                <a:ea typeface="HG明朝E" panose="02020909000000000000" pitchFamily="17" charset="-128"/>
+              </a:rPr>
+              <a:t>コマンドを繋げ最高のパフォーマンス</a:t>
+            </a:r>
+            <a:r>
+              <a:rPr lang="ja-JP" altLang="en-US" sz="2400" b="1" dirty="0" smtClean="0">
+                <a:ln w="0" cap="rnd">
                   <a:solidFill>
-                    <a:schemeClr val="bg2">
+                    <a:schemeClr val="accent5">
                       <a:lumMod val="50000"/>
                     </a:schemeClr>
                   </a:solidFill>
+                  <a:bevel/>
                 </a:ln>
-                <a:latin typeface="HG明朝B" panose="02020809000000000000" pitchFamily="17" charset="-128"/>
-                <a:ea typeface="HG明朝B" panose="02020809000000000000" pitchFamily="17" charset="-128"/>
-              </a:rPr>
-              <a:t>コマンド</a:t>
-            </a:r>
-            <a:r>
-              <a:rPr lang="ja-JP" altLang="en-US" dirty="0">
-                <a:ln>
+                <a:solidFill>
+                  <a:srgbClr val="FFFF00"/>
+                </a:solidFill>
+                <a:latin typeface="HG明朝E" panose="02020909000000000000" pitchFamily="17" charset="-128"/>
+                <a:ea typeface="HG明朝E" panose="02020909000000000000" pitchFamily="17" charset="-128"/>
+              </a:rPr>
+              <a:t>を</a:t>
+            </a:r>
+            <a:r>
+              <a:rPr lang="ja-JP" altLang="en-US" sz="2400" b="1" dirty="0">
+                <a:ln w="0" cap="rnd">
                   <a:solidFill>
-                    <a:schemeClr val="bg2">
+                    <a:schemeClr val="accent5">
                       <a:lumMod val="50000"/>
                     </a:schemeClr>
                   </a:solidFill>
+                  <a:bevel/>
                 </a:ln>
-                <a:latin typeface="HG明朝B" panose="02020809000000000000" pitchFamily="17" charset="-128"/>
-                <a:ea typeface="HG明朝B" panose="02020809000000000000" pitchFamily="17" charset="-128"/>
-              </a:rPr>
-              <a:t>で</a:t>
-            </a:r>
-            <a:r>
-              <a:rPr lang="ja-JP" altLang="en-US" dirty="0" smtClean="0">
-                <a:ln>
-                  <a:solidFill>
-                    <a:schemeClr val="bg2">
-                      <a:lumMod val="50000"/>
-                    </a:schemeClr>
-                  </a:solidFill>
-                </a:ln>
-                <a:latin typeface="HG明朝B" panose="02020809000000000000" pitchFamily="17" charset="-128"/>
-                <a:ea typeface="HG明朝B" panose="02020809000000000000" pitchFamily="17" charset="-128"/>
-              </a:rPr>
-              <a:t>表示。</a:t>
-            </a:r>
-            <a:endParaRPr lang="en-US" altLang="ja-JP" dirty="0" smtClean="0">
-              <a:ln>
-                <a:solidFill>
-                  <a:schemeClr val="bg2">
+                <a:solidFill>
+                  <a:srgbClr val="FFFF00"/>
+                </a:solidFill>
+                <a:latin typeface="HG明朝E" panose="02020909000000000000" pitchFamily="17" charset="-128"/>
+                <a:ea typeface="HG明朝E" panose="02020909000000000000" pitchFamily="17" charset="-128"/>
+              </a:rPr>
+              <a:t>！</a:t>
+            </a:r>
+            <a:endParaRPr lang="en-US" altLang="ja-JP" sz="2400" b="1" dirty="0" smtClean="0">
+              <a:ln w="0" cap="rnd">
+                <a:solidFill>
+                  <a:schemeClr val="accent5">
                     <a:lumMod val="50000"/>
                   </a:schemeClr>
                 </a:solidFill>
+                <a:bevel/>
               </a:ln>
-              <a:latin typeface="HG明朝B" panose="02020809000000000000" pitchFamily="17" charset="-128"/>
-              <a:ea typeface="HG明朝B" panose="02020809000000000000" pitchFamily="17" charset="-128"/>
+              <a:solidFill>
+                <a:srgbClr val="FFFF00"/>
+              </a:solidFill>
+              <a:latin typeface="HG明朝E" panose="02020909000000000000" pitchFamily="17" charset="-128"/>
+              <a:ea typeface="HG明朝E" panose="02020909000000000000" pitchFamily="17" charset="-128"/>
             </a:endParaRPr>
           </a:p>
+        </p:txBody>
+      </p:sp>
+      <p:sp>
+        <p:nvSpPr>
+          <p:cNvPr id="6" name="正方形/長方形 5"/>
+          <p:cNvSpPr/>
+          <p:nvPr/>
+        </p:nvSpPr>
+        <p:spPr>
+          <a:xfrm>
+            <a:off x="143162" y="1843608"/>
+            <a:ext cx="450826" cy="1892826"/>
+          </a:xfrm>
+          <a:prstGeom prst="rect">
+            <a:avLst/>
+          </a:prstGeom>
+        </p:spPr>
+        <p:txBody>
+          <a:bodyPr wrap="square">
+            <a:spAutoFit/>
+          </a:bodyPr>
+          <a:lstStyle/>
           <a:p>
             <a:pPr>
               <a:spcBef>
@@ -4694,170 +6875,17 @@
               </a:spcAft>
             </a:pPr>
             <a:r>
-              <a:rPr lang="ja-JP" altLang="en-US" dirty="0" smtClean="0">
+              <a:rPr lang="en-US" altLang="ja-JP" sz="2800" b="1" dirty="0">
                 <a:ln>
                   <a:solidFill>
-                    <a:schemeClr val="bg2">
-                      <a:lumMod val="50000"/>
-                    </a:schemeClr>
+                    <a:srgbClr val="8D8D8D"/>
                   </a:solidFill>
                 </a:ln>
                 <a:latin typeface="HG明朝B" panose="02020809000000000000" pitchFamily="17" charset="-128"/>
                 <a:ea typeface="HG明朝B" panose="02020809000000000000" pitchFamily="17" charset="-128"/>
               </a:rPr>
-              <a:t>例：「○</a:t>
-            </a:r>
-            <a:r>
-              <a:rPr lang="en-US" altLang="ja-JP" dirty="0" smtClean="0">
-                <a:ln>
-                  <a:solidFill>
-                    <a:schemeClr val="bg2">
-                      <a:lumMod val="50000"/>
-                    </a:schemeClr>
-                  </a:solidFill>
-                </a:ln>
-                <a:latin typeface="HG明朝B" panose="02020809000000000000" pitchFamily="17" charset="-128"/>
-                <a:ea typeface="HG明朝B" panose="02020809000000000000" pitchFamily="17" charset="-128"/>
-              </a:rPr>
-              <a:t>‣</a:t>
-            </a:r>
-            <a:r>
-              <a:rPr lang="ja-JP" altLang="en-US" dirty="0" smtClean="0">
-                <a:ln>
-                  <a:solidFill>
-                    <a:schemeClr val="bg2">
-                      <a:lumMod val="50000"/>
-                    </a:schemeClr>
-                  </a:solidFill>
-                </a:ln>
-                <a:latin typeface="HG明朝B" panose="02020809000000000000" pitchFamily="17" charset="-128"/>
-                <a:ea typeface="HG明朝B" panose="02020809000000000000" pitchFamily="17" charset="-128"/>
-              </a:rPr>
-              <a:t>○</a:t>
-            </a:r>
-            <a:r>
-              <a:rPr lang="en-US" altLang="ja-JP" dirty="0" smtClean="0">
-                <a:ln>
-                  <a:solidFill>
-                    <a:schemeClr val="bg2">
-                      <a:lumMod val="50000"/>
-                    </a:schemeClr>
-                  </a:solidFill>
-                </a:ln>
-                <a:latin typeface="HG明朝B" panose="02020809000000000000" pitchFamily="17" charset="-128"/>
-                <a:ea typeface="HG明朝B" panose="02020809000000000000" pitchFamily="17" charset="-128"/>
-              </a:rPr>
-              <a:t>‣</a:t>
-            </a:r>
-            <a:r>
-              <a:rPr lang="ja-JP" altLang="en-US" dirty="0" smtClean="0">
-                <a:ln>
-                  <a:solidFill>
-                    <a:schemeClr val="bg2">
-                      <a:lumMod val="50000"/>
-                    </a:schemeClr>
-                  </a:solidFill>
-                </a:ln>
-                <a:latin typeface="HG明朝B" panose="02020809000000000000" pitchFamily="17" charset="-128"/>
-                <a:ea typeface="HG明朝B" panose="02020809000000000000" pitchFamily="17" charset="-128"/>
-              </a:rPr>
-              <a:t>△」「□</a:t>
-            </a:r>
-            <a:r>
-              <a:rPr lang="en-US" altLang="ja-JP" dirty="0" smtClean="0">
-                <a:ln>
-                  <a:solidFill>
-                    <a:schemeClr val="bg2">
-                      <a:lumMod val="50000"/>
-                    </a:schemeClr>
-                  </a:solidFill>
-                </a:ln>
-                <a:latin typeface="HG明朝B" panose="02020809000000000000" pitchFamily="17" charset="-128"/>
-                <a:ea typeface="HG明朝B" panose="02020809000000000000" pitchFamily="17" charset="-128"/>
-              </a:rPr>
-              <a:t>‣×‣</a:t>
-            </a:r>
-            <a:r>
-              <a:rPr lang="ja-JP" altLang="en-US" dirty="0" smtClean="0">
-                <a:ln>
-                  <a:solidFill>
-                    <a:schemeClr val="bg2">
-                      <a:lumMod val="50000"/>
-                    </a:schemeClr>
-                  </a:solidFill>
-                </a:ln>
-                <a:latin typeface="HG明朝B" panose="02020809000000000000" pitchFamily="17" charset="-128"/>
-                <a:ea typeface="HG明朝B" panose="02020809000000000000" pitchFamily="17" charset="-128"/>
-              </a:rPr>
-              <a:t>○</a:t>
-            </a:r>
-            <a:r>
-              <a:rPr lang="en-US" altLang="ja-JP" dirty="0" smtClean="0">
-                <a:ln>
-                  <a:solidFill>
-                    <a:schemeClr val="bg2">
-                      <a:lumMod val="50000"/>
-                    </a:schemeClr>
-                  </a:solidFill>
-                </a:ln>
-                <a:latin typeface="HG明朝B" panose="02020809000000000000" pitchFamily="17" charset="-128"/>
-                <a:ea typeface="HG明朝B" panose="02020809000000000000" pitchFamily="17" charset="-128"/>
-              </a:rPr>
-              <a:t>‣</a:t>
-            </a:r>
-            <a:r>
-              <a:rPr lang="ja-JP" altLang="en-US" dirty="0" smtClean="0">
-                <a:ln>
-                  <a:solidFill>
-                    <a:schemeClr val="bg2">
-                      <a:lumMod val="50000"/>
-                    </a:schemeClr>
-                  </a:solidFill>
-                </a:ln>
-                <a:latin typeface="HG明朝B" panose="02020809000000000000" pitchFamily="17" charset="-128"/>
-                <a:ea typeface="HG明朝B" panose="02020809000000000000" pitchFamily="17" charset="-128"/>
-              </a:rPr>
-              <a:t>○</a:t>
-            </a:r>
-            <a:r>
-              <a:rPr lang="en-US" altLang="ja-JP" dirty="0" smtClean="0">
-                <a:ln>
-                  <a:solidFill>
-                    <a:schemeClr val="bg2">
-                      <a:lumMod val="50000"/>
-                    </a:schemeClr>
-                  </a:solidFill>
-                </a:ln>
-                <a:latin typeface="HG明朝B" panose="02020809000000000000" pitchFamily="17" charset="-128"/>
-                <a:ea typeface="HG明朝B" panose="02020809000000000000" pitchFamily="17" charset="-128"/>
-              </a:rPr>
-              <a:t>‣</a:t>
-            </a:r>
-            <a:r>
-              <a:rPr lang="ja-JP" altLang="en-US" dirty="0" smtClean="0">
-                <a:ln>
-                  <a:solidFill>
-                    <a:schemeClr val="bg2">
-                      <a:lumMod val="50000"/>
-                    </a:schemeClr>
-                  </a:solidFill>
-                </a:ln>
-                <a:latin typeface="HG明朝B" panose="02020809000000000000" pitchFamily="17" charset="-128"/>
-                <a:ea typeface="HG明朝B" panose="02020809000000000000" pitchFamily="17" charset="-128"/>
-              </a:rPr>
-              <a:t>△」</a:t>
-            </a:r>
-            <a:endParaRPr lang="en-US" altLang="ja-JP" dirty="0" smtClean="0">
-              <a:ln>
-                <a:solidFill>
-                  <a:schemeClr val="bg2">
-                    <a:lumMod val="50000"/>
-                  </a:schemeClr>
-                </a:solidFill>
-              </a:ln>
-              <a:latin typeface="HG明朝B" panose="02020809000000000000" pitchFamily="17" charset="-128"/>
-              <a:ea typeface="HG明朝B" panose="02020809000000000000" pitchFamily="17" charset="-128"/>
-            </a:endParaRPr>
+              <a:t>-</a:t>
+            </a:r>
           </a:p>
           <a:p>
             <a:pPr>
@@ -4868,40 +6896,28 @@
                 <a:spcPts val="100"/>
               </a:spcAft>
             </a:pPr>
-            <a:endParaRPr lang="en-US" altLang="ja-JP" dirty="0">
+            <a:r>
+              <a:rPr lang="ja-JP" altLang="en-US" sz="2800" b="1" dirty="0">
+                <a:ln>
+                  <a:solidFill>
+                    <a:srgbClr val="8D8D8D"/>
+                  </a:solidFill>
+                </a:ln>
+                <a:latin typeface="HG明朝B" panose="02020809000000000000" pitchFamily="17" charset="-128"/>
+                <a:ea typeface="HG明朝B" panose="02020809000000000000" pitchFamily="17" charset="-128"/>
+              </a:rPr>
+              <a:t>武</a:t>
+            </a:r>
+            <a:endParaRPr lang="en-US" altLang="ja-JP" sz="2800" b="1" dirty="0">
               <a:ln>
                 <a:solidFill>
-                  <a:schemeClr val="bg2">
-                    <a:lumMod val="50000"/>
-                  </a:schemeClr>
+                  <a:srgbClr val="8D8D8D"/>
                 </a:solidFill>
               </a:ln>
               <a:latin typeface="HG明朝B" panose="02020809000000000000" pitchFamily="17" charset="-128"/>
               <a:ea typeface="HG明朝B" panose="02020809000000000000" pitchFamily="17" charset="-128"/>
             </a:endParaRPr>
           </a:p>
-        </p:txBody>
-      </p:sp>
-      <p:sp>
-        <p:nvSpPr>
-          <p:cNvPr id="14" name="正方形/長方形 13"/>
-          <p:cNvSpPr/>
-          <p:nvPr/>
-        </p:nvSpPr>
-        <p:spPr>
-          <a:xfrm>
-            <a:off x="31503" y="8714587"/>
-            <a:ext cx="6140109" cy="369332"/>
-          </a:xfrm>
-          <a:prstGeom prst="rect">
-            <a:avLst/>
-          </a:prstGeom>
-        </p:spPr>
-        <p:txBody>
-          <a:bodyPr wrap="square">
-            <a:spAutoFit/>
-          </a:bodyPr>
-          <a:lstStyle/>
           <a:p>
             <a:pPr>
               <a:spcBef>
@@ -4912,7 +6928,699 @@
               </a:spcAft>
             </a:pPr>
             <a:r>
-              <a:rPr lang="ja-JP" altLang="en-US" dirty="0" smtClean="0">
+              <a:rPr lang="ja-JP" altLang="en-US" sz="2800" b="1" dirty="0">
+                <a:ln>
+                  <a:solidFill>
+                    <a:srgbClr val="8D8D8D"/>
+                  </a:solidFill>
+                </a:ln>
+                <a:latin typeface="HG明朝B" panose="02020809000000000000" pitchFamily="17" charset="-128"/>
+                <a:ea typeface="HG明朝B" panose="02020809000000000000" pitchFamily="17" charset="-128"/>
+              </a:rPr>
+              <a:t>器</a:t>
+            </a:r>
+            <a:endParaRPr lang="en-US" altLang="ja-JP" sz="2800" b="1" dirty="0">
+              <a:ln>
+                <a:solidFill>
+                  <a:srgbClr val="8D8D8D"/>
+                </a:solidFill>
+              </a:ln>
+              <a:latin typeface="HG明朝B" panose="02020809000000000000" pitchFamily="17" charset="-128"/>
+              <a:ea typeface="HG明朝B" panose="02020809000000000000" pitchFamily="17" charset="-128"/>
+            </a:endParaRPr>
+          </a:p>
+          <a:p>
+            <a:pPr>
+              <a:spcBef>
+                <a:spcPts val="100"/>
+              </a:spcBef>
+              <a:spcAft>
+                <a:spcPts val="100"/>
+              </a:spcAft>
+            </a:pPr>
+            <a:r>
+              <a:rPr lang="en-US" altLang="ja-JP" sz="2800" b="1" dirty="0">
+                <a:ln>
+                  <a:solidFill>
+                    <a:srgbClr val="8D8D8D"/>
+                  </a:solidFill>
+                </a:ln>
+                <a:latin typeface="HG明朝B" panose="02020809000000000000" pitchFamily="17" charset="-128"/>
+                <a:ea typeface="HG明朝B" panose="02020809000000000000" pitchFamily="17" charset="-128"/>
+              </a:rPr>
+              <a:t>-</a:t>
+            </a:r>
+            <a:endParaRPr lang="en-US" altLang="ja-JP" sz="2800" b="1" dirty="0">
+              <a:ln>
+                <a:solidFill>
+                  <a:srgbClr val="8D8D8D"/>
+                </a:solidFill>
+              </a:ln>
+              <a:latin typeface="HG明朝B" panose="02020809000000000000" pitchFamily="17" charset="-128"/>
+              <a:ea typeface="HG明朝B" panose="02020809000000000000" pitchFamily="17" charset="-128"/>
+            </a:endParaRPr>
+          </a:p>
+        </p:txBody>
+      </p:sp>
+      <p:sp>
+        <p:nvSpPr>
+          <p:cNvPr id="5" name="テキスト ボックス 4"/>
+          <p:cNvSpPr txBox="1"/>
+          <p:nvPr/>
+        </p:nvSpPr>
+        <p:spPr>
+          <a:xfrm>
+            <a:off x="121251" y="7294383"/>
+            <a:ext cx="1872629" cy="1107996"/>
+          </a:xfrm>
+          <a:prstGeom prst="rect">
+            <a:avLst/>
+          </a:prstGeom>
+          <a:noFill/>
+        </p:spPr>
+        <p:txBody>
+          <a:bodyPr wrap="none" rtlCol="0">
+            <a:spAutoFit/>
+          </a:bodyPr>
+          <a:lstStyle/>
+          <a:p>
+            <a:r>
+              <a:rPr lang="en-US" altLang="ja-JP" sz="6600" dirty="0" smtClean="0">
+                <a:solidFill>
+                  <a:schemeClr val="bg2">
+                    <a:lumMod val="50000"/>
+                  </a:schemeClr>
+                </a:solidFill>
+                <a:effectLst>
+                  <a:outerShdw dist="50800" algn="l" rotWithShape="0">
+                    <a:prstClr val="black">
+                      <a:alpha val="20000"/>
+                    </a:prstClr>
+                  </a:outerShdw>
+                </a:effectLst>
+                <a:latin typeface="Bernard MT Condensed" panose="02050806060905020404" pitchFamily="18" charset="0"/>
+                <a:ea typeface="HGP行書体" panose="03000600000000000000" pitchFamily="66" charset="-128"/>
+              </a:rPr>
+              <a:t>O</a:t>
+            </a:r>
+            <a:r>
+              <a:rPr lang="en-US" altLang="ja-JP" sz="3200" dirty="0" smtClean="0">
+                <a:effectLst>
+                  <a:outerShdw dist="50800" algn="l" rotWithShape="0">
+                    <a:prstClr val="black">
+                      <a:alpha val="20000"/>
+                    </a:prstClr>
+                  </a:outerShdw>
+                </a:effectLst>
+                <a:latin typeface="Bernard MT Condensed" panose="02050806060905020404" pitchFamily="18" charset="0"/>
+                <a:ea typeface="HGP行書体" panose="03000600000000000000" pitchFamily="66" charset="-128"/>
+              </a:rPr>
+              <a:t>verview</a:t>
+            </a:r>
+          </a:p>
+        </p:txBody>
+      </p:sp>
+      <p:sp>
+        <p:nvSpPr>
+          <p:cNvPr id="60" name="雲形吹き出し 59"/>
+          <p:cNvSpPr/>
+          <p:nvPr/>
+        </p:nvSpPr>
+        <p:spPr>
+          <a:xfrm>
+            <a:off x="2522355" y="4077537"/>
+            <a:ext cx="1411163" cy="704389"/>
+          </a:xfrm>
+          <a:prstGeom prst="cloudCallout">
+            <a:avLst/>
+          </a:prstGeom>
+          <a:solidFill>
+            <a:schemeClr val="bg1"/>
+          </a:solidFill>
+          <a:effectLst>
+            <a:outerShdw blurRad="50800" dist="38100" dir="2700000" algn="tl" rotWithShape="0">
+              <a:prstClr val="black">
+                <a:alpha val="40000"/>
+              </a:prstClr>
+            </a:outerShdw>
+          </a:effectLst>
+        </p:spPr>
+        <p:style>
+          <a:lnRef idx="2">
+            <a:schemeClr val="accent1">
+              <a:shade val="50000"/>
+            </a:schemeClr>
+          </a:lnRef>
+          <a:fillRef idx="1">
+            <a:schemeClr val="accent1"/>
+          </a:fillRef>
+          <a:effectRef idx="0">
+            <a:schemeClr val="accent1"/>
+          </a:effectRef>
+          <a:fontRef idx="minor">
+            <a:schemeClr val="lt1"/>
+          </a:fontRef>
+        </p:style>
+        <p:txBody>
+          <a:bodyPr rtlCol="0" anchor="ctr"/>
+          <a:lstStyle/>
+          <a:p>
+            <a:pPr algn="ctr"/>
+            <a:endParaRPr kumimoji="1" lang="ja-JP" altLang="en-US" dirty="0">
+              <a:solidFill>
+                <a:schemeClr val="bg2">
+                  <a:lumMod val="50000"/>
+                </a:schemeClr>
+              </a:solidFill>
+            </a:endParaRPr>
+          </a:p>
+        </p:txBody>
+      </p:sp>
+      <p:sp>
+        <p:nvSpPr>
+          <p:cNvPr id="62" name="雲形吹き出し 61"/>
+          <p:cNvSpPr/>
+          <p:nvPr/>
+        </p:nvSpPr>
+        <p:spPr>
+          <a:xfrm>
+            <a:off x="3640316" y="5020780"/>
+            <a:ext cx="1472138" cy="669872"/>
+          </a:xfrm>
+          <a:prstGeom prst="cloudCallout">
+            <a:avLst/>
+          </a:prstGeom>
+          <a:solidFill>
+            <a:schemeClr val="bg1"/>
+          </a:solidFill>
+          <a:effectLst>
+            <a:outerShdw blurRad="50800" dist="38100" dir="2700000" algn="tl" rotWithShape="0">
+              <a:prstClr val="black">
+                <a:alpha val="40000"/>
+              </a:prstClr>
+            </a:outerShdw>
+          </a:effectLst>
+        </p:spPr>
+        <p:style>
+          <a:lnRef idx="2">
+            <a:schemeClr val="accent1">
+              <a:shade val="50000"/>
+            </a:schemeClr>
+          </a:lnRef>
+          <a:fillRef idx="1">
+            <a:schemeClr val="accent1"/>
+          </a:fillRef>
+          <a:effectRef idx="0">
+            <a:schemeClr val="accent1"/>
+          </a:effectRef>
+          <a:fontRef idx="minor">
+            <a:schemeClr val="lt1"/>
+          </a:fontRef>
+        </p:style>
+        <p:txBody>
+          <a:bodyPr rtlCol="0" anchor="ctr"/>
+          <a:lstStyle/>
+          <a:p>
+            <a:pPr algn="ctr"/>
+            <a:endParaRPr kumimoji="1" lang="ja-JP" altLang="en-US"/>
+          </a:p>
+        </p:txBody>
+      </p:sp>
+      <p:sp>
+        <p:nvSpPr>
+          <p:cNvPr id="36" name="正方形/長方形 35"/>
+          <p:cNvSpPr/>
+          <p:nvPr/>
+        </p:nvSpPr>
+        <p:spPr>
+          <a:xfrm>
+            <a:off x="2685825" y="4164394"/>
+            <a:ext cx="1149674" cy="523220"/>
+          </a:xfrm>
+          <a:prstGeom prst="rect">
+            <a:avLst/>
+          </a:prstGeom>
+        </p:spPr>
+        <p:txBody>
+          <a:bodyPr wrap="none">
+            <a:spAutoFit/>
+          </a:bodyPr>
+          <a:lstStyle/>
+          <a:p>
+            <a:r>
+              <a:rPr lang="ja-JP" altLang="en-US" sz="1400" b="1" dirty="0">
+                <a:solidFill>
+                  <a:schemeClr val="bg2">
+                    <a:lumMod val="50000"/>
+                  </a:schemeClr>
+                </a:solidFill>
+                <a:latin typeface="HGP明朝E" panose="02020900000000000000" pitchFamily="18" charset="-128"/>
+                <a:ea typeface="HGP明朝E" panose="02020900000000000000" pitchFamily="18" charset="-128"/>
+              </a:rPr>
+              <a:t>コンボ</a:t>
+            </a:r>
+            <a:r>
+              <a:rPr lang="ja-JP" altLang="en-US" sz="1400" b="1" dirty="0" smtClean="0">
+                <a:solidFill>
+                  <a:schemeClr val="bg2">
+                    <a:lumMod val="50000"/>
+                  </a:schemeClr>
+                </a:solidFill>
+                <a:latin typeface="HGP明朝E" panose="02020900000000000000" pitchFamily="18" charset="-128"/>
+                <a:ea typeface="HGP明朝E" panose="02020900000000000000" pitchFamily="18" charset="-128"/>
+              </a:rPr>
+              <a:t>を</a:t>
+            </a:r>
+            <a:endParaRPr lang="en-US" altLang="ja-JP" sz="1400" b="1" dirty="0" smtClean="0">
+              <a:solidFill>
+                <a:schemeClr val="bg2">
+                  <a:lumMod val="50000"/>
+                </a:schemeClr>
+              </a:solidFill>
+              <a:latin typeface="HGP明朝E" panose="02020900000000000000" pitchFamily="18" charset="-128"/>
+              <a:ea typeface="HGP明朝E" panose="02020900000000000000" pitchFamily="18" charset="-128"/>
+            </a:endParaRPr>
+          </a:p>
+          <a:p>
+            <a:pPr algn="ctr"/>
+            <a:r>
+              <a:rPr lang="ja-JP" altLang="en-US" sz="1400" b="1" dirty="0" smtClean="0">
+                <a:solidFill>
+                  <a:schemeClr val="bg2">
+                    <a:lumMod val="50000"/>
+                  </a:schemeClr>
+                </a:solidFill>
+                <a:latin typeface="HGP明朝E" panose="02020900000000000000" pitchFamily="18" charset="-128"/>
+                <a:ea typeface="HGP明朝E" panose="02020900000000000000" pitchFamily="18" charset="-128"/>
+              </a:rPr>
+              <a:t>つなげると</a:t>
+            </a:r>
+            <a:r>
+              <a:rPr lang="en-US" altLang="ja-JP" sz="1400" b="1" dirty="0" smtClean="0">
+                <a:solidFill>
+                  <a:schemeClr val="bg2">
+                    <a:lumMod val="50000"/>
+                  </a:schemeClr>
+                </a:solidFill>
+                <a:latin typeface="HGP明朝E" panose="02020900000000000000" pitchFamily="18" charset="-128"/>
+                <a:ea typeface="HGP明朝E" panose="02020900000000000000" pitchFamily="18" charset="-128"/>
+              </a:rPr>
+              <a:t>…</a:t>
+            </a:r>
+            <a:endParaRPr lang="ja-JP" altLang="en-US" sz="1400" b="1" dirty="0">
+              <a:solidFill>
+                <a:schemeClr val="bg2">
+                  <a:lumMod val="50000"/>
+                </a:schemeClr>
+              </a:solidFill>
+              <a:latin typeface="HGP明朝E" panose="02020900000000000000" pitchFamily="18" charset="-128"/>
+              <a:ea typeface="HGP明朝E" panose="02020900000000000000" pitchFamily="18" charset="-128"/>
+            </a:endParaRPr>
+          </a:p>
+        </p:txBody>
+      </p:sp>
+      <p:sp>
+        <p:nvSpPr>
+          <p:cNvPr id="66" name="正方形/長方形 65"/>
+          <p:cNvSpPr/>
+          <p:nvPr/>
+        </p:nvSpPr>
+        <p:spPr>
+          <a:xfrm>
+            <a:off x="3701038" y="5185644"/>
+            <a:ext cx="1406194" cy="307777"/>
+          </a:xfrm>
+          <a:prstGeom prst="rect">
+            <a:avLst/>
+          </a:prstGeom>
+        </p:spPr>
+        <p:txBody>
+          <a:bodyPr wrap="square">
+            <a:spAutoFit/>
+          </a:bodyPr>
+          <a:lstStyle/>
+          <a:p>
+            <a:r>
+              <a:rPr lang="en-US" altLang="ja-JP" sz="1400" b="1" dirty="0" smtClean="0">
+                <a:solidFill>
+                  <a:schemeClr val="bg2">
+                    <a:lumMod val="50000"/>
+                  </a:schemeClr>
+                </a:solidFill>
+                <a:latin typeface="HGP明朝E" panose="02020900000000000000" pitchFamily="18" charset="-128"/>
+                <a:ea typeface="HGP明朝E" panose="02020900000000000000" pitchFamily="18" charset="-128"/>
+              </a:rPr>
+              <a:t>AI</a:t>
+            </a:r>
+            <a:r>
+              <a:rPr lang="ja-JP" altLang="en-US" sz="1400" b="1" dirty="0" smtClean="0">
+                <a:solidFill>
+                  <a:schemeClr val="bg2">
+                    <a:lumMod val="50000"/>
+                  </a:schemeClr>
+                </a:solidFill>
+                <a:latin typeface="HGP明朝E" panose="02020900000000000000" pitchFamily="18" charset="-128"/>
+                <a:ea typeface="HGP明朝E" panose="02020900000000000000" pitchFamily="18" charset="-128"/>
+              </a:rPr>
+              <a:t>ナビが進化</a:t>
+            </a:r>
+            <a:r>
+              <a:rPr lang="ja-JP" altLang="en-US" sz="1400" b="1" dirty="0">
+                <a:solidFill>
+                  <a:schemeClr val="bg2">
+                    <a:lumMod val="50000"/>
+                  </a:schemeClr>
+                </a:solidFill>
+                <a:latin typeface="HGP明朝E" panose="02020900000000000000" pitchFamily="18" charset="-128"/>
+                <a:ea typeface="HGP明朝E" panose="02020900000000000000" pitchFamily="18" charset="-128"/>
+              </a:rPr>
+              <a:t>！</a:t>
+            </a:r>
+            <a:endParaRPr lang="ja-JP" altLang="en-US" sz="1400" b="1" dirty="0">
+              <a:solidFill>
+                <a:schemeClr val="bg2">
+                  <a:lumMod val="50000"/>
+                </a:schemeClr>
+              </a:solidFill>
+              <a:latin typeface="HGP明朝E" panose="02020900000000000000" pitchFamily="18" charset="-128"/>
+              <a:ea typeface="HGP明朝E" panose="02020900000000000000" pitchFamily="18" charset="-128"/>
+            </a:endParaRPr>
+          </a:p>
+        </p:txBody>
+      </p:sp>
+      <p:sp>
+        <p:nvSpPr>
+          <p:cNvPr id="49" name="正方形/長方形 48"/>
+          <p:cNvSpPr/>
+          <p:nvPr/>
+        </p:nvSpPr>
+        <p:spPr>
+          <a:xfrm>
+            <a:off x="135236" y="3879744"/>
+            <a:ext cx="720439" cy="1892826"/>
+          </a:xfrm>
+          <a:prstGeom prst="rect">
+            <a:avLst/>
+          </a:prstGeom>
+        </p:spPr>
+        <p:txBody>
+          <a:bodyPr wrap="square">
+            <a:spAutoFit/>
+          </a:bodyPr>
+          <a:lstStyle/>
+          <a:p>
+            <a:pPr>
+              <a:spcBef>
+                <a:spcPts val="100"/>
+              </a:spcBef>
+              <a:spcAft>
+                <a:spcPts val="100"/>
+              </a:spcAft>
+            </a:pPr>
+            <a:r>
+              <a:rPr lang="en-US" altLang="ja-JP" sz="2800" b="1" dirty="0">
+                <a:ln>
+                  <a:solidFill>
+                    <a:srgbClr val="8D8D8D"/>
+                  </a:solidFill>
+                </a:ln>
+                <a:latin typeface="HG明朝B" panose="02020809000000000000" pitchFamily="17" charset="-128"/>
+                <a:ea typeface="HG明朝B" panose="02020809000000000000" pitchFamily="17" charset="-128"/>
+              </a:rPr>
+              <a:t>-</a:t>
+            </a:r>
+          </a:p>
+          <a:p>
+            <a:pPr>
+              <a:spcBef>
+                <a:spcPts val="100"/>
+              </a:spcBef>
+              <a:spcAft>
+                <a:spcPts val="100"/>
+              </a:spcAft>
+            </a:pPr>
+            <a:r>
+              <a:rPr lang="ja-JP" altLang="en-US" sz="2800" b="1" dirty="0">
+                <a:ln>
+                  <a:solidFill>
+                    <a:srgbClr val="8D8D8D"/>
+                  </a:solidFill>
+                </a:ln>
+                <a:latin typeface="HG明朝B" panose="02020809000000000000" pitchFamily="17" charset="-128"/>
+                <a:ea typeface="HG明朝B" panose="02020809000000000000" pitchFamily="17" charset="-128"/>
+              </a:rPr>
+              <a:t>攻</a:t>
+            </a:r>
+            <a:endParaRPr lang="en-US" altLang="ja-JP" sz="2800" b="1" dirty="0">
+              <a:ln>
+                <a:solidFill>
+                  <a:srgbClr val="8D8D8D"/>
+                </a:solidFill>
+              </a:ln>
+              <a:latin typeface="HG明朝B" panose="02020809000000000000" pitchFamily="17" charset="-128"/>
+              <a:ea typeface="HG明朝B" panose="02020809000000000000" pitchFamily="17" charset="-128"/>
+            </a:endParaRPr>
+          </a:p>
+          <a:p>
+            <a:pPr>
+              <a:spcBef>
+                <a:spcPts val="100"/>
+              </a:spcBef>
+              <a:spcAft>
+                <a:spcPts val="100"/>
+              </a:spcAft>
+            </a:pPr>
+            <a:r>
+              <a:rPr lang="ja-JP" altLang="en-US" sz="2800" b="1" dirty="0">
+                <a:ln>
+                  <a:solidFill>
+                    <a:srgbClr val="8D8D8D"/>
+                  </a:solidFill>
+                </a:ln>
+                <a:latin typeface="HG明朝B" panose="02020809000000000000" pitchFamily="17" charset="-128"/>
+                <a:ea typeface="HG明朝B" panose="02020809000000000000" pitchFamily="17" charset="-128"/>
+              </a:rPr>
+              <a:t>撃</a:t>
+            </a:r>
+            <a:endParaRPr lang="en-US" altLang="ja-JP" sz="2800" b="1" dirty="0">
+              <a:ln>
+                <a:solidFill>
+                  <a:srgbClr val="8D8D8D"/>
+                </a:solidFill>
+              </a:ln>
+              <a:latin typeface="HG明朝B" panose="02020809000000000000" pitchFamily="17" charset="-128"/>
+              <a:ea typeface="HG明朝B" panose="02020809000000000000" pitchFamily="17" charset="-128"/>
+            </a:endParaRPr>
+          </a:p>
+          <a:p>
+            <a:pPr>
+              <a:spcBef>
+                <a:spcPts val="100"/>
+              </a:spcBef>
+              <a:spcAft>
+                <a:spcPts val="100"/>
+              </a:spcAft>
+            </a:pPr>
+            <a:r>
+              <a:rPr lang="en-US" altLang="ja-JP" sz="2800" b="1" dirty="0">
+                <a:ln>
+                  <a:solidFill>
+                    <a:srgbClr val="8D8D8D"/>
+                  </a:solidFill>
+                </a:ln>
+                <a:latin typeface="HG明朝B" panose="02020809000000000000" pitchFamily="17" charset="-128"/>
+                <a:ea typeface="HG明朝B" panose="02020809000000000000" pitchFamily="17" charset="-128"/>
+              </a:rPr>
+              <a:t>-</a:t>
+            </a:r>
+            <a:endParaRPr lang="en-US" altLang="ja-JP" sz="2800" b="1" dirty="0">
+              <a:ln>
+                <a:solidFill>
+                  <a:srgbClr val="8D8D8D"/>
+                </a:solidFill>
+              </a:ln>
+              <a:latin typeface="HG明朝B" panose="02020809000000000000" pitchFamily="17" charset="-128"/>
+              <a:ea typeface="HG明朝B" panose="02020809000000000000" pitchFamily="17" charset="-128"/>
+            </a:endParaRPr>
+          </a:p>
+        </p:txBody>
+      </p:sp>
+      <p:sp>
+        <p:nvSpPr>
+          <p:cNvPr id="51" name="正方形/長方形 50"/>
+          <p:cNvSpPr/>
+          <p:nvPr/>
+        </p:nvSpPr>
+        <p:spPr>
+          <a:xfrm>
+            <a:off x="166970" y="5737350"/>
+            <a:ext cx="641953" cy="1892826"/>
+          </a:xfrm>
+          <a:prstGeom prst="rect">
+            <a:avLst/>
+          </a:prstGeom>
+        </p:spPr>
+        <p:txBody>
+          <a:bodyPr wrap="square">
+            <a:spAutoFit/>
+          </a:bodyPr>
+          <a:lstStyle/>
+          <a:p>
+            <a:pPr>
+              <a:spcBef>
+                <a:spcPts val="100"/>
+              </a:spcBef>
+              <a:spcAft>
+                <a:spcPts val="100"/>
+              </a:spcAft>
+            </a:pPr>
+            <a:r>
+              <a:rPr lang="en-US" altLang="ja-JP" sz="2800" b="1" dirty="0">
+                <a:ln>
+                  <a:solidFill>
+                    <a:srgbClr val="8D8D8D"/>
+                  </a:solidFill>
+                </a:ln>
+                <a:latin typeface="HG明朝B" panose="02020809000000000000" pitchFamily="17" charset="-128"/>
+                <a:ea typeface="HG明朝B" panose="02020809000000000000" pitchFamily="17" charset="-128"/>
+              </a:rPr>
+              <a:t>-</a:t>
+            </a:r>
+          </a:p>
+          <a:p>
+            <a:pPr>
+              <a:spcBef>
+                <a:spcPts val="100"/>
+              </a:spcBef>
+              <a:spcAft>
+                <a:spcPts val="100"/>
+              </a:spcAft>
+            </a:pPr>
+            <a:r>
+              <a:rPr lang="ja-JP" altLang="en-US" sz="2800" b="1" dirty="0">
+                <a:ln>
+                  <a:solidFill>
+                    <a:srgbClr val="8D8D8D"/>
+                  </a:solidFill>
+                </a:ln>
+                <a:latin typeface="HG明朝B" panose="02020809000000000000" pitchFamily="17" charset="-128"/>
+                <a:ea typeface="HG明朝B" panose="02020809000000000000" pitchFamily="17" charset="-128"/>
+              </a:rPr>
+              <a:t>防</a:t>
+            </a:r>
+            <a:endParaRPr lang="en-US" altLang="ja-JP" sz="2800" b="1" dirty="0">
+              <a:ln>
+                <a:solidFill>
+                  <a:srgbClr val="8D8D8D"/>
+                </a:solidFill>
+              </a:ln>
+              <a:latin typeface="HG明朝B" panose="02020809000000000000" pitchFamily="17" charset="-128"/>
+              <a:ea typeface="HG明朝B" panose="02020809000000000000" pitchFamily="17" charset="-128"/>
+            </a:endParaRPr>
+          </a:p>
+          <a:p>
+            <a:pPr>
+              <a:spcBef>
+                <a:spcPts val="100"/>
+              </a:spcBef>
+              <a:spcAft>
+                <a:spcPts val="100"/>
+              </a:spcAft>
+            </a:pPr>
+            <a:r>
+              <a:rPr lang="ja-JP" altLang="en-US" sz="2800" b="1" dirty="0">
+                <a:ln>
+                  <a:solidFill>
+                    <a:srgbClr val="8D8D8D"/>
+                  </a:solidFill>
+                </a:ln>
+                <a:latin typeface="HG明朝B" panose="02020809000000000000" pitchFamily="17" charset="-128"/>
+                <a:ea typeface="HG明朝B" panose="02020809000000000000" pitchFamily="17" charset="-128"/>
+              </a:rPr>
+              <a:t>御</a:t>
+            </a:r>
+            <a:endParaRPr lang="en-US" altLang="ja-JP" sz="2800" b="1" dirty="0">
+              <a:ln>
+                <a:solidFill>
+                  <a:srgbClr val="8D8D8D"/>
+                </a:solidFill>
+              </a:ln>
+              <a:latin typeface="HG明朝B" panose="02020809000000000000" pitchFamily="17" charset="-128"/>
+              <a:ea typeface="HG明朝B" panose="02020809000000000000" pitchFamily="17" charset="-128"/>
+            </a:endParaRPr>
+          </a:p>
+          <a:p>
+            <a:pPr>
+              <a:spcBef>
+                <a:spcPts val="100"/>
+              </a:spcBef>
+              <a:spcAft>
+                <a:spcPts val="100"/>
+              </a:spcAft>
+            </a:pPr>
+            <a:r>
+              <a:rPr lang="en-US" altLang="ja-JP" sz="2800" b="1" dirty="0">
+                <a:ln>
+                  <a:solidFill>
+                    <a:srgbClr val="8D8D8D"/>
+                  </a:solidFill>
+                </a:ln>
+                <a:latin typeface="HG明朝B" panose="02020809000000000000" pitchFamily="17" charset="-128"/>
+                <a:ea typeface="HG明朝B" panose="02020809000000000000" pitchFamily="17" charset="-128"/>
+              </a:rPr>
+              <a:t>-</a:t>
+            </a:r>
+            <a:endParaRPr lang="en-US" altLang="ja-JP" sz="2800" b="1" dirty="0">
+              <a:ln>
+                <a:solidFill>
+                  <a:srgbClr val="8D8D8D"/>
+                </a:solidFill>
+              </a:ln>
+              <a:latin typeface="HG明朝B" panose="02020809000000000000" pitchFamily="17" charset="-128"/>
+              <a:ea typeface="HG明朝B" panose="02020809000000000000" pitchFamily="17" charset="-128"/>
+            </a:endParaRPr>
+          </a:p>
+        </p:txBody>
+      </p:sp>
+      <p:sp>
+        <p:nvSpPr>
+          <p:cNvPr id="67" name="正方形/長方形 66"/>
+          <p:cNvSpPr/>
+          <p:nvPr/>
+        </p:nvSpPr>
+        <p:spPr>
+          <a:xfrm>
+            <a:off x="3193627" y="6474973"/>
+            <a:ext cx="896041" cy="1107996"/>
+          </a:xfrm>
+          <a:prstGeom prst="rect">
+            <a:avLst/>
+          </a:prstGeom>
+          <a:noFill/>
+          <a:effectLst>
+            <a:outerShdw blurRad="50800" dist="38100" dir="5400000" algn="t" rotWithShape="0">
+              <a:prstClr val="black">
+                <a:alpha val="39000"/>
+              </a:prstClr>
+            </a:outerShdw>
+          </a:effectLst>
+        </p:spPr>
+        <p:txBody>
+          <a:bodyPr wrap="square">
+            <a:spAutoFit/>
+          </a:bodyPr>
+          <a:lstStyle/>
+          <a:p>
+            <a:pPr>
+              <a:spcBef>
+                <a:spcPts val="100"/>
+              </a:spcBef>
+              <a:spcAft>
+                <a:spcPts val="100"/>
+              </a:spcAft>
+            </a:pPr>
+            <a:r>
+              <a:rPr lang="ja-JP" altLang="en-US" sz="6600" b="1" dirty="0" smtClean="0">
                 <a:ln>
                   <a:solidFill>
                     <a:schemeClr val="bg2">
@@ -4920,40 +7628,15 @@
                     </a:schemeClr>
                   </a:solidFill>
                 </a:ln>
+                <a:solidFill>
+                  <a:schemeClr val="bg1"/>
+                </a:solidFill>
                 <a:latin typeface="HG明朝B" panose="02020809000000000000" pitchFamily="17" charset="-128"/>
                 <a:ea typeface="HG明朝B" panose="02020809000000000000" pitchFamily="17" charset="-128"/>
               </a:rPr>
-              <a:t>・一定</a:t>
-            </a:r>
-            <a:r>
-              <a:rPr lang="ja-JP" altLang="en-US" dirty="0">
-                <a:ln>
-                  <a:solidFill>
-                    <a:schemeClr val="bg2">
-                      <a:lumMod val="50000"/>
-                    </a:schemeClr>
-                  </a:solidFill>
-                </a:ln>
-                <a:latin typeface="HG明朝B" panose="02020809000000000000" pitchFamily="17" charset="-128"/>
-                <a:ea typeface="HG明朝B" panose="02020809000000000000" pitchFamily="17" charset="-128"/>
-              </a:rPr>
-              <a:t>の敵を倒しステージを進め、ボスを</a:t>
-            </a:r>
-            <a:r>
-              <a:rPr lang="ja-JP" altLang="en-US" dirty="0" smtClean="0">
-                <a:ln>
-                  <a:solidFill>
-                    <a:schemeClr val="bg2">
-                      <a:lumMod val="50000"/>
-                    </a:schemeClr>
-                  </a:solidFill>
-                </a:ln>
-                <a:latin typeface="HG明朝B" panose="02020809000000000000" pitchFamily="17" charset="-128"/>
-                <a:ea typeface="HG明朝B" panose="02020809000000000000" pitchFamily="17" charset="-128"/>
-              </a:rPr>
-              <a:t>攻略を目指す。</a:t>
-            </a:r>
-            <a:endParaRPr lang="en-US" altLang="ja-JP" dirty="0" smtClean="0">
+              <a:t>→</a:t>
+            </a:r>
+            <a:endParaRPr lang="en-US" altLang="ja-JP" sz="6600" b="1" dirty="0">
               <a:ln>
                 <a:solidFill>
                   <a:schemeClr val="bg2">
@@ -4961,41 +7644,9 @@
                   </a:schemeClr>
                 </a:solidFill>
               </a:ln>
-              <a:latin typeface="HG明朝B" panose="02020809000000000000" pitchFamily="17" charset="-128"/>
-              <a:ea typeface="HG明朝B" panose="02020809000000000000" pitchFamily="17" charset="-128"/>
-            </a:endParaRPr>
-          </a:p>
-        </p:txBody>
-      </p:sp>
-      <p:sp>
-        <p:nvSpPr>
-          <p:cNvPr id="16" name="正方形/長方形 15"/>
-          <p:cNvSpPr/>
-          <p:nvPr/>
-        </p:nvSpPr>
-        <p:spPr>
-          <a:xfrm>
-            <a:off x="377922" y="7499639"/>
-            <a:ext cx="5964263" cy="369332"/>
-          </a:xfrm>
-          <a:prstGeom prst="rect">
-            <a:avLst/>
-          </a:prstGeom>
-        </p:spPr>
-        <p:txBody>
-          <a:bodyPr wrap="square">
-            <a:spAutoFit/>
-          </a:bodyPr>
-          <a:lstStyle/>
-          <a:p>
-            <a:endParaRPr lang="en-US" altLang="ja-JP" dirty="0">
-              <a:ln>
-                <a:solidFill>
-                  <a:schemeClr val="bg2">
-                    <a:lumMod val="50000"/>
-                  </a:schemeClr>
-                </a:solidFill>
-              </a:ln>
+              <a:solidFill>
+                <a:schemeClr val="bg1"/>
+              </a:solidFill>
               <a:latin typeface="HG明朝B" panose="02020809000000000000" pitchFamily="17" charset="-128"/>
               <a:ea typeface="HG明朝B" panose="02020809000000000000" pitchFamily="17" charset="-128"/>
             </a:endParaRPr>
@@ -5273,7 +7924,44 @@
       </a:bgFillStyleLst>
     </a:fmtScheme>
   </a:themeElements>
-  <a:objectDefaults/>
+  <a:objectDefaults>
+    <a:spDef>
+      <a:spPr>
+        <a:solidFill>
+          <a:schemeClr val="bg1"/>
+        </a:solidFill>
+        <a:effectLst>
+          <a:outerShdw blurRad="50800" dist="38100" dir="2700000" algn="tl" rotWithShape="0">
+            <a:prstClr val="black">
+              <a:alpha val="40000"/>
+            </a:prstClr>
+          </a:outerShdw>
+        </a:effectLst>
+      </a:spPr>
+      <a:bodyPr rtlCol="0" anchor="ctr"/>
+      <a:lstStyle>
+        <a:defPPr algn="ctr">
+          <a:defRPr kumimoji="1"/>
+        </a:defPPr>
+      </a:lstStyle>
+      <a:style>
+        <a:lnRef idx="2">
+          <a:schemeClr val="accent1">
+            <a:shade val="50000"/>
+          </a:schemeClr>
+        </a:lnRef>
+        <a:fillRef idx="1">
+          <a:schemeClr val="accent1"/>
+        </a:fillRef>
+        <a:effectRef idx="0">
+          <a:schemeClr val="accent1"/>
+        </a:effectRef>
+        <a:fontRef idx="minor">
+          <a:schemeClr val="lt1"/>
+        </a:fontRef>
+      </a:style>
+    </a:spDef>
+  </a:objectDefaults>
   <a:extraClrSchemeLst/>
   <a:extLst>
     <a:ext uri="{05A4C25C-085E-4340-85A3-A5531E510DB2}">
